--- a/resources/consolidatie/WerkgroepConsolidatie20210531.pptx
+++ b/resources/consolidatie/WerkgroepConsolidatie20210531.pptx
@@ -22,14 +22,12 @@
     <p:sldId id="279" r:id="rId16"/>
     <p:sldId id="277" r:id="rId17"/>
     <p:sldId id="278" r:id="rId18"/>
-    <p:sldId id="281" r:id="rId19"/>
-    <p:sldId id="282" r:id="rId20"/>
-    <p:sldId id="283" r:id="rId21"/>
-    <p:sldId id="285" r:id="rId22"/>
-    <p:sldId id="286" r:id="rId23"/>
-    <p:sldId id="287" r:id="rId24"/>
-    <p:sldId id="288" r:id="rId25"/>
-    <p:sldId id="289" r:id="rId26"/>
+    <p:sldId id="282" r:id="rId19"/>
+    <p:sldId id="283" r:id="rId20"/>
+    <p:sldId id="286" r:id="rId21"/>
+    <p:sldId id="287" r:id="rId22"/>
+    <p:sldId id="288" r:id="rId23"/>
+    <p:sldId id="289" r:id="rId24"/>
   </p:sldIdLst>
   <p:sldSz cx="12192000" cy="6858000"/>
   <p:notesSz cx="6858000" cy="9144000"/>
@@ -139,7 +137,7 @@
 <file path=ppt/revisionInfo.xml><?xml version="1.0" encoding="utf-8"?>
 <p1510:revInfo xmlns:a="http://schemas.openxmlformats.org/drawingml/2006/main" xmlns:r="http://schemas.openxmlformats.org/officeDocument/2006/relationships" xmlns:p1510="http://schemas.microsoft.com/office/powerpoint/2015/10/main">
   <p1510:revLst>
-    <p1510:client id="{78EC5023-4952-4772-851B-52D3F40011A5}" v="69" dt="2021-05-19T21:21:05.812"/>
+    <p1510:client id="{78EC5023-4952-4772-851B-52D3F40011A5}" v="73" dt="2021-05-20T10:40:04.109"/>
   </p1510:revLst>
 </p1510:revInfo>
 </file>
@@ -149,7 +147,7 @@
   <pc:docChgLst>
     <pc:chgData name="Thijs Geert" userId="71bbdf76-1f78-436b-8a82-e502e1f22064" providerId="ADAL" clId="{78EC5023-4952-4772-851B-52D3F40011A5}"/>
     <pc:docChg chg="undo custSel addSld delSld modSld sldOrd">
-      <pc:chgData name="Thijs Geert" userId="71bbdf76-1f78-436b-8a82-e502e1f22064" providerId="ADAL" clId="{78EC5023-4952-4772-851B-52D3F40011A5}" dt="2021-05-19T21:24:16.158" v="2424" actId="20577"/>
+      <pc:chgData name="Thijs Geert" userId="71bbdf76-1f78-436b-8a82-e502e1f22064" providerId="ADAL" clId="{78EC5023-4952-4772-851B-52D3F40011A5}" dt="2021-05-20T10:40:14.672" v="2502" actId="1076"/>
       <pc:docMkLst>
         <pc:docMk/>
       </pc:docMkLst>
@@ -1055,8 +1053,8 @@
           <pc:sldMk cId="2046769072" sldId="281"/>
         </pc:sldMkLst>
       </pc:sldChg>
-      <pc:sldChg chg="modSp add mod">
-        <pc:chgData name="Thijs Geert" userId="71bbdf76-1f78-436b-8a82-e502e1f22064" providerId="ADAL" clId="{78EC5023-4952-4772-851B-52D3F40011A5}" dt="2021-05-19T21:09:01.229" v="1961" actId="20577"/>
+      <pc:sldChg chg="modSp add del mod">
+        <pc:chgData name="Thijs Geert" userId="71bbdf76-1f78-436b-8a82-e502e1f22064" providerId="ADAL" clId="{78EC5023-4952-4772-851B-52D3F40011A5}" dt="2021-05-20T10:39:30.596" v="2493" actId="47"/>
         <pc:sldMkLst>
           <pc:docMk/>
           <pc:sldMk cId="3980261504" sldId="281"/>
@@ -1070,7 +1068,7 @@
           </ac:spMkLst>
         </pc:spChg>
         <pc:spChg chg="mod">
-          <ac:chgData name="Thijs Geert" userId="71bbdf76-1f78-436b-8a82-e502e1f22064" providerId="ADAL" clId="{78EC5023-4952-4772-851B-52D3F40011A5}" dt="2021-05-19T21:09:01.229" v="1961" actId="20577"/>
+          <ac:chgData name="Thijs Geert" userId="71bbdf76-1f78-436b-8a82-e502e1f22064" providerId="ADAL" clId="{78EC5023-4952-4772-851B-52D3F40011A5}" dt="2021-05-20T10:38:15.389" v="2451" actId="20577"/>
           <ac:spMkLst>
             <pc:docMk/>
             <pc:sldMk cId="3980261504" sldId="281"/>
@@ -1079,13 +1077,13 @@
         </pc:spChg>
       </pc:sldChg>
       <pc:sldChg chg="modSp add mod">
-        <pc:chgData name="Thijs Geert" userId="71bbdf76-1f78-436b-8a82-e502e1f22064" providerId="ADAL" clId="{78EC5023-4952-4772-851B-52D3F40011A5}" dt="2021-05-19T21:05:00.925" v="1838" actId="20577"/>
+        <pc:chgData name="Thijs Geert" userId="71bbdf76-1f78-436b-8a82-e502e1f22064" providerId="ADAL" clId="{78EC5023-4952-4772-851B-52D3F40011A5}" dt="2021-05-20T10:39:00.683" v="2491" actId="20577"/>
         <pc:sldMkLst>
           <pc:docMk/>
           <pc:sldMk cId="2626063440" sldId="282"/>
         </pc:sldMkLst>
         <pc:spChg chg="mod">
-          <ac:chgData name="Thijs Geert" userId="71bbdf76-1f78-436b-8a82-e502e1f22064" providerId="ADAL" clId="{78EC5023-4952-4772-851B-52D3F40011A5}" dt="2021-05-19T20:49:17.676" v="1510" actId="20577"/>
+          <ac:chgData name="Thijs Geert" userId="71bbdf76-1f78-436b-8a82-e502e1f22064" providerId="ADAL" clId="{78EC5023-4952-4772-851B-52D3F40011A5}" dt="2021-05-20T10:38:27.083" v="2464" actId="20577"/>
           <ac:spMkLst>
             <pc:docMk/>
             <pc:sldMk cId="2626063440" sldId="282"/>
@@ -1093,7 +1091,7 @@
           </ac:spMkLst>
         </pc:spChg>
         <pc:spChg chg="mod">
-          <ac:chgData name="Thijs Geert" userId="71bbdf76-1f78-436b-8a82-e502e1f22064" providerId="ADAL" clId="{78EC5023-4952-4772-851B-52D3F40011A5}" dt="2021-05-19T21:05:00.925" v="1838" actId="20577"/>
+          <ac:chgData name="Thijs Geert" userId="71bbdf76-1f78-436b-8a82-e502e1f22064" providerId="ADAL" clId="{78EC5023-4952-4772-851B-52D3F40011A5}" dt="2021-05-20T10:39:00.683" v="2491" actId="20577"/>
           <ac:spMkLst>
             <pc:docMk/>
             <pc:sldMk cId="2626063440" sldId="282"/>
@@ -1102,13 +1100,13 @@
         </pc:spChg>
       </pc:sldChg>
       <pc:sldChg chg="addSp delSp modSp add mod">
-        <pc:chgData name="Thijs Geert" userId="71bbdf76-1f78-436b-8a82-e502e1f22064" providerId="ADAL" clId="{78EC5023-4952-4772-851B-52D3F40011A5}" dt="2021-05-19T21:06:07.130" v="1843" actId="1076"/>
+        <pc:chgData name="Thijs Geert" userId="71bbdf76-1f78-436b-8a82-e502e1f22064" providerId="ADAL" clId="{78EC5023-4952-4772-851B-52D3F40011A5}" dt="2021-05-20T10:40:14.672" v="2502" actId="1076"/>
         <pc:sldMkLst>
           <pc:docMk/>
           <pc:sldMk cId="2649756330" sldId="283"/>
         </pc:sldMkLst>
         <pc:spChg chg="mod">
-          <ac:chgData name="Thijs Geert" userId="71bbdf76-1f78-436b-8a82-e502e1f22064" providerId="ADAL" clId="{78EC5023-4952-4772-851B-52D3F40011A5}" dt="2021-05-19T21:05:12.034" v="1839"/>
+          <ac:chgData name="Thijs Geert" userId="71bbdf76-1f78-436b-8a82-e502e1f22064" providerId="ADAL" clId="{78EC5023-4952-4772-851B-52D3F40011A5}" dt="2021-05-20T10:39:20.295" v="2492"/>
           <ac:spMkLst>
             <pc:docMk/>
             <pc:sldMk cId="2649756330" sldId="283"/>
@@ -1124,6 +1122,14 @@
           </ac:spMkLst>
         </pc:spChg>
         <pc:spChg chg="add del mod">
+          <ac:chgData name="Thijs Geert" userId="71bbdf76-1f78-436b-8a82-e502e1f22064" providerId="ADAL" clId="{78EC5023-4952-4772-851B-52D3F40011A5}" dt="2021-05-20T10:39:43.988" v="2496" actId="478"/>
+          <ac:spMkLst>
+            <pc:docMk/>
+            <pc:sldMk cId="2649756330" sldId="283"/>
+            <ac:spMk id="5" creationId="{33A7F215-E378-4E87-B21E-09359F187CCB}"/>
+          </ac:spMkLst>
+        </pc:spChg>
+        <pc:spChg chg="add del mod">
           <ac:chgData name="Thijs Geert" userId="71bbdf76-1f78-436b-8a82-e502e1f22064" providerId="ADAL" clId="{78EC5023-4952-4772-851B-52D3F40011A5}" dt="2021-05-19T20:29:35.978" v="1420" actId="478"/>
           <ac:spMkLst>
             <pc:docMk/>
@@ -1131,12 +1137,28 @@
             <ac:spMk id="5" creationId="{5D23CA46-E9D5-44DC-8EB9-90D7E50FF29B}"/>
           </ac:spMkLst>
         </pc:spChg>
-        <pc:picChg chg="add mod">
-          <ac:chgData name="Thijs Geert" userId="71bbdf76-1f78-436b-8a82-e502e1f22064" providerId="ADAL" clId="{78EC5023-4952-4772-851B-52D3F40011A5}" dt="2021-05-19T21:06:07.130" v="1843" actId="1076"/>
+        <pc:picChg chg="add del mod">
+          <ac:chgData name="Thijs Geert" userId="71bbdf76-1f78-436b-8a82-e502e1f22064" providerId="ADAL" clId="{78EC5023-4952-4772-851B-52D3F40011A5}" dt="2021-05-20T10:39:37.420" v="2494" actId="478"/>
+          <ac:picMkLst>
+            <pc:docMk/>
+            <pc:sldMk cId="2649756330" sldId="283"/>
+            <ac:picMk id="4" creationId="{3BFAFF2C-E4B2-4CFD-90F5-633384E850DA}"/>
+          </ac:picMkLst>
+        </pc:picChg>
+        <pc:picChg chg="add del mod">
+          <ac:chgData name="Thijs Geert" userId="71bbdf76-1f78-436b-8a82-e502e1f22064" providerId="ADAL" clId="{78EC5023-4952-4772-851B-52D3F40011A5}" dt="2021-05-20T08:25:38.492" v="2425" actId="478"/>
           <ac:picMkLst>
             <pc:docMk/>
             <pc:sldMk cId="2649756330" sldId="283"/>
             <ac:picMk id="7" creationId="{06D9653B-DF80-43C0-8FB9-CC5DDA07DE91}"/>
+          </ac:picMkLst>
+        </pc:picChg>
+        <pc:picChg chg="add mod">
+          <ac:chgData name="Thijs Geert" userId="71bbdf76-1f78-436b-8a82-e502e1f22064" providerId="ADAL" clId="{78EC5023-4952-4772-851B-52D3F40011A5}" dt="2021-05-20T10:40:14.672" v="2502" actId="1076"/>
+          <ac:picMkLst>
+            <pc:docMk/>
+            <pc:sldMk cId="2649756330" sldId="283"/>
+            <ac:picMk id="8" creationId="{AE909FC5-093C-40A0-8F4E-9529D3C9B75C}"/>
           </ac:picMkLst>
         </pc:picChg>
       </pc:sldChg>
@@ -1163,8 +1185,8 @@
           </ac:spMkLst>
         </pc:spChg>
       </pc:sldChg>
-      <pc:sldChg chg="modSp add mod">
-        <pc:chgData name="Thijs Geert" userId="71bbdf76-1f78-436b-8a82-e502e1f22064" providerId="ADAL" clId="{78EC5023-4952-4772-851B-52D3F40011A5}" dt="2021-05-19T21:18:00.577" v="2211" actId="20577"/>
+      <pc:sldChg chg="modSp add del mod">
+        <pc:chgData name="Thijs Geert" userId="71bbdf76-1f78-436b-8a82-e502e1f22064" providerId="ADAL" clId="{78EC5023-4952-4772-851B-52D3F40011A5}" dt="2021-05-20T10:39:48.583" v="2497" actId="47"/>
         <pc:sldMkLst>
           <pc:docMk/>
           <pc:sldMk cId="3338541487" sldId="285"/>
@@ -1440,7 +1462,7 @@
           <a:p>
             <a:fld id="{39F4D874-1312-4A59-A9D3-4C46B62B3F8C}" type="datetimeFigureOut">
               <a:rPr lang="nl-BE" smtClean="0"/>
-              <a:t>19/05/2021</a:t>
+              <a:t>20/05/2021</a:t>
             </a:fld>
             <a:endParaRPr lang="nl-BE"/>
           </a:p>
@@ -1640,7 +1662,7 @@
           <a:p>
             <a:fld id="{39F4D874-1312-4A59-A9D3-4C46B62B3F8C}" type="datetimeFigureOut">
               <a:rPr lang="nl-BE" smtClean="0"/>
-              <a:t>19/05/2021</a:t>
+              <a:t>20/05/2021</a:t>
             </a:fld>
             <a:endParaRPr lang="nl-BE"/>
           </a:p>
@@ -1850,7 +1872,7 @@
           <a:p>
             <a:fld id="{39F4D874-1312-4A59-A9D3-4C46B62B3F8C}" type="datetimeFigureOut">
               <a:rPr lang="nl-BE" smtClean="0"/>
-              <a:t>19/05/2021</a:t>
+              <a:t>20/05/2021</a:t>
             </a:fld>
             <a:endParaRPr lang="nl-BE"/>
           </a:p>
@@ -2050,7 +2072,7 @@
           <a:p>
             <a:fld id="{39F4D874-1312-4A59-A9D3-4C46B62B3F8C}" type="datetimeFigureOut">
               <a:rPr lang="nl-BE" smtClean="0"/>
-              <a:t>19/05/2021</a:t>
+              <a:t>20/05/2021</a:t>
             </a:fld>
             <a:endParaRPr lang="nl-BE"/>
           </a:p>
@@ -2326,7 +2348,7 @@
           <a:p>
             <a:fld id="{39F4D874-1312-4A59-A9D3-4C46B62B3F8C}" type="datetimeFigureOut">
               <a:rPr lang="nl-BE" smtClean="0"/>
-              <a:t>19/05/2021</a:t>
+              <a:t>20/05/2021</a:t>
             </a:fld>
             <a:endParaRPr lang="nl-BE"/>
           </a:p>
@@ -2594,7 +2616,7 @@
           <a:p>
             <a:fld id="{39F4D874-1312-4A59-A9D3-4C46B62B3F8C}" type="datetimeFigureOut">
               <a:rPr lang="nl-BE" smtClean="0"/>
-              <a:t>19/05/2021</a:t>
+              <a:t>20/05/2021</a:t>
             </a:fld>
             <a:endParaRPr lang="nl-BE"/>
           </a:p>
@@ -3009,7 +3031,7 @@
           <a:p>
             <a:fld id="{39F4D874-1312-4A59-A9D3-4C46B62B3F8C}" type="datetimeFigureOut">
               <a:rPr lang="nl-BE" smtClean="0"/>
-              <a:t>19/05/2021</a:t>
+              <a:t>20/05/2021</a:t>
             </a:fld>
             <a:endParaRPr lang="nl-BE"/>
           </a:p>
@@ -3151,7 +3173,7 @@
           <a:p>
             <a:fld id="{39F4D874-1312-4A59-A9D3-4C46B62B3F8C}" type="datetimeFigureOut">
               <a:rPr lang="nl-BE" smtClean="0"/>
-              <a:t>19/05/2021</a:t>
+              <a:t>20/05/2021</a:t>
             </a:fld>
             <a:endParaRPr lang="nl-BE"/>
           </a:p>
@@ -3264,7 +3286,7 @@
           <a:p>
             <a:fld id="{39F4D874-1312-4A59-A9D3-4C46B62B3F8C}" type="datetimeFigureOut">
               <a:rPr lang="nl-BE" smtClean="0"/>
-              <a:t>19/05/2021</a:t>
+              <a:t>20/05/2021</a:t>
             </a:fld>
             <a:endParaRPr lang="nl-BE"/>
           </a:p>
@@ -3577,7 +3599,7 @@
           <a:p>
             <a:fld id="{39F4D874-1312-4A59-A9D3-4C46B62B3F8C}" type="datetimeFigureOut">
               <a:rPr lang="nl-BE" smtClean="0"/>
-              <a:t>19/05/2021</a:t>
+              <a:t>20/05/2021</a:t>
             </a:fld>
             <a:endParaRPr lang="nl-BE"/>
           </a:p>
@@ -3866,7 +3888,7 @@
           <a:p>
             <a:fld id="{39F4D874-1312-4A59-A9D3-4C46B62B3F8C}" type="datetimeFigureOut">
               <a:rPr lang="nl-BE" smtClean="0"/>
-              <a:t>19/05/2021</a:t>
+              <a:t>20/05/2021</a:t>
             </a:fld>
             <a:endParaRPr lang="nl-BE"/>
           </a:p>
@@ -4109,7 +4131,7 @@
           <a:p>
             <a:fld id="{39F4D874-1312-4A59-A9D3-4C46B62B3F8C}" type="datetimeFigureOut">
               <a:rPr lang="nl-BE" smtClean="0"/>
-              <a:t>19/05/2021</a:t>
+              <a:t>20/05/2021</a:t>
             </a:fld>
             <a:endParaRPr lang="nl-BE"/>
           </a:p>
@@ -6711,8 +6733,13 @@
           <a:p>
             <a:r>
               <a:rPr lang="nl-BE" dirty="0"/>
-              <a:t>Voorbeelden</a:t>
-            </a:r>
+              <a:t>Voorbeeld </a:t>
+            </a:r>
+            <a:r>
+              <a:rPr lang="nl-BE" dirty="0" err="1"/>
+              <a:t>BemonsteringMetObservatie</a:t>
+            </a:r>
+            <a:endParaRPr lang="nl-BE" dirty="0"/>
           </a:p>
         </p:txBody>
       </p:sp>
@@ -6739,21 +6766,7 @@
           <a:p>
             <a:r>
               <a:rPr lang="nl-BE" dirty="0"/>
-              <a:t>Voor:</a:t>
-            </a:r>
-          </a:p>
-          <a:p>
-            <a:pPr lvl="1"/>
-            <a:r>
-              <a:rPr lang="nl-BE" dirty="0"/>
-              <a:t>Bemonstering</a:t>
-            </a:r>
-          </a:p>
-          <a:p>
-            <a:pPr lvl="1"/>
-            <a:r>
-              <a:rPr lang="nl-BE" dirty="0"/>
-              <a:t>TODO: Observatie</a:t>
+              <a:t>pH-analyse op bodemmonster</a:t>
             </a:r>
           </a:p>
         </p:txBody>
@@ -6761,7 +6774,7 @@
     </p:spTree>
     <p:extLst>
       <p:ext uri="{BB962C8B-B14F-4D97-AF65-F5344CB8AC3E}">
-        <p14:creationId xmlns:p14="http://schemas.microsoft.com/office/powerpoint/2010/main" val="3980261504"/>
+        <p14:creationId xmlns:p14="http://schemas.microsoft.com/office/powerpoint/2010/main" val="2626063440"/>
       </p:ext>
     </p:extLst>
   </p:cSld>
@@ -6811,66 +6824,51 @@
           <a:p>
             <a:r>
               <a:rPr lang="nl-BE" dirty="0"/>
-              <a:t>Voorbeeld Bemonstering</a:t>
-            </a:r>
-          </a:p>
-        </p:txBody>
-      </p:sp>
-      <p:sp>
-        <p:nvSpPr>
-          <p:cNvPr id="3" name="Content Placeholder 2">
-            <a:extLst>
-              <a:ext uri="{FF2B5EF4-FFF2-40B4-BE49-F238E27FC236}">
-                <a16:creationId xmlns:a16="http://schemas.microsoft.com/office/drawing/2014/main" id="{B91FEBC3-BC36-44B4-98C0-7B7A5DAF600B}"/>
-              </a:ext>
-            </a:extLst>
-          </p:cNvPr>
-          <p:cNvSpPr>
-            <a:spLocks noGrp="1"/>
-          </p:cNvSpPr>
-          <p:nvPr>
-            <p:ph idx="1"/>
-          </p:nvPr>
-        </p:nvSpPr>
-        <p:spPr/>
-        <p:txBody>
-          <a:bodyPr/>
-          <a:lstStyle/>
-          <a:p>
-            <a:r>
-              <a:rPr lang="nl-BE" dirty="0"/>
-              <a:t>Inwinning &amp; Voorbereiding Monster</a:t>
-            </a:r>
-          </a:p>
-          <a:p>
-            <a:pPr lvl="1"/>
-            <a:r>
-              <a:rPr lang="nl-BE" dirty="0"/>
-              <a:t>Steen wordt uitgehakt bij </a:t>
-            </a:r>
-            <a:r>
-              <a:rPr lang="nl-BE" dirty="0" err="1"/>
-              <a:t>Outcrop</a:t>
-            </a:r>
-            <a:r>
-              <a:rPr lang="nl-BE" dirty="0"/>
-              <a:t> (=Bemonstering) en daarna verbrijzeld met Kogelmolen (=Bemonstering </a:t>
-            </a:r>
-            <a:r>
-              <a:rPr lang="nl-BE" dirty="0" err="1"/>
-              <a:t>vh</a:t>
-            </a:r>
-            <a:r>
-              <a:rPr lang="nl-BE" dirty="0"/>
-              <a:t> type Monstervoorbereiding)</a:t>
-            </a:r>
-          </a:p>
-        </p:txBody>
-      </p:sp>
+              <a:t>pH-analyse op bodemmonster</a:t>
+            </a:r>
+          </a:p>
+        </p:txBody>
+      </p:sp>
+      <p:pic>
+        <p:nvPicPr>
+          <p:cNvPr id="8" name="Picture 7" descr="Diagram&#10;&#10;Description automatically generated">
+            <a:extLst>
+              <a:ext uri="{FF2B5EF4-FFF2-40B4-BE49-F238E27FC236}">
+                <a16:creationId xmlns:a16="http://schemas.microsoft.com/office/drawing/2014/main" id="{AE909FC5-093C-40A0-8F4E-9529D3C9B75C}"/>
+              </a:ext>
+            </a:extLst>
+          </p:cNvPr>
+          <p:cNvPicPr>
+            <a:picLocks noChangeAspect="1"/>
+          </p:cNvPicPr>
+          <p:nvPr/>
+        </p:nvPicPr>
+        <p:blipFill>
+          <a:blip r:embed="rId2">
+            <a:extLst>
+              <a:ext uri="{28A0092B-C50C-407E-A947-70E740481C1C}">
+                <a14:useLocalDpi xmlns:a14="http://schemas.microsoft.com/office/drawing/2010/main" val="0"/>
+              </a:ext>
+            </a:extLst>
+          </a:blip>
+          <a:stretch>
+            <a:fillRect/>
+          </a:stretch>
+        </p:blipFill>
+        <p:spPr>
+          <a:xfrm>
+            <a:off x="701984" y="2108514"/>
+            <a:ext cx="10788032" cy="3167820"/>
+          </a:xfrm>
+          <a:prstGeom prst="rect">
+            <a:avLst/>
+          </a:prstGeom>
+        </p:spPr>
+      </p:pic>
     </p:spTree>
     <p:extLst>
       <p:ext uri="{BB962C8B-B14F-4D97-AF65-F5344CB8AC3E}">
-        <p14:creationId xmlns:p14="http://schemas.microsoft.com/office/powerpoint/2010/main" val="2626063440"/>
+        <p14:creationId xmlns:p14="http://schemas.microsoft.com/office/powerpoint/2010/main" val="2649756330"/>
       </p:ext>
     </p:extLst>
   </p:cSld>
@@ -7049,186 +7047,6 @@
           <a:p>
             <a:r>
               <a:rPr lang="nl-BE" dirty="0"/>
-              <a:t>Inwinning &amp; Voorbereiding Monster</a:t>
-            </a:r>
-          </a:p>
-        </p:txBody>
-      </p:sp>
-      <p:pic>
-        <p:nvPicPr>
-          <p:cNvPr id="7" name="Picture 6" descr="Diagram&#10;&#10;Description automatically generated">
-            <a:extLst>
-              <a:ext uri="{FF2B5EF4-FFF2-40B4-BE49-F238E27FC236}">
-                <a16:creationId xmlns:a16="http://schemas.microsoft.com/office/drawing/2014/main" id="{06D9653B-DF80-43C0-8FB9-CC5DDA07DE91}"/>
-              </a:ext>
-            </a:extLst>
-          </p:cNvPr>
-          <p:cNvPicPr>
-            <a:picLocks noChangeAspect="1"/>
-          </p:cNvPicPr>
-          <p:nvPr/>
-        </p:nvPicPr>
-        <p:blipFill>
-          <a:blip r:embed="rId2">
-            <a:extLst>
-              <a:ext uri="{28A0092B-C50C-407E-A947-70E740481C1C}">
-                <a14:useLocalDpi xmlns:a14="http://schemas.microsoft.com/office/drawing/2010/main" val="0"/>
-              </a:ext>
-            </a:extLst>
-          </a:blip>
-          <a:stretch>
-            <a:fillRect/>
-          </a:stretch>
-        </p:blipFill>
-        <p:spPr>
-          <a:xfrm>
-            <a:off x="1172496" y="1765503"/>
-            <a:ext cx="9847007" cy="4018063"/>
-          </a:xfrm>
-          <a:prstGeom prst="rect">
-            <a:avLst/>
-          </a:prstGeom>
-        </p:spPr>
-      </p:pic>
-    </p:spTree>
-    <p:extLst>
-      <p:ext uri="{BB962C8B-B14F-4D97-AF65-F5344CB8AC3E}">
-        <p14:creationId xmlns:p14="http://schemas.microsoft.com/office/powerpoint/2010/main" val="2649756330"/>
-      </p:ext>
-    </p:extLst>
-  </p:cSld>
-  <p:clrMapOvr>
-    <a:masterClrMapping/>
-  </p:clrMapOvr>
-</p:sld>
-</file>
-
-<file path=ppt/slides/slide21.xml><?xml version="1.0" encoding="utf-8"?>
-<p:sld xmlns:a="http://schemas.openxmlformats.org/drawingml/2006/main" xmlns:r="http://schemas.openxmlformats.org/officeDocument/2006/relationships" xmlns:p="http://schemas.openxmlformats.org/presentationml/2006/main">
-  <p:cSld>
-    <p:spTree>
-      <p:nvGrpSpPr>
-        <p:cNvPr id="1" name=""/>
-        <p:cNvGrpSpPr/>
-        <p:nvPr/>
-      </p:nvGrpSpPr>
-      <p:grpSpPr>
-        <a:xfrm>
-          <a:off x="0" y="0"/>
-          <a:ext cx="0" cy="0"/>
-          <a:chOff x="0" y="0"/>
-          <a:chExt cx="0" cy="0"/>
-        </a:xfrm>
-      </p:grpSpPr>
-      <p:sp>
-        <p:nvSpPr>
-          <p:cNvPr id="2" name="Title 1">
-            <a:extLst>
-              <a:ext uri="{FF2B5EF4-FFF2-40B4-BE49-F238E27FC236}">
-                <a16:creationId xmlns:a16="http://schemas.microsoft.com/office/drawing/2014/main" id="{1DEFF95F-CF61-49C4-B9AA-440049470977}"/>
-              </a:ext>
-            </a:extLst>
-          </p:cNvPr>
-          <p:cNvSpPr>
-            <a:spLocks noGrp="1"/>
-          </p:cNvSpPr>
-          <p:nvPr>
-            <p:ph type="title"/>
-          </p:nvPr>
-        </p:nvSpPr>
-        <p:spPr/>
-        <p:txBody>
-          <a:bodyPr/>
-          <a:lstStyle/>
-          <a:p>
-            <a:r>
-              <a:rPr lang="nl-BE" dirty="0"/>
-              <a:t>Voorbeeld Observatie</a:t>
-            </a:r>
-          </a:p>
-        </p:txBody>
-      </p:sp>
-      <p:sp>
-        <p:nvSpPr>
-          <p:cNvPr id="3" name="Content Placeholder 2">
-            <a:extLst>
-              <a:ext uri="{FF2B5EF4-FFF2-40B4-BE49-F238E27FC236}">
-                <a16:creationId xmlns:a16="http://schemas.microsoft.com/office/drawing/2014/main" id="{B91FEBC3-BC36-44B4-98C0-7B7A5DAF600B}"/>
-              </a:ext>
-            </a:extLst>
-          </p:cNvPr>
-          <p:cNvSpPr>
-            <a:spLocks noGrp="1"/>
-          </p:cNvSpPr>
-          <p:nvPr>
-            <p:ph idx="1"/>
-          </p:nvPr>
-        </p:nvSpPr>
-        <p:spPr/>
-        <p:txBody>
-          <a:bodyPr/>
-          <a:lstStyle/>
-          <a:p>
-            <a:r>
-              <a:rPr lang="nl-BE" dirty="0"/>
-              <a:t>TODO</a:t>
-            </a:r>
-          </a:p>
-        </p:txBody>
-      </p:sp>
-    </p:spTree>
-    <p:extLst>
-      <p:ext uri="{BB962C8B-B14F-4D97-AF65-F5344CB8AC3E}">
-        <p14:creationId xmlns:p14="http://schemas.microsoft.com/office/powerpoint/2010/main" val="3338541487"/>
-      </p:ext>
-    </p:extLst>
-  </p:cSld>
-  <p:clrMapOvr>
-    <a:masterClrMapping/>
-  </p:clrMapOvr>
-</p:sld>
-</file>
-
-<file path=ppt/slides/slide22.xml><?xml version="1.0" encoding="utf-8"?>
-<p:sld xmlns:a="http://schemas.openxmlformats.org/drawingml/2006/main" xmlns:r="http://schemas.openxmlformats.org/officeDocument/2006/relationships" xmlns:p="http://schemas.openxmlformats.org/presentationml/2006/main">
-  <p:cSld>
-    <p:spTree>
-      <p:nvGrpSpPr>
-        <p:cNvPr id="1" name=""/>
-        <p:cNvGrpSpPr/>
-        <p:nvPr/>
-      </p:nvGrpSpPr>
-      <p:grpSpPr>
-        <a:xfrm>
-          <a:off x="0" y="0"/>
-          <a:ext cx="0" cy="0"/>
-          <a:chOff x="0" y="0"/>
-          <a:chExt cx="0" cy="0"/>
-        </a:xfrm>
-      </p:grpSpPr>
-      <p:sp>
-        <p:nvSpPr>
-          <p:cNvPr id="2" name="Title 1">
-            <a:extLst>
-              <a:ext uri="{FF2B5EF4-FFF2-40B4-BE49-F238E27FC236}">
-                <a16:creationId xmlns:a16="http://schemas.microsoft.com/office/drawing/2014/main" id="{1DEFF95F-CF61-49C4-B9AA-440049470977}"/>
-              </a:ext>
-            </a:extLst>
-          </p:cNvPr>
-          <p:cNvSpPr>
-            <a:spLocks noGrp="1"/>
-          </p:cNvSpPr>
-          <p:nvPr>
-            <p:ph type="title"/>
-          </p:nvPr>
-        </p:nvSpPr>
-        <p:spPr/>
-        <p:txBody>
-          <a:bodyPr/>
-          <a:lstStyle/>
-          <a:p>
-            <a:r>
-              <a:rPr lang="nl-BE" dirty="0"/>
               <a:t>Herindeling B&amp;O deeldomeinen</a:t>
             </a:r>
           </a:p>
@@ -7305,7 +7123,7 @@
 </p:sld>
 </file>
 
-<file path=ppt/slides/slide23.xml><?xml version="1.0" encoding="utf-8"?>
+<file path=ppt/slides/slide21.xml><?xml version="1.0" encoding="utf-8"?>
 <p:sld xmlns:a="http://schemas.openxmlformats.org/drawingml/2006/main" xmlns:r="http://schemas.openxmlformats.org/officeDocument/2006/relationships" xmlns:p="http://schemas.openxmlformats.org/presentationml/2006/main">
   <p:cSld>
     <p:spTree>
@@ -7698,7 +7516,7 @@
 </p:sld>
 </file>
 
-<file path=ppt/slides/slide24.xml><?xml version="1.0" encoding="utf-8"?>
+<file path=ppt/slides/slide22.xml><?xml version="1.0" encoding="utf-8"?>
 <p:sld xmlns:a="http://schemas.openxmlformats.org/drawingml/2006/main" xmlns:r="http://schemas.openxmlformats.org/officeDocument/2006/relationships" xmlns:p="http://schemas.openxmlformats.org/presentationml/2006/main">
   <p:cSld>
     <p:spTree>
@@ -7792,7 +7610,7 @@
 </p:sld>
 </file>
 
-<file path=ppt/slides/slide25.xml><?xml version="1.0" encoding="utf-8"?>
+<file path=ppt/slides/slide23.xml><?xml version="1.0" encoding="utf-8"?>
 <p:sld xmlns:a="http://schemas.openxmlformats.org/drawingml/2006/main" xmlns:r="http://schemas.openxmlformats.org/officeDocument/2006/relationships" xmlns:p="http://schemas.openxmlformats.org/presentationml/2006/main">
   <p:cSld>
     <p:spTree>

--- a/resources/consolidatie/WerkgroepConsolidatie20210531.pptx
+++ b/resources/consolidatie/WerkgroepConsolidatie20210531.pptx
@@ -22,12 +22,22 @@
     <p:sldId id="279" r:id="rId16"/>
     <p:sldId id="277" r:id="rId17"/>
     <p:sldId id="278" r:id="rId18"/>
-    <p:sldId id="282" r:id="rId19"/>
-    <p:sldId id="283" r:id="rId20"/>
-    <p:sldId id="286" r:id="rId21"/>
-    <p:sldId id="287" r:id="rId22"/>
-    <p:sldId id="288" r:id="rId23"/>
-    <p:sldId id="289" r:id="rId24"/>
+    <p:sldId id="283" r:id="rId19"/>
+    <p:sldId id="282" r:id="rId20"/>
+    <p:sldId id="284" r:id="rId21"/>
+    <p:sldId id="285" r:id="rId22"/>
+    <p:sldId id="286" r:id="rId23"/>
+    <p:sldId id="287" r:id="rId24"/>
+    <p:sldId id="288" r:id="rId25"/>
+    <p:sldId id="290" r:id="rId26"/>
+    <p:sldId id="289" r:id="rId27"/>
+    <p:sldId id="291" r:id="rId28"/>
+    <p:sldId id="292" r:id="rId29"/>
+    <p:sldId id="293" r:id="rId30"/>
+    <p:sldId id="294" r:id="rId31"/>
+    <p:sldId id="296" r:id="rId32"/>
+    <p:sldId id="295" r:id="rId33"/>
+    <p:sldId id="297" r:id="rId34"/>
   </p:sldIdLst>
   <p:sldSz cx="12192000" cy="6858000"/>
   <p:notesSz cx="6858000" cy="9144000"/>
@@ -134,1185 +144,6 @@
 </p:presentation>
 </file>
 
-<file path=ppt/revisionInfo.xml><?xml version="1.0" encoding="utf-8"?>
-<p1510:revInfo xmlns:a="http://schemas.openxmlformats.org/drawingml/2006/main" xmlns:r="http://schemas.openxmlformats.org/officeDocument/2006/relationships" xmlns:p1510="http://schemas.microsoft.com/office/powerpoint/2015/10/main">
-  <p1510:revLst>
-    <p1510:client id="{78EC5023-4952-4772-851B-52D3F40011A5}" v="73" dt="2021-05-20T10:40:04.109"/>
-  </p1510:revLst>
-</p1510:revInfo>
-</file>
-
-<file path=ppt/changesInfos/changesInfo1.xml><?xml version="1.0" encoding="utf-8"?>
-<pc:chgInfo xmlns:a="http://schemas.openxmlformats.org/drawingml/2006/main" xmlns:r="http://schemas.openxmlformats.org/officeDocument/2006/relationships" xmlns:ac="http://schemas.microsoft.com/office/drawing/2013/main/command" xmlns:pc="http://schemas.microsoft.com/office/powerpoint/2013/main/command">
-  <pc:docChgLst>
-    <pc:chgData name="Thijs Geert" userId="71bbdf76-1f78-436b-8a82-e502e1f22064" providerId="ADAL" clId="{78EC5023-4952-4772-851B-52D3F40011A5}"/>
-    <pc:docChg chg="undo custSel addSld delSld modSld sldOrd">
-      <pc:chgData name="Thijs Geert" userId="71bbdf76-1f78-436b-8a82-e502e1f22064" providerId="ADAL" clId="{78EC5023-4952-4772-851B-52D3F40011A5}" dt="2021-05-20T10:40:14.672" v="2502" actId="1076"/>
-      <pc:docMkLst>
-        <pc:docMk/>
-      </pc:docMkLst>
-      <pc:sldChg chg="modSp mod">
-        <pc:chgData name="Thijs Geert" userId="71bbdf76-1f78-436b-8a82-e502e1f22064" providerId="ADAL" clId="{78EC5023-4952-4772-851B-52D3F40011A5}" dt="2021-05-19T19:23:32.320" v="8" actId="20577"/>
-        <pc:sldMkLst>
-          <pc:docMk/>
-          <pc:sldMk cId="1079647020" sldId="256"/>
-        </pc:sldMkLst>
-        <pc:spChg chg="mod">
-          <ac:chgData name="Thijs Geert" userId="71bbdf76-1f78-436b-8a82-e502e1f22064" providerId="ADAL" clId="{78EC5023-4952-4772-851B-52D3F40011A5}" dt="2021-05-19T19:23:32.320" v="8" actId="20577"/>
-          <ac:spMkLst>
-            <pc:docMk/>
-            <pc:sldMk cId="1079647020" sldId="256"/>
-            <ac:spMk id="2" creationId="{C07B92A7-5C6D-4503-9043-CF7000AD393A}"/>
-          </ac:spMkLst>
-        </pc:spChg>
-      </pc:sldChg>
-      <pc:sldChg chg="modSp mod">
-        <pc:chgData name="Thijs Geert" userId="71bbdf76-1f78-436b-8a82-e502e1f22064" providerId="ADAL" clId="{78EC5023-4952-4772-851B-52D3F40011A5}" dt="2021-05-19T21:19:55.709" v="2251" actId="20577"/>
-        <pc:sldMkLst>
-          <pc:docMk/>
-          <pc:sldMk cId="665249999" sldId="257"/>
-        </pc:sldMkLst>
-        <pc:spChg chg="mod">
-          <ac:chgData name="Thijs Geert" userId="71bbdf76-1f78-436b-8a82-e502e1f22064" providerId="ADAL" clId="{78EC5023-4952-4772-851B-52D3F40011A5}" dt="2021-05-19T21:19:55.709" v="2251" actId="20577"/>
-          <ac:spMkLst>
-            <pc:docMk/>
-            <pc:sldMk cId="665249999" sldId="257"/>
-            <ac:spMk id="3" creationId="{B91FEBC3-BC36-44B4-98C0-7B7A5DAF600B}"/>
-          </ac:spMkLst>
-        </pc:spChg>
-      </pc:sldChg>
-      <pc:sldChg chg="modSp mod">
-        <pc:chgData name="Thijs Geert" userId="71bbdf76-1f78-436b-8a82-e502e1f22064" providerId="ADAL" clId="{78EC5023-4952-4772-851B-52D3F40011A5}" dt="2021-05-19T20:03:57.583" v="812" actId="20577"/>
-        <pc:sldMkLst>
-          <pc:docMk/>
-          <pc:sldMk cId="3567293136" sldId="258"/>
-        </pc:sldMkLst>
-        <pc:spChg chg="mod">
-          <ac:chgData name="Thijs Geert" userId="71bbdf76-1f78-436b-8a82-e502e1f22064" providerId="ADAL" clId="{78EC5023-4952-4772-851B-52D3F40011A5}" dt="2021-05-19T19:31:42.046" v="391" actId="20577"/>
-          <ac:spMkLst>
-            <pc:docMk/>
-            <pc:sldMk cId="3567293136" sldId="258"/>
-            <ac:spMk id="2" creationId="{1DEFF95F-CF61-49C4-B9AA-440049470977}"/>
-          </ac:spMkLst>
-        </pc:spChg>
-        <pc:spChg chg="mod">
-          <ac:chgData name="Thijs Geert" userId="71bbdf76-1f78-436b-8a82-e502e1f22064" providerId="ADAL" clId="{78EC5023-4952-4772-851B-52D3F40011A5}" dt="2021-05-19T20:03:57.583" v="812" actId="20577"/>
-          <ac:spMkLst>
-            <pc:docMk/>
-            <pc:sldMk cId="3567293136" sldId="258"/>
-            <ac:spMk id="3" creationId="{B91FEBC3-BC36-44B4-98C0-7B7A5DAF600B}"/>
-          </ac:spMkLst>
-        </pc:spChg>
-      </pc:sldChg>
-      <pc:sldChg chg="modSp mod">
-        <pc:chgData name="Thijs Geert" userId="71bbdf76-1f78-436b-8a82-e502e1f22064" providerId="ADAL" clId="{78EC5023-4952-4772-851B-52D3F40011A5}" dt="2021-05-19T19:36:57.695" v="521" actId="14"/>
-        <pc:sldMkLst>
-          <pc:docMk/>
-          <pc:sldMk cId="2493186312" sldId="259"/>
-        </pc:sldMkLst>
-        <pc:spChg chg="mod">
-          <ac:chgData name="Thijs Geert" userId="71bbdf76-1f78-436b-8a82-e502e1f22064" providerId="ADAL" clId="{78EC5023-4952-4772-851B-52D3F40011A5}" dt="2021-05-19T19:36:37.651" v="517" actId="20577"/>
-          <ac:spMkLst>
-            <pc:docMk/>
-            <pc:sldMk cId="2493186312" sldId="259"/>
-            <ac:spMk id="2" creationId="{1DEFF95F-CF61-49C4-B9AA-440049470977}"/>
-          </ac:spMkLst>
-        </pc:spChg>
-        <pc:spChg chg="mod">
-          <ac:chgData name="Thijs Geert" userId="71bbdf76-1f78-436b-8a82-e502e1f22064" providerId="ADAL" clId="{78EC5023-4952-4772-851B-52D3F40011A5}" dt="2021-05-19T19:36:57.695" v="521" actId="14"/>
-          <ac:spMkLst>
-            <pc:docMk/>
-            <pc:sldMk cId="2493186312" sldId="259"/>
-            <ac:spMk id="3" creationId="{B91FEBC3-BC36-44B4-98C0-7B7A5DAF600B}"/>
-          </ac:spMkLst>
-        </pc:spChg>
-      </pc:sldChg>
-      <pc:sldChg chg="del">
-        <pc:chgData name="Thijs Geert" userId="71bbdf76-1f78-436b-8a82-e502e1f22064" providerId="ADAL" clId="{78EC5023-4952-4772-851B-52D3F40011A5}" dt="2021-05-19T19:38:30.915" v="588" actId="47"/>
-        <pc:sldMkLst>
-          <pc:docMk/>
-          <pc:sldMk cId="4167087484" sldId="260"/>
-        </pc:sldMkLst>
-      </pc:sldChg>
-      <pc:sldChg chg="del">
-        <pc:chgData name="Thijs Geert" userId="71bbdf76-1f78-436b-8a82-e502e1f22064" providerId="ADAL" clId="{78EC5023-4952-4772-851B-52D3F40011A5}" dt="2021-05-19T19:38:30.915" v="588" actId="47"/>
-        <pc:sldMkLst>
-          <pc:docMk/>
-          <pc:sldMk cId="2295296009" sldId="261"/>
-        </pc:sldMkLst>
-      </pc:sldChg>
-      <pc:sldChg chg="del">
-        <pc:chgData name="Thijs Geert" userId="71bbdf76-1f78-436b-8a82-e502e1f22064" providerId="ADAL" clId="{78EC5023-4952-4772-851B-52D3F40011A5}" dt="2021-05-19T19:38:30.915" v="588" actId="47"/>
-        <pc:sldMkLst>
-          <pc:docMk/>
-          <pc:sldMk cId="3574905611" sldId="262"/>
-        </pc:sldMkLst>
-      </pc:sldChg>
-      <pc:sldChg chg="del">
-        <pc:chgData name="Thijs Geert" userId="71bbdf76-1f78-436b-8a82-e502e1f22064" providerId="ADAL" clId="{78EC5023-4952-4772-851B-52D3F40011A5}" dt="2021-05-19T19:38:30.915" v="588" actId="47"/>
-        <pc:sldMkLst>
-          <pc:docMk/>
-          <pc:sldMk cId="167526023" sldId="263"/>
-        </pc:sldMkLst>
-      </pc:sldChg>
-      <pc:sldChg chg="del">
-        <pc:chgData name="Thijs Geert" userId="71bbdf76-1f78-436b-8a82-e502e1f22064" providerId="ADAL" clId="{78EC5023-4952-4772-851B-52D3F40011A5}" dt="2021-05-19T19:38:30.915" v="588" actId="47"/>
-        <pc:sldMkLst>
-          <pc:docMk/>
-          <pc:sldMk cId="1414665049" sldId="264"/>
-        </pc:sldMkLst>
-      </pc:sldChg>
-      <pc:sldChg chg="del">
-        <pc:chgData name="Thijs Geert" userId="71bbdf76-1f78-436b-8a82-e502e1f22064" providerId="ADAL" clId="{78EC5023-4952-4772-851B-52D3F40011A5}" dt="2021-05-19T19:38:30.915" v="588" actId="47"/>
-        <pc:sldMkLst>
-          <pc:docMk/>
-          <pc:sldMk cId="1807836753" sldId="266"/>
-        </pc:sldMkLst>
-      </pc:sldChg>
-      <pc:sldChg chg="del">
-        <pc:chgData name="Thijs Geert" userId="71bbdf76-1f78-436b-8a82-e502e1f22064" providerId="ADAL" clId="{78EC5023-4952-4772-851B-52D3F40011A5}" dt="2021-05-19T19:38:30.915" v="588" actId="47"/>
-        <pc:sldMkLst>
-          <pc:docMk/>
-          <pc:sldMk cId="1841462506" sldId="267"/>
-        </pc:sldMkLst>
-      </pc:sldChg>
-      <pc:sldChg chg="add del">
-        <pc:chgData name="Thijs Geert" userId="71bbdf76-1f78-436b-8a82-e502e1f22064" providerId="ADAL" clId="{78EC5023-4952-4772-851B-52D3F40011A5}" dt="2021-05-19T19:31:35.466" v="379" actId="47"/>
-        <pc:sldMkLst>
-          <pc:docMk/>
-          <pc:sldMk cId="2679743064" sldId="268"/>
-        </pc:sldMkLst>
-      </pc:sldChg>
-      <pc:sldChg chg="addSp delSp modSp add mod">
-        <pc:chgData name="Thijs Geert" userId="71bbdf76-1f78-436b-8a82-e502e1f22064" providerId="ADAL" clId="{78EC5023-4952-4772-851B-52D3F40011A5}" dt="2021-05-19T19:42:40.451" v="635" actId="1076"/>
-        <pc:sldMkLst>
-          <pc:docMk/>
-          <pc:sldMk cId="2980106144" sldId="268"/>
-        </pc:sldMkLst>
-        <pc:spChg chg="mod">
-          <ac:chgData name="Thijs Geert" userId="71bbdf76-1f78-436b-8a82-e502e1f22064" providerId="ADAL" clId="{78EC5023-4952-4772-851B-52D3F40011A5}" dt="2021-05-19T19:32:08.278" v="417" actId="20577"/>
-          <ac:spMkLst>
-            <pc:docMk/>
-            <pc:sldMk cId="2980106144" sldId="268"/>
-            <ac:spMk id="2" creationId="{1DEFF95F-CF61-49C4-B9AA-440049470977}"/>
-          </ac:spMkLst>
-        </pc:spChg>
-        <pc:spChg chg="del">
-          <ac:chgData name="Thijs Geert" userId="71bbdf76-1f78-436b-8a82-e502e1f22064" providerId="ADAL" clId="{78EC5023-4952-4772-851B-52D3F40011A5}" dt="2021-05-19T19:32:12.441" v="418" actId="478"/>
-          <ac:spMkLst>
-            <pc:docMk/>
-            <pc:sldMk cId="2980106144" sldId="268"/>
-            <ac:spMk id="3" creationId="{B91FEBC3-BC36-44B4-98C0-7B7A5DAF600B}"/>
-          </ac:spMkLst>
-        </pc:spChg>
-        <pc:spChg chg="add del mod">
-          <ac:chgData name="Thijs Geert" userId="71bbdf76-1f78-436b-8a82-e502e1f22064" providerId="ADAL" clId="{78EC5023-4952-4772-851B-52D3F40011A5}" dt="2021-05-19T19:32:15.710" v="419" actId="478"/>
-          <ac:spMkLst>
-            <pc:docMk/>
-            <pc:sldMk cId="2980106144" sldId="268"/>
-            <ac:spMk id="5" creationId="{AE263766-4C77-4128-B171-FE350F35BBD3}"/>
-          </ac:spMkLst>
-        </pc:spChg>
-        <pc:picChg chg="add del mod">
-          <ac:chgData name="Thijs Geert" userId="71bbdf76-1f78-436b-8a82-e502e1f22064" providerId="ADAL" clId="{78EC5023-4952-4772-851B-52D3F40011A5}" dt="2021-05-19T19:42:00.861" v="630" actId="478"/>
-          <ac:picMkLst>
-            <pc:docMk/>
-            <pc:sldMk cId="2980106144" sldId="268"/>
-            <ac:picMk id="7" creationId="{0F740CAB-ED3E-4F40-B380-991E8318073F}"/>
-          </ac:picMkLst>
-        </pc:picChg>
-        <pc:picChg chg="add mod">
-          <ac:chgData name="Thijs Geert" userId="71bbdf76-1f78-436b-8a82-e502e1f22064" providerId="ADAL" clId="{78EC5023-4952-4772-851B-52D3F40011A5}" dt="2021-05-19T19:42:40.451" v="635" actId="1076"/>
-          <ac:picMkLst>
-            <pc:docMk/>
-            <pc:sldMk cId="2980106144" sldId="268"/>
-            <ac:picMk id="9" creationId="{1600B1B6-1363-4990-A911-A6B7CC15F892}"/>
-          </ac:picMkLst>
-        </pc:picChg>
-      </pc:sldChg>
-      <pc:sldChg chg="modSp add mod">
-        <pc:chgData name="Thijs Geert" userId="71bbdf76-1f78-436b-8a82-e502e1f22064" providerId="ADAL" clId="{78EC5023-4952-4772-851B-52D3F40011A5}" dt="2021-05-19T19:37:22.218" v="554" actId="20577"/>
-        <pc:sldMkLst>
-          <pc:docMk/>
-          <pc:sldMk cId="3285285689" sldId="269"/>
-        </pc:sldMkLst>
-        <pc:spChg chg="mod">
-          <ac:chgData name="Thijs Geert" userId="71bbdf76-1f78-436b-8a82-e502e1f22064" providerId="ADAL" clId="{78EC5023-4952-4772-851B-52D3F40011A5}" dt="2021-05-19T19:37:12.827" v="533" actId="20577"/>
-          <ac:spMkLst>
-            <pc:docMk/>
-            <pc:sldMk cId="3285285689" sldId="269"/>
-            <ac:spMk id="2" creationId="{1DEFF95F-CF61-49C4-B9AA-440049470977}"/>
-          </ac:spMkLst>
-        </pc:spChg>
-        <pc:spChg chg="mod">
-          <ac:chgData name="Thijs Geert" userId="71bbdf76-1f78-436b-8a82-e502e1f22064" providerId="ADAL" clId="{78EC5023-4952-4772-851B-52D3F40011A5}" dt="2021-05-19T19:37:22.218" v="554" actId="20577"/>
-          <ac:spMkLst>
-            <pc:docMk/>
-            <pc:sldMk cId="3285285689" sldId="269"/>
-            <ac:spMk id="3" creationId="{B91FEBC3-BC36-44B4-98C0-7B7A5DAF600B}"/>
-          </ac:spMkLst>
-        </pc:spChg>
-      </pc:sldChg>
-      <pc:sldChg chg="modSp add mod">
-        <pc:chgData name="Thijs Geert" userId="71bbdf76-1f78-436b-8a82-e502e1f22064" providerId="ADAL" clId="{78EC5023-4952-4772-851B-52D3F40011A5}" dt="2021-05-19T19:38:04.298" v="568" actId="20577"/>
-        <pc:sldMkLst>
-          <pc:docMk/>
-          <pc:sldMk cId="540477365" sldId="270"/>
-        </pc:sldMkLst>
-        <pc:spChg chg="mod">
-          <ac:chgData name="Thijs Geert" userId="71bbdf76-1f78-436b-8a82-e502e1f22064" providerId="ADAL" clId="{78EC5023-4952-4772-851B-52D3F40011A5}" dt="2021-05-19T19:37:57.881" v="561" actId="20577"/>
-          <ac:spMkLst>
-            <pc:docMk/>
-            <pc:sldMk cId="540477365" sldId="270"/>
-            <ac:spMk id="2" creationId="{1DEFF95F-CF61-49C4-B9AA-440049470977}"/>
-          </ac:spMkLst>
-        </pc:spChg>
-        <pc:spChg chg="mod">
-          <ac:chgData name="Thijs Geert" userId="71bbdf76-1f78-436b-8a82-e502e1f22064" providerId="ADAL" clId="{78EC5023-4952-4772-851B-52D3F40011A5}" dt="2021-05-19T19:38:04.298" v="568" actId="20577"/>
-          <ac:spMkLst>
-            <pc:docMk/>
-            <pc:sldMk cId="540477365" sldId="270"/>
-            <ac:spMk id="3" creationId="{B91FEBC3-BC36-44B4-98C0-7B7A5DAF600B}"/>
-          </ac:spMkLst>
-        </pc:spChg>
-      </pc:sldChg>
-      <pc:sldChg chg="modSp add mod ord">
-        <pc:chgData name="Thijs Geert" userId="71bbdf76-1f78-436b-8a82-e502e1f22064" providerId="ADAL" clId="{78EC5023-4952-4772-851B-52D3F40011A5}" dt="2021-05-19T20:08:57.891" v="859"/>
-        <pc:sldMkLst>
-          <pc:docMk/>
-          <pc:sldMk cId="2660580077" sldId="271"/>
-        </pc:sldMkLst>
-        <pc:spChg chg="mod">
-          <ac:chgData name="Thijs Geert" userId="71bbdf76-1f78-436b-8a82-e502e1f22064" providerId="ADAL" clId="{78EC5023-4952-4772-851B-52D3F40011A5}" dt="2021-05-19T19:38:14.974" v="579" actId="20577"/>
-          <ac:spMkLst>
-            <pc:docMk/>
-            <pc:sldMk cId="2660580077" sldId="271"/>
-            <ac:spMk id="2" creationId="{1DEFF95F-CF61-49C4-B9AA-440049470977}"/>
-          </ac:spMkLst>
-        </pc:spChg>
-        <pc:spChg chg="mod">
-          <ac:chgData name="Thijs Geert" userId="71bbdf76-1f78-436b-8a82-e502e1f22064" providerId="ADAL" clId="{78EC5023-4952-4772-851B-52D3F40011A5}" dt="2021-05-19T19:38:20.194" v="587" actId="20577"/>
-          <ac:spMkLst>
-            <pc:docMk/>
-            <pc:sldMk cId="2660580077" sldId="271"/>
-            <ac:spMk id="3" creationId="{B91FEBC3-BC36-44B4-98C0-7B7A5DAF600B}"/>
-          </ac:spMkLst>
-        </pc:spChg>
-      </pc:sldChg>
-      <pc:sldChg chg="addSp delSp modSp add mod ord">
-        <pc:chgData name="Thijs Geert" userId="71bbdf76-1f78-436b-8a82-e502e1f22064" providerId="ADAL" clId="{78EC5023-4952-4772-851B-52D3F40011A5}" dt="2021-05-19T20:23:57.384" v="1126" actId="478"/>
-        <pc:sldMkLst>
-          <pc:docMk/>
-          <pc:sldMk cId="3268978525" sldId="272"/>
-        </pc:sldMkLst>
-        <pc:spChg chg="mod">
-          <ac:chgData name="Thijs Geert" userId="71bbdf76-1f78-436b-8a82-e502e1f22064" providerId="ADAL" clId="{78EC5023-4952-4772-851B-52D3F40011A5}" dt="2021-05-19T19:39:03.956" v="625" actId="20577"/>
-          <ac:spMkLst>
-            <pc:docMk/>
-            <pc:sldMk cId="3268978525" sldId="272"/>
-            <ac:spMk id="2" creationId="{1DEFF95F-CF61-49C4-B9AA-440049470977}"/>
-          </ac:spMkLst>
-        </pc:spChg>
-        <pc:spChg chg="del">
-          <ac:chgData name="Thijs Geert" userId="71bbdf76-1f78-436b-8a82-e502e1f22064" providerId="ADAL" clId="{78EC5023-4952-4772-851B-52D3F40011A5}" dt="2021-05-19T19:39:07.965" v="626" actId="478"/>
-          <ac:spMkLst>
-            <pc:docMk/>
-            <pc:sldMk cId="3268978525" sldId="272"/>
-            <ac:spMk id="3" creationId="{B91FEBC3-BC36-44B4-98C0-7B7A5DAF600B}"/>
-          </ac:spMkLst>
-        </pc:spChg>
-        <pc:spChg chg="add del mod">
-          <ac:chgData name="Thijs Geert" userId="71bbdf76-1f78-436b-8a82-e502e1f22064" providerId="ADAL" clId="{78EC5023-4952-4772-851B-52D3F40011A5}" dt="2021-05-19T19:39:13.337" v="627" actId="478"/>
-          <ac:spMkLst>
-            <pc:docMk/>
-            <pc:sldMk cId="3268978525" sldId="272"/>
-            <ac:spMk id="5" creationId="{D85AE3AB-E9EB-4397-830A-A46D71ADBD70}"/>
-          </ac:spMkLst>
-        </pc:spChg>
-        <pc:picChg chg="add del mod">
-          <ac:chgData name="Thijs Geert" userId="71bbdf76-1f78-436b-8a82-e502e1f22064" providerId="ADAL" clId="{78EC5023-4952-4772-851B-52D3F40011A5}" dt="2021-05-19T20:23:57.384" v="1126" actId="478"/>
-          <ac:picMkLst>
-            <pc:docMk/>
-            <pc:sldMk cId="3268978525" sldId="272"/>
-            <ac:picMk id="7" creationId="{F9E32980-C649-4571-973B-243BA1A89E2E}"/>
-          </ac:picMkLst>
-        </pc:picChg>
-        <pc:picChg chg="add mod ord">
-          <ac:chgData name="Thijs Geert" userId="71bbdf76-1f78-436b-8a82-e502e1f22064" providerId="ADAL" clId="{78EC5023-4952-4772-851B-52D3F40011A5}" dt="2021-05-19T20:23:51.429" v="1125" actId="167"/>
-          <ac:picMkLst>
-            <pc:docMk/>
-            <pc:sldMk cId="3268978525" sldId="272"/>
-            <ac:picMk id="9" creationId="{36A2E2EA-46D0-427B-BADF-FF3634ADA4D1}"/>
-          </ac:picMkLst>
-        </pc:picChg>
-      </pc:sldChg>
-      <pc:sldChg chg="addSp modSp add mod">
-        <pc:chgData name="Thijs Geert" userId="71bbdf76-1f78-436b-8a82-e502e1f22064" providerId="ADAL" clId="{78EC5023-4952-4772-851B-52D3F40011A5}" dt="2021-05-19T20:24:15.765" v="1128" actId="167"/>
-        <pc:sldMkLst>
-          <pc:docMk/>
-          <pc:sldMk cId="4047673775" sldId="273"/>
-        </pc:sldMkLst>
-        <pc:spChg chg="mod">
-          <ac:chgData name="Thijs Geert" userId="71bbdf76-1f78-436b-8a82-e502e1f22064" providerId="ADAL" clId="{78EC5023-4952-4772-851B-52D3F40011A5}" dt="2021-05-19T19:44:53.452" v="655" actId="20577"/>
-          <ac:spMkLst>
-            <pc:docMk/>
-            <pc:sldMk cId="4047673775" sldId="273"/>
-            <ac:spMk id="2" creationId="{1DEFF95F-CF61-49C4-B9AA-440049470977}"/>
-          </ac:spMkLst>
-        </pc:spChg>
-        <pc:spChg chg="add mod">
-          <ac:chgData name="Thijs Geert" userId="71bbdf76-1f78-436b-8a82-e502e1f22064" providerId="ADAL" clId="{78EC5023-4952-4772-851B-52D3F40011A5}" dt="2021-05-19T19:46:54.543" v="671" actId="1076"/>
-          <ac:spMkLst>
-            <pc:docMk/>
-            <pc:sldMk cId="4047673775" sldId="273"/>
-            <ac:spMk id="3" creationId="{1A3745C4-B378-4C11-9767-C33D6E14D0C5}"/>
-          </ac:spMkLst>
-        </pc:spChg>
-        <pc:spChg chg="add mod">
-          <ac:chgData name="Thijs Geert" userId="71bbdf76-1f78-436b-8a82-e502e1f22064" providerId="ADAL" clId="{78EC5023-4952-4772-851B-52D3F40011A5}" dt="2021-05-19T19:46:59.281" v="672" actId="14100"/>
-          <ac:spMkLst>
-            <pc:docMk/>
-            <pc:sldMk cId="4047673775" sldId="273"/>
-            <ac:spMk id="5" creationId="{5AEE17C0-B9E8-4F41-AFEE-6CBA3285CFAC}"/>
-          </ac:spMkLst>
-        </pc:spChg>
-        <pc:spChg chg="add mod">
-          <ac:chgData name="Thijs Geert" userId="71bbdf76-1f78-436b-8a82-e502e1f22064" providerId="ADAL" clId="{78EC5023-4952-4772-851B-52D3F40011A5}" dt="2021-05-19T19:47:06.362" v="674" actId="1076"/>
-          <ac:spMkLst>
-            <pc:docMk/>
-            <pc:sldMk cId="4047673775" sldId="273"/>
-            <ac:spMk id="6" creationId="{B81DA3AB-D07F-48F3-8C81-B3471D7057BE}"/>
-          </ac:spMkLst>
-        </pc:spChg>
-        <pc:spChg chg="add mod">
-          <ac:chgData name="Thijs Geert" userId="71bbdf76-1f78-436b-8a82-e502e1f22064" providerId="ADAL" clId="{78EC5023-4952-4772-851B-52D3F40011A5}" dt="2021-05-19T19:46:48.952" v="669" actId="1076"/>
-          <ac:spMkLst>
-            <pc:docMk/>
-            <pc:sldMk cId="4047673775" sldId="273"/>
-            <ac:spMk id="8" creationId="{D820A837-AB4A-47EF-964E-E0ECEFB3E7AC}"/>
-          </ac:spMkLst>
-        </pc:spChg>
-        <pc:spChg chg="add mod">
-          <ac:chgData name="Thijs Geert" userId="71bbdf76-1f78-436b-8a82-e502e1f22064" providerId="ADAL" clId="{78EC5023-4952-4772-851B-52D3F40011A5}" dt="2021-05-19T19:47:23.086" v="676" actId="1076"/>
-          <ac:spMkLst>
-            <pc:docMk/>
-            <pc:sldMk cId="4047673775" sldId="273"/>
-            <ac:spMk id="9" creationId="{7DB62C93-825C-43CE-862C-68473BC5FDAC}"/>
-          </ac:spMkLst>
-        </pc:spChg>
-        <pc:spChg chg="add mod">
-          <ac:chgData name="Thijs Geert" userId="71bbdf76-1f78-436b-8a82-e502e1f22064" providerId="ADAL" clId="{78EC5023-4952-4772-851B-52D3F40011A5}" dt="2021-05-19T19:47:37.187" v="679" actId="1076"/>
-          <ac:spMkLst>
-            <pc:docMk/>
-            <pc:sldMk cId="4047673775" sldId="273"/>
-            <ac:spMk id="10" creationId="{39BB1BF8-F020-4960-9AC0-C6BDFB735426}"/>
-          </ac:spMkLst>
-        </pc:spChg>
-        <pc:spChg chg="add mod">
-          <ac:chgData name="Thijs Geert" userId="71bbdf76-1f78-436b-8a82-e502e1f22064" providerId="ADAL" clId="{78EC5023-4952-4772-851B-52D3F40011A5}" dt="2021-05-19T19:47:57.216" v="682" actId="1076"/>
-          <ac:spMkLst>
-            <pc:docMk/>
-            <pc:sldMk cId="4047673775" sldId="273"/>
-            <ac:spMk id="11" creationId="{C04D3738-D168-4325-966D-EBA75CA9B7D0}"/>
-          </ac:spMkLst>
-        </pc:spChg>
-        <pc:picChg chg="add mod ord">
-          <ac:chgData name="Thijs Geert" userId="71bbdf76-1f78-436b-8a82-e502e1f22064" providerId="ADAL" clId="{78EC5023-4952-4772-851B-52D3F40011A5}" dt="2021-05-19T20:24:15.765" v="1128" actId="167"/>
-          <ac:picMkLst>
-            <pc:docMk/>
-            <pc:sldMk cId="4047673775" sldId="273"/>
-            <ac:picMk id="12" creationId="{09E0C648-D235-4491-9D4C-F0773FCEBBEB}"/>
-          </ac:picMkLst>
-        </pc:picChg>
-      </pc:sldChg>
-      <pc:sldChg chg="addSp delSp modSp add mod">
-        <pc:chgData name="Thijs Geert" userId="71bbdf76-1f78-436b-8a82-e502e1f22064" providerId="ADAL" clId="{78EC5023-4952-4772-851B-52D3F40011A5}" dt="2021-05-19T20:24:26.743" v="1131" actId="167"/>
-        <pc:sldMkLst>
-          <pc:docMk/>
-          <pc:sldMk cId="3963406624" sldId="274"/>
-        </pc:sldMkLst>
-        <pc:spChg chg="mod">
-          <ac:chgData name="Thijs Geert" userId="71bbdf76-1f78-436b-8a82-e502e1f22064" providerId="ADAL" clId="{78EC5023-4952-4772-851B-52D3F40011A5}" dt="2021-05-19T19:48:51.349" v="694" actId="20577"/>
-          <ac:spMkLst>
-            <pc:docMk/>
-            <pc:sldMk cId="3963406624" sldId="274"/>
-            <ac:spMk id="2" creationId="{1DEFF95F-CF61-49C4-B9AA-440049470977}"/>
-          </ac:spMkLst>
-        </pc:spChg>
-        <pc:spChg chg="del">
-          <ac:chgData name="Thijs Geert" userId="71bbdf76-1f78-436b-8a82-e502e1f22064" providerId="ADAL" clId="{78EC5023-4952-4772-851B-52D3F40011A5}" dt="2021-05-19T19:49:05.941" v="698" actId="478"/>
-          <ac:spMkLst>
-            <pc:docMk/>
-            <pc:sldMk cId="3963406624" sldId="274"/>
-            <ac:spMk id="3" creationId="{1A3745C4-B378-4C11-9767-C33D6E14D0C5}"/>
-          </ac:spMkLst>
-        </pc:spChg>
-        <pc:spChg chg="mod">
-          <ac:chgData name="Thijs Geert" userId="71bbdf76-1f78-436b-8a82-e502e1f22064" providerId="ADAL" clId="{78EC5023-4952-4772-851B-52D3F40011A5}" dt="2021-05-19T19:48:59.837" v="696" actId="14100"/>
-          <ac:spMkLst>
-            <pc:docMk/>
-            <pc:sldMk cId="3963406624" sldId="274"/>
-            <ac:spMk id="5" creationId="{5AEE17C0-B9E8-4F41-AFEE-6CBA3285CFAC}"/>
-          </ac:spMkLst>
-        </pc:spChg>
-        <pc:spChg chg="del">
-          <ac:chgData name="Thijs Geert" userId="71bbdf76-1f78-436b-8a82-e502e1f22064" providerId="ADAL" clId="{78EC5023-4952-4772-851B-52D3F40011A5}" dt="2021-05-19T19:49:02.884" v="697" actId="478"/>
-          <ac:spMkLst>
-            <pc:docMk/>
-            <pc:sldMk cId="3963406624" sldId="274"/>
-            <ac:spMk id="6" creationId="{B81DA3AB-D07F-48F3-8C81-B3471D7057BE}"/>
-          </ac:spMkLst>
-        </pc:spChg>
-        <pc:spChg chg="del">
-          <ac:chgData name="Thijs Geert" userId="71bbdf76-1f78-436b-8a82-e502e1f22064" providerId="ADAL" clId="{78EC5023-4952-4772-851B-52D3F40011A5}" dt="2021-05-19T19:49:07.475" v="699" actId="478"/>
-          <ac:spMkLst>
-            <pc:docMk/>
-            <pc:sldMk cId="3963406624" sldId="274"/>
-            <ac:spMk id="8" creationId="{D820A837-AB4A-47EF-964E-E0ECEFB3E7AC}"/>
-          </ac:spMkLst>
-        </pc:spChg>
-        <pc:spChg chg="del">
-          <ac:chgData name="Thijs Geert" userId="71bbdf76-1f78-436b-8a82-e502e1f22064" providerId="ADAL" clId="{78EC5023-4952-4772-851B-52D3F40011A5}" dt="2021-05-19T19:49:13.437" v="702" actId="478"/>
-          <ac:spMkLst>
-            <pc:docMk/>
-            <pc:sldMk cId="3963406624" sldId="274"/>
-            <ac:spMk id="9" creationId="{7DB62C93-825C-43CE-862C-68473BC5FDAC}"/>
-          </ac:spMkLst>
-        </pc:spChg>
-        <pc:spChg chg="del">
-          <ac:chgData name="Thijs Geert" userId="71bbdf76-1f78-436b-8a82-e502e1f22064" providerId="ADAL" clId="{78EC5023-4952-4772-851B-52D3F40011A5}" dt="2021-05-19T19:49:10.133" v="700" actId="478"/>
-          <ac:spMkLst>
-            <pc:docMk/>
-            <pc:sldMk cId="3963406624" sldId="274"/>
-            <ac:spMk id="10" creationId="{39BB1BF8-F020-4960-9AC0-C6BDFB735426}"/>
-          </ac:spMkLst>
-        </pc:spChg>
-        <pc:spChg chg="del">
-          <ac:chgData name="Thijs Geert" userId="71bbdf76-1f78-436b-8a82-e502e1f22064" providerId="ADAL" clId="{78EC5023-4952-4772-851B-52D3F40011A5}" dt="2021-05-19T19:49:12.320" v="701" actId="478"/>
-          <ac:spMkLst>
-            <pc:docMk/>
-            <pc:sldMk cId="3963406624" sldId="274"/>
-            <ac:spMk id="11" creationId="{C04D3738-D168-4325-966D-EBA75CA9B7D0}"/>
-          </ac:spMkLst>
-        </pc:spChg>
-        <pc:picChg chg="del">
-          <ac:chgData name="Thijs Geert" userId="71bbdf76-1f78-436b-8a82-e502e1f22064" providerId="ADAL" clId="{78EC5023-4952-4772-851B-52D3F40011A5}" dt="2021-05-19T20:24:22.586" v="1129" actId="478"/>
-          <ac:picMkLst>
-            <pc:docMk/>
-            <pc:sldMk cId="3963406624" sldId="274"/>
-            <ac:picMk id="7" creationId="{F9E32980-C649-4571-973B-243BA1A89E2E}"/>
-          </ac:picMkLst>
-        </pc:picChg>
-        <pc:picChg chg="add mod ord">
-          <ac:chgData name="Thijs Geert" userId="71bbdf76-1f78-436b-8a82-e502e1f22064" providerId="ADAL" clId="{78EC5023-4952-4772-851B-52D3F40011A5}" dt="2021-05-19T20:24:26.743" v="1131" actId="167"/>
-          <ac:picMkLst>
-            <pc:docMk/>
-            <pc:sldMk cId="3963406624" sldId="274"/>
-            <ac:picMk id="12" creationId="{895A28DF-64B7-44FE-BB48-81BCEF497CC7}"/>
-          </ac:picMkLst>
-        </pc:picChg>
-      </pc:sldChg>
-      <pc:sldChg chg="addSp delSp modSp add mod">
-        <pc:chgData name="Thijs Geert" userId="71bbdf76-1f78-436b-8a82-e502e1f22064" providerId="ADAL" clId="{78EC5023-4952-4772-851B-52D3F40011A5}" dt="2021-05-19T20:24:35.482" v="1134" actId="167"/>
-        <pc:sldMkLst>
-          <pc:docMk/>
-          <pc:sldMk cId="3726584187" sldId="275"/>
-        </pc:sldMkLst>
-        <pc:spChg chg="mod">
-          <ac:chgData name="Thijs Geert" userId="71bbdf76-1f78-436b-8a82-e502e1f22064" providerId="ADAL" clId="{78EC5023-4952-4772-851B-52D3F40011A5}" dt="2021-05-19T19:50:49.241" v="726" actId="20577"/>
-          <ac:spMkLst>
-            <pc:docMk/>
-            <pc:sldMk cId="3726584187" sldId="275"/>
-            <ac:spMk id="2" creationId="{1DEFF95F-CF61-49C4-B9AA-440049470977}"/>
-          </ac:spMkLst>
-        </pc:spChg>
-        <pc:spChg chg="mod">
-          <ac:chgData name="Thijs Geert" userId="71bbdf76-1f78-436b-8a82-e502e1f22064" providerId="ADAL" clId="{78EC5023-4952-4772-851B-52D3F40011A5}" dt="2021-05-19T19:49:59.929" v="707" actId="14100"/>
-          <ac:spMkLst>
-            <pc:docMk/>
-            <pc:sldMk cId="3726584187" sldId="275"/>
-            <ac:spMk id="5" creationId="{5AEE17C0-B9E8-4F41-AFEE-6CBA3285CFAC}"/>
-          </ac:spMkLst>
-        </pc:spChg>
-        <pc:picChg chg="add mod ord">
-          <ac:chgData name="Thijs Geert" userId="71bbdf76-1f78-436b-8a82-e502e1f22064" providerId="ADAL" clId="{78EC5023-4952-4772-851B-52D3F40011A5}" dt="2021-05-19T20:24:35.482" v="1134" actId="167"/>
-          <ac:picMkLst>
-            <pc:docMk/>
-            <pc:sldMk cId="3726584187" sldId="275"/>
-            <ac:picMk id="6" creationId="{47058EF3-939C-48A3-82C1-7259C5E62F12}"/>
-          </ac:picMkLst>
-        </pc:picChg>
-        <pc:picChg chg="del mod">
-          <ac:chgData name="Thijs Geert" userId="71bbdf76-1f78-436b-8a82-e502e1f22064" providerId="ADAL" clId="{78EC5023-4952-4772-851B-52D3F40011A5}" dt="2021-05-19T20:24:31.192" v="1132" actId="478"/>
-          <ac:picMkLst>
-            <pc:docMk/>
-            <pc:sldMk cId="3726584187" sldId="275"/>
-            <ac:picMk id="7" creationId="{F9E32980-C649-4571-973B-243BA1A89E2E}"/>
-          </ac:picMkLst>
-        </pc:picChg>
-      </pc:sldChg>
-      <pc:sldChg chg="addSp delSp modSp add mod">
-        <pc:chgData name="Thijs Geert" userId="71bbdf76-1f78-436b-8a82-e502e1f22064" providerId="ADAL" clId="{78EC5023-4952-4772-851B-52D3F40011A5}" dt="2021-05-19T20:24:44.142" v="1137" actId="167"/>
-        <pc:sldMkLst>
-          <pc:docMk/>
-          <pc:sldMk cId="3143991073" sldId="276"/>
-        </pc:sldMkLst>
-        <pc:spChg chg="mod">
-          <ac:chgData name="Thijs Geert" userId="71bbdf76-1f78-436b-8a82-e502e1f22064" providerId="ADAL" clId="{78EC5023-4952-4772-851B-52D3F40011A5}" dt="2021-05-19T19:50:42.197" v="720" actId="20577"/>
-          <ac:spMkLst>
-            <pc:docMk/>
-            <pc:sldMk cId="3143991073" sldId="276"/>
-            <ac:spMk id="2" creationId="{1DEFF95F-CF61-49C4-B9AA-440049470977}"/>
-          </ac:spMkLst>
-        </pc:spChg>
-        <pc:spChg chg="mod">
-          <ac:chgData name="Thijs Geert" userId="71bbdf76-1f78-436b-8a82-e502e1f22064" providerId="ADAL" clId="{78EC5023-4952-4772-851B-52D3F40011A5}" dt="2021-05-19T19:51:02.004" v="728" actId="14100"/>
-          <ac:spMkLst>
-            <pc:docMk/>
-            <pc:sldMk cId="3143991073" sldId="276"/>
-            <ac:spMk id="5" creationId="{5AEE17C0-B9E8-4F41-AFEE-6CBA3285CFAC}"/>
-          </ac:spMkLst>
-        </pc:spChg>
-        <pc:picChg chg="add mod ord">
-          <ac:chgData name="Thijs Geert" userId="71bbdf76-1f78-436b-8a82-e502e1f22064" providerId="ADAL" clId="{78EC5023-4952-4772-851B-52D3F40011A5}" dt="2021-05-19T20:24:44.142" v="1137" actId="167"/>
-          <ac:picMkLst>
-            <pc:docMk/>
-            <pc:sldMk cId="3143991073" sldId="276"/>
-            <ac:picMk id="6" creationId="{0A4FA489-20DB-4298-B0D1-B45A96C1A1E1}"/>
-          </ac:picMkLst>
-        </pc:picChg>
-        <pc:picChg chg="del">
-          <ac:chgData name="Thijs Geert" userId="71bbdf76-1f78-436b-8a82-e502e1f22064" providerId="ADAL" clId="{78EC5023-4952-4772-851B-52D3F40011A5}" dt="2021-05-19T20:24:39.939" v="1135" actId="478"/>
-          <ac:picMkLst>
-            <pc:docMk/>
-            <pc:sldMk cId="3143991073" sldId="276"/>
-            <ac:picMk id="7" creationId="{F9E32980-C649-4571-973B-243BA1A89E2E}"/>
-          </ac:picMkLst>
-        </pc:picChg>
-      </pc:sldChg>
-      <pc:sldChg chg="addSp delSp modSp add mod ord">
-        <pc:chgData name="Thijs Geert" userId="71bbdf76-1f78-436b-8a82-e502e1f22064" providerId="ADAL" clId="{78EC5023-4952-4772-851B-52D3F40011A5}" dt="2021-05-19T20:24:51.108" v="1140" actId="167"/>
-        <pc:sldMkLst>
-          <pc:docMk/>
-          <pc:sldMk cId="3880575567" sldId="277"/>
-        </pc:sldMkLst>
-        <pc:spChg chg="mod">
-          <ac:chgData name="Thijs Geert" userId="71bbdf76-1f78-436b-8a82-e502e1f22064" providerId="ADAL" clId="{78EC5023-4952-4772-851B-52D3F40011A5}" dt="2021-05-19T20:04:56.137" v="852" actId="20577"/>
-          <ac:spMkLst>
-            <pc:docMk/>
-            <pc:sldMk cId="3880575567" sldId="277"/>
-            <ac:spMk id="2" creationId="{1DEFF95F-CF61-49C4-B9AA-440049470977}"/>
-          </ac:spMkLst>
-        </pc:spChg>
-        <pc:spChg chg="add del mod">
-          <ac:chgData name="Thijs Geert" userId="71bbdf76-1f78-436b-8a82-e502e1f22064" providerId="ADAL" clId="{78EC5023-4952-4772-851B-52D3F40011A5}" dt="2021-05-19T20:05:18.182" v="853" actId="478"/>
-          <ac:spMkLst>
-            <pc:docMk/>
-            <pc:sldMk cId="3880575567" sldId="277"/>
-            <ac:spMk id="4" creationId="{17112453-8E48-4CCE-83D1-9FC11A6AF291}"/>
-          </ac:spMkLst>
-        </pc:spChg>
-        <pc:spChg chg="add del mod">
-          <ac:chgData name="Thijs Geert" userId="71bbdf76-1f78-436b-8a82-e502e1f22064" providerId="ADAL" clId="{78EC5023-4952-4772-851B-52D3F40011A5}" dt="2021-05-19T20:05:18.182" v="853" actId="478"/>
-          <ac:spMkLst>
-            <pc:docMk/>
-            <pc:sldMk cId="3880575567" sldId="277"/>
-            <ac:spMk id="5" creationId="{9F911940-DE65-44D0-8D2A-2EBB21D74C50}"/>
-          </ac:spMkLst>
-        </pc:spChg>
-        <pc:spChg chg="add del mod">
-          <ac:chgData name="Thijs Geert" userId="71bbdf76-1f78-436b-8a82-e502e1f22064" providerId="ADAL" clId="{78EC5023-4952-4772-851B-52D3F40011A5}" dt="2021-05-19T20:05:18.182" v="853" actId="478"/>
-          <ac:spMkLst>
-            <pc:docMk/>
-            <pc:sldMk cId="3880575567" sldId="277"/>
-            <ac:spMk id="6" creationId="{5D236779-6597-4030-8BAD-C738D5258898}"/>
-          </ac:spMkLst>
-        </pc:spChg>
-        <pc:spChg chg="add del mod">
-          <ac:chgData name="Thijs Geert" userId="71bbdf76-1f78-436b-8a82-e502e1f22064" providerId="ADAL" clId="{78EC5023-4952-4772-851B-52D3F40011A5}" dt="2021-05-19T20:05:18.182" v="853" actId="478"/>
-          <ac:spMkLst>
-            <pc:docMk/>
-            <pc:sldMk cId="3880575567" sldId="277"/>
-            <ac:spMk id="8" creationId="{835B5603-43EB-4EEA-AFDC-ACA103342DFE}"/>
-          </ac:spMkLst>
-        </pc:spChg>
-        <pc:spChg chg="add del mod">
-          <ac:chgData name="Thijs Geert" userId="71bbdf76-1f78-436b-8a82-e502e1f22064" providerId="ADAL" clId="{78EC5023-4952-4772-851B-52D3F40011A5}" dt="2021-05-19T20:05:18.182" v="853" actId="478"/>
-          <ac:spMkLst>
-            <pc:docMk/>
-            <pc:sldMk cId="3880575567" sldId="277"/>
-            <ac:spMk id="9" creationId="{79797677-306A-4691-9BA2-8EABACF72225}"/>
-          </ac:spMkLst>
-        </pc:spChg>
-        <pc:spChg chg="add del mod">
-          <ac:chgData name="Thijs Geert" userId="71bbdf76-1f78-436b-8a82-e502e1f22064" providerId="ADAL" clId="{78EC5023-4952-4772-851B-52D3F40011A5}" dt="2021-05-19T20:05:18.182" v="853" actId="478"/>
-          <ac:spMkLst>
-            <pc:docMk/>
-            <pc:sldMk cId="3880575567" sldId="277"/>
-            <ac:spMk id="10" creationId="{7FF9F7AB-EE90-4E9E-8849-97ABE3A327F6}"/>
-          </ac:spMkLst>
-        </pc:spChg>
-        <pc:spChg chg="add del mod">
-          <ac:chgData name="Thijs Geert" userId="71bbdf76-1f78-436b-8a82-e502e1f22064" providerId="ADAL" clId="{78EC5023-4952-4772-851B-52D3F40011A5}" dt="2021-05-19T20:05:18.182" v="853" actId="478"/>
-          <ac:spMkLst>
-            <pc:docMk/>
-            <pc:sldMk cId="3880575567" sldId="277"/>
-            <ac:spMk id="11" creationId="{434797B4-1879-4EAC-9234-8AF0CA766877}"/>
-          </ac:spMkLst>
-        </pc:spChg>
-        <pc:spChg chg="add del mod">
-          <ac:chgData name="Thijs Geert" userId="71bbdf76-1f78-436b-8a82-e502e1f22064" providerId="ADAL" clId="{78EC5023-4952-4772-851B-52D3F40011A5}" dt="2021-05-19T20:05:18.182" v="853" actId="478"/>
-          <ac:spMkLst>
-            <pc:docMk/>
-            <pc:sldMk cId="3880575567" sldId="277"/>
-            <ac:spMk id="12" creationId="{829B425E-30D0-4F4F-BD86-716F8660AE2C}"/>
-          </ac:spMkLst>
-        </pc:spChg>
-        <pc:spChg chg="add del mod">
-          <ac:chgData name="Thijs Geert" userId="71bbdf76-1f78-436b-8a82-e502e1f22064" providerId="ADAL" clId="{78EC5023-4952-4772-851B-52D3F40011A5}" dt="2021-05-19T20:05:18.182" v="853" actId="478"/>
-          <ac:spMkLst>
-            <pc:docMk/>
-            <pc:sldMk cId="3880575567" sldId="277"/>
-            <ac:spMk id="13" creationId="{01C99C68-9CD7-4206-A92C-20F904FCB9DA}"/>
-          </ac:spMkLst>
-        </pc:spChg>
-        <pc:spChg chg="add del mod">
-          <ac:chgData name="Thijs Geert" userId="71bbdf76-1f78-436b-8a82-e502e1f22064" providerId="ADAL" clId="{78EC5023-4952-4772-851B-52D3F40011A5}" dt="2021-05-19T20:05:18.182" v="853" actId="478"/>
-          <ac:spMkLst>
-            <pc:docMk/>
-            <pc:sldMk cId="3880575567" sldId="277"/>
-            <ac:spMk id="14" creationId="{2D6198BE-1717-4CE5-8169-6AD63A5D9A2A}"/>
-          </ac:spMkLst>
-        </pc:spChg>
-        <pc:spChg chg="add mod">
-          <ac:chgData name="Thijs Geert" userId="71bbdf76-1f78-436b-8a82-e502e1f22064" providerId="ADAL" clId="{78EC5023-4952-4772-851B-52D3F40011A5}" dt="2021-05-19T20:05:45.307" v="856" actId="14100"/>
-          <ac:spMkLst>
-            <pc:docMk/>
-            <pc:sldMk cId="3880575567" sldId="277"/>
-            <ac:spMk id="15" creationId="{730ABBB7-88A1-4A1B-86D4-FA48EE53CDE7}"/>
-          </ac:spMkLst>
-        </pc:spChg>
-        <pc:picChg chg="del">
-          <ac:chgData name="Thijs Geert" userId="71bbdf76-1f78-436b-8a82-e502e1f22064" providerId="ADAL" clId="{78EC5023-4952-4772-851B-52D3F40011A5}" dt="2021-05-19T20:24:47.556" v="1138" actId="478"/>
-          <ac:picMkLst>
-            <pc:docMk/>
-            <pc:sldMk cId="3880575567" sldId="277"/>
-            <ac:picMk id="7" creationId="{F9E32980-C649-4571-973B-243BA1A89E2E}"/>
-          </ac:picMkLst>
-        </pc:picChg>
-        <pc:picChg chg="add mod ord">
-          <ac:chgData name="Thijs Geert" userId="71bbdf76-1f78-436b-8a82-e502e1f22064" providerId="ADAL" clId="{78EC5023-4952-4772-851B-52D3F40011A5}" dt="2021-05-19T20:24:51.108" v="1140" actId="167"/>
-          <ac:picMkLst>
-            <pc:docMk/>
-            <pc:sldMk cId="3880575567" sldId="277"/>
-            <ac:picMk id="16" creationId="{C6A05CC5-1D96-4800-AD96-C99E71A00ADC}"/>
-          </ac:picMkLst>
-        </pc:picChg>
-      </pc:sldChg>
-      <pc:sldChg chg="addSp delSp modSp add mod">
-        <pc:chgData name="Thijs Geert" userId="71bbdf76-1f78-436b-8a82-e502e1f22064" providerId="ADAL" clId="{78EC5023-4952-4772-851B-52D3F40011A5}" dt="2021-05-19T20:25:01.913" v="1143" actId="167"/>
-        <pc:sldMkLst>
-          <pc:docMk/>
-          <pc:sldMk cId="1551430542" sldId="278"/>
-        </pc:sldMkLst>
-        <pc:spChg chg="add mod">
-          <ac:chgData name="Thijs Geert" userId="71bbdf76-1f78-436b-8a82-e502e1f22064" providerId="ADAL" clId="{78EC5023-4952-4772-851B-52D3F40011A5}" dt="2021-05-19T19:58:26.267" v="784"/>
-          <ac:spMkLst>
-            <pc:docMk/>
-            <pc:sldMk cId="1551430542" sldId="278"/>
-            <ac:spMk id="4" creationId="{9A816BD0-8182-4606-850F-48E643452D9D}"/>
-          </ac:spMkLst>
-        </pc:spChg>
-        <pc:spChg chg="add mod">
-          <ac:chgData name="Thijs Geert" userId="71bbdf76-1f78-436b-8a82-e502e1f22064" providerId="ADAL" clId="{78EC5023-4952-4772-851B-52D3F40011A5}" dt="2021-05-19T19:58:26.267" v="784"/>
-          <ac:spMkLst>
-            <pc:docMk/>
-            <pc:sldMk cId="1551430542" sldId="278"/>
-            <ac:spMk id="5" creationId="{D7491EB0-1E8B-498D-B265-A618EFECFE27}"/>
-          </ac:spMkLst>
-        </pc:spChg>
-        <pc:spChg chg="add mod">
-          <ac:chgData name="Thijs Geert" userId="71bbdf76-1f78-436b-8a82-e502e1f22064" providerId="ADAL" clId="{78EC5023-4952-4772-851B-52D3F40011A5}" dt="2021-05-19T19:58:26.267" v="784"/>
-          <ac:spMkLst>
-            <pc:docMk/>
-            <pc:sldMk cId="1551430542" sldId="278"/>
-            <ac:spMk id="6" creationId="{353DE42F-C0E3-43E2-8AF3-1238A857D1DA}"/>
-          </ac:spMkLst>
-        </pc:spChg>
-        <pc:spChg chg="add mod">
-          <ac:chgData name="Thijs Geert" userId="71bbdf76-1f78-436b-8a82-e502e1f22064" providerId="ADAL" clId="{78EC5023-4952-4772-851B-52D3F40011A5}" dt="2021-05-19T19:58:26.267" v="784"/>
-          <ac:spMkLst>
-            <pc:docMk/>
-            <pc:sldMk cId="1551430542" sldId="278"/>
-            <ac:spMk id="8" creationId="{277F7876-C452-46CB-BC49-40CAF7E0E79B}"/>
-          </ac:spMkLst>
-        </pc:spChg>
-        <pc:spChg chg="add mod">
-          <ac:chgData name="Thijs Geert" userId="71bbdf76-1f78-436b-8a82-e502e1f22064" providerId="ADAL" clId="{78EC5023-4952-4772-851B-52D3F40011A5}" dt="2021-05-19T19:58:26.267" v="784"/>
-          <ac:spMkLst>
-            <pc:docMk/>
-            <pc:sldMk cId="1551430542" sldId="278"/>
-            <ac:spMk id="9" creationId="{24C391B4-55CC-49AB-B6FE-C1EC6FCA0622}"/>
-          </ac:spMkLst>
-        </pc:spChg>
-        <pc:spChg chg="add mod">
-          <ac:chgData name="Thijs Geert" userId="71bbdf76-1f78-436b-8a82-e502e1f22064" providerId="ADAL" clId="{78EC5023-4952-4772-851B-52D3F40011A5}" dt="2021-05-19T19:58:26.267" v="784"/>
-          <ac:spMkLst>
-            <pc:docMk/>
-            <pc:sldMk cId="1551430542" sldId="278"/>
-            <ac:spMk id="10" creationId="{933321EE-EACC-44E5-AF8F-1C29D9F7C039}"/>
-          </ac:spMkLst>
-        </pc:spChg>
-        <pc:spChg chg="add mod">
-          <ac:chgData name="Thijs Geert" userId="71bbdf76-1f78-436b-8a82-e502e1f22064" providerId="ADAL" clId="{78EC5023-4952-4772-851B-52D3F40011A5}" dt="2021-05-19T19:58:26.267" v="784"/>
-          <ac:spMkLst>
-            <pc:docMk/>
-            <pc:sldMk cId="1551430542" sldId="278"/>
-            <ac:spMk id="11" creationId="{72FD505F-E182-4F78-AF7A-842015A0C0B3}"/>
-          </ac:spMkLst>
-        </pc:spChg>
-        <pc:spChg chg="add mod">
-          <ac:chgData name="Thijs Geert" userId="71bbdf76-1f78-436b-8a82-e502e1f22064" providerId="ADAL" clId="{78EC5023-4952-4772-851B-52D3F40011A5}" dt="2021-05-19T19:58:26.267" v="784"/>
-          <ac:spMkLst>
-            <pc:docMk/>
-            <pc:sldMk cId="1551430542" sldId="278"/>
-            <ac:spMk id="12" creationId="{89EE01A9-E2E8-4E6C-BE10-C75F335BCCE6}"/>
-          </ac:spMkLst>
-        </pc:spChg>
-        <pc:spChg chg="add mod">
-          <ac:chgData name="Thijs Geert" userId="71bbdf76-1f78-436b-8a82-e502e1f22064" providerId="ADAL" clId="{78EC5023-4952-4772-851B-52D3F40011A5}" dt="2021-05-19T19:58:26.267" v="784"/>
-          <ac:spMkLst>
-            <pc:docMk/>
-            <pc:sldMk cId="1551430542" sldId="278"/>
-            <ac:spMk id="13" creationId="{17DE45C1-9322-40F6-A8EE-4C1A02EDFDC8}"/>
-          </ac:spMkLst>
-        </pc:spChg>
-        <pc:spChg chg="add mod">
-          <ac:chgData name="Thijs Geert" userId="71bbdf76-1f78-436b-8a82-e502e1f22064" providerId="ADAL" clId="{78EC5023-4952-4772-851B-52D3F40011A5}" dt="2021-05-19T19:58:43.108" v="785"/>
-          <ac:spMkLst>
-            <pc:docMk/>
-            <pc:sldMk cId="1551430542" sldId="278"/>
-            <ac:spMk id="14" creationId="{89A7CD25-6158-4ED4-A6E2-F66122A5DFE4}"/>
-          </ac:spMkLst>
-        </pc:spChg>
-        <pc:spChg chg="add mod">
-          <ac:chgData name="Thijs Geert" userId="71bbdf76-1f78-436b-8a82-e502e1f22064" providerId="ADAL" clId="{78EC5023-4952-4772-851B-52D3F40011A5}" dt="2021-05-19T19:58:43.108" v="785"/>
-          <ac:spMkLst>
-            <pc:docMk/>
-            <pc:sldMk cId="1551430542" sldId="278"/>
-            <ac:spMk id="15" creationId="{77D487D0-3B91-4D0E-809F-AC167E0FE2A6}"/>
-          </ac:spMkLst>
-        </pc:spChg>
-        <pc:spChg chg="add mod">
-          <ac:chgData name="Thijs Geert" userId="71bbdf76-1f78-436b-8a82-e502e1f22064" providerId="ADAL" clId="{78EC5023-4952-4772-851B-52D3F40011A5}" dt="2021-05-19T19:58:43.108" v="785"/>
-          <ac:spMkLst>
-            <pc:docMk/>
-            <pc:sldMk cId="1551430542" sldId="278"/>
-            <ac:spMk id="16" creationId="{2A057E81-3EB2-442A-8D61-2B707D2104D7}"/>
-          </ac:spMkLst>
-        </pc:spChg>
-        <pc:spChg chg="add mod">
-          <ac:chgData name="Thijs Geert" userId="71bbdf76-1f78-436b-8a82-e502e1f22064" providerId="ADAL" clId="{78EC5023-4952-4772-851B-52D3F40011A5}" dt="2021-05-19T19:58:43.108" v="785"/>
-          <ac:spMkLst>
-            <pc:docMk/>
-            <pc:sldMk cId="1551430542" sldId="278"/>
-            <ac:spMk id="17" creationId="{FC878268-B549-43DF-B076-DC5DC56D9254}"/>
-          </ac:spMkLst>
-        </pc:spChg>
-        <pc:spChg chg="add mod">
-          <ac:chgData name="Thijs Geert" userId="71bbdf76-1f78-436b-8a82-e502e1f22064" providerId="ADAL" clId="{78EC5023-4952-4772-851B-52D3F40011A5}" dt="2021-05-19T19:58:43.108" v="785"/>
-          <ac:spMkLst>
-            <pc:docMk/>
-            <pc:sldMk cId="1551430542" sldId="278"/>
-            <ac:spMk id="18" creationId="{5D74C653-9D40-41F1-8221-ED6AC99363A3}"/>
-          </ac:spMkLst>
-        </pc:spChg>
-        <pc:spChg chg="add mod">
-          <ac:chgData name="Thijs Geert" userId="71bbdf76-1f78-436b-8a82-e502e1f22064" providerId="ADAL" clId="{78EC5023-4952-4772-851B-52D3F40011A5}" dt="2021-05-19T19:58:43.108" v="785"/>
-          <ac:spMkLst>
-            <pc:docMk/>
-            <pc:sldMk cId="1551430542" sldId="278"/>
-            <ac:spMk id="19" creationId="{EA7E111F-3C09-4F17-A17E-FDB94C236D96}"/>
-          </ac:spMkLst>
-        </pc:spChg>
-        <pc:spChg chg="add mod">
-          <ac:chgData name="Thijs Geert" userId="71bbdf76-1f78-436b-8a82-e502e1f22064" providerId="ADAL" clId="{78EC5023-4952-4772-851B-52D3F40011A5}" dt="2021-05-19T19:58:43.108" v="785"/>
-          <ac:spMkLst>
-            <pc:docMk/>
-            <pc:sldMk cId="1551430542" sldId="278"/>
-            <ac:spMk id="20" creationId="{0554A1AF-BE8D-4ACC-B9FB-DD4F382B518B}"/>
-          </ac:spMkLst>
-        </pc:spChg>
-        <pc:spChg chg="add mod">
-          <ac:chgData name="Thijs Geert" userId="71bbdf76-1f78-436b-8a82-e502e1f22064" providerId="ADAL" clId="{78EC5023-4952-4772-851B-52D3F40011A5}" dt="2021-05-19T19:59:00.547" v="786"/>
-          <ac:spMkLst>
-            <pc:docMk/>
-            <pc:sldMk cId="1551430542" sldId="278"/>
-            <ac:spMk id="21" creationId="{DF1A83EF-BE05-49C2-9D0E-D956F76EAAA7}"/>
-          </ac:spMkLst>
-        </pc:spChg>
-        <pc:spChg chg="add mod">
-          <ac:chgData name="Thijs Geert" userId="71bbdf76-1f78-436b-8a82-e502e1f22064" providerId="ADAL" clId="{78EC5023-4952-4772-851B-52D3F40011A5}" dt="2021-05-19T19:59:09.853" v="787"/>
-          <ac:spMkLst>
-            <pc:docMk/>
-            <pc:sldMk cId="1551430542" sldId="278"/>
-            <ac:spMk id="22" creationId="{CA48B5EB-9151-419D-96E1-50C445CD7294}"/>
-          </ac:spMkLst>
-        </pc:spChg>
-        <pc:spChg chg="add mod">
-          <ac:chgData name="Thijs Geert" userId="71bbdf76-1f78-436b-8a82-e502e1f22064" providerId="ADAL" clId="{78EC5023-4952-4772-851B-52D3F40011A5}" dt="2021-05-19T19:59:29.116" v="788"/>
-          <ac:spMkLst>
-            <pc:docMk/>
-            <pc:sldMk cId="1551430542" sldId="278"/>
-            <ac:spMk id="23" creationId="{B08DF374-DC09-4FD9-A689-4E9B69E9BC75}"/>
-          </ac:spMkLst>
-        </pc:spChg>
-        <pc:spChg chg="add mod">
-          <ac:chgData name="Thijs Geert" userId="71bbdf76-1f78-436b-8a82-e502e1f22064" providerId="ADAL" clId="{78EC5023-4952-4772-851B-52D3F40011A5}" dt="2021-05-19T20:02:12.698" v="790"/>
-          <ac:spMkLst>
-            <pc:docMk/>
-            <pc:sldMk cId="1551430542" sldId="278"/>
-            <ac:spMk id="24" creationId="{280AFAD6-D4A3-427A-BAD6-461B6381DCDB}"/>
-          </ac:spMkLst>
-        </pc:spChg>
-        <pc:spChg chg="add mod">
-          <ac:chgData name="Thijs Geert" userId="71bbdf76-1f78-436b-8a82-e502e1f22064" providerId="ADAL" clId="{78EC5023-4952-4772-851B-52D3F40011A5}" dt="2021-05-19T20:05:51.907" v="857"/>
-          <ac:spMkLst>
-            <pc:docMk/>
-            <pc:sldMk cId="1551430542" sldId="278"/>
-            <ac:spMk id="25" creationId="{BFC788DB-A4B4-462C-8FC4-9A9ED9C59376}"/>
-          </ac:spMkLst>
-        </pc:spChg>
-        <pc:picChg chg="del">
-          <ac:chgData name="Thijs Geert" userId="71bbdf76-1f78-436b-8a82-e502e1f22064" providerId="ADAL" clId="{78EC5023-4952-4772-851B-52D3F40011A5}" dt="2021-05-19T20:24:57.158" v="1141" actId="478"/>
-          <ac:picMkLst>
-            <pc:docMk/>
-            <pc:sldMk cId="1551430542" sldId="278"/>
-            <ac:picMk id="7" creationId="{F9E32980-C649-4571-973B-243BA1A89E2E}"/>
-          </ac:picMkLst>
-        </pc:picChg>
-        <pc:picChg chg="add mod ord">
-          <ac:chgData name="Thijs Geert" userId="71bbdf76-1f78-436b-8a82-e502e1f22064" providerId="ADAL" clId="{78EC5023-4952-4772-851B-52D3F40011A5}" dt="2021-05-19T20:25:01.913" v="1143" actId="167"/>
-          <ac:picMkLst>
-            <pc:docMk/>
-            <pc:sldMk cId="1551430542" sldId="278"/>
-            <ac:picMk id="26" creationId="{348496BC-0D07-43F8-8A9B-B10A3BC51B27}"/>
-          </ac:picMkLst>
-        </pc:picChg>
-      </pc:sldChg>
-      <pc:sldChg chg="modSp add mod">
-        <pc:chgData name="Thijs Geert" userId="71bbdf76-1f78-436b-8a82-e502e1f22064" providerId="ADAL" clId="{78EC5023-4952-4772-851B-52D3F40011A5}" dt="2021-05-19T20:04:47.052" v="848" actId="20577"/>
-        <pc:sldMkLst>
-          <pc:docMk/>
-          <pc:sldMk cId="811632603" sldId="279"/>
-        </pc:sldMkLst>
-        <pc:spChg chg="mod">
-          <ac:chgData name="Thijs Geert" userId="71bbdf76-1f78-436b-8a82-e502e1f22064" providerId="ADAL" clId="{78EC5023-4952-4772-851B-52D3F40011A5}" dt="2021-05-19T20:04:39.236" v="836" actId="20577"/>
-          <ac:spMkLst>
-            <pc:docMk/>
-            <pc:sldMk cId="811632603" sldId="279"/>
-            <ac:spMk id="2" creationId="{1DEFF95F-CF61-49C4-B9AA-440049470977}"/>
-          </ac:spMkLst>
-        </pc:spChg>
-        <pc:spChg chg="mod">
-          <ac:chgData name="Thijs Geert" userId="71bbdf76-1f78-436b-8a82-e502e1f22064" providerId="ADAL" clId="{78EC5023-4952-4772-851B-52D3F40011A5}" dt="2021-05-19T20:04:47.052" v="848" actId="20577"/>
-          <ac:spMkLst>
-            <pc:docMk/>
-            <pc:sldMk cId="811632603" sldId="279"/>
-            <ac:spMk id="3" creationId="{B91FEBC3-BC36-44B4-98C0-7B7A5DAF600B}"/>
-          </ac:spMkLst>
-        </pc:spChg>
-      </pc:sldChg>
-      <pc:sldChg chg="modSp add mod ord">
-        <pc:chgData name="Thijs Geert" userId="71bbdf76-1f78-436b-8a82-e502e1f22064" providerId="ADAL" clId="{78EC5023-4952-4772-851B-52D3F40011A5}" dt="2021-05-19T20:18:07.553" v="1117"/>
-        <pc:sldMkLst>
-          <pc:docMk/>
-          <pc:sldMk cId="3308026861" sldId="280"/>
-        </pc:sldMkLst>
-        <pc:spChg chg="mod">
-          <ac:chgData name="Thijs Geert" userId="71bbdf76-1f78-436b-8a82-e502e1f22064" providerId="ADAL" clId="{78EC5023-4952-4772-851B-52D3F40011A5}" dt="2021-05-19T20:09:15.007" v="861"/>
-          <ac:spMkLst>
-            <pc:docMk/>
-            <pc:sldMk cId="3308026861" sldId="280"/>
-            <ac:spMk id="2" creationId="{1DEFF95F-CF61-49C4-B9AA-440049470977}"/>
-          </ac:spMkLst>
-        </pc:spChg>
-        <pc:spChg chg="mod">
-          <ac:chgData name="Thijs Geert" userId="71bbdf76-1f78-436b-8a82-e502e1f22064" providerId="ADAL" clId="{78EC5023-4952-4772-851B-52D3F40011A5}" dt="2021-05-19T20:17:11.594" v="1115" actId="20577"/>
-          <ac:spMkLst>
-            <pc:docMk/>
-            <pc:sldMk cId="3308026861" sldId="280"/>
-            <ac:spMk id="3" creationId="{B91FEBC3-BC36-44B4-98C0-7B7A5DAF600B}"/>
-          </ac:spMkLst>
-        </pc:spChg>
-      </pc:sldChg>
-      <pc:sldChg chg="add del">
-        <pc:chgData name="Thijs Geert" userId="71bbdf76-1f78-436b-8a82-e502e1f22064" providerId="ADAL" clId="{78EC5023-4952-4772-851B-52D3F40011A5}" dt="2021-05-19T20:26:25.625" v="1145" actId="47"/>
-        <pc:sldMkLst>
-          <pc:docMk/>
-          <pc:sldMk cId="2046769072" sldId="281"/>
-        </pc:sldMkLst>
-      </pc:sldChg>
-      <pc:sldChg chg="modSp add del mod">
-        <pc:chgData name="Thijs Geert" userId="71bbdf76-1f78-436b-8a82-e502e1f22064" providerId="ADAL" clId="{78EC5023-4952-4772-851B-52D3F40011A5}" dt="2021-05-20T10:39:30.596" v="2493" actId="47"/>
-        <pc:sldMkLst>
-          <pc:docMk/>
-          <pc:sldMk cId="3980261504" sldId="281"/>
-        </pc:sldMkLst>
-        <pc:spChg chg="mod">
-          <ac:chgData name="Thijs Geert" userId="71bbdf76-1f78-436b-8a82-e502e1f22064" providerId="ADAL" clId="{78EC5023-4952-4772-851B-52D3F40011A5}" dt="2021-05-19T20:44:05.655" v="1437" actId="20577"/>
-          <ac:spMkLst>
-            <pc:docMk/>
-            <pc:sldMk cId="3980261504" sldId="281"/>
-            <ac:spMk id="2" creationId="{1DEFF95F-CF61-49C4-B9AA-440049470977}"/>
-          </ac:spMkLst>
-        </pc:spChg>
-        <pc:spChg chg="mod">
-          <ac:chgData name="Thijs Geert" userId="71bbdf76-1f78-436b-8a82-e502e1f22064" providerId="ADAL" clId="{78EC5023-4952-4772-851B-52D3F40011A5}" dt="2021-05-20T10:38:15.389" v="2451" actId="20577"/>
-          <ac:spMkLst>
-            <pc:docMk/>
-            <pc:sldMk cId="3980261504" sldId="281"/>
-            <ac:spMk id="3" creationId="{B91FEBC3-BC36-44B4-98C0-7B7A5DAF600B}"/>
-          </ac:spMkLst>
-        </pc:spChg>
-      </pc:sldChg>
-      <pc:sldChg chg="modSp add mod">
-        <pc:chgData name="Thijs Geert" userId="71bbdf76-1f78-436b-8a82-e502e1f22064" providerId="ADAL" clId="{78EC5023-4952-4772-851B-52D3F40011A5}" dt="2021-05-20T10:39:00.683" v="2491" actId="20577"/>
-        <pc:sldMkLst>
-          <pc:docMk/>
-          <pc:sldMk cId="2626063440" sldId="282"/>
-        </pc:sldMkLst>
-        <pc:spChg chg="mod">
-          <ac:chgData name="Thijs Geert" userId="71bbdf76-1f78-436b-8a82-e502e1f22064" providerId="ADAL" clId="{78EC5023-4952-4772-851B-52D3F40011A5}" dt="2021-05-20T10:38:27.083" v="2464" actId="20577"/>
-          <ac:spMkLst>
-            <pc:docMk/>
-            <pc:sldMk cId="2626063440" sldId="282"/>
-            <ac:spMk id="2" creationId="{1DEFF95F-CF61-49C4-B9AA-440049470977}"/>
-          </ac:spMkLst>
-        </pc:spChg>
-        <pc:spChg chg="mod">
-          <ac:chgData name="Thijs Geert" userId="71bbdf76-1f78-436b-8a82-e502e1f22064" providerId="ADAL" clId="{78EC5023-4952-4772-851B-52D3F40011A5}" dt="2021-05-20T10:39:00.683" v="2491" actId="20577"/>
-          <ac:spMkLst>
-            <pc:docMk/>
-            <pc:sldMk cId="2626063440" sldId="282"/>
-            <ac:spMk id="3" creationId="{B91FEBC3-BC36-44B4-98C0-7B7A5DAF600B}"/>
-          </ac:spMkLst>
-        </pc:spChg>
-      </pc:sldChg>
-      <pc:sldChg chg="addSp delSp modSp add mod">
-        <pc:chgData name="Thijs Geert" userId="71bbdf76-1f78-436b-8a82-e502e1f22064" providerId="ADAL" clId="{78EC5023-4952-4772-851B-52D3F40011A5}" dt="2021-05-20T10:40:14.672" v="2502" actId="1076"/>
-        <pc:sldMkLst>
-          <pc:docMk/>
-          <pc:sldMk cId="2649756330" sldId="283"/>
-        </pc:sldMkLst>
-        <pc:spChg chg="mod">
-          <ac:chgData name="Thijs Geert" userId="71bbdf76-1f78-436b-8a82-e502e1f22064" providerId="ADAL" clId="{78EC5023-4952-4772-851B-52D3F40011A5}" dt="2021-05-20T10:39:20.295" v="2492"/>
-          <ac:spMkLst>
-            <pc:docMk/>
-            <pc:sldMk cId="2649756330" sldId="283"/>
-            <ac:spMk id="2" creationId="{1DEFF95F-CF61-49C4-B9AA-440049470977}"/>
-          </ac:spMkLst>
-        </pc:spChg>
-        <pc:spChg chg="del">
-          <ac:chgData name="Thijs Geert" userId="71bbdf76-1f78-436b-8a82-e502e1f22064" providerId="ADAL" clId="{78EC5023-4952-4772-851B-52D3F40011A5}" dt="2021-05-19T20:29:33.587" v="1419" actId="478"/>
-          <ac:spMkLst>
-            <pc:docMk/>
-            <pc:sldMk cId="2649756330" sldId="283"/>
-            <ac:spMk id="3" creationId="{B91FEBC3-BC36-44B4-98C0-7B7A5DAF600B}"/>
-          </ac:spMkLst>
-        </pc:spChg>
-        <pc:spChg chg="add del mod">
-          <ac:chgData name="Thijs Geert" userId="71bbdf76-1f78-436b-8a82-e502e1f22064" providerId="ADAL" clId="{78EC5023-4952-4772-851B-52D3F40011A5}" dt="2021-05-20T10:39:43.988" v="2496" actId="478"/>
-          <ac:spMkLst>
-            <pc:docMk/>
-            <pc:sldMk cId="2649756330" sldId="283"/>
-            <ac:spMk id="5" creationId="{33A7F215-E378-4E87-B21E-09359F187CCB}"/>
-          </ac:spMkLst>
-        </pc:spChg>
-        <pc:spChg chg="add del mod">
-          <ac:chgData name="Thijs Geert" userId="71bbdf76-1f78-436b-8a82-e502e1f22064" providerId="ADAL" clId="{78EC5023-4952-4772-851B-52D3F40011A5}" dt="2021-05-19T20:29:35.978" v="1420" actId="478"/>
-          <ac:spMkLst>
-            <pc:docMk/>
-            <pc:sldMk cId="2649756330" sldId="283"/>
-            <ac:spMk id="5" creationId="{5D23CA46-E9D5-44DC-8EB9-90D7E50FF29B}"/>
-          </ac:spMkLst>
-        </pc:spChg>
-        <pc:picChg chg="add del mod">
-          <ac:chgData name="Thijs Geert" userId="71bbdf76-1f78-436b-8a82-e502e1f22064" providerId="ADAL" clId="{78EC5023-4952-4772-851B-52D3F40011A5}" dt="2021-05-20T10:39:37.420" v="2494" actId="478"/>
-          <ac:picMkLst>
-            <pc:docMk/>
-            <pc:sldMk cId="2649756330" sldId="283"/>
-            <ac:picMk id="4" creationId="{3BFAFF2C-E4B2-4CFD-90F5-633384E850DA}"/>
-          </ac:picMkLst>
-        </pc:picChg>
-        <pc:picChg chg="add del mod">
-          <ac:chgData name="Thijs Geert" userId="71bbdf76-1f78-436b-8a82-e502e1f22064" providerId="ADAL" clId="{78EC5023-4952-4772-851B-52D3F40011A5}" dt="2021-05-20T08:25:38.492" v="2425" actId="478"/>
-          <ac:picMkLst>
-            <pc:docMk/>
-            <pc:sldMk cId="2649756330" sldId="283"/>
-            <ac:picMk id="7" creationId="{06D9653B-DF80-43C0-8FB9-CC5DDA07DE91}"/>
-          </ac:picMkLst>
-        </pc:picChg>
-        <pc:picChg chg="add mod">
-          <ac:chgData name="Thijs Geert" userId="71bbdf76-1f78-436b-8a82-e502e1f22064" providerId="ADAL" clId="{78EC5023-4952-4772-851B-52D3F40011A5}" dt="2021-05-20T10:40:14.672" v="2502" actId="1076"/>
-          <ac:picMkLst>
-            <pc:docMk/>
-            <pc:sldMk cId="2649756330" sldId="283"/>
-            <ac:picMk id="8" creationId="{AE909FC5-093C-40A0-8F4E-9529D3C9B75C}"/>
-          </ac:picMkLst>
-        </pc:picChg>
-      </pc:sldChg>
-      <pc:sldChg chg="modSp add del mod">
-        <pc:chgData name="Thijs Geert" userId="71bbdf76-1f78-436b-8a82-e502e1f22064" providerId="ADAL" clId="{78EC5023-4952-4772-851B-52D3F40011A5}" dt="2021-05-19T21:09:33.759" v="1975" actId="47"/>
-        <pc:sldMkLst>
-          <pc:docMk/>
-          <pc:sldMk cId="3664289361" sldId="284"/>
-        </pc:sldMkLst>
-        <pc:spChg chg="mod">
-          <ac:chgData name="Thijs Geert" userId="71bbdf76-1f78-436b-8a82-e502e1f22064" providerId="ADAL" clId="{78EC5023-4952-4772-851B-52D3F40011A5}" dt="2021-05-19T21:07:05.243" v="1846" actId="20577"/>
-          <ac:spMkLst>
-            <pc:docMk/>
-            <pc:sldMk cId="3664289361" sldId="284"/>
-            <ac:spMk id="2" creationId="{1DEFF95F-CF61-49C4-B9AA-440049470977}"/>
-          </ac:spMkLst>
-        </pc:spChg>
-        <pc:spChg chg="mod">
-          <ac:chgData name="Thijs Geert" userId="71bbdf76-1f78-436b-8a82-e502e1f22064" providerId="ADAL" clId="{78EC5023-4952-4772-851B-52D3F40011A5}" dt="2021-05-19T21:07:10.435" v="1848" actId="20577"/>
-          <ac:spMkLst>
-            <pc:docMk/>
-            <pc:sldMk cId="3664289361" sldId="284"/>
-            <ac:spMk id="3" creationId="{B91FEBC3-BC36-44B4-98C0-7B7A5DAF600B}"/>
-          </ac:spMkLst>
-        </pc:spChg>
-      </pc:sldChg>
-      <pc:sldChg chg="modSp add del mod">
-        <pc:chgData name="Thijs Geert" userId="71bbdf76-1f78-436b-8a82-e502e1f22064" providerId="ADAL" clId="{78EC5023-4952-4772-851B-52D3F40011A5}" dt="2021-05-20T10:39:48.583" v="2497" actId="47"/>
-        <pc:sldMkLst>
-          <pc:docMk/>
-          <pc:sldMk cId="3338541487" sldId="285"/>
-        </pc:sldMkLst>
-        <pc:spChg chg="mod">
-          <ac:chgData name="Thijs Geert" userId="71bbdf76-1f78-436b-8a82-e502e1f22064" providerId="ADAL" clId="{78EC5023-4952-4772-851B-52D3F40011A5}" dt="2021-05-19T21:09:23.501" v="1972" actId="20577"/>
-          <ac:spMkLst>
-            <pc:docMk/>
-            <pc:sldMk cId="3338541487" sldId="285"/>
-            <ac:spMk id="2" creationId="{1DEFF95F-CF61-49C4-B9AA-440049470977}"/>
-          </ac:spMkLst>
-        </pc:spChg>
-        <pc:spChg chg="mod">
-          <ac:chgData name="Thijs Geert" userId="71bbdf76-1f78-436b-8a82-e502e1f22064" providerId="ADAL" clId="{78EC5023-4952-4772-851B-52D3F40011A5}" dt="2021-05-19T21:18:00.577" v="2211" actId="20577"/>
-          <ac:spMkLst>
-            <pc:docMk/>
-            <pc:sldMk cId="3338541487" sldId="285"/>
-            <ac:spMk id="3" creationId="{B91FEBC3-BC36-44B4-98C0-7B7A5DAF600B}"/>
-          </ac:spMkLst>
-        </pc:spChg>
-      </pc:sldChg>
-      <pc:sldChg chg="modSp add mod">
-        <pc:chgData name="Thijs Geert" userId="71bbdf76-1f78-436b-8a82-e502e1f22064" providerId="ADAL" clId="{78EC5023-4952-4772-851B-52D3F40011A5}" dt="2021-05-19T21:13:06.836" v="2063" actId="20577"/>
-        <pc:sldMkLst>
-          <pc:docMk/>
-          <pc:sldMk cId="80082469" sldId="286"/>
-        </pc:sldMkLst>
-        <pc:spChg chg="mod">
-          <ac:chgData name="Thijs Geert" userId="71bbdf76-1f78-436b-8a82-e502e1f22064" providerId="ADAL" clId="{78EC5023-4952-4772-851B-52D3F40011A5}" dt="2021-05-19T21:12:33.690" v="2004" actId="20577"/>
-          <ac:spMkLst>
-            <pc:docMk/>
-            <pc:sldMk cId="80082469" sldId="286"/>
-            <ac:spMk id="2" creationId="{1DEFF95F-CF61-49C4-B9AA-440049470977}"/>
-          </ac:spMkLst>
-        </pc:spChg>
-        <pc:spChg chg="mod">
-          <ac:chgData name="Thijs Geert" userId="71bbdf76-1f78-436b-8a82-e502e1f22064" providerId="ADAL" clId="{78EC5023-4952-4772-851B-52D3F40011A5}" dt="2021-05-19T21:13:06.836" v="2063" actId="20577"/>
-          <ac:spMkLst>
-            <pc:docMk/>
-            <pc:sldMk cId="80082469" sldId="286"/>
-            <ac:spMk id="3" creationId="{B91FEBC3-BC36-44B4-98C0-7B7A5DAF600B}"/>
-          </ac:spMkLst>
-        </pc:spChg>
-      </pc:sldChg>
-      <pc:sldChg chg="addSp delSp modSp add mod">
-        <pc:chgData name="Thijs Geert" userId="71bbdf76-1f78-436b-8a82-e502e1f22064" providerId="ADAL" clId="{78EC5023-4952-4772-851B-52D3F40011A5}" dt="2021-05-19T21:19:16.996" v="2221" actId="20577"/>
-        <pc:sldMkLst>
-          <pc:docMk/>
-          <pc:sldMk cId="237895417" sldId="287"/>
-        </pc:sldMkLst>
-        <pc:spChg chg="del">
-          <ac:chgData name="Thijs Geert" userId="71bbdf76-1f78-436b-8a82-e502e1f22064" providerId="ADAL" clId="{78EC5023-4952-4772-851B-52D3F40011A5}" dt="2021-05-19T21:13:22.797" v="2065" actId="478"/>
-          <ac:spMkLst>
-            <pc:docMk/>
-            <pc:sldMk cId="237895417" sldId="287"/>
-            <ac:spMk id="3" creationId="{B91FEBC3-BC36-44B4-98C0-7B7A5DAF600B}"/>
-          </ac:spMkLst>
-        </pc:spChg>
-        <pc:spChg chg="add del mod">
-          <ac:chgData name="Thijs Geert" userId="71bbdf76-1f78-436b-8a82-e502e1f22064" providerId="ADAL" clId="{78EC5023-4952-4772-851B-52D3F40011A5}" dt="2021-05-19T21:13:27.090" v="2066" actId="478"/>
-          <ac:spMkLst>
-            <pc:docMk/>
-            <pc:sldMk cId="237895417" sldId="287"/>
-            <ac:spMk id="5" creationId="{051DF434-2245-471A-AAB4-48F052255A22}"/>
-          </ac:spMkLst>
-        </pc:spChg>
-        <pc:graphicFrameChg chg="add mod modGraphic">
-          <ac:chgData name="Thijs Geert" userId="71bbdf76-1f78-436b-8a82-e502e1f22064" providerId="ADAL" clId="{78EC5023-4952-4772-851B-52D3F40011A5}" dt="2021-05-19T21:19:16.996" v="2221" actId="20577"/>
-          <ac:graphicFrameMkLst>
-            <pc:docMk/>
-            <pc:sldMk cId="237895417" sldId="287"/>
-            <ac:graphicFrameMk id="6" creationId="{988659C9-7290-44EC-A94F-99CAF5306CBE}"/>
-          </ac:graphicFrameMkLst>
-        </pc:graphicFrameChg>
-      </pc:sldChg>
-      <pc:sldChg chg="modSp add mod">
-        <pc:chgData name="Thijs Geert" userId="71bbdf76-1f78-436b-8a82-e502e1f22064" providerId="ADAL" clId="{78EC5023-4952-4772-851B-52D3F40011A5}" dt="2021-05-19T21:20:22.183" v="2255" actId="20577"/>
-        <pc:sldMkLst>
-          <pc:docMk/>
-          <pc:sldMk cId="1498074039" sldId="288"/>
-        </pc:sldMkLst>
-        <pc:spChg chg="mod">
-          <ac:chgData name="Thijs Geert" userId="71bbdf76-1f78-436b-8a82-e502e1f22064" providerId="ADAL" clId="{78EC5023-4952-4772-851B-52D3F40011A5}" dt="2021-05-19T21:20:13.120" v="2253"/>
-          <ac:spMkLst>
-            <pc:docMk/>
-            <pc:sldMk cId="1498074039" sldId="288"/>
-            <ac:spMk id="2" creationId="{1DEFF95F-CF61-49C4-B9AA-440049470977}"/>
-          </ac:spMkLst>
-        </pc:spChg>
-        <pc:spChg chg="mod">
-          <ac:chgData name="Thijs Geert" userId="71bbdf76-1f78-436b-8a82-e502e1f22064" providerId="ADAL" clId="{78EC5023-4952-4772-851B-52D3F40011A5}" dt="2021-05-19T21:20:22.183" v="2255" actId="20577"/>
-          <ac:spMkLst>
-            <pc:docMk/>
-            <pc:sldMk cId="1498074039" sldId="288"/>
-            <ac:spMk id="3" creationId="{B91FEBC3-BC36-44B4-98C0-7B7A5DAF600B}"/>
-          </ac:spMkLst>
-        </pc:spChg>
-      </pc:sldChg>
-      <pc:sldChg chg="modSp add mod">
-        <pc:chgData name="Thijs Geert" userId="71bbdf76-1f78-436b-8a82-e502e1f22064" providerId="ADAL" clId="{78EC5023-4952-4772-851B-52D3F40011A5}" dt="2021-05-19T21:24:16.158" v="2424" actId="20577"/>
-        <pc:sldMkLst>
-          <pc:docMk/>
-          <pc:sldMk cId="2753443832" sldId="289"/>
-        </pc:sldMkLst>
-        <pc:spChg chg="mod">
-          <ac:chgData name="Thijs Geert" userId="71bbdf76-1f78-436b-8a82-e502e1f22064" providerId="ADAL" clId="{78EC5023-4952-4772-851B-52D3F40011A5}" dt="2021-05-19T21:21:13.122" v="2269" actId="20577"/>
-          <ac:spMkLst>
-            <pc:docMk/>
-            <pc:sldMk cId="2753443832" sldId="289"/>
-            <ac:spMk id="2" creationId="{1DEFF95F-CF61-49C4-B9AA-440049470977}"/>
-          </ac:spMkLst>
-        </pc:spChg>
-        <pc:spChg chg="mod">
-          <ac:chgData name="Thijs Geert" userId="71bbdf76-1f78-436b-8a82-e502e1f22064" providerId="ADAL" clId="{78EC5023-4952-4772-851B-52D3F40011A5}" dt="2021-05-19T21:24:16.158" v="2424" actId="20577"/>
-          <ac:spMkLst>
-            <pc:docMk/>
-            <pc:sldMk cId="2753443832" sldId="289"/>
-            <ac:spMk id="3" creationId="{B91FEBC3-BC36-44B4-98C0-7B7A5DAF600B}"/>
-          </ac:spMkLst>
-        </pc:spChg>
-      </pc:sldChg>
-    </pc:docChg>
-  </pc:docChgLst>
-</pc:chgInfo>
-</file>
-
 <file path=ppt/slideLayouts/slideLayout1.xml><?xml version="1.0" encoding="utf-8"?>
 <p:sldLayout xmlns:a="http://schemas.openxmlformats.org/drawingml/2006/main" xmlns:r="http://schemas.openxmlformats.org/officeDocument/2006/relationships" xmlns:p="http://schemas.openxmlformats.org/presentationml/2006/main" type="title" preserve="1">
   <p:cSld name="Title Slide">
@@ -1462,7 +293,7 @@
           <a:p>
             <a:fld id="{39F4D874-1312-4A59-A9D3-4C46B62B3F8C}" type="datetimeFigureOut">
               <a:rPr lang="nl-BE" smtClean="0"/>
-              <a:t>20/05/2021</a:t>
+              <a:t>21/05/2021</a:t>
             </a:fld>
             <a:endParaRPr lang="nl-BE"/>
           </a:p>
@@ -1662,7 +493,7 @@
           <a:p>
             <a:fld id="{39F4D874-1312-4A59-A9D3-4C46B62B3F8C}" type="datetimeFigureOut">
               <a:rPr lang="nl-BE" smtClean="0"/>
-              <a:t>20/05/2021</a:t>
+              <a:t>21/05/2021</a:t>
             </a:fld>
             <a:endParaRPr lang="nl-BE"/>
           </a:p>
@@ -1872,7 +703,7 @@
           <a:p>
             <a:fld id="{39F4D874-1312-4A59-A9D3-4C46B62B3F8C}" type="datetimeFigureOut">
               <a:rPr lang="nl-BE" smtClean="0"/>
-              <a:t>20/05/2021</a:t>
+              <a:t>21/05/2021</a:t>
             </a:fld>
             <a:endParaRPr lang="nl-BE"/>
           </a:p>
@@ -2072,7 +903,7 @@
           <a:p>
             <a:fld id="{39F4D874-1312-4A59-A9D3-4C46B62B3F8C}" type="datetimeFigureOut">
               <a:rPr lang="nl-BE" smtClean="0"/>
-              <a:t>20/05/2021</a:t>
+              <a:t>21/05/2021</a:t>
             </a:fld>
             <a:endParaRPr lang="nl-BE"/>
           </a:p>
@@ -2348,7 +1179,7 @@
           <a:p>
             <a:fld id="{39F4D874-1312-4A59-A9D3-4C46B62B3F8C}" type="datetimeFigureOut">
               <a:rPr lang="nl-BE" smtClean="0"/>
-              <a:t>20/05/2021</a:t>
+              <a:t>21/05/2021</a:t>
             </a:fld>
             <a:endParaRPr lang="nl-BE"/>
           </a:p>
@@ -2616,7 +1447,7 @@
           <a:p>
             <a:fld id="{39F4D874-1312-4A59-A9D3-4C46B62B3F8C}" type="datetimeFigureOut">
               <a:rPr lang="nl-BE" smtClean="0"/>
-              <a:t>20/05/2021</a:t>
+              <a:t>21/05/2021</a:t>
             </a:fld>
             <a:endParaRPr lang="nl-BE"/>
           </a:p>
@@ -3031,7 +1862,7 @@
           <a:p>
             <a:fld id="{39F4D874-1312-4A59-A9D3-4C46B62B3F8C}" type="datetimeFigureOut">
               <a:rPr lang="nl-BE" smtClean="0"/>
-              <a:t>20/05/2021</a:t>
+              <a:t>21/05/2021</a:t>
             </a:fld>
             <a:endParaRPr lang="nl-BE"/>
           </a:p>
@@ -3173,7 +2004,7 @@
           <a:p>
             <a:fld id="{39F4D874-1312-4A59-A9D3-4C46B62B3F8C}" type="datetimeFigureOut">
               <a:rPr lang="nl-BE" smtClean="0"/>
-              <a:t>20/05/2021</a:t>
+              <a:t>21/05/2021</a:t>
             </a:fld>
             <a:endParaRPr lang="nl-BE"/>
           </a:p>
@@ -3286,7 +2117,7 @@
           <a:p>
             <a:fld id="{39F4D874-1312-4A59-A9D3-4C46B62B3F8C}" type="datetimeFigureOut">
               <a:rPr lang="nl-BE" smtClean="0"/>
-              <a:t>20/05/2021</a:t>
+              <a:t>21/05/2021</a:t>
             </a:fld>
             <a:endParaRPr lang="nl-BE"/>
           </a:p>
@@ -3599,7 +2430,7 @@
           <a:p>
             <a:fld id="{39F4D874-1312-4A59-A9D3-4C46B62B3F8C}" type="datetimeFigureOut">
               <a:rPr lang="nl-BE" smtClean="0"/>
-              <a:t>20/05/2021</a:t>
+              <a:t>21/05/2021</a:t>
             </a:fld>
             <a:endParaRPr lang="nl-BE"/>
           </a:p>
@@ -3888,7 +2719,7 @@
           <a:p>
             <a:fld id="{39F4D874-1312-4A59-A9D3-4C46B62B3F8C}" type="datetimeFigureOut">
               <a:rPr lang="nl-BE" smtClean="0"/>
-              <a:t>20/05/2021</a:t>
+              <a:t>21/05/2021</a:t>
             </a:fld>
             <a:endParaRPr lang="nl-BE"/>
           </a:p>
@@ -4131,7 +2962,7 @@
           <a:p>
             <a:fld id="{39F4D874-1312-4A59-A9D3-4C46B62B3F8C}" type="datetimeFigureOut">
               <a:rPr lang="nl-BE" smtClean="0"/>
-              <a:t>20/05/2021</a:t>
+              <a:t>21/05/2021</a:t>
             </a:fld>
             <a:endParaRPr lang="nl-BE"/>
           </a:p>
@@ -6733,97 +5564,6 @@
           <a:p>
             <a:r>
               <a:rPr lang="nl-BE" dirty="0"/>
-              <a:t>Voorbeeld </a:t>
-            </a:r>
-            <a:r>
-              <a:rPr lang="nl-BE" dirty="0" err="1"/>
-              <a:t>BemonsteringMetObservatie</a:t>
-            </a:r>
-            <a:endParaRPr lang="nl-BE" dirty="0"/>
-          </a:p>
-        </p:txBody>
-      </p:sp>
-      <p:sp>
-        <p:nvSpPr>
-          <p:cNvPr id="3" name="Content Placeholder 2">
-            <a:extLst>
-              <a:ext uri="{FF2B5EF4-FFF2-40B4-BE49-F238E27FC236}">
-                <a16:creationId xmlns:a16="http://schemas.microsoft.com/office/drawing/2014/main" id="{B91FEBC3-BC36-44B4-98C0-7B7A5DAF600B}"/>
-              </a:ext>
-            </a:extLst>
-          </p:cNvPr>
-          <p:cNvSpPr>
-            <a:spLocks noGrp="1"/>
-          </p:cNvSpPr>
-          <p:nvPr>
-            <p:ph idx="1"/>
-          </p:nvPr>
-        </p:nvSpPr>
-        <p:spPr/>
-        <p:txBody>
-          <a:bodyPr/>
-          <a:lstStyle/>
-          <a:p>
-            <a:r>
-              <a:rPr lang="nl-BE" dirty="0"/>
-              <a:t>pH-analyse op bodemmonster</a:t>
-            </a:r>
-          </a:p>
-        </p:txBody>
-      </p:sp>
-    </p:spTree>
-    <p:extLst>
-      <p:ext uri="{BB962C8B-B14F-4D97-AF65-F5344CB8AC3E}">
-        <p14:creationId xmlns:p14="http://schemas.microsoft.com/office/powerpoint/2010/main" val="2626063440"/>
-      </p:ext>
-    </p:extLst>
-  </p:cSld>
-  <p:clrMapOvr>
-    <a:masterClrMapping/>
-  </p:clrMapOvr>
-</p:sld>
-</file>
-
-<file path=ppt/slides/slide19.xml><?xml version="1.0" encoding="utf-8"?>
-<p:sld xmlns:a="http://schemas.openxmlformats.org/drawingml/2006/main" xmlns:r="http://schemas.openxmlformats.org/officeDocument/2006/relationships" xmlns:p="http://schemas.openxmlformats.org/presentationml/2006/main">
-  <p:cSld>
-    <p:spTree>
-      <p:nvGrpSpPr>
-        <p:cNvPr id="1" name=""/>
-        <p:cNvGrpSpPr/>
-        <p:nvPr/>
-      </p:nvGrpSpPr>
-      <p:grpSpPr>
-        <a:xfrm>
-          <a:off x="0" y="0"/>
-          <a:ext cx="0" cy="0"/>
-          <a:chOff x="0" y="0"/>
-          <a:chExt cx="0" cy="0"/>
-        </a:xfrm>
-      </p:grpSpPr>
-      <p:sp>
-        <p:nvSpPr>
-          <p:cNvPr id="2" name="Title 1">
-            <a:extLst>
-              <a:ext uri="{FF2B5EF4-FFF2-40B4-BE49-F238E27FC236}">
-                <a16:creationId xmlns:a16="http://schemas.microsoft.com/office/drawing/2014/main" id="{1DEFF95F-CF61-49C4-B9AA-440049470977}"/>
-              </a:ext>
-            </a:extLst>
-          </p:cNvPr>
-          <p:cNvSpPr>
-            <a:spLocks noGrp="1"/>
-          </p:cNvSpPr>
-          <p:nvPr>
-            <p:ph type="title"/>
-          </p:nvPr>
-        </p:nvSpPr>
-        <p:spPr/>
-        <p:txBody>
-          <a:bodyPr/>
-          <a:lstStyle/>
-          <a:p>
-            <a:r>
-              <a:rPr lang="nl-BE" dirty="0"/>
               <a:t>pH-analyse op bodemmonster</a:t>
             </a:r>
           </a:p>
@@ -6878,6 +5618,135 @@
 </p:sld>
 </file>
 
+<file path=ppt/slides/slide19.xml><?xml version="1.0" encoding="utf-8"?>
+<p:sld xmlns:a="http://schemas.openxmlformats.org/drawingml/2006/main" xmlns:r="http://schemas.openxmlformats.org/officeDocument/2006/relationships" xmlns:p="http://schemas.openxmlformats.org/presentationml/2006/main">
+  <p:cSld>
+    <p:spTree>
+      <p:nvGrpSpPr>
+        <p:cNvPr id="1" name=""/>
+        <p:cNvGrpSpPr/>
+        <p:nvPr/>
+      </p:nvGrpSpPr>
+      <p:grpSpPr>
+        <a:xfrm>
+          <a:off x="0" y="0"/>
+          <a:ext cx="0" cy="0"/>
+          <a:chOff x="0" y="0"/>
+          <a:chExt cx="0" cy="0"/>
+        </a:xfrm>
+      </p:grpSpPr>
+      <p:sp>
+        <p:nvSpPr>
+          <p:cNvPr id="2" name="Title 1">
+            <a:extLst>
+              <a:ext uri="{FF2B5EF4-FFF2-40B4-BE49-F238E27FC236}">
+                <a16:creationId xmlns:a16="http://schemas.microsoft.com/office/drawing/2014/main" id="{1DEFF95F-CF61-49C4-B9AA-440049470977}"/>
+              </a:ext>
+            </a:extLst>
+          </p:cNvPr>
+          <p:cNvSpPr>
+            <a:spLocks noGrp="1"/>
+          </p:cNvSpPr>
+          <p:nvPr>
+            <p:ph type="title"/>
+          </p:nvPr>
+        </p:nvSpPr>
+        <p:spPr/>
+        <p:txBody>
+          <a:bodyPr/>
+          <a:lstStyle/>
+          <a:p>
+            <a:r>
+              <a:rPr lang="nl-BE" dirty="0"/>
+              <a:t>Specialisaties voor B&amp;O</a:t>
+            </a:r>
+          </a:p>
+        </p:txBody>
+      </p:sp>
+      <p:sp>
+        <p:nvSpPr>
+          <p:cNvPr id="3" name="Content Placeholder 2">
+            <a:extLst>
+              <a:ext uri="{FF2B5EF4-FFF2-40B4-BE49-F238E27FC236}">
+                <a16:creationId xmlns:a16="http://schemas.microsoft.com/office/drawing/2014/main" id="{B91FEBC3-BC36-44B4-98C0-7B7A5DAF600B}"/>
+              </a:ext>
+            </a:extLst>
+          </p:cNvPr>
+          <p:cNvSpPr>
+            <a:spLocks noGrp="1"/>
+          </p:cNvSpPr>
+          <p:nvPr>
+            <p:ph idx="1"/>
+          </p:nvPr>
+        </p:nvSpPr>
+        <p:spPr/>
+        <p:txBody>
+          <a:bodyPr/>
+          <a:lstStyle/>
+          <a:p>
+            <a:r>
+              <a:rPr lang="nl-BE" dirty="0"/>
+              <a:t>Van</a:t>
+            </a:r>
+          </a:p>
+          <a:p>
+            <a:pPr lvl="1"/>
+            <a:r>
+              <a:rPr lang="nl-BE" dirty="0"/>
+              <a:t>Bemonstering</a:t>
+            </a:r>
+          </a:p>
+          <a:p>
+            <a:pPr lvl="1"/>
+            <a:r>
+              <a:rPr lang="nl-BE" dirty="0" err="1"/>
+              <a:t>RuimtelijkBemonsteringsobject</a:t>
+            </a:r>
+            <a:endParaRPr lang="nl-BE" dirty="0"/>
+          </a:p>
+          <a:p>
+            <a:pPr lvl="1"/>
+            <a:r>
+              <a:rPr lang="nl-BE" dirty="0"/>
+              <a:t>Monster</a:t>
+            </a:r>
+          </a:p>
+          <a:p>
+            <a:pPr lvl="1"/>
+            <a:r>
+              <a:rPr lang="nl-BE" dirty="0"/>
+              <a:t>Observatie</a:t>
+            </a:r>
+          </a:p>
+          <a:p>
+            <a:pPr lvl="1"/>
+            <a:r>
+              <a:rPr lang="nl-BE" dirty="0"/>
+              <a:t>Sensor</a:t>
+            </a:r>
+          </a:p>
+          <a:p>
+            <a:pPr lvl="1"/>
+            <a:r>
+              <a:rPr lang="nl-BE" dirty="0"/>
+              <a:t>Domeinobject</a:t>
+            </a:r>
+          </a:p>
+        </p:txBody>
+      </p:sp>
+    </p:spTree>
+    <p:extLst>
+      <p:ext uri="{BB962C8B-B14F-4D97-AF65-F5344CB8AC3E}">
+        <p14:creationId xmlns:p14="http://schemas.microsoft.com/office/powerpoint/2010/main" val="2626063440"/>
+      </p:ext>
+    </p:extLst>
+  </p:cSld>
+  <p:clrMapOvr>
+    <a:masterClrMapping/>
+  </p:clrMapOvr>
+</p:sld>
+</file>
+
 <file path=ppt/slides/slide2.xml><?xml version="1.0" encoding="utf-8"?>
 <p:sld xmlns:a="http://schemas.openxmlformats.org/drawingml/2006/main" xmlns:r="http://schemas.openxmlformats.org/officeDocument/2006/relationships" xmlns:p="http://schemas.openxmlformats.org/presentationml/2006/main">
   <p:cSld>
@@ -6968,21 +5837,13 @@
           <a:p>
             <a:r>
               <a:rPr lang="nl-BE" dirty="0"/>
-              <a:t>Herindeling B&amp;O deeldomeinen</a:t>
+              <a:t>Specialisaties voor B&amp;O</a:t>
             </a:r>
           </a:p>
           <a:p>
             <a:r>
               <a:rPr lang="nl-BE" dirty="0"/>
-              <a:t>Specialisatie van het AP </a:t>
-            </a:r>
-            <a:r>
-              <a:rPr lang="nl-BE" dirty="0" err="1"/>
-              <a:t>SensorenEnBemonstering</a:t>
-            </a:r>
-            <a:r>
-              <a:rPr lang="nl-BE" dirty="0"/>
-              <a:t> per deeldomein</a:t>
+              <a:t>Toepassing op de B&amp;O thema’s</a:t>
             </a:r>
           </a:p>
           <a:p>
@@ -7047,73 +5908,392 @@
           <a:p>
             <a:r>
               <a:rPr lang="nl-BE" dirty="0"/>
-              <a:t>Herindeling B&amp;O deeldomeinen</a:t>
-            </a:r>
-          </a:p>
-        </p:txBody>
-      </p:sp>
-      <p:sp>
-        <p:nvSpPr>
-          <p:cNvPr id="3" name="Content Placeholder 2">
-            <a:extLst>
-              <a:ext uri="{FF2B5EF4-FFF2-40B4-BE49-F238E27FC236}">
-                <a16:creationId xmlns:a16="http://schemas.microsoft.com/office/drawing/2014/main" id="{B91FEBC3-BC36-44B4-98C0-7B7A5DAF600B}"/>
-              </a:ext>
-            </a:extLst>
-          </p:cNvPr>
-          <p:cNvSpPr>
-            <a:spLocks noGrp="1"/>
-          </p:cNvSpPr>
+              <a:t>Specialisaties voor B&amp;O: Bemonstering</a:t>
+            </a:r>
+          </a:p>
+        </p:txBody>
+      </p:sp>
+      <p:graphicFrame>
+        <p:nvGraphicFramePr>
+          <p:cNvPr id="6" name="Table 6">
+            <a:extLst>
+              <a:ext uri="{FF2B5EF4-FFF2-40B4-BE49-F238E27FC236}">
+                <a16:creationId xmlns:a16="http://schemas.microsoft.com/office/drawing/2014/main" id="{71931EB5-C37A-418F-99BC-F8B25BD8F6BB}"/>
+              </a:ext>
+            </a:extLst>
+          </p:cNvPr>
+          <p:cNvGraphicFramePr>
+            <a:graphicFrameLocks noGrp="1"/>
+          </p:cNvGraphicFramePr>
           <p:nvPr>
-            <p:ph idx="1"/>
+            <p:extLst>
+              <p:ext uri="{D42A27DB-BD31-4B8C-83A1-F6EECF244321}">
+                <p14:modId xmlns:p14="http://schemas.microsoft.com/office/powerpoint/2010/main" val="2015113728"/>
+              </p:ext>
+            </p:extLst>
           </p:nvPr>
-        </p:nvSpPr>
-        <p:spPr/>
-        <p:txBody>
-          <a:bodyPr/>
-          <a:lstStyle/>
-          <a:p>
-            <a:r>
-              <a:rPr lang="nl-BE" dirty="0"/>
-              <a:t>Doel:</a:t>
-            </a:r>
-          </a:p>
-          <a:p>
-            <a:pPr lvl="1"/>
-            <a:r>
-              <a:rPr lang="nl-BE" dirty="0"/>
-              <a:t>Overladen </a:t>
-            </a:r>
-            <a:r>
-              <a:rPr lang="nl-BE" dirty="0" err="1"/>
-              <a:t>AP’s</a:t>
-            </a:r>
-            <a:r>
-              <a:rPr lang="nl-BE" dirty="0"/>
-              <a:t> vermijden</a:t>
-            </a:r>
-          </a:p>
-          <a:p>
-            <a:pPr lvl="1"/>
-            <a:r>
-              <a:rPr lang="nl-BE" dirty="0"/>
-              <a:t>Overdaad </a:t>
-            </a:r>
-            <a:r>
-              <a:rPr lang="nl-BE" dirty="0" err="1"/>
-              <a:t>AP’s</a:t>
-            </a:r>
-            <a:r>
-              <a:rPr lang="nl-BE" dirty="0"/>
-              <a:t> vermijden</a:t>
-            </a:r>
-          </a:p>
-        </p:txBody>
-      </p:sp>
+        </p:nvGraphicFramePr>
+        <p:xfrm>
+          <a:off x="735497" y="1945612"/>
+          <a:ext cx="10618305" cy="3484880"/>
+        </p:xfrm>
+        <a:graphic>
+          <a:graphicData uri="http://schemas.openxmlformats.org/drawingml/2006/table">
+            <a:tbl>
+              <a:tblPr firstRow="1" bandRow="1">
+                <a:tableStyleId>{5C22544A-7EE6-4342-B048-85BDC9FD1C3A}</a:tableStyleId>
+              </a:tblPr>
+              <a:tblGrid>
+                <a:gridCol w="3539435">
+                  <a:extLst>
+                    <a:ext uri="{9D8B030D-6E8A-4147-A177-3AD203B41FA5}">
+                      <a16:colId xmlns:a16="http://schemas.microsoft.com/office/drawing/2014/main" val="31352546"/>
+                    </a:ext>
+                  </a:extLst>
+                </a:gridCol>
+                <a:gridCol w="3539435">
+                  <a:extLst>
+                    <a:ext uri="{9D8B030D-6E8A-4147-A177-3AD203B41FA5}">
+                      <a16:colId xmlns:a16="http://schemas.microsoft.com/office/drawing/2014/main" val="529434974"/>
+                    </a:ext>
+                  </a:extLst>
+                </a:gridCol>
+                <a:gridCol w="3539435">
+                  <a:extLst>
+                    <a:ext uri="{9D8B030D-6E8A-4147-A177-3AD203B41FA5}">
+                      <a16:colId xmlns:a16="http://schemas.microsoft.com/office/drawing/2014/main" val="1482379084"/>
+                    </a:ext>
+                  </a:extLst>
+                </a:gridCol>
+              </a:tblGrid>
+              <a:tr h="370840">
+                <a:tc>
+                  <a:txBody>
+                    <a:bodyPr/>
+                    <a:lstStyle/>
+                    <a:p>
+                      <a:r>
+                        <a:rPr lang="nl-BE" sz="1400" dirty="0"/>
+                        <a:t>Superklasse</a:t>
+                      </a:r>
+                    </a:p>
+                  </a:txBody>
+                  <a:tcPr/>
+                </a:tc>
+                <a:tc>
+                  <a:txBody>
+                    <a:bodyPr/>
+                    <a:lstStyle/>
+                    <a:p>
+                      <a:r>
+                        <a:rPr lang="nl-BE" sz="1400" dirty="0"/>
+                        <a:t>Specialisatie</a:t>
+                      </a:r>
+                    </a:p>
+                  </a:txBody>
+                  <a:tcPr/>
+                </a:tc>
+                <a:tc>
+                  <a:txBody>
+                    <a:bodyPr/>
+                    <a:lstStyle/>
+                    <a:p>
+                      <a:r>
+                        <a:rPr lang="nl-BE" sz="1400" dirty="0"/>
+                        <a:t>Reden specialisatie</a:t>
+                      </a:r>
+                    </a:p>
+                  </a:txBody>
+                  <a:tcPr/>
+                </a:tc>
+                <a:extLst>
+                  <a:ext uri="{0D108BD9-81ED-4DB2-BD59-A6C34878D82A}">
+                    <a16:rowId xmlns:a16="http://schemas.microsoft.com/office/drawing/2014/main" val="3682725947"/>
+                  </a:ext>
+                </a:extLst>
+              </a:tr>
+              <a:tr h="370840">
+                <a:tc>
+                  <a:txBody>
+                    <a:bodyPr/>
+                    <a:lstStyle/>
+                    <a:p>
+                      <a:r>
+                        <a:rPr lang="nl-BE" sz="1400" dirty="0"/>
+                        <a:t>Bemonstering</a:t>
+                      </a:r>
+                    </a:p>
+                  </a:txBody>
+                  <a:tcPr/>
+                </a:tc>
+                <a:tc>
+                  <a:txBody>
+                    <a:bodyPr/>
+                    <a:lstStyle/>
+                    <a:p>
+                      <a:r>
+                        <a:rPr lang="nl-BE" sz="1400" dirty="0"/>
+                        <a:t>Grondboring</a:t>
+                      </a:r>
+                    </a:p>
+                  </a:txBody>
+                  <a:tcPr/>
+                </a:tc>
+                <a:tc>
+                  <a:txBody>
+                    <a:bodyPr/>
+                    <a:lstStyle/>
+                    <a:p>
+                      <a:pPr marL="285750" indent="-285750">
+                        <a:buFont typeface="Arial" panose="020B0604020202020204" pitchFamily="34" charset="0"/>
+                        <a:buChar char="•"/>
+                      </a:pPr>
+                      <a:r>
+                        <a:rPr lang="nl-BE" sz="1400" dirty="0"/>
+                        <a:t>referentielocatie</a:t>
+                      </a:r>
+                    </a:p>
+                    <a:p>
+                      <a:pPr marL="285750" indent="-285750">
+                        <a:buFont typeface="Arial" panose="020B0604020202020204" pitchFamily="34" charset="0"/>
+                        <a:buChar char="•"/>
+                      </a:pPr>
+                      <a:r>
+                        <a:rPr lang="nl-BE" sz="1400" dirty="0"/>
+                        <a:t>boringlengte</a:t>
+                      </a:r>
+                    </a:p>
+                    <a:p>
+                      <a:pPr marL="285750" indent="-285750">
+                        <a:buFont typeface="Arial" panose="020B0604020202020204" pitchFamily="34" charset="0"/>
+                        <a:buChar char="•"/>
+                      </a:pPr>
+                      <a:r>
+                        <a:rPr lang="nl-BE" sz="1400" dirty="0" err="1"/>
+                        <a:t>spec</a:t>
+                      </a:r>
+                      <a:r>
+                        <a:rPr lang="nl-BE" sz="1400" dirty="0"/>
+                        <a:t>. uitvoerder (</a:t>
+                      </a:r>
+                      <a:r>
+                        <a:rPr lang="nl-BE" sz="1400" dirty="0" err="1"/>
+                        <a:t>boorder</a:t>
+                      </a:r>
+                      <a:r>
+                        <a:rPr lang="nl-BE" sz="1400" dirty="0"/>
+                        <a:t>, boormeester)</a:t>
+                      </a:r>
+                    </a:p>
+                    <a:p>
+                      <a:pPr marL="285750" indent="-285750">
+                        <a:buFont typeface="Arial" panose="020B0604020202020204" pitchFamily="34" charset="0"/>
+                        <a:buChar char="•"/>
+                      </a:pPr>
+                      <a:r>
+                        <a:rPr lang="nl-BE" sz="1400" dirty="0" err="1"/>
+                        <a:t>spec</a:t>
+                      </a:r>
+                      <a:r>
+                        <a:rPr lang="nl-BE" sz="1400" dirty="0"/>
+                        <a:t>. </a:t>
+                      </a:r>
+                      <a:r>
+                        <a:rPr lang="nl-BE" sz="1400" dirty="0" err="1"/>
+                        <a:t>wettelijkKader</a:t>
+                      </a:r>
+                      <a:r>
+                        <a:rPr lang="nl-BE" sz="1400" dirty="0"/>
+                        <a:t> (boorerkenning, boorvergunning)</a:t>
+                      </a:r>
+                    </a:p>
+                    <a:p>
+                      <a:pPr marL="285750" indent="-285750">
+                        <a:buFont typeface="Arial" panose="020B0604020202020204" pitchFamily="34" charset="0"/>
+                        <a:buChar char="•"/>
+                      </a:pPr>
+                      <a:r>
+                        <a:rPr lang="nl-BE" sz="1400" dirty="0" err="1"/>
+                        <a:t>spec</a:t>
+                      </a:r>
+                      <a:r>
+                        <a:rPr lang="nl-BE" sz="1400" dirty="0"/>
+                        <a:t>. doel</a:t>
+                      </a:r>
+                    </a:p>
+                    <a:p>
+                      <a:pPr marL="285750" indent="-285750">
+                        <a:buFont typeface="Arial" panose="020B0604020202020204" pitchFamily="34" charset="0"/>
+                        <a:buChar char="•"/>
+                      </a:pPr>
+                      <a:r>
+                        <a:rPr lang="nl-BE" sz="1400" dirty="0"/>
+                        <a:t>ligging (gemeente)</a:t>
+                      </a:r>
+                    </a:p>
+                    <a:p>
+                      <a:pPr marL="285750" indent="-285750">
+                        <a:buFont typeface="Arial" panose="020B0604020202020204" pitchFamily="34" charset="0"/>
+                        <a:buChar char="•"/>
+                      </a:pPr>
+                      <a:r>
+                        <a:rPr lang="nl-BE" sz="1400" dirty="0" err="1"/>
+                        <a:t>spec</a:t>
+                      </a:r>
+                      <a:r>
+                        <a:rPr lang="nl-BE" sz="1400" dirty="0"/>
+                        <a:t>. resultaat (boorgat)</a:t>
+                      </a:r>
+                    </a:p>
+                  </a:txBody>
+                  <a:tcPr/>
+                </a:tc>
+                <a:extLst>
+                  <a:ext uri="{0D108BD9-81ED-4DB2-BD59-A6C34878D82A}">
+                    <a16:rowId xmlns:a16="http://schemas.microsoft.com/office/drawing/2014/main" val="2757364111"/>
+                  </a:ext>
+                </a:extLst>
+              </a:tr>
+              <a:tr h="370840">
+                <a:tc>
+                  <a:txBody>
+                    <a:bodyPr/>
+                    <a:lstStyle/>
+                    <a:p>
+                      <a:r>
+                        <a:rPr lang="nl-BE" sz="1400" dirty="0"/>
+                        <a:t>Bemonstering</a:t>
+                      </a:r>
+                    </a:p>
+                  </a:txBody>
+                  <a:tcPr/>
+                </a:tc>
+                <a:tc>
+                  <a:txBody>
+                    <a:bodyPr/>
+                    <a:lstStyle/>
+                    <a:p>
+                      <a:r>
+                        <a:rPr lang="nl-BE" sz="1400" dirty="0"/>
+                        <a:t>Bodemboring</a:t>
+                      </a:r>
+                    </a:p>
+                  </a:txBody>
+                  <a:tcPr/>
+                </a:tc>
+                <a:tc>
+                  <a:txBody>
+                    <a:bodyPr/>
+                    <a:lstStyle/>
+                    <a:p>
+                      <a:pPr marL="285750" indent="-285750">
+                        <a:buFont typeface="Arial" panose="020B0604020202020204" pitchFamily="34" charset="0"/>
+                        <a:buChar char="•"/>
+                      </a:pPr>
+                      <a:r>
+                        <a:rPr lang="nl-BE" sz="1400" dirty="0"/>
+                        <a:t>referentielocatie</a:t>
+                      </a:r>
+                    </a:p>
+                    <a:p>
+                      <a:pPr marL="285750" indent="-285750">
+                        <a:buFont typeface="Arial" panose="020B0604020202020204" pitchFamily="34" charset="0"/>
+                        <a:buChar char="•"/>
+                      </a:pPr>
+                      <a:r>
+                        <a:rPr lang="nl-BE" sz="1400" dirty="0" err="1"/>
+                        <a:t>spec</a:t>
+                      </a:r>
+                      <a:r>
+                        <a:rPr lang="nl-BE" sz="1400" dirty="0"/>
+                        <a:t>. doel</a:t>
+                      </a:r>
+                    </a:p>
+                    <a:p>
+                      <a:pPr marL="285750" indent="-285750">
+                        <a:buFont typeface="Arial" panose="020B0604020202020204" pitchFamily="34" charset="0"/>
+                        <a:buChar char="•"/>
+                      </a:pPr>
+                      <a:r>
+                        <a:rPr lang="nl-BE" sz="1400" dirty="0"/>
+                        <a:t>ligging (bodemstreek, bodemdistrict, </a:t>
+                      </a:r>
+                      <a:r>
+                        <a:rPr lang="nl-BE" sz="1400" dirty="0" err="1"/>
+                        <a:t>bodemkundigErfgoed</a:t>
+                      </a:r>
+                      <a:r>
+                        <a:rPr lang="nl-BE" sz="1400" dirty="0"/>
+                        <a:t>)</a:t>
+                      </a:r>
+                    </a:p>
+                  </a:txBody>
+                  <a:tcPr/>
+                </a:tc>
+                <a:extLst>
+                  <a:ext uri="{0D108BD9-81ED-4DB2-BD59-A6C34878D82A}">
+                    <a16:rowId xmlns:a16="http://schemas.microsoft.com/office/drawing/2014/main" val="2370320562"/>
+                  </a:ext>
+                </a:extLst>
+              </a:tr>
+              <a:tr h="370840">
+                <a:tc>
+                  <a:txBody>
+                    <a:bodyPr/>
+                    <a:lstStyle/>
+                    <a:p>
+                      <a:r>
+                        <a:rPr lang="nl-BE" sz="1400" dirty="0"/>
+                        <a:t>Bemonstering</a:t>
+                      </a:r>
+                    </a:p>
+                  </a:txBody>
+                  <a:tcPr/>
+                </a:tc>
+                <a:tc>
+                  <a:txBody>
+                    <a:bodyPr/>
+                    <a:lstStyle/>
+                    <a:p>
+                      <a:r>
+                        <a:rPr lang="nl-BE" sz="1400" dirty="0"/>
+                        <a:t>Sondering</a:t>
+                      </a:r>
+                    </a:p>
+                  </a:txBody>
+                  <a:tcPr/>
+                </a:tc>
+                <a:tc>
+                  <a:txBody>
+                    <a:bodyPr/>
+                    <a:lstStyle/>
+                    <a:p>
+                      <a:pPr marL="285750" indent="-285750">
+                        <a:buFont typeface="Arial" panose="020B0604020202020204" pitchFamily="34" charset="0"/>
+                        <a:buChar char="•"/>
+                      </a:pPr>
+                      <a:r>
+                        <a:rPr lang="nl-BE" sz="1400" dirty="0"/>
+                        <a:t>referentielocatie</a:t>
+                      </a:r>
+                    </a:p>
+                  </a:txBody>
+                  <a:tcPr/>
+                </a:tc>
+                <a:extLst>
+                  <a:ext uri="{0D108BD9-81ED-4DB2-BD59-A6C34878D82A}">
+                    <a16:rowId xmlns:a16="http://schemas.microsoft.com/office/drawing/2014/main" val="1211898089"/>
+                  </a:ext>
+                </a:extLst>
+              </a:tr>
+            </a:tbl>
+          </a:graphicData>
+        </a:graphic>
+      </p:graphicFrame>
     </p:spTree>
     <p:extLst>
       <p:ext uri="{BB962C8B-B14F-4D97-AF65-F5344CB8AC3E}">
-        <p14:creationId xmlns:p14="http://schemas.microsoft.com/office/powerpoint/2010/main" val="80082469"/>
+        <p14:creationId xmlns:p14="http://schemas.microsoft.com/office/powerpoint/2010/main" val="2695381399"/>
       </p:ext>
     </p:extLst>
   </p:cSld>
@@ -7163,8 +6343,13 @@
           <a:p>
             <a:r>
               <a:rPr lang="nl-BE" dirty="0"/>
-              <a:t>Herindeling B&amp;O deeldomeinen</a:t>
-            </a:r>
+              <a:t>Specialisaties voor B&amp;O: </a:t>
+            </a:r>
+            <a:r>
+              <a:rPr lang="nl-BE" dirty="0" err="1"/>
+              <a:t>RuimtelijkBemonsteringsobject</a:t>
+            </a:r>
+            <a:endParaRPr lang="nl-BE" dirty="0"/>
           </a:p>
         </p:txBody>
       </p:sp>
@@ -7173,7 +6358,7 @@
           <p:cNvPr id="6" name="Table 6">
             <a:extLst>
               <a:ext uri="{FF2B5EF4-FFF2-40B4-BE49-F238E27FC236}">
-                <a16:creationId xmlns:a16="http://schemas.microsoft.com/office/drawing/2014/main" id="{988659C9-7290-44EC-A94F-99CAF5306CBE}"/>
+                <a16:creationId xmlns:a16="http://schemas.microsoft.com/office/drawing/2014/main" id="{71931EB5-C37A-418F-99BC-F8B25BD8F6BB}"/>
               </a:ext>
             </a:extLst>
           </p:cNvPr>
@@ -7183,14 +6368,14 @@
           <p:nvPr>
             <p:extLst>
               <p:ext uri="{D42A27DB-BD31-4B8C-83A1-F6EECF244321}">
-                <p14:modId xmlns:p14="http://schemas.microsoft.com/office/powerpoint/2010/main" val="1097589658"/>
+                <p14:modId xmlns:p14="http://schemas.microsoft.com/office/powerpoint/2010/main" val="3328957930"/>
               </p:ext>
             </p:extLst>
           </p:nvPr>
         </p:nvGraphicFramePr>
         <p:xfrm>
-          <a:off x="2032000" y="1945640"/>
-          <a:ext cx="8128000" cy="3337560"/>
+          <a:off x="838199" y="2126606"/>
+          <a:ext cx="10515600" cy="4013200"/>
         </p:xfrm>
         <a:graphic>
           <a:graphicData uri="http://schemas.openxmlformats.org/drawingml/2006/table">
@@ -7199,43 +6384,63 @@
                 <a:tableStyleId>{5C22544A-7EE6-4342-B048-85BDC9FD1C3A}</a:tableStyleId>
               </a:tblPr>
               <a:tblGrid>
-                <a:gridCol w="4064000">
+                <a:gridCol w="3505200">
                   <a:extLst>
                     <a:ext uri="{9D8B030D-6E8A-4147-A177-3AD203B41FA5}">
-                      <a16:colId xmlns:a16="http://schemas.microsoft.com/office/drawing/2014/main" val="4148549228"/>
+                      <a16:colId xmlns:a16="http://schemas.microsoft.com/office/drawing/2014/main" val="31352546"/>
                     </a:ext>
                   </a:extLst>
                 </a:gridCol>
-                <a:gridCol w="4064000">
+                <a:gridCol w="3505200">
                   <a:extLst>
                     <a:ext uri="{9D8B030D-6E8A-4147-A177-3AD203B41FA5}">
-                      <a16:colId xmlns:a16="http://schemas.microsoft.com/office/drawing/2014/main" val="3929414047"/>
+                      <a16:colId xmlns:a16="http://schemas.microsoft.com/office/drawing/2014/main" val="529434974"/>
+                    </a:ext>
+                  </a:extLst>
+                </a:gridCol>
+                <a:gridCol w="3505200">
+                  <a:extLst>
+                    <a:ext uri="{9D8B030D-6E8A-4147-A177-3AD203B41FA5}">
+                      <a16:colId xmlns:a16="http://schemas.microsoft.com/office/drawing/2014/main" val="1482379084"/>
                     </a:ext>
                   </a:extLst>
                 </a:gridCol>
               </a:tblGrid>
-              <a:tr h="370840">
-                <a:tc>
-                  <a:txBody>
-                    <a:bodyPr/>
-                    <a:lstStyle/>
-                    <a:p>
-                      <a:r>
-                        <a:rPr lang="nl-BE" dirty="0"/>
-                        <a:t>Voor</a:t>
-                      </a:r>
-                    </a:p>
-                  </a:txBody>
-                  <a:tcPr/>
-                </a:tc>
-                <a:tc>
-                  <a:txBody>
-                    <a:bodyPr/>
-                    <a:lstStyle/>
-                    <a:p>
-                      <a:r>
-                        <a:rPr lang="nl-BE" dirty="0"/>
-                        <a:t>Na</a:t>
+              <a:tr h="0">
+                <a:tc>
+                  <a:txBody>
+                    <a:bodyPr/>
+                    <a:lstStyle/>
+                    <a:p>
+                      <a:r>
+                        <a:rPr lang="nl-BE" sz="1400" dirty="0"/>
+                        <a:t>Superklasse</a:t>
+                      </a:r>
+                    </a:p>
+                  </a:txBody>
+                  <a:tcPr/>
+                </a:tc>
+                <a:tc>
+                  <a:txBody>
+                    <a:bodyPr/>
+                    <a:lstStyle/>
+                    <a:p>
+                      <a:r>
+                        <a:rPr lang="nl-BE" sz="1400" dirty="0"/>
+                        <a:t>Specialisatie</a:t>
+                      </a:r>
+                    </a:p>
+                  </a:txBody>
+                  <a:tcPr/>
+                </a:tc>
+                <a:tc>
+                  <a:txBody>
+                    <a:bodyPr/>
+                    <a:lstStyle/>
+                    <a:p>
+                      <a:r>
+                        <a:rPr lang="nl-BE" sz="1400" dirty="0"/>
+                        <a:t>Reden specialisatie</a:t>
                       </a:r>
                     </a:p>
                   </a:txBody>
@@ -7243,7 +6448,7 @@
                 </a:tc>
                 <a:extLst>
                   <a:ext uri="{0D108BD9-81ED-4DB2-BD59-A6C34878D82A}">
-                    <a16:rowId xmlns:a16="http://schemas.microsoft.com/office/drawing/2014/main" val="3274012154"/>
+                    <a16:rowId xmlns:a16="http://schemas.microsoft.com/office/drawing/2014/main" val="3682725947"/>
                   </a:ext>
                 </a:extLst>
               </a:tr>
@@ -7254,29 +6459,40 @@
                     <a:lstStyle/>
                     <a:p>
                       <a:r>
-                        <a:rPr lang="nl-BE" dirty="0"/>
-                        <a:t>Grondboringen</a:t>
-                      </a:r>
-                    </a:p>
-                  </a:txBody>
-                  <a:tcPr/>
-                </a:tc>
-                <a:tc>
-                  <a:txBody>
-                    <a:bodyPr/>
-                    <a:lstStyle/>
-                    <a:p>
-                      <a:r>
-                        <a:rPr lang="nl-BE" dirty="0"/>
-                        <a:t>Grondboringen</a:t>
-                      </a:r>
+                        <a:rPr lang="nl-BE" sz="1400" dirty="0" err="1"/>
+                        <a:t>RuimtelijkBemonsteringsobject</a:t>
+                      </a:r>
+                      <a:endParaRPr lang="nl-BE" sz="1400" dirty="0"/>
+                    </a:p>
+                  </a:txBody>
+                  <a:tcPr/>
+                </a:tc>
+                <a:tc>
+                  <a:txBody>
+                    <a:bodyPr/>
+                    <a:lstStyle/>
+                    <a:p>
+                      <a:r>
+                        <a:rPr lang="nl-BE" sz="1400" dirty="0"/>
+                        <a:t>Boorgat</a:t>
+                      </a:r>
+                    </a:p>
+                  </a:txBody>
+                  <a:tcPr/>
+                </a:tc>
+                <a:tc>
+                  <a:txBody>
+                    <a:bodyPr/>
+                    <a:lstStyle/>
+                    <a:p>
+                      <a:endParaRPr lang="nl-BE" sz="1400" dirty="0"/>
                     </a:p>
                   </a:txBody>
                   <a:tcPr/>
                 </a:tc>
                 <a:extLst>
                   <a:ext uri="{0D108BD9-81ED-4DB2-BD59-A6C34878D82A}">
-                    <a16:rowId xmlns:a16="http://schemas.microsoft.com/office/drawing/2014/main" val="1072553120"/>
+                    <a16:rowId xmlns:a16="http://schemas.microsoft.com/office/drawing/2014/main" val="1926614034"/>
                   </a:ext>
                 </a:extLst>
               </a:tr>
@@ -7286,30 +6502,58 @@
                     <a:bodyPr/>
                     <a:lstStyle/>
                     <a:p>
-                      <a:r>
-                        <a:rPr lang="nl-BE" dirty="0"/>
-                        <a:t>Grondboringen</a:t>
-                      </a:r>
-                    </a:p>
-                  </a:txBody>
-                  <a:tcPr/>
-                </a:tc>
-                <a:tc>
-                  <a:txBody>
-                    <a:bodyPr/>
-                    <a:lstStyle/>
-                    <a:p>
-                      <a:r>
-                        <a:rPr lang="nl-BE" dirty="0"/>
-                        <a:t>Grondobservaties</a:t>
-                      </a:r>
+                      <a:pPr marL="0" marR="0" lvl="0" indent="0" algn="l" defTabSz="914400" rtl="0" eaLnBrk="1" fontAlgn="auto" latinLnBrk="0" hangingPunct="1">
+                        <a:lnSpc>
+                          <a:spcPct val="100000"/>
+                        </a:lnSpc>
+                        <a:spcBef>
+                          <a:spcPts val="0"/>
+                        </a:spcBef>
+                        <a:spcAft>
+                          <a:spcPts val="0"/>
+                        </a:spcAft>
+                        <a:buClrTx/>
+                        <a:buSzTx/>
+                        <a:buFontTx/>
+                        <a:buNone/>
+                        <a:tabLst/>
+                        <a:defRPr/>
+                      </a:pPr>
+                      <a:r>
+                        <a:rPr lang="nl-BE" sz="1400" dirty="0" err="1"/>
+                        <a:t>RuimtelijkBemonsteringsobject</a:t>
+                      </a:r>
+                      <a:endParaRPr lang="nl-BE" sz="1400" dirty="0"/>
+                    </a:p>
+                  </a:txBody>
+                  <a:tcPr/>
+                </a:tc>
+                <a:tc>
+                  <a:txBody>
+                    <a:bodyPr/>
+                    <a:lstStyle/>
+                    <a:p>
+                      <a:r>
+                        <a:rPr lang="nl-BE" sz="1400" dirty="0"/>
+                        <a:t>Bodemlocatie</a:t>
+                      </a:r>
+                    </a:p>
+                  </a:txBody>
+                  <a:tcPr/>
+                </a:tc>
+                <a:tc>
+                  <a:txBody>
+                    <a:bodyPr/>
+                    <a:lstStyle/>
+                    <a:p>
+                      <a:endParaRPr lang="nl-BE" sz="1400" dirty="0"/>
                     </a:p>
                   </a:txBody>
                   <a:tcPr/>
                 </a:tc>
                 <a:extLst>
                   <a:ext uri="{0D108BD9-81ED-4DB2-BD59-A6C34878D82A}">
-                    <a16:rowId xmlns:a16="http://schemas.microsoft.com/office/drawing/2014/main" val="2907234016"/>
+                    <a16:rowId xmlns:a16="http://schemas.microsoft.com/office/drawing/2014/main" val="1950630742"/>
                   </a:ext>
                 </a:extLst>
               </a:tr>
@@ -7319,30 +6563,58 @@
                     <a:bodyPr/>
                     <a:lstStyle/>
                     <a:p>
-                      <a:r>
-                        <a:rPr lang="nl-BE" dirty="0"/>
-                        <a:t>Bodem</a:t>
-                      </a:r>
-                    </a:p>
-                  </a:txBody>
-                  <a:tcPr/>
-                </a:tc>
-                <a:tc>
-                  <a:txBody>
-                    <a:bodyPr/>
-                    <a:lstStyle/>
-                    <a:p>
-                      <a:r>
-                        <a:rPr lang="nl-BE" dirty="0"/>
-                        <a:t>Bodem</a:t>
-                      </a:r>
+                      <a:pPr marL="0" marR="0" lvl="0" indent="0" algn="l" defTabSz="914400" rtl="0" eaLnBrk="1" fontAlgn="auto" latinLnBrk="0" hangingPunct="1">
+                        <a:lnSpc>
+                          <a:spcPct val="100000"/>
+                        </a:lnSpc>
+                        <a:spcBef>
+                          <a:spcPts val="0"/>
+                        </a:spcBef>
+                        <a:spcAft>
+                          <a:spcPts val="0"/>
+                        </a:spcAft>
+                        <a:buClrTx/>
+                        <a:buSzTx/>
+                        <a:buFontTx/>
+                        <a:buNone/>
+                        <a:tabLst/>
+                        <a:defRPr/>
+                      </a:pPr>
+                      <a:r>
+                        <a:rPr lang="nl-BE" sz="1400" dirty="0" err="1"/>
+                        <a:t>RuimtelijkBemonsteringsobject</a:t>
+                      </a:r>
+                      <a:endParaRPr lang="nl-BE" sz="1400" dirty="0"/>
+                    </a:p>
+                  </a:txBody>
+                  <a:tcPr/>
+                </a:tc>
+                <a:tc>
+                  <a:txBody>
+                    <a:bodyPr/>
+                    <a:lstStyle/>
+                    <a:p>
+                      <a:r>
+                        <a:rPr lang="nl-BE" sz="1400" dirty="0"/>
+                        <a:t>Bodemboorgat</a:t>
+                      </a:r>
+                    </a:p>
+                  </a:txBody>
+                  <a:tcPr/>
+                </a:tc>
+                <a:tc>
+                  <a:txBody>
+                    <a:bodyPr/>
+                    <a:lstStyle/>
+                    <a:p>
+                      <a:endParaRPr lang="nl-BE" sz="1400" dirty="0"/>
                     </a:p>
                   </a:txBody>
                   <a:tcPr/>
                 </a:tc>
                 <a:extLst>
                   <a:ext uri="{0D108BD9-81ED-4DB2-BD59-A6C34878D82A}">
-                    <a16:rowId xmlns:a16="http://schemas.microsoft.com/office/drawing/2014/main" val="808290632"/>
+                    <a16:rowId xmlns:a16="http://schemas.microsoft.com/office/drawing/2014/main" val="1119460409"/>
                   </a:ext>
                 </a:extLst>
               </a:tr>
@@ -7352,30 +6624,58 @@
                     <a:bodyPr/>
                     <a:lstStyle/>
                     <a:p>
-                      <a:r>
-                        <a:rPr lang="nl-BE" dirty="0"/>
-                        <a:t>Grondwatermeetnet</a:t>
-                      </a:r>
-                    </a:p>
-                  </a:txBody>
-                  <a:tcPr/>
-                </a:tc>
-                <a:tc>
-                  <a:txBody>
-                    <a:bodyPr/>
-                    <a:lstStyle/>
-                    <a:p>
-                      <a:r>
-                        <a:rPr lang="nl-BE" dirty="0"/>
-                        <a:t>Grondwatermeetnet</a:t>
-                      </a:r>
+                      <a:pPr marL="0" marR="0" lvl="0" indent="0" algn="l" defTabSz="914400" rtl="0" eaLnBrk="1" fontAlgn="auto" latinLnBrk="0" hangingPunct="1">
+                        <a:lnSpc>
+                          <a:spcPct val="100000"/>
+                        </a:lnSpc>
+                        <a:spcBef>
+                          <a:spcPts val="0"/>
+                        </a:spcBef>
+                        <a:spcAft>
+                          <a:spcPts val="0"/>
+                        </a:spcAft>
+                        <a:buClrTx/>
+                        <a:buSzTx/>
+                        <a:buFontTx/>
+                        <a:buNone/>
+                        <a:tabLst/>
+                        <a:defRPr/>
+                      </a:pPr>
+                      <a:r>
+                        <a:rPr lang="nl-BE" sz="1400" dirty="0" err="1"/>
+                        <a:t>RuimtelijkBemonsteringsobject</a:t>
+                      </a:r>
+                      <a:endParaRPr lang="nl-BE" sz="1400" dirty="0"/>
+                    </a:p>
+                  </a:txBody>
+                  <a:tcPr/>
+                </a:tc>
+                <a:tc>
+                  <a:txBody>
+                    <a:bodyPr/>
+                    <a:lstStyle/>
+                    <a:p>
+                      <a:r>
+                        <a:rPr lang="nl-BE" sz="1400" dirty="0"/>
+                        <a:t>Profielput</a:t>
+                      </a:r>
+                    </a:p>
+                  </a:txBody>
+                  <a:tcPr/>
+                </a:tc>
+                <a:tc>
+                  <a:txBody>
+                    <a:bodyPr/>
+                    <a:lstStyle/>
+                    <a:p>
+                      <a:endParaRPr lang="nl-BE" sz="1400" dirty="0"/>
                     </a:p>
                   </a:txBody>
                   <a:tcPr/>
                 </a:tc>
                 <a:extLst>
                   <a:ext uri="{0D108BD9-81ED-4DB2-BD59-A6C34878D82A}">
-                    <a16:rowId xmlns:a16="http://schemas.microsoft.com/office/drawing/2014/main" val="470315693"/>
+                    <a16:rowId xmlns:a16="http://schemas.microsoft.com/office/drawing/2014/main" val="2582688239"/>
                   </a:ext>
                 </a:extLst>
               </a:tr>
@@ -7385,30 +6685,58 @@
                     <a:bodyPr/>
                     <a:lstStyle/>
                     <a:p>
-                      <a:r>
-                        <a:rPr lang="nl-BE" dirty="0"/>
-                        <a:t>Sonderingen</a:t>
-                      </a:r>
-                    </a:p>
-                  </a:txBody>
-                  <a:tcPr/>
-                </a:tc>
-                <a:tc>
-                  <a:txBody>
-                    <a:bodyPr/>
-                    <a:lstStyle/>
-                    <a:p>
-                      <a:r>
-                        <a:rPr lang="nl-BE" dirty="0"/>
-                        <a:t>Sonderingen</a:t>
-                      </a:r>
+                      <a:pPr marL="0" marR="0" lvl="0" indent="0" algn="l" defTabSz="914400" rtl="0" eaLnBrk="1" fontAlgn="auto" latinLnBrk="0" hangingPunct="1">
+                        <a:lnSpc>
+                          <a:spcPct val="100000"/>
+                        </a:lnSpc>
+                        <a:spcBef>
+                          <a:spcPts val="0"/>
+                        </a:spcBef>
+                        <a:spcAft>
+                          <a:spcPts val="0"/>
+                        </a:spcAft>
+                        <a:buClrTx/>
+                        <a:buSzTx/>
+                        <a:buFontTx/>
+                        <a:buNone/>
+                        <a:tabLst/>
+                        <a:defRPr/>
+                      </a:pPr>
+                      <a:r>
+                        <a:rPr lang="nl-BE" sz="1400" dirty="0" err="1"/>
+                        <a:t>RuimtelijkBemonsteringsobject</a:t>
+                      </a:r>
+                      <a:endParaRPr lang="nl-BE" sz="1400" dirty="0"/>
+                    </a:p>
+                  </a:txBody>
+                  <a:tcPr/>
+                </a:tc>
+                <a:tc>
+                  <a:txBody>
+                    <a:bodyPr/>
+                    <a:lstStyle/>
+                    <a:p>
+                      <a:r>
+                        <a:rPr lang="nl-BE" sz="1400" dirty="0"/>
+                        <a:t>Bodemsite</a:t>
+                      </a:r>
+                    </a:p>
+                  </a:txBody>
+                  <a:tcPr/>
+                </a:tc>
+                <a:tc>
+                  <a:txBody>
+                    <a:bodyPr/>
+                    <a:lstStyle/>
+                    <a:p>
+                      <a:endParaRPr lang="nl-BE" sz="1400" dirty="0"/>
                     </a:p>
                   </a:txBody>
                   <a:tcPr/>
                 </a:tc>
                 <a:extLst>
                   <a:ext uri="{0D108BD9-81ED-4DB2-BD59-A6C34878D82A}">
-                    <a16:rowId xmlns:a16="http://schemas.microsoft.com/office/drawing/2014/main" val="2824232360"/>
+                    <a16:rowId xmlns:a16="http://schemas.microsoft.com/office/drawing/2014/main" val="983510005"/>
                   </a:ext>
                 </a:extLst>
               </a:tr>
@@ -7418,30 +6746,59 @@
                     <a:bodyPr/>
                     <a:lstStyle/>
                     <a:p>
-                      <a:r>
-                        <a:rPr lang="nl-BE" dirty="0"/>
-                        <a:t>TODO</a:t>
-                      </a:r>
-                    </a:p>
-                  </a:txBody>
-                  <a:tcPr/>
-                </a:tc>
-                <a:tc>
-                  <a:txBody>
-                    <a:bodyPr/>
-                    <a:lstStyle/>
-                    <a:p>
-                      <a:r>
-                        <a:rPr lang="nl-BE" dirty="0"/>
-                        <a:t>TODO</a:t>
-                      </a:r>
+                      <a:pPr marL="0" marR="0" lvl="0" indent="0" algn="l" defTabSz="914400" rtl="0" eaLnBrk="1" fontAlgn="auto" latinLnBrk="0" hangingPunct="1">
+                        <a:lnSpc>
+                          <a:spcPct val="100000"/>
+                        </a:lnSpc>
+                        <a:spcBef>
+                          <a:spcPts val="0"/>
+                        </a:spcBef>
+                        <a:spcAft>
+                          <a:spcPts val="0"/>
+                        </a:spcAft>
+                        <a:buClrTx/>
+                        <a:buSzTx/>
+                        <a:buFontTx/>
+                        <a:buNone/>
+                        <a:tabLst/>
+                        <a:defRPr/>
+                      </a:pPr>
+                      <a:r>
+                        <a:rPr lang="nl-BE" sz="1400" dirty="0" err="1"/>
+                        <a:t>RuimtelijkBemonsteringsobject</a:t>
+                      </a:r>
+                      <a:endParaRPr lang="nl-BE" sz="1400" dirty="0"/>
+                    </a:p>
+                  </a:txBody>
+                  <a:tcPr/>
+                </a:tc>
+                <a:tc>
+                  <a:txBody>
+                    <a:bodyPr/>
+                    <a:lstStyle/>
+                    <a:p>
+                      <a:r>
+                        <a:rPr lang="nl-BE" sz="1400" dirty="0" err="1"/>
+                        <a:t>DiepteInterval</a:t>
+                      </a:r>
+                      <a:endParaRPr lang="nl-BE" sz="1400" dirty="0"/>
+                    </a:p>
+                  </a:txBody>
+                  <a:tcPr/>
+                </a:tc>
+                <a:tc>
+                  <a:txBody>
+                    <a:bodyPr/>
+                    <a:lstStyle/>
+                    <a:p>
+                      <a:endParaRPr lang="nl-BE" sz="1400" dirty="0"/>
                     </a:p>
                   </a:txBody>
                   <a:tcPr/>
                 </a:tc>
                 <a:extLst>
                   <a:ext uri="{0D108BD9-81ED-4DB2-BD59-A6C34878D82A}">
-                    <a16:rowId xmlns:a16="http://schemas.microsoft.com/office/drawing/2014/main" val="1241464670"/>
+                    <a16:rowId xmlns:a16="http://schemas.microsoft.com/office/drawing/2014/main" val="2130159363"/>
                   </a:ext>
                 </a:extLst>
               </a:tr>
@@ -7451,24 +6808,58 @@
                     <a:bodyPr/>
                     <a:lstStyle/>
                     <a:p>
-                      <a:endParaRPr lang="nl-BE" dirty="0"/>
-                    </a:p>
-                  </a:txBody>
-                  <a:tcPr/>
-                </a:tc>
-                <a:tc>
-                  <a:txBody>
-                    <a:bodyPr/>
-                    <a:lstStyle/>
-                    <a:p>
-                      <a:endParaRPr lang="nl-BE" dirty="0"/>
+                      <a:pPr marL="0" marR="0" lvl="0" indent="0" algn="l" defTabSz="914400" rtl="0" eaLnBrk="1" fontAlgn="auto" latinLnBrk="0" hangingPunct="1">
+                        <a:lnSpc>
+                          <a:spcPct val="100000"/>
+                        </a:lnSpc>
+                        <a:spcBef>
+                          <a:spcPts val="0"/>
+                        </a:spcBef>
+                        <a:spcAft>
+                          <a:spcPts val="0"/>
+                        </a:spcAft>
+                        <a:buClrTx/>
+                        <a:buSzTx/>
+                        <a:buFontTx/>
+                        <a:buNone/>
+                        <a:tabLst/>
+                        <a:defRPr/>
+                      </a:pPr>
+                      <a:r>
+                        <a:rPr lang="nl-BE" sz="1400" dirty="0" err="1"/>
+                        <a:t>RuimtelijkBemonsteringsobject</a:t>
+                      </a:r>
+                      <a:endParaRPr lang="nl-BE" sz="1400" dirty="0"/>
+                    </a:p>
+                  </a:txBody>
+                  <a:tcPr/>
+                </a:tc>
+                <a:tc>
+                  <a:txBody>
+                    <a:bodyPr/>
+                    <a:lstStyle/>
+                    <a:p>
+                      <a:r>
+                        <a:rPr lang="nl-BE" sz="1400" dirty="0"/>
+                        <a:t>Horizont</a:t>
+                      </a:r>
+                    </a:p>
+                  </a:txBody>
+                  <a:tcPr/>
+                </a:tc>
+                <a:tc>
+                  <a:txBody>
+                    <a:bodyPr/>
+                    <a:lstStyle/>
+                    <a:p>
+                      <a:endParaRPr lang="nl-BE" sz="1400" dirty="0"/>
                     </a:p>
                   </a:txBody>
                   <a:tcPr/>
                 </a:tc>
                 <a:extLst>
                   <a:ext uri="{0D108BD9-81ED-4DB2-BD59-A6C34878D82A}">
-                    <a16:rowId xmlns:a16="http://schemas.microsoft.com/office/drawing/2014/main" val="2120774679"/>
+                    <a16:rowId xmlns:a16="http://schemas.microsoft.com/office/drawing/2014/main" val="2864394597"/>
                   </a:ext>
                 </a:extLst>
               </a:tr>
@@ -7478,24 +6869,180 @@
                     <a:bodyPr/>
                     <a:lstStyle/>
                     <a:p>
-                      <a:endParaRPr lang="nl-BE" dirty="0"/>
-                    </a:p>
-                  </a:txBody>
-                  <a:tcPr/>
-                </a:tc>
-                <a:tc>
-                  <a:txBody>
-                    <a:bodyPr/>
-                    <a:lstStyle/>
-                    <a:p>
-                      <a:endParaRPr lang="nl-BE" dirty="0"/>
+                      <a:pPr marL="0" marR="0" lvl="0" indent="0" algn="l" defTabSz="914400" rtl="0" eaLnBrk="1" fontAlgn="auto" latinLnBrk="0" hangingPunct="1">
+                        <a:lnSpc>
+                          <a:spcPct val="100000"/>
+                        </a:lnSpc>
+                        <a:spcBef>
+                          <a:spcPts val="0"/>
+                        </a:spcBef>
+                        <a:spcAft>
+                          <a:spcPts val="0"/>
+                        </a:spcAft>
+                        <a:buClrTx/>
+                        <a:buSzTx/>
+                        <a:buFontTx/>
+                        <a:buNone/>
+                        <a:tabLst/>
+                        <a:defRPr/>
+                      </a:pPr>
+                      <a:r>
+                        <a:rPr lang="nl-BE" sz="1400" dirty="0" err="1"/>
+                        <a:t>RuimtelijkBemonsteringsobject</a:t>
+                      </a:r>
+                      <a:endParaRPr lang="nl-BE" sz="1400" dirty="0"/>
+                    </a:p>
+                  </a:txBody>
+                  <a:tcPr/>
+                </a:tc>
+                <a:tc>
+                  <a:txBody>
+                    <a:bodyPr/>
+                    <a:lstStyle/>
+                    <a:p>
+                      <a:r>
+                        <a:rPr lang="nl-BE" sz="1400" dirty="0"/>
+                        <a:t>Laag</a:t>
+                      </a:r>
+                    </a:p>
+                  </a:txBody>
+                  <a:tcPr/>
+                </a:tc>
+                <a:tc>
+                  <a:txBody>
+                    <a:bodyPr/>
+                    <a:lstStyle/>
+                    <a:p>
+                      <a:endParaRPr lang="nl-BE" sz="1400" dirty="0"/>
                     </a:p>
                   </a:txBody>
                   <a:tcPr/>
                 </a:tc>
                 <a:extLst>
                   <a:ext uri="{0D108BD9-81ED-4DB2-BD59-A6C34878D82A}">
-                    <a16:rowId xmlns:a16="http://schemas.microsoft.com/office/drawing/2014/main" val="2352206638"/>
+                    <a16:rowId xmlns:a16="http://schemas.microsoft.com/office/drawing/2014/main" val="3774038095"/>
+                  </a:ext>
+                </a:extLst>
+              </a:tr>
+              <a:tr h="370840">
+                <a:tc>
+                  <a:txBody>
+                    <a:bodyPr/>
+                    <a:lstStyle/>
+                    <a:p>
+                      <a:pPr marL="0" marR="0" lvl="0" indent="0" algn="l" defTabSz="914400" rtl="0" eaLnBrk="1" fontAlgn="auto" latinLnBrk="0" hangingPunct="1">
+                        <a:lnSpc>
+                          <a:spcPct val="100000"/>
+                        </a:lnSpc>
+                        <a:spcBef>
+                          <a:spcPts val="0"/>
+                        </a:spcBef>
+                        <a:spcAft>
+                          <a:spcPts val="0"/>
+                        </a:spcAft>
+                        <a:buClrTx/>
+                        <a:buSzTx/>
+                        <a:buFontTx/>
+                        <a:buNone/>
+                        <a:tabLst/>
+                        <a:defRPr/>
+                      </a:pPr>
+                      <a:r>
+                        <a:rPr lang="nl-BE" sz="1400" dirty="0" err="1"/>
+                        <a:t>RuimtelijkBemonsteringsobject</a:t>
+                      </a:r>
+                      <a:endParaRPr lang="nl-BE" sz="1400" dirty="0"/>
+                    </a:p>
+                  </a:txBody>
+                  <a:tcPr/>
+                </a:tc>
+                <a:tc>
+                  <a:txBody>
+                    <a:bodyPr/>
+                    <a:lstStyle/>
+                    <a:p>
+                      <a:r>
+                        <a:rPr lang="nl-BE" sz="1400" dirty="0"/>
+                        <a:t>Sondeertraject</a:t>
+                      </a:r>
+                    </a:p>
+                  </a:txBody>
+                  <a:tcPr/>
+                </a:tc>
+                <a:tc>
+                  <a:txBody>
+                    <a:bodyPr/>
+                    <a:lstStyle/>
+                    <a:p>
+                      <a:endParaRPr lang="nl-BE" sz="1400" dirty="0"/>
+                    </a:p>
+                  </a:txBody>
+                  <a:tcPr/>
+                </a:tc>
+                <a:extLst>
+                  <a:ext uri="{0D108BD9-81ED-4DB2-BD59-A6C34878D82A}">
+                    <a16:rowId xmlns:a16="http://schemas.microsoft.com/office/drawing/2014/main" val="2686947361"/>
+                  </a:ext>
+                </a:extLst>
+              </a:tr>
+              <a:tr h="370840">
+                <a:tc>
+                  <a:txBody>
+                    <a:bodyPr/>
+                    <a:lstStyle/>
+                    <a:p>
+                      <a:pPr marL="0" marR="0" lvl="0" indent="0" algn="l" defTabSz="914400" rtl="0" eaLnBrk="1" fontAlgn="auto" latinLnBrk="0" hangingPunct="1">
+                        <a:lnSpc>
+                          <a:spcPct val="100000"/>
+                        </a:lnSpc>
+                        <a:spcBef>
+                          <a:spcPts val="0"/>
+                        </a:spcBef>
+                        <a:spcAft>
+                          <a:spcPts val="0"/>
+                        </a:spcAft>
+                        <a:buClrTx/>
+                        <a:buSzTx/>
+                        <a:buFontTx/>
+                        <a:buNone/>
+                        <a:tabLst/>
+                        <a:defRPr/>
+                      </a:pPr>
+                      <a:r>
+                        <a:rPr lang="nl-BE" sz="1400" dirty="0" err="1"/>
+                        <a:t>RuimtelijkBemonsteringsobject</a:t>
+                      </a:r>
+                      <a:endParaRPr lang="nl-BE" sz="1400" dirty="0"/>
+                    </a:p>
+                  </a:txBody>
+                  <a:tcPr/>
+                </a:tc>
+                <a:tc>
+                  <a:txBody>
+                    <a:bodyPr/>
+                    <a:lstStyle/>
+                    <a:p>
+                      <a:r>
+                        <a:rPr lang="nl-BE" sz="1400" dirty="0"/>
+                        <a:t>Grondwaterlocatie</a:t>
+                      </a:r>
+                    </a:p>
+                  </a:txBody>
+                  <a:tcPr/>
+                </a:tc>
+                <a:tc>
+                  <a:txBody>
+                    <a:bodyPr/>
+                    <a:lstStyle/>
+                    <a:p>
+                      <a:endParaRPr lang="nl-BE" sz="1400" dirty="0"/>
+                    </a:p>
+                  </a:txBody>
+                  <a:tcPr/>
+                </a:tc>
+                <a:extLst>
+                  <a:ext uri="{0D108BD9-81ED-4DB2-BD59-A6C34878D82A}">
+                    <a16:rowId xmlns:a16="http://schemas.microsoft.com/office/drawing/2014/main" val="15199891"/>
                   </a:ext>
                 </a:extLst>
               </a:tr>
@@ -7506,7 +7053,7 @@
     </p:spTree>
     <p:extLst>
       <p:ext uri="{BB962C8B-B14F-4D97-AF65-F5344CB8AC3E}">
-        <p14:creationId xmlns:p14="http://schemas.microsoft.com/office/powerpoint/2010/main" val="237895417"/>
+        <p14:creationId xmlns:p14="http://schemas.microsoft.com/office/powerpoint/2010/main" val="2748777361"/>
       </p:ext>
     </p:extLst>
   </p:cSld>
@@ -7556,51 +7103,281 @@
           <a:p>
             <a:r>
               <a:rPr lang="nl-BE" dirty="0"/>
-              <a:t>Specialisatie van het AP </a:t>
-            </a:r>
-            <a:r>
-              <a:rPr lang="nl-BE" dirty="0" err="1"/>
-              <a:t>SensorenEnBemonstering</a:t>
-            </a:r>
-            <a:r>
-              <a:rPr lang="nl-BE" dirty="0"/>
-              <a:t> per deeldomein</a:t>
-            </a:r>
-          </a:p>
-        </p:txBody>
-      </p:sp>
-      <p:sp>
-        <p:nvSpPr>
-          <p:cNvPr id="3" name="Content Placeholder 2">
-            <a:extLst>
-              <a:ext uri="{FF2B5EF4-FFF2-40B4-BE49-F238E27FC236}">
-                <a16:creationId xmlns:a16="http://schemas.microsoft.com/office/drawing/2014/main" id="{B91FEBC3-BC36-44B4-98C0-7B7A5DAF600B}"/>
-              </a:ext>
-            </a:extLst>
-          </p:cNvPr>
-          <p:cNvSpPr>
-            <a:spLocks noGrp="1"/>
-          </p:cNvSpPr>
+              <a:t>Specialisaties voor B&amp;O: Monster</a:t>
+            </a:r>
+          </a:p>
+        </p:txBody>
+      </p:sp>
+      <p:graphicFrame>
+        <p:nvGraphicFramePr>
+          <p:cNvPr id="6" name="Table 6">
+            <a:extLst>
+              <a:ext uri="{FF2B5EF4-FFF2-40B4-BE49-F238E27FC236}">
+                <a16:creationId xmlns:a16="http://schemas.microsoft.com/office/drawing/2014/main" id="{71931EB5-C37A-418F-99BC-F8B25BD8F6BB}"/>
+              </a:ext>
+            </a:extLst>
+          </p:cNvPr>
+          <p:cNvGraphicFramePr>
+            <a:graphicFrameLocks noGrp="1"/>
+          </p:cNvGraphicFramePr>
           <p:nvPr>
-            <p:ph idx="1"/>
+            <p:extLst>
+              <p:ext uri="{D42A27DB-BD31-4B8C-83A1-F6EECF244321}">
+                <p14:modId xmlns:p14="http://schemas.microsoft.com/office/powerpoint/2010/main" val="1173319449"/>
+              </p:ext>
+            </p:extLst>
           </p:nvPr>
-        </p:nvSpPr>
-        <p:spPr/>
-        <p:txBody>
-          <a:bodyPr/>
-          <a:lstStyle/>
-          <a:p>
-            <a:r>
-              <a:rPr lang="nl-BE" dirty="0"/>
-              <a:t>()</a:t>
-            </a:r>
-          </a:p>
-        </p:txBody>
-      </p:sp>
+        </p:nvGraphicFramePr>
+        <p:xfrm>
+          <a:off x="838199" y="2011680"/>
+          <a:ext cx="10515600" cy="1417320"/>
+        </p:xfrm>
+        <a:graphic>
+          <a:graphicData uri="http://schemas.openxmlformats.org/drawingml/2006/table">
+            <a:tbl>
+              <a:tblPr firstRow="1" bandRow="1">
+                <a:tableStyleId>{5C22544A-7EE6-4342-B048-85BDC9FD1C3A}</a:tableStyleId>
+              </a:tblPr>
+              <a:tblGrid>
+                <a:gridCol w="3505200">
+                  <a:extLst>
+                    <a:ext uri="{9D8B030D-6E8A-4147-A177-3AD203B41FA5}">
+                      <a16:colId xmlns:a16="http://schemas.microsoft.com/office/drawing/2014/main" val="31352546"/>
+                    </a:ext>
+                  </a:extLst>
+                </a:gridCol>
+                <a:gridCol w="3505200">
+                  <a:extLst>
+                    <a:ext uri="{9D8B030D-6E8A-4147-A177-3AD203B41FA5}">
+                      <a16:colId xmlns:a16="http://schemas.microsoft.com/office/drawing/2014/main" val="529434974"/>
+                    </a:ext>
+                  </a:extLst>
+                </a:gridCol>
+                <a:gridCol w="3505200">
+                  <a:extLst>
+                    <a:ext uri="{9D8B030D-6E8A-4147-A177-3AD203B41FA5}">
+                      <a16:colId xmlns:a16="http://schemas.microsoft.com/office/drawing/2014/main" val="1482379084"/>
+                    </a:ext>
+                  </a:extLst>
+                </a:gridCol>
+              </a:tblGrid>
+              <a:tr h="0">
+                <a:tc>
+                  <a:txBody>
+                    <a:bodyPr/>
+                    <a:lstStyle/>
+                    <a:p>
+                      <a:r>
+                        <a:rPr lang="nl-BE" sz="1400" dirty="0"/>
+                        <a:t>Superklasse</a:t>
+                      </a:r>
+                    </a:p>
+                  </a:txBody>
+                  <a:tcPr/>
+                </a:tc>
+                <a:tc>
+                  <a:txBody>
+                    <a:bodyPr/>
+                    <a:lstStyle/>
+                    <a:p>
+                      <a:r>
+                        <a:rPr lang="nl-BE" sz="1400" dirty="0"/>
+                        <a:t>Specialisatie</a:t>
+                      </a:r>
+                    </a:p>
+                  </a:txBody>
+                  <a:tcPr/>
+                </a:tc>
+                <a:tc>
+                  <a:txBody>
+                    <a:bodyPr/>
+                    <a:lstStyle/>
+                    <a:p>
+                      <a:r>
+                        <a:rPr lang="nl-BE" sz="1400" dirty="0"/>
+                        <a:t>Reden specialisatie</a:t>
+                      </a:r>
+                    </a:p>
+                  </a:txBody>
+                  <a:tcPr/>
+                </a:tc>
+                <a:extLst>
+                  <a:ext uri="{0D108BD9-81ED-4DB2-BD59-A6C34878D82A}">
+                    <a16:rowId xmlns:a16="http://schemas.microsoft.com/office/drawing/2014/main" val="3682725947"/>
+                  </a:ext>
+                </a:extLst>
+              </a:tr>
+              <a:tr h="370840">
+                <a:tc>
+                  <a:txBody>
+                    <a:bodyPr/>
+                    <a:lstStyle/>
+                    <a:p>
+                      <a:r>
+                        <a:rPr lang="nl-BE" sz="1400" dirty="0"/>
+                        <a:t>Monster</a:t>
+                      </a:r>
+                    </a:p>
+                  </a:txBody>
+                  <a:tcPr/>
+                </a:tc>
+                <a:tc>
+                  <a:txBody>
+                    <a:bodyPr/>
+                    <a:lstStyle/>
+                    <a:p>
+                      <a:r>
+                        <a:rPr lang="nl-BE" sz="1400" dirty="0"/>
+                        <a:t>Grondmonster</a:t>
+                      </a:r>
+                    </a:p>
+                  </a:txBody>
+                  <a:tcPr/>
+                </a:tc>
+                <a:tc>
+                  <a:txBody>
+                    <a:bodyPr/>
+                    <a:lstStyle/>
+                    <a:p>
+                      <a:endParaRPr lang="nl-BE" sz="1400" dirty="0"/>
+                    </a:p>
+                  </a:txBody>
+                  <a:tcPr/>
+                </a:tc>
+                <a:extLst>
+                  <a:ext uri="{0D108BD9-81ED-4DB2-BD59-A6C34878D82A}">
+                    <a16:rowId xmlns:a16="http://schemas.microsoft.com/office/drawing/2014/main" val="1926614034"/>
+                  </a:ext>
+                </a:extLst>
+              </a:tr>
+              <a:tr h="370840">
+                <a:tc>
+                  <a:txBody>
+                    <a:bodyPr/>
+                    <a:lstStyle/>
+                    <a:p>
+                      <a:pPr marL="0" marR="0" lvl="0" indent="0" algn="l" defTabSz="914400" rtl="0" eaLnBrk="1" fontAlgn="auto" latinLnBrk="0" hangingPunct="1">
+                        <a:lnSpc>
+                          <a:spcPct val="100000"/>
+                        </a:lnSpc>
+                        <a:spcBef>
+                          <a:spcPts val="0"/>
+                        </a:spcBef>
+                        <a:spcAft>
+                          <a:spcPts val="0"/>
+                        </a:spcAft>
+                        <a:buClrTx/>
+                        <a:buSzTx/>
+                        <a:buFontTx/>
+                        <a:buNone/>
+                        <a:tabLst/>
+                        <a:defRPr/>
+                      </a:pPr>
+                      <a:r>
+                        <a:rPr lang="nl-BE" sz="1400" dirty="0"/>
+                        <a:t>Monster</a:t>
+                      </a:r>
+                    </a:p>
+                  </a:txBody>
+                  <a:tcPr/>
+                </a:tc>
+                <a:tc>
+                  <a:txBody>
+                    <a:bodyPr/>
+                    <a:lstStyle/>
+                    <a:p>
+                      <a:r>
+                        <a:rPr lang="nl-BE" sz="1400" dirty="0"/>
+                        <a:t>Bodemmonster</a:t>
+                      </a:r>
+                    </a:p>
+                  </a:txBody>
+                  <a:tcPr/>
+                </a:tc>
+                <a:tc>
+                  <a:txBody>
+                    <a:bodyPr/>
+                    <a:lstStyle/>
+                    <a:p>
+                      <a:endParaRPr lang="nl-BE" sz="1400" dirty="0"/>
+                    </a:p>
+                  </a:txBody>
+                  <a:tcPr/>
+                </a:tc>
+                <a:extLst>
+                  <a:ext uri="{0D108BD9-81ED-4DB2-BD59-A6C34878D82A}">
+                    <a16:rowId xmlns:a16="http://schemas.microsoft.com/office/drawing/2014/main" val="1950630742"/>
+                  </a:ext>
+                </a:extLst>
+              </a:tr>
+              <a:tr h="370840">
+                <a:tc>
+                  <a:txBody>
+                    <a:bodyPr/>
+                    <a:lstStyle/>
+                    <a:p>
+                      <a:pPr marL="0" marR="0" lvl="0" indent="0" algn="l" defTabSz="914400" rtl="0" eaLnBrk="1" fontAlgn="auto" latinLnBrk="0" hangingPunct="1">
+                        <a:lnSpc>
+                          <a:spcPct val="100000"/>
+                        </a:lnSpc>
+                        <a:spcBef>
+                          <a:spcPts val="0"/>
+                        </a:spcBef>
+                        <a:spcAft>
+                          <a:spcPts val="0"/>
+                        </a:spcAft>
+                        <a:buClrTx/>
+                        <a:buSzTx/>
+                        <a:buFontTx/>
+                        <a:buNone/>
+                        <a:tabLst/>
+                        <a:defRPr/>
+                      </a:pPr>
+                      <a:r>
+                        <a:rPr lang="nl-BE" sz="1400" dirty="0"/>
+                        <a:t>Monster</a:t>
+                      </a:r>
+                    </a:p>
+                  </a:txBody>
+                  <a:tcPr/>
+                </a:tc>
+                <a:tc>
+                  <a:txBody>
+                    <a:bodyPr/>
+                    <a:lstStyle/>
+                    <a:p>
+                      <a:r>
+                        <a:rPr lang="nl-BE" sz="1400" dirty="0"/>
+                        <a:t>Grondwatermonster</a:t>
+                      </a:r>
+                    </a:p>
+                  </a:txBody>
+                  <a:tcPr/>
+                </a:tc>
+                <a:tc>
+                  <a:txBody>
+                    <a:bodyPr/>
+                    <a:lstStyle/>
+                    <a:p>
+                      <a:endParaRPr lang="nl-BE" sz="1400" dirty="0"/>
+                    </a:p>
+                  </a:txBody>
+                  <a:tcPr/>
+                </a:tc>
+                <a:extLst>
+                  <a:ext uri="{0D108BD9-81ED-4DB2-BD59-A6C34878D82A}">
+                    <a16:rowId xmlns:a16="http://schemas.microsoft.com/office/drawing/2014/main" val="1119460409"/>
+                  </a:ext>
+                </a:extLst>
+              </a:tr>
+            </a:tbl>
+          </a:graphicData>
+        </a:graphic>
+      </p:graphicFrame>
     </p:spTree>
     <p:extLst>
       <p:ext uri="{BB962C8B-B14F-4D97-AF65-F5344CB8AC3E}">
-        <p14:creationId xmlns:p14="http://schemas.microsoft.com/office/powerpoint/2010/main" val="1498074039"/>
+        <p14:creationId xmlns:p14="http://schemas.microsoft.com/office/powerpoint/2010/main" val="1396246287"/>
       </p:ext>
     </p:extLst>
   </p:cSld>
@@ -7650,7 +7427,1531 @@
           <a:p>
             <a:r>
               <a:rPr lang="nl-BE" dirty="0"/>
-              <a:t>Grondboringen</a:t>
+              <a:t>Specialisaties voor B&amp;O: Observatie</a:t>
+            </a:r>
+          </a:p>
+        </p:txBody>
+      </p:sp>
+      <p:graphicFrame>
+        <p:nvGraphicFramePr>
+          <p:cNvPr id="6" name="Table 6">
+            <a:extLst>
+              <a:ext uri="{FF2B5EF4-FFF2-40B4-BE49-F238E27FC236}">
+                <a16:creationId xmlns:a16="http://schemas.microsoft.com/office/drawing/2014/main" id="{71931EB5-C37A-418F-99BC-F8B25BD8F6BB}"/>
+              </a:ext>
+            </a:extLst>
+          </p:cNvPr>
+          <p:cNvGraphicFramePr>
+            <a:graphicFrameLocks noGrp="1"/>
+          </p:cNvGraphicFramePr>
+          <p:nvPr>
+            <p:extLst>
+              <p:ext uri="{D42A27DB-BD31-4B8C-83A1-F6EECF244321}">
+                <p14:modId xmlns:p14="http://schemas.microsoft.com/office/powerpoint/2010/main" val="247459590"/>
+              </p:ext>
+            </p:extLst>
+          </p:nvPr>
+        </p:nvGraphicFramePr>
+        <p:xfrm>
+          <a:off x="838200" y="2011680"/>
+          <a:ext cx="10515600" cy="2900680"/>
+        </p:xfrm>
+        <a:graphic>
+          <a:graphicData uri="http://schemas.openxmlformats.org/drawingml/2006/table">
+            <a:tbl>
+              <a:tblPr firstRow="1" bandRow="1">
+                <a:tableStyleId>{5C22544A-7EE6-4342-B048-85BDC9FD1C3A}</a:tableStyleId>
+              </a:tblPr>
+              <a:tblGrid>
+                <a:gridCol w="3505200">
+                  <a:extLst>
+                    <a:ext uri="{9D8B030D-6E8A-4147-A177-3AD203B41FA5}">
+                      <a16:colId xmlns:a16="http://schemas.microsoft.com/office/drawing/2014/main" val="31352546"/>
+                    </a:ext>
+                  </a:extLst>
+                </a:gridCol>
+                <a:gridCol w="3505200">
+                  <a:extLst>
+                    <a:ext uri="{9D8B030D-6E8A-4147-A177-3AD203B41FA5}">
+                      <a16:colId xmlns:a16="http://schemas.microsoft.com/office/drawing/2014/main" val="529434974"/>
+                    </a:ext>
+                  </a:extLst>
+                </a:gridCol>
+                <a:gridCol w="3505200">
+                  <a:extLst>
+                    <a:ext uri="{9D8B030D-6E8A-4147-A177-3AD203B41FA5}">
+                      <a16:colId xmlns:a16="http://schemas.microsoft.com/office/drawing/2014/main" val="1482379084"/>
+                    </a:ext>
+                  </a:extLst>
+                </a:gridCol>
+              </a:tblGrid>
+              <a:tr h="0">
+                <a:tc>
+                  <a:txBody>
+                    <a:bodyPr/>
+                    <a:lstStyle/>
+                    <a:p>
+                      <a:r>
+                        <a:rPr lang="nl-BE" sz="1400" dirty="0"/>
+                        <a:t>Superklasse</a:t>
+                      </a:r>
+                    </a:p>
+                  </a:txBody>
+                  <a:tcPr/>
+                </a:tc>
+                <a:tc>
+                  <a:txBody>
+                    <a:bodyPr/>
+                    <a:lstStyle/>
+                    <a:p>
+                      <a:r>
+                        <a:rPr lang="nl-BE" sz="1400" dirty="0"/>
+                        <a:t>Specialisatie</a:t>
+                      </a:r>
+                    </a:p>
+                  </a:txBody>
+                  <a:tcPr/>
+                </a:tc>
+                <a:tc>
+                  <a:txBody>
+                    <a:bodyPr/>
+                    <a:lstStyle/>
+                    <a:p>
+                      <a:r>
+                        <a:rPr lang="nl-BE" sz="1400" dirty="0"/>
+                        <a:t>Reden specialisatie</a:t>
+                      </a:r>
+                    </a:p>
+                  </a:txBody>
+                  <a:tcPr/>
+                </a:tc>
+                <a:extLst>
+                  <a:ext uri="{0D108BD9-81ED-4DB2-BD59-A6C34878D82A}">
+                    <a16:rowId xmlns:a16="http://schemas.microsoft.com/office/drawing/2014/main" val="3682725947"/>
+                  </a:ext>
+                </a:extLst>
+              </a:tr>
+              <a:tr h="370840">
+                <a:tc>
+                  <a:txBody>
+                    <a:bodyPr/>
+                    <a:lstStyle/>
+                    <a:p>
+                      <a:r>
+                        <a:rPr lang="nl-BE" sz="1400" dirty="0"/>
+                        <a:t>Observatie</a:t>
+                      </a:r>
+                    </a:p>
+                  </a:txBody>
+                  <a:tcPr/>
+                </a:tc>
+                <a:tc>
+                  <a:txBody>
+                    <a:bodyPr/>
+                    <a:lstStyle/>
+                    <a:p>
+                      <a:r>
+                        <a:rPr lang="nl-BE" sz="1400" dirty="0"/>
+                        <a:t>Korreverdeling</a:t>
+                      </a:r>
+                    </a:p>
+                  </a:txBody>
+                  <a:tcPr/>
+                </a:tc>
+                <a:tc>
+                  <a:txBody>
+                    <a:bodyPr/>
+                    <a:lstStyle/>
+                    <a:p>
+                      <a:endParaRPr lang="nl-BE" sz="1400" dirty="0"/>
+                    </a:p>
+                  </a:txBody>
+                  <a:tcPr/>
+                </a:tc>
+                <a:extLst>
+                  <a:ext uri="{0D108BD9-81ED-4DB2-BD59-A6C34878D82A}">
+                    <a16:rowId xmlns:a16="http://schemas.microsoft.com/office/drawing/2014/main" val="1926614034"/>
+                  </a:ext>
+                </a:extLst>
+              </a:tr>
+              <a:tr h="370840">
+                <a:tc>
+                  <a:txBody>
+                    <a:bodyPr/>
+                    <a:lstStyle/>
+                    <a:p>
+                      <a:pPr marL="0" marR="0" lvl="0" indent="0" algn="l" defTabSz="914400" rtl="0" eaLnBrk="1" fontAlgn="auto" latinLnBrk="0" hangingPunct="1">
+                        <a:lnSpc>
+                          <a:spcPct val="100000"/>
+                        </a:lnSpc>
+                        <a:spcBef>
+                          <a:spcPts val="0"/>
+                        </a:spcBef>
+                        <a:spcAft>
+                          <a:spcPts val="0"/>
+                        </a:spcAft>
+                        <a:buClrTx/>
+                        <a:buSzTx/>
+                        <a:buFontTx/>
+                        <a:buNone/>
+                        <a:tabLst/>
+                        <a:defRPr/>
+                      </a:pPr>
+                      <a:r>
+                        <a:rPr lang="nl-BE" sz="1400" dirty="0"/>
+                        <a:t>Observatie</a:t>
+                      </a:r>
+                    </a:p>
+                  </a:txBody>
+                  <a:tcPr/>
+                </a:tc>
+                <a:tc>
+                  <a:txBody>
+                    <a:bodyPr/>
+                    <a:lstStyle/>
+                    <a:p>
+                      <a:r>
+                        <a:rPr lang="nl-BE" sz="1400" dirty="0"/>
+                        <a:t>Doorlatendheidsproef</a:t>
+                      </a:r>
+                    </a:p>
+                  </a:txBody>
+                  <a:tcPr/>
+                </a:tc>
+                <a:tc>
+                  <a:txBody>
+                    <a:bodyPr/>
+                    <a:lstStyle/>
+                    <a:p>
+                      <a:endParaRPr lang="nl-BE" sz="1400" dirty="0"/>
+                    </a:p>
+                  </a:txBody>
+                  <a:tcPr/>
+                </a:tc>
+                <a:extLst>
+                  <a:ext uri="{0D108BD9-81ED-4DB2-BD59-A6C34878D82A}">
+                    <a16:rowId xmlns:a16="http://schemas.microsoft.com/office/drawing/2014/main" val="1950630742"/>
+                  </a:ext>
+                </a:extLst>
+              </a:tr>
+              <a:tr h="370840">
+                <a:tc>
+                  <a:txBody>
+                    <a:bodyPr/>
+                    <a:lstStyle/>
+                    <a:p>
+                      <a:pPr marL="0" marR="0" lvl="0" indent="0" algn="l" defTabSz="914400" rtl="0" eaLnBrk="1" fontAlgn="auto" latinLnBrk="0" hangingPunct="1">
+                        <a:lnSpc>
+                          <a:spcPct val="100000"/>
+                        </a:lnSpc>
+                        <a:spcBef>
+                          <a:spcPts val="0"/>
+                        </a:spcBef>
+                        <a:spcAft>
+                          <a:spcPts val="0"/>
+                        </a:spcAft>
+                        <a:buClrTx/>
+                        <a:buSzTx/>
+                        <a:buFontTx/>
+                        <a:buNone/>
+                        <a:tabLst/>
+                        <a:defRPr/>
+                      </a:pPr>
+                      <a:r>
+                        <a:rPr lang="nl-BE" sz="1400" dirty="0"/>
+                        <a:t>Observatie</a:t>
+                      </a:r>
+                    </a:p>
+                  </a:txBody>
+                  <a:tcPr/>
+                </a:tc>
+                <a:tc>
+                  <a:txBody>
+                    <a:bodyPr/>
+                    <a:lstStyle/>
+                    <a:p>
+                      <a:r>
+                        <a:rPr lang="nl-BE" sz="1400" dirty="0"/>
+                        <a:t>Schuifweerstandsproef</a:t>
+                      </a:r>
+                    </a:p>
+                  </a:txBody>
+                  <a:tcPr/>
+                </a:tc>
+                <a:tc>
+                  <a:txBody>
+                    <a:bodyPr/>
+                    <a:lstStyle/>
+                    <a:p>
+                      <a:endParaRPr lang="nl-BE" sz="1400" dirty="0"/>
+                    </a:p>
+                  </a:txBody>
+                  <a:tcPr/>
+                </a:tc>
+                <a:extLst>
+                  <a:ext uri="{0D108BD9-81ED-4DB2-BD59-A6C34878D82A}">
+                    <a16:rowId xmlns:a16="http://schemas.microsoft.com/office/drawing/2014/main" val="1119460409"/>
+                  </a:ext>
+                </a:extLst>
+              </a:tr>
+              <a:tr h="370840">
+                <a:tc>
+                  <a:txBody>
+                    <a:bodyPr/>
+                    <a:lstStyle/>
+                    <a:p>
+                      <a:pPr marL="0" marR="0" lvl="0" indent="0" algn="l" defTabSz="914400" rtl="0" eaLnBrk="1" fontAlgn="auto" latinLnBrk="0" hangingPunct="1">
+                        <a:lnSpc>
+                          <a:spcPct val="100000"/>
+                        </a:lnSpc>
+                        <a:spcBef>
+                          <a:spcPts val="0"/>
+                        </a:spcBef>
+                        <a:spcAft>
+                          <a:spcPts val="0"/>
+                        </a:spcAft>
+                        <a:buClrTx/>
+                        <a:buSzTx/>
+                        <a:buFontTx/>
+                        <a:buNone/>
+                        <a:tabLst/>
+                        <a:defRPr/>
+                      </a:pPr>
+                      <a:r>
+                        <a:rPr lang="nl-BE" sz="1400" dirty="0"/>
+                        <a:t>Observatie</a:t>
+                      </a:r>
+                    </a:p>
+                  </a:txBody>
+                  <a:tcPr/>
+                </a:tc>
+                <a:tc>
+                  <a:txBody>
+                    <a:bodyPr/>
+                    <a:lstStyle/>
+                    <a:p>
+                      <a:r>
+                        <a:rPr lang="nl-BE" sz="1400" dirty="0"/>
+                        <a:t>Samendrukbaarheidsproef</a:t>
+                      </a:r>
+                    </a:p>
+                  </a:txBody>
+                  <a:tcPr/>
+                </a:tc>
+                <a:tc>
+                  <a:txBody>
+                    <a:bodyPr/>
+                    <a:lstStyle/>
+                    <a:p>
+                      <a:endParaRPr lang="nl-BE" sz="1400" dirty="0"/>
+                    </a:p>
+                  </a:txBody>
+                  <a:tcPr/>
+                </a:tc>
+                <a:extLst>
+                  <a:ext uri="{0D108BD9-81ED-4DB2-BD59-A6C34878D82A}">
+                    <a16:rowId xmlns:a16="http://schemas.microsoft.com/office/drawing/2014/main" val="1696559584"/>
+                  </a:ext>
+                </a:extLst>
+              </a:tr>
+              <a:tr h="370840">
+                <a:tc>
+                  <a:txBody>
+                    <a:bodyPr/>
+                    <a:lstStyle/>
+                    <a:p>
+                      <a:pPr marL="0" marR="0" lvl="0" indent="0" algn="l" defTabSz="914400" rtl="0" eaLnBrk="1" fontAlgn="auto" latinLnBrk="0" hangingPunct="1">
+                        <a:lnSpc>
+                          <a:spcPct val="100000"/>
+                        </a:lnSpc>
+                        <a:spcBef>
+                          <a:spcPts val="0"/>
+                        </a:spcBef>
+                        <a:spcAft>
+                          <a:spcPts val="0"/>
+                        </a:spcAft>
+                        <a:buClrTx/>
+                        <a:buSzTx/>
+                        <a:buFontTx/>
+                        <a:buNone/>
+                        <a:tabLst/>
+                        <a:defRPr/>
+                      </a:pPr>
+                      <a:r>
+                        <a:rPr lang="nl-BE" sz="1400" dirty="0"/>
+                        <a:t>Observatie</a:t>
+                      </a:r>
+                    </a:p>
+                  </a:txBody>
+                  <a:tcPr/>
+                </a:tc>
+                <a:tc>
+                  <a:txBody>
+                    <a:bodyPr/>
+                    <a:lstStyle/>
+                    <a:p>
+                      <a:r>
+                        <a:rPr lang="nl-BE" sz="1400" dirty="0"/>
+                        <a:t>Peilmeting</a:t>
+                      </a:r>
+                    </a:p>
+                  </a:txBody>
+                  <a:tcPr/>
+                </a:tc>
+                <a:tc>
+                  <a:txBody>
+                    <a:bodyPr/>
+                    <a:lstStyle/>
+                    <a:p>
+                      <a:endParaRPr lang="nl-BE" sz="1400" dirty="0"/>
+                    </a:p>
+                  </a:txBody>
+                  <a:tcPr/>
+                </a:tc>
+                <a:extLst>
+                  <a:ext uri="{0D108BD9-81ED-4DB2-BD59-A6C34878D82A}">
+                    <a16:rowId xmlns:a16="http://schemas.microsoft.com/office/drawing/2014/main" val="1814090994"/>
+                  </a:ext>
+                </a:extLst>
+              </a:tr>
+              <a:tr h="370840">
+                <a:tc>
+                  <a:txBody>
+                    <a:bodyPr/>
+                    <a:lstStyle/>
+                    <a:p>
+                      <a:pPr marL="0" marR="0" lvl="0" indent="0" algn="l" defTabSz="914400" rtl="0" eaLnBrk="1" fontAlgn="auto" latinLnBrk="0" hangingPunct="1">
+                        <a:lnSpc>
+                          <a:spcPct val="100000"/>
+                        </a:lnSpc>
+                        <a:spcBef>
+                          <a:spcPts val="0"/>
+                        </a:spcBef>
+                        <a:spcAft>
+                          <a:spcPts val="0"/>
+                        </a:spcAft>
+                        <a:buClrTx/>
+                        <a:buSzTx/>
+                        <a:buFontTx/>
+                        <a:buNone/>
+                        <a:tabLst/>
+                        <a:defRPr/>
+                      </a:pPr>
+                      <a:r>
+                        <a:rPr lang="nl-BE" sz="1400" dirty="0"/>
+                        <a:t>Observatie</a:t>
+                      </a:r>
+                    </a:p>
+                  </a:txBody>
+                  <a:tcPr/>
+                </a:tc>
+                <a:tc>
+                  <a:txBody>
+                    <a:bodyPr/>
+                    <a:lstStyle/>
+                    <a:p>
+                      <a:r>
+                        <a:rPr lang="nl-BE" sz="1400" dirty="0"/>
+                        <a:t>Onttrekking</a:t>
+                      </a:r>
+                    </a:p>
+                  </a:txBody>
+                  <a:tcPr/>
+                </a:tc>
+                <a:tc>
+                  <a:txBody>
+                    <a:bodyPr/>
+                    <a:lstStyle/>
+                    <a:p>
+                      <a:endParaRPr lang="nl-BE" sz="1400" dirty="0"/>
+                    </a:p>
+                  </a:txBody>
+                  <a:tcPr/>
+                </a:tc>
+                <a:extLst>
+                  <a:ext uri="{0D108BD9-81ED-4DB2-BD59-A6C34878D82A}">
+                    <a16:rowId xmlns:a16="http://schemas.microsoft.com/office/drawing/2014/main" val="777549329"/>
+                  </a:ext>
+                </a:extLst>
+              </a:tr>
+              <a:tr h="370840">
+                <a:tc>
+                  <a:txBody>
+                    <a:bodyPr/>
+                    <a:lstStyle/>
+                    <a:p>
+                      <a:pPr marL="0" marR="0" lvl="0" indent="0" algn="l" defTabSz="914400" rtl="0" eaLnBrk="1" fontAlgn="auto" latinLnBrk="0" hangingPunct="1">
+                        <a:lnSpc>
+                          <a:spcPct val="100000"/>
+                        </a:lnSpc>
+                        <a:spcBef>
+                          <a:spcPts val="0"/>
+                        </a:spcBef>
+                        <a:spcAft>
+                          <a:spcPts val="0"/>
+                        </a:spcAft>
+                        <a:buClrTx/>
+                        <a:buSzTx/>
+                        <a:buFontTx/>
+                        <a:buNone/>
+                        <a:tabLst/>
+                        <a:defRPr/>
+                      </a:pPr>
+                      <a:r>
+                        <a:rPr lang="nl-BE" sz="1400" dirty="0"/>
+                        <a:t>Observatie</a:t>
+                      </a:r>
+                    </a:p>
+                  </a:txBody>
+                  <a:tcPr/>
+                </a:tc>
+                <a:tc>
+                  <a:txBody>
+                    <a:bodyPr/>
+                    <a:lstStyle/>
+                    <a:p>
+                      <a:r>
+                        <a:rPr lang="nl-BE" sz="1400" dirty="0" err="1"/>
+                        <a:t>ConePenetrationTest</a:t>
+                      </a:r>
+                      <a:endParaRPr lang="nl-BE" sz="1400" dirty="0"/>
+                    </a:p>
+                  </a:txBody>
+                  <a:tcPr/>
+                </a:tc>
+                <a:tc>
+                  <a:txBody>
+                    <a:bodyPr/>
+                    <a:lstStyle/>
+                    <a:p>
+                      <a:endParaRPr lang="nl-BE" sz="1400" dirty="0"/>
+                    </a:p>
+                  </a:txBody>
+                  <a:tcPr/>
+                </a:tc>
+                <a:extLst>
+                  <a:ext uri="{0D108BD9-81ED-4DB2-BD59-A6C34878D82A}">
+                    <a16:rowId xmlns:a16="http://schemas.microsoft.com/office/drawing/2014/main" val="867171018"/>
+                  </a:ext>
+                </a:extLst>
+              </a:tr>
+            </a:tbl>
+          </a:graphicData>
+        </a:graphic>
+      </p:graphicFrame>
+    </p:spTree>
+    <p:extLst>
+      <p:ext uri="{BB962C8B-B14F-4D97-AF65-F5344CB8AC3E}">
+        <p14:creationId xmlns:p14="http://schemas.microsoft.com/office/powerpoint/2010/main" val="1109731147"/>
+      </p:ext>
+    </p:extLst>
+  </p:cSld>
+  <p:clrMapOvr>
+    <a:masterClrMapping/>
+  </p:clrMapOvr>
+</p:sld>
+</file>
+
+<file path=ppt/slides/slide24.xml><?xml version="1.0" encoding="utf-8"?>
+<p:sld xmlns:a="http://schemas.openxmlformats.org/drawingml/2006/main" xmlns:r="http://schemas.openxmlformats.org/officeDocument/2006/relationships" xmlns:p="http://schemas.openxmlformats.org/presentationml/2006/main">
+  <p:cSld>
+    <p:spTree>
+      <p:nvGrpSpPr>
+        <p:cNvPr id="1" name=""/>
+        <p:cNvGrpSpPr/>
+        <p:nvPr/>
+      </p:nvGrpSpPr>
+      <p:grpSpPr>
+        <a:xfrm>
+          <a:off x="0" y="0"/>
+          <a:ext cx="0" cy="0"/>
+          <a:chOff x="0" y="0"/>
+          <a:chExt cx="0" cy="0"/>
+        </a:xfrm>
+      </p:grpSpPr>
+      <p:sp>
+        <p:nvSpPr>
+          <p:cNvPr id="2" name="Title 1">
+            <a:extLst>
+              <a:ext uri="{FF2B5EF4-FFF2-40B4-BE49-F238E27FC236}">
+                <a16:creationId xmlns:a16="http://schemas.microsoft.com/office/drawing/2014/main" id="{1DEFF95F-CF61-49C4-B9AA-440049470977}"/>
+              </a:ext>
+            </a:extLst>
+          </p:cNvPr>
+          <p:cNvSpPr>
+            <a:spLocks noGrp="1"/>
+          </p:cNvSpPr>
+          <p:nvPr>
+            <p:ph type="title"/>
+          </p:nvPr>
+        </p:nvSpPr>
+        <p:spPr/>
+        <p:txBody>
+          <a:bodyPr/>
+          <a:lstStyle/>
+          <a:p>
+            <a:r>
+              <a:rPr lang="nl-BE" dirty="0"/>
+              <a:t>Specialisaties voor B&amp;O: Observatie (Interpretatie)</a:t>
+            </a:r>
+          </a:p>
+        </p:txBody>
+      </p:sp>
+      <p:graphicFrame>
+        <p:nvGraphicFramePr>
+          <p:cNvPr id="6" name="Table 6">
+            <a:extLst>
+              <a:ext uri="{FF2B5EF4-FFF2-40B4-BE49-F238E27FC236}">
+                <a16:creationId xmlns:a16="http://schemas.microsoft.com/office/drawing/2014/main" id="{71931EB5-C37A-418F-99BC-F8B25BD8F6BB}"/>
+              </a:ext>
+            </a:extLst>
+          </p:cNvPr>
+          <p:cNvGraphicFramePr>
+            <a:graphicFrameLocks noGrp="1"/>
+          </p:cNvGraphicFramePr>
+          <p:nvPr>
+            <p:extLst>
+              <p:ext uri="{D42A27DB-BD31-4B8C-83A1-F6EECF244321}">
+                <p14:modId xmlns:p14="http://schemas.microsoft.com/office/powerpoint/2010/main" val="3002620987"/>
+              </p:ext>
+            </p:extLst>
+          </p:nvPr>
+        </p:nvGraphicFramePr>
+        <p:xfrm>
+          <a:off x="838200" y="2299031"/>
+          <a:ext cx="10515600" cy="2529840"/>
+        </p:xfrm>
+        <a:graphic>
+          <a:graphicData uri="http://schemas.openxmlformats.org/drawingml/2006/table">
+            <a:tbl>
+              <a:tblPr firstRow="1" bandRow="1">
+                <a:tableStyleId>{5C22544A-7EE6-4342-B048-85BDC9FD1C3A}</a:tableStyleId>
+              </a:tblPr>
+              <a:tblGrid>
+                <a:gridCol w="3505200">
+                  <a:extLst>
+                    <a:ext uri="{9D8B030D-6E8A-4147-A177-3AD203B41FA5}">
+                      <a16:colId xmlns:a16="http://schemas.microsoft.com/office/drawing/2014/main" val="31352546"/>
+                    </a:ext>
+                  </a:extLst>
+                </a:gridCol>
+                <a:gridCol w="3505200">
+                  <a:extLst>
+                    <a:ext uri="{9D8B030D-6E8A-4147-A177-3AD203B41FA5}">
+                      <a16:colId xmlns:a16="http://schemas.microsoft.com/office/drawing/2014/main" val="529434974"/>
+                    </a:ext>
+                  </a:extLst>
+                </a:gridCol>
+                <a:gridCol w="3505200">
+                  <a:extLst>
+                    <a:ext uri="{9D8B030D-6E8A-4147-A177-3AD203B41FA5}">
+                      <a16:colId xmlns:a16="http://schemas.microsoft.com/office/drawing/2014/main" val="1482379084"/>
+                    </a:ext>
+                  </a:extLst>
+                </a:gridCol>
+              </a:tblGrid>
+              <a:tr h="0">
+                <a:tc>
+                  <a:txBody>
+                    <a:bodyPr/>
+                    <a:lstStyle/>
+                    <a:p>
+                      <a:r>
+                        <a:rPr lang="nl-BE" sz="1400" dirty="0"/>
+                        <a:t>Superklasse</a:t>
+                      </a:r>
+                    </a:p>
+                  </a:txBody>
+                  <a:tcPr/>
+                </a:tc>
+                <a:tc>
+                  <a:txBody>
+                    <a:bodyPr/>
+                    <a:lstStyle/>
+                    <a:p>
+                      <a:r>
+                        <a:rPr lang="nl-BE" sz="1400" dirty="0"/>
+                        <a:t>Specialisatie</a:t>
+                      </a:r>
+                    </a:p>
+                  </a:txBody>
+                  <a:tcPr/>
+                </a:tc>
+                <a:tc>
+                  <a:txBody>
+                    <a:bodyPr/>
+                    <a:lstStyle/>
+                    <a:p>
+                      <a:r>
+                        <a:rPr lang="nl-BE" sz="1400" dirty="0"/>
+                        <a:t>Reden specialisatie</a:t>
+                      </a:r>
+                    </a:p>
+                  </a:txBody>
+                  <a:tcPr/>
+                </a:tc>
+                <a:extLst>
+                  <a:ext uri="{0D108BD9-81ED-4DB2-BD59-A6C34878D82A}">
+                    <a16:rowId xmlns:a16="http://schemas.microsoft.com/office/drawing/2014/main" val="3682725947"/>
+                  </a:ext>
+                </a:extLst>
+              </a:tr>
+              <a:tr h="370840">
+                <a:tc>
+                  <a:txBody>
+                    <a:bodyPr/>
+                    <a:lstStyle/>
+                    <a:p>
+                      <a:r>
+                        <a:rPr lang="nl-BE" sz="1400" dirty="0"/>
+                        <a:t>Observatie (Interpretatie)</a:t>
+                      </a:r>
+                    </a:p>
+                  </a:txBody>
+                  <a:tcPr/>
+                </a:tc>
+                <a:tc>
+                  <a:txBody>
+                    <a:bodyPr/>
+                    <a:lstStyle/>
+                    <a:p>
+                      <a:r>
+                        <a:rPr lang="nl-BE" sz="1400" dirty="0"/>
+                        <a:t>Stratigrafie</a:t>
+                      </a:r>
+                    </a:p>
+                  </a:txBody>
+                  <a:tcPr/>
+                </a:tc>
+                <a:tc>
+                  <a:txBody>
+                    <a:bodyPr/>
+                    <a:lstStyle/>
+                    <a:p>
+                      <a:endParaRPr lang="nl-BE" sz="1400" dirty="0"/>
+                    </a:p>
+                  </a:txBody>
+                  <a:tcPr/>
+                </a:tc>
+                <a:extLst>
+                  <a:ext uri="{0D108BD9-81ED-4DB2-BD59-A6C34878D82A}">
+                    <a16:rowId xmlns:a16="http://schemas.microsoft.com/office/drawing/2014/main" val="1926614034"/>
+                  </a:ext>
+                </a:extLst>
+              </a:tr>
+              <a:tr h="370840">
+                <a:tc>
+                  <a:txBody>
+                    <a:bodyPr/>
+                    <a:lstStyle/>
+                    <a:p>
+                      <a:r>
+                        <a:rPr lang="nl-BE" sz="1400" dirty="0"/>
+                        <a:t>Observatie (Interpretatie)</a:t>
+                      </a:r>
+                    </a:p>
+                  </a:txBody>
+                  <a:tcPr/>
+                </a:tc>
+                <a:tc>
+                  <a:txBody>
+                    <a:bodyPr/>
+                    <a:lstStyle/>
+                    <a:p>
+                      <a:r>
+                        <a:rPr lang="nl-BE" sz="1400" dirty="0"/>
+                        <a:t>Lithologie</a:t>
+                      </a:r>
+                    </a:p>
+                  </a:txBody>
+                  <a:tcPr/>
+                </a:tc>
+                <a:tc>
+                  <a:txBody>
+                    <a:bodyPr/>
+                    <a:lstStyle/>
+                    <a:p>
+                      <a:endParaRPr lang="nl-BE" sz="1400" dirty="0"/>
+                    </a:p>
+                  </a:txBody>
+                  <a:tcPr/>
+                </a:tc>
+                <a:extLst>
+                  <a:ext uri="{0D108BD9-81ED-4DB2-BD59-A6C34878D82A}">
+                    <a16:rowId xmlns:a16="http://schemas.microsoft.com/office/drawing/2014/main" val="1950630742"/>
+                  </a:ext>
+                </a:extLst>
+              </a:tr>
+              <a:tr h="370840">
+                <a:tc>
+                  <a:txBody>
+                    <a:bodyPr/>
+                    <a:lstStyle/>
+                    <a:p>
+                      <a:r>
+                        <a:rPr lang="nl-BE" sz="1400" dirty="0"/>
+                        <a:t>Observatie (Interpretatie)</a:t>
+                      </a:r>
+                    </a:p>
+                  </a:txBody>
+                  <a:tcPr/>
+                </a:tc>
+                <a:tc>
+                  <a:txBody>
+                    <a:bodyPr/>
+                    <a:lstStyle/>
+                    <a:p>
+                      <a:r>
+                        <a:rPr lang="nl-BE" sz="1400" dirty="0"/>
+                        <a:t>Hydrostratigrafie</a:t>
+                      </a:r>
+                    </a:p>
+                  </a:txBody>
+                  <a:tcPr/>
+                </a:tc>
+                <a:tc>
+                  <a:txBody>
+                    <a:bodyPr/>
+                    <a:lstStyle/>
+                    <a:p>
+                      <a:endParaRPr lang="nl-BE" sz="1400" dirty="0"/>
+                    </a:p>
+                  </a:txBody>
+                  <a:tcPr/>
+                </a:tc>
+                <a:extLst>
+                  <a:ext uri="{0D108BD9-81ED-4DB2-BD59-A6C34878D82A}">
+                    <a16:rowId xmlns:a16="http://schemas.microsoft.com/office/drawing/2014/main" val="1119460409"/>
+                  </a:ext>
+                </a:extLst>
+              </a:tr>
+              <a:tr h="370840">
+                <a:tc>
+                  <a:txBody>
+                    <a:bodyPr/>
+                    <a:lstStyle/>
+                    <a:p>
+                      <a:r>
+                        <a:rPr lang="nl-BE" sz="1400" dirty="0"/>
+                        <a:t>Observatie (Interpretatie)</a:t>
+                      </a:r>
+                    </a:p>
+                  </a:txBody>
+                  <a:tcPr/>
+                </a:tc>
+                <a:tc>
+                  <a:txBody>
+                    <a:bodyPr/>
+                    <a:lstStyle/>
+                    <a:p>
+                      <a:r>
+                        <a:rPr lang="nl-BE" sz="1400" dirty="0" err="1"/>
+                        <a:t>GeotechnischeCodering</a:t>
+                      </a:r>
+                      <a:endParaRPr lang="nl-BE" sz="1400" dirty="0"/>
+                    </a:p>
+                  </a:txBody>
+                  <a:tcPr/>
+                </a:tc>
+                <a:tc>
+                  <a:txBody>
+                    <a:bodyPr/>
+                    <a:lstStyle/>
+                    <a:p>
+                      <a:endParaRPr lang="nl-BE" sz="1400" dirty="0"/>
+                    </a:p>
+                  </a:txBody>
+                  <a:tcPr/>
+                </a:tc>
+                <a:extLst>
+                  <a:ext uri="{0D108BD9-81ED-4DB2-BD59-A6C34878D82A}">
+                    <a16:rowId xmlns:a16="http://schemas.microsoft.com/office/drawing/2014/main" val="1696559584"/>
+                  </a:ext>
+                </a:extLst>
+              </a:tr>
+              <a:tr h="370840">
+                <a:tc>
+                  <a:txBody>
+                    <a:bodyPr/>
+                    <a:lstStyle/>
+                    <a:p>
+                      <a:r>
+                        <a:rPr lang="nl-BE" sz="1400" dirty="0"/>
+                        <a:t>Observatie (Interpretatie)</a:t>
+                      </a:r>
+                    </a:p>
+                  </a:txBody>
+                  <a:tcPr/>
+                </a:tc>
+                <a:tc>
+                  <a:txBody>
+                    <a:bodyPr/>
+                    <a:lstStyle/>
+                    <a:p>
+                      <a:r>
+                        <a:rPr lang="nl-BE" sz="1400" dirty="0" err="1"/>
+                        <a:t>AntropogeneKenmerken</a:t>
+                      </a:r>
+                      <a:endParaRPr lang="nl-BE" sz="1400" dirty="0"/>
+                    </a:p>
+                  </a:txBody>
+                  <a:tcPr/>
+                </a:tc>
+                <a:tc>
+                  <a:txBody>
+                    <a:bodyPr/>
+                    <a:lstStyle/>
+                    <a:p>
+                      <a:endParaRPr lang="nl-BE" sz="1400" dirty="0"/>
+                    </a:p>
+                  </a:txBody>
+                  <a:tcPr/>
+                </a:tc>
+                <a:extLst>
+                  <a:ext uri="{0D108BD9-81ED-4DB2-BD59-A6C34878D82A}">
+                    <a16:rowId xmlns:a16="http://schemas.microsoft.com/office/drawing/2014/main" val="1814090994"/>
+                  </a:ext>
+                </a:extLst>
+              </a:tr>
+              <a:tr h="370840">
+                <a:tc>
+                  <a:txBody>
+                    <a:bodyPr/>
+                    <a:lstStyle/>
+                    <a:p>
+                      <a:r>
+                        <a:rPr lang="nl-BE" sz="1400" dirty="0"/>
+                        <a:t>Observatie (Interpretatie)</a:t>
+                      </a:r>
+                    </a:p>
+                  </a:txBody>
+                  <a:tcPr/>
+                </a:tc>
+                <a:tc>
+                  <a:txBody>
+                    <a:bodyPr/>
+                    <a:lstStyle/>
+                    <a:p>
+                      <a:r>
+                        <a:rPr lang="nl-BE" sz="1400" dirty="0" err="1"/>
+                        <a:t>BodemkundigeOpbouw</a:t>
+                      </a:r>
+                      <a:endParaRPr lang="nl-BE" sz="1400" dirty="0"/>
+                    </a:p>
+                  </a:txBody>
+                  <a:tcPr/>
+                </a:tc>
+                <a:tc>
+                  <a:txBody>
+                    <a:bodyPr/>
+                    <a:lstStyle/>
+                    <a:p>
+                      <a:endParaRPr lang="nl-BE" sz="1400" dirty="0"/>
+                    </a:p>
+                  </a:txBody>
+                  <a:tcPr/>
+                </a:tc>
+                <a:extLst>
+                  <a:ext uri="{0D108BD9-81ED-4DB2-BD59-A6C34878D82A}">
+                    <a16:rowId xmlns:a16="http://schemas.microsoft.com/office/drawing/2014/main" val="777549329"/>
+                  </a:ext>
+                </a:extLst>
+              </a:tr>
+            </a:tbl>
+          </a:graphicData>
+        </a:graphic>
+      </p:graphicFrame>
+    </p:spTree>
+    <p:extLst>
+      <p:ext uri="{BB962C8B-B14F-4D97-AF65-F5344CB8AC3E}">
+        <p14:creationId xmlns:p14="http://schemas.microsoft.com/office/powerpoint/2010/main" val="1356133018"/>
+      </p:ext>
+    </p:extLst>
+  </p:cSld>
+  <p:clrMapOvr>
+    <a:masterClrMapping/>
+  </p:clrMapOvr>
+</p:sld>
+</file>
+
+<file path=ppt/slides/slide25.xml><?xml version="1.0" encoding="utf-8"?>
+<p:sld xmlns:a="http://schemas.openxmlformats.org/drawingml/2006/main" xmlns:r="http://schemas.openxmlformats.org/officeDocument/2006/relationships" xmlns:p="http://schemas.openxmlformats.org/presentationml/2006/main">
+  <p:cSld>
+    <p:spTree>
+      <p:nvGrpSpPr>
+        <p:cNvPr id="1" name=""/>
+        <p:cNvGrpSpPr/>
+        <p:nvPr/>
+      </p:nvGrpSpPr>
+      <p:grpSpPr>
+        <a:xfrm>
+          <a:off x="0" y="0"/>
+          <a:ext cx="0" cy="0"/>
+          <a:chOff x="0" y="0"/>
+          <a:chExt cx="0" cy="0"/>
+        </a:xfrm>
+      </p:grpSpPr>
+      <p:sp>
+        <p:nvSpPr>
+          <p:cNvPr id="2" name="Title 1">
+            <a:extLst>
+              <a:ext uri="{FF2B5EF4-FFF2-40B4-BE49-F238E27FC236}">
+                <a16:creationId xmlns:a16="http://schemas.microsoft.com/office/drawing/2014/main" id="{1DEFF95F-CF61-49C4-B9AA-440049470977}"/>
+              </a:ext>
+            </a:extLst>
+          </p:cNvPr>
+          <p:cNvSpPr>
+            <a:spLocks noGrp="1"/>
+          </p:cNvSpPr>
+          <p:nvPr>
+            <p:ph type="title"/>
+          </p:nvPr>
+        </p:nvSpPr>
+        <p:spPr/>
+        <p:txBody>
+          <a:bodyPr/>
+          <a:lstStyle/>
+          <a:p>
+            <a:r>
+              <a:rPr lang="nl-BE" dirty="0"/>
+              <a:t>Specialisaties voor B&amp;O: Sensor</a:t>
+            </a:r>
+          </a:p>
+        </p:txBody>
+      </p:sp>
+      <p:graphicFrame>
+        <p:nvGraphicFramePr>
+          <p:cNvPr id="6" name="Table 6">
+            <a:extLst>
+              <a:ext uri="{FF2B5EF4-FFF2-40B4-BE49-F238E27FC236}">
+                <a16:creationId xmlns:a16="http://schemas.microsoft.com/office/drawing/2014/main" id="{71931EB5-C37A-418F-99BC-F8B25BD8F6BB}"/>
+              </a:ext>
+            </a:extLst>
+          </p:cNvPr>
+          <p:cNvGraphicFramePr>
+            <a:graphicFrameLocks noGrp="1"/>
+          </p:cNvGraphicFramePr>
+          <p:nvPr>
+            <p:extLst>
+              <p:ext uri="{D42A27DB-BD31-4B8C-83A1-F6EECF244321}">
+                <p14:modId xmlns:p14="http://schemas.microsoft.com/office/powerpoint/2010/main" val="1863832713"/>
+              </p:ext>
+            </p:extLst>
+          </p:nvPr>
+        </p:nvGraphicFramePr>
+        <p:xfrm>
+          <a:off x="838200" y="2299031"/>
+          <a:ext cx="10515600" cy="1046480"/>
+        </p:xfrm>
+        <a:graphic>
+          <a:graphicData uri="http://schemas.openxmlformats.org/drawingml/2006/table">
+            <a:tbl>
+              <a:tblPr firstRow="1" bandRow="1">
+                <a:tableStyleId>{5C22544A-7EE6-4342-B048-85BDC9FD1C3A}</a:tableStyleId>
+              </a:tblPr>
+              <a:tblGrid>
+                <a:gridCol w="3505200">
+                  <a:extLst>
+                    <a:ext uri="{9D8B030D-6E8A-4147-A177-3AD203B41FA5}">
+                      <a16:colId xmlns:a16="http://schemas.microsoft.com/office/drawing/2014/main" val="31352546"/>
+                    </a:ext>
+                  </a:extLst>
+                </a:gridCol>
+                <a:gridCol w="3505200">
+                  <a:extLst>
+                    <a:ext uri="{9D8B030D-6E8A-4147-A177-3AD203B41FA5}">
+                      <a16:colId xmlns:a16="http://schemas.microsoft.com/office/drawing/2014/main" val="529434974"/>
+                    </a:ext>
+                  </a:extLst>
+                </a:gridCol>
+                <a:gridCol w="3505200">
+                  <a:extLst>
+                    <a:ext uri="{9D8B030D-6E8A-4147-A177-3AD203B41FA5}">
+                      <a16:colId xmlns:a16="http://schemas.microsoft.com/office/drawing/2014/main" val="1482379084"/>
+                    </a:ext>
+                  </a:extLst>
+                </a:gridCol>
+              </a:tblGrid>
+              <a:tr h="0">
+                <a:tc>
+                  <a:txBody>
+                    <a:bodyPr/>
+                    <a:lstStyle/>
+                    <a:p>
+                      <a:r>
+                        <a:rPr lang="nl-BE" sz="1400" dirty="0"/>
+                        <a:t>Superklasse</a:t>
+                      </a:r>
+                    </a:p>
+                  </a:txBody>
+                  <a:tcPr/>
+                </a:tc>
+                <a:tc>
+                  <a:txBody>
+                    <a:bodyPr/>
+                    <a:lstStyle/>
+                    <a:p>
+                      <a:r>
+                        <a:rPr lang="nl-BE" sz="1400" dirty="0"/>
+                        <a:t>Specialisatie</a:t>
+                      </a:r>
+                    </a:p>
+                  </a:txBody>
+                  <a:tcPr/>
+                </a:tc>
+                <a:tc>
+                  <a:txBody>
+                    <a:bodyPr/>
+                    <a:lstStyle/>
+                    <a:p>
+                      <a:r>
+                        <a:rPr lang="nl-BE" sz="1400" dirty="0"/>
+                        <a:t>Reden specialisatie</a:t>
+                      </a:r>
+                    </a:p>
+                  </a:txBody>
+                  <a:tcPr/>
+                </a:tc>
+                <a:extLst>
+                  <a:ext uri="{0D108BD9-81ED-4DB2-BD59-A6C34878D82A}">
+                    <a16:rowId xmlns:a16="http://schemas.microsoft.com/office/drawing/2014/main" val="3682725947"/>
+                  </a:ext>
+                </a:extLst>
+              </a:tr>
+              <a:tr h="370840">
+                <a:tc>
+                  <a:txBody>
+                    <a:bodyPr/>
+                    <a:lstStyle/>
+                    <a:p>
+                      <a:r>
+                        <a:rPr lang="nl-BE" sz="1400" dirty="0"/>
+                        <a:t>Sensor</a:t>
+                      </a:r>
+                    </a:p>
+                  </a:txBody>
+                  <a:tcPr/>
+                </a:tc>
+                <a:tc>
+                  <a:txBody>
+                    <a:bodyPr/>
+                    <a:lstStyle/>
+                    <a:p>
+                      <a:r>
+                        <a:rPr lang="nl-BE" sz="1400" dirty="0"/>
+                        <a:t>Filter</a:t>
+                      </a:r>
+                    </a:p>
+                  </a:txBody>
+                  <a:tcPr/>
+                </a:tc>
+                <a:tc>
+                  <a:txBody>
+                    <a:bodyPr/>
+                    <a:lstStyle/>
+                    <a:p>
+                      <a:endParaRPr lang="nl-BE" sz="1400" dirty="0"/>
+                    </a:p>
+                  </a:txBody>
+                  <a:tcPr/>
+                </a:tc>
+                <a:extLst>
+                  <a:ext uri="{0D108BD9-81ED-4DB2-BD59-A6C34878D82A}">
+                    <a16:rowId xmlns:a16="http://schemas.microsoft.com/office/drawing/2014/main" val="1926614034"/>
+                  </a:ext>
+                </a:extLst>
+              </a:tr>
+              <a:tr h="370840">
+                <a:tc>
+                  <a:txBody>
+                    <a:bodyPr/>
+                    <a:lstStyle/>
+                    <a:p>
+                      <a:r>
+                        <a:rPr lang="nl-BE" sz="1400" dirty="0"/>
+                        <a:t>Sensor</a:t>
+                      </a:r>
+                    </a:p>
+                  </a:txBody>
+                  <a:tcPr/>
+                </a:tc>
+                <a:tc>
+                  <a:txBody>
+                    <a:bodyPr/>
+                    <a:lstStyle/>
+                    <a:p>
+                      <a:r>
+                        <a:rPr lang="nl-BE" sz="1400" dirty="0"/>
+                        <a:t>Sondeerconus</a:t>
+                      </a:r>
+                    </a:p>
+                  </a:txBody>
+                  <a:tcPr/>
+                </a:tc>
+                <a:tc>
+                  <a:txBody>
+                    <a:bodyPr/>
+                    <a:lstStyle/>
+                    <a:p>
+                      <a:endParaRPr lang="nl-BE" sz="1400" dirty="0"/>
+                    </a:p>
+                  </a:txBody>
+                  <a:tcPr/>
+                </a:tc>
+                <a:extLst>
+                  <a:ext uri="{0D108BD9-81ED-4DB2-BD59-A6C34878D82A}">
+                    <a16:rowId xmlns:a16="http://schemas.microsoft.com/office/drawing/2014/main" val="1950630742"/>
+                  </a:ext>
+                </a:extLst>
+              </a:tr>
+            </a:tbl>
+          </a:graphicData>
+        </a:graphic>
+      </p:graphicFrame>
+    </p:spTree>
+    <p:extLst>
+      <p:ext uri="{BB962C8B-B14F-4D97-AF65-F5344CB8AC3E}">
+        <p14:creationId xmlns:p14="http://schemas.microsoft.com/office/powerpoint/2010/main" val="235977844"/>
+      </p:ext>
+    </p:extLst>
+  </p:cSld>
+  <p:clrMapOvr>
+    <a:masterClrMapping/>
+  </p:clrMapOvr>
+</p:sld>
+</file>
+
+<file path=ppt/slides/slide26.xml><?xml version="1.0" encoding="utf-8"?>
+<p:sld xmlns:a="http://schemas.openxmlformats.org/drawingml/2006/main" xmlns:r="http://schemas.openxmlformats.org/officeDocument/2006/relationships" xmlns:p="http://schemas.openxmlformats.org/presentationml/2006/main">
+  <p:cSld>
+    <p:spTree>
+      <p:nvGrpSpPr>
+        <p:cNvPr id="1" name=""/>
+        <p:cNvGrpSpPr/>
+        <p:nvPr/>
+      </p:nvGrpSpPr>
+      <p:grpSpPr>
+        <a:xfrm>
+          <a:off x="0" y="0"/>
+          <a:ext cx="0" cy="0"/>
+          <a:chOff x="0" y="0"/>
+          <a:chExt cx="0" cy="0"/>
+        </a:xfrm>
+      </p:grpSpPr>
+      <p:sp>
+        <p:nvSpPr>
+          <p:cNvPr id="2" name="Title 1">
+            <a:extLst>
+              <a:ext uri="{FF2B5EF4-FFF2-40B4-BE49-F238E27FC236}">
+                <a16:creationId xmlns:a16="http://schemas.microsoft.com/office/drawing/2014/main" id="{1DEFF95F-CF61-49C4-B9AA-440049470977}"/>
+              </a:ext>
+            </a:extLst>
+          </p:cNvPr>
+          <p:cNvSpPr>
+            <a:spLocks noGrp="1"/>
+          </p:cNvSpPr>
+          <p:nvPr>
+            <p:ph type="title"/>
+          </p:nvPr>
+        </p:nvSpPr>
+        <p:spPr/>
+        <p:txBody>
+          <a:bodyPr/>
+          <a:lstStyle/>
+          <a:p>
+            <a:r>
+              <a:rPr lang="nl-BE" dirty="0"/>
+              <a:t>Specialisaties voor B&amp;O: Domeinobject</a:t>
+            </a:r>
+          </a:p>
+        </p:txBody>
+      </p:sp>
+      <p:graphicFrame>
+        <p:nvGraphicFramePr>
+          <p:cNvPr id="6" name="Table 6">
+            <a:extLst>
+              <a:ext uri="{FF2B5EF4-FFF2-40B4-BE49-F238E27FC236}">
+                <a16:creationId xmlns:a16="http://schemas.microsoft.com/office/drawing/2014/main" id="{71931EB5-C37A-418F-99BC-F8B25BD8F6BB}"/>
+              </a:ext>
+            </a:extLst>
+          </p:cNvPr>
+          <p:cNvGraphicFramePr>
+            <a:graphicFrameLocks noGrp="1"/>
+          </p:cNvGraphicFramePr>
+          <p:nvPr>
+            <p:extLst>
+              <p:ext uri="{D42A27DB-BD31-4B8C-83A1-F6EECF244321}">
+                <p14:modId xmlns:p14="http://schemas.microsoft.com/office/powerpoint/2010/main" val="1314826912"/>
+              </p:ext>
+            </p:extLst>
+          </p:nvPr>
+        </p:nvGraphicFramePr>
+        <p:xfrm>
+          <a:off x="838200" y="2299031"/>
+          <a:ext cx="10515600" cy="1417320"/>
+        </p:xfrm>
+        <a:graphic>
+          <a:graphicData uri="http://schemas.openxmlformats.org/drawingml/2006/table">
+            <a:tbl>
+              <a:tblPr firstRow="1" bandRow="1">
+                <a:tableStyleId>{5C22544A-7EE6-4342-B048-85BDC9FD1C3A}</a:tableStyleId>
+              </a:tblPr>
+              <a:tblGrid>
+                <a:gridCol w="3505200">
+                  <a:extLst>
+                    <a:ext uri="{9D8B030D-6E8A-4147-A177-3AD203B41FA5}">
+                      <a16:colId xmlns:a16="http://schemas.microsoft.com/office/drawing/2014/main" val="31352546"/>
+                    </a:ext>
+                  </a:extLst>
+                </a:gridCol>
+                <a:gridCol w="3505200">
+                  <a:extLst>
+                    <a:ext uri="{9D8B030D-6E8A-4147-A177-3AD203B41FA5}">
+                      <a16:colId xmlns:a16="http://schemas.microsoft.com/office/drawing/2014/main" val="529434974"/>
+                    </a:ext>
+                  </a:extLst>
+                </a:gridCol>
+                <a:gridCol w="3505200">
+                  <a:extLst>
+                    <a:ext uri="{9D8B030D-6E8A-4147-A177-3AD203B41FA5}">
+                      <a16:colId xmlns:a16="http://schemas.microsoft.com/office/drawing/2014/main" val="1482379084"/>
+                    </a:ext>
+                  </a:extLst>
+                </a:gridCol>
+              </a:tblGrid>
+              <a:tr h="0">
+                <a:tc>
+                  <a:txBody>
+                    <a:bodyPr/>
+                    <a:lstStyle/>
+                    <a:p>
+                      <a:r>
+                        <a:rPr lang="nl-BE" sz="1400" dirty="0"/>
+                        <a:t>Superklasse</a:t>
+                      </a:r>
+                    </a:p>
+                  </a:txBody>
+                  <a:tcPr/>
+                </a:tc>
+                <a:tc>
+                  <a:txBody>
+                    <a:bodyPr/>
+                    <a:lstStyle/>
+                    <a:p>
+                      <a:r>
+                        <a:rPr lang="nl-BE" sz="1400" dirty="0"/>
+                        <a:t>Specialisatie</a:t>
+                      </a:r>
+                    </a:p>
+                  </a:txBody>
+                  <a:tcPr/>
+                </a:tc>
+                <a:tc>
+                  <a:txBody>
+                    <a:bodyPr/>
+                    <a:lstStyle/>
+                    <a:p>
+                      <a:r>
+                        <a:rPr lang="nl-BE" sz="1400" dirty="0"/>
+                        <a:t>Reden specialisatie</a:t>
+                      </a:r>
+                    </a:p>
+                  </a:txBody>
+                  <a:tcPr/>
+                </a:tc>
+                <a:extLst>
+                  <a:ext uri="{0D108BD9-81ED-4DB2-BD59-A6C34878D82A}">
+                    <a16:rowId xmlns:a16="http://schemas.microsoft.com/office/drawing/2014/main" val="3682725947"/>
+                  </a:ext>
+                </a:extLst>
+              </a:tr>
+              <a:tr h="370840">
+                <a:tc>
+                  <a:txBody>
+                    <a:bodyPr/>
+                    <a:lstStyle/>
+                    <a:p>
+                      <a:r>
+                        <a:rPr lang="nl-BE" sz="1400" dirty="0"/>
+                        <a:t>Domeinobject</a:t>
+                      </a:r>
+                    </a:p>
+                  </a:txBody>
+                  <a:tcPr/>
+                </a:tc>
+                <a:tc>
+                  <a:txBody>
+                    <a:bodyPr/>
+                    <a:lstStyle/>
+                    <a:p>
+                      <a:r>
+                        <a:rPr lang="nl-BE" sz="1400" dirty="0"/>
+                        <a:t>Grondobject</a:t>
+                      </a:r>
+                    </a:p>
+                  </a:txBody>
+                  <a:tcPr/>
+                </a:tc>
+                <a:tc>
+                  <a:txBody>
+                    <a:bodyPr/>
+                    <a:lstStyle/>
+                    <a:p>
+                      <a:endParaRPr lang="nl-BE" sz="1400" dirty="0"/>
+                    </a:p>
+                  </a:txBody>
+                  <a:tcPr/>
+                </a:tc>
+                <a:extLst>
+                  <a:ext uri="{0D108BD9-81ED-4DB2-BD59-A6C34878D82A}">
+                    <a16:rowId xmlns:a16="http://schemas.microsoft.com/office/drawing/2014/main" val="1926614034"/>
+                  </a:ext>
+                </a:extLst>
+              </a:tr>
+              <a:tr h="370840">
+                <a:tc>
+                  <a:txBody>
+                    <a:bodyPr/>
+                    <a:lstStyle/>
+                    <a:p>
+                      <a:r>
+                        <a:rPr lang="nl-BE" sz="1400" dirty="0"/>
+                        <a:t>Domeinobject</a:t>
+                      </a:r>
+                    </a:p>
+                  </a:txBody>
+                  <a:tcPr/>
+                </a:tc>
+                <a:tc>
+                  <a:txBody>
+                    <a:bodyPr/>
+                    <a:lstStyle/>
+                    <a:p>
+                      <a:r>
+                        <a:rPr lang="nl-BE" sz="1400" dirty="0"/>
+                        <a:t>Bodemobject</a:t>
+                      </a:r>
+                    </a:p>
+                  </a:txBody>
+                  <a:tcPr/>
+                </a:tc>
+                <a:tc>
+                  <a:txBody>
+                    <a:bodyPr/>
+                    <a:lstStyle/>
+                    <a:p>
+                      <a:endParaRPr lang="nl-BE" sz="1400" dirty="0"/>
+                    </a:p>
+                  </a:txBody>
+                  <a:tcPr/>
+                </a:tc>
+                <a:extLst>
+                  <a:ext uri="{0D108BD9-81ED-4DB2-BD59-A6C34878D82A}">
+                    <a16:rowId xmlns:a16="http://schemas.microsoft.com/office/drawing/2014/main" val="1950630742"/>
+                  </a:ext>
+                </a:extLst>
+              </a:tr>
+              <a:tr h="370840">
+                <a:tc>
+                  <a:txBody>
+                    <a:bodyPr/>
+                    <a:lstStyle/>
+                    <a:p>
+                      <a:r>
+                        <a:rPr lang="nl-BE" sz="1400" dirty="0"/>
+                        <a:t>Domeinobject</a:t>
+                      </a:r>
+                    </a:p>
+                  </a:txBody>
+                  <a:tcPr/>
+                </a:tc>
+                <a:tc>
+                  <a:txBody>
+                    <a:bodyPr/>
+                    <a:lstStyle/>
+                    <a:p>
+                      <a:r>
+                        <a:rPr lang="nl-BE" sz="1400" dirty="0"/>
+                        <a:t>Grondwaterobject</a:t>
+                      </a:r>
+                    </a:p>
+                  </a:txBody>
+                  <a:tcPr/>
+                </a:tc>
+                <a:tc>
+                  <a:txBody>
+                    <a:bodyPr/>
+                    <a:lstStyle/>
+                    <a:p>
+                      <a:endParaRPr lang="nl-BE" sz="1400" dirty="0"/>
+                    </a:p>
+                  </a:txBody>
+                  <a:tcPr/>
+                </a:tc>
+                <a:extLst>
+                  <a:ext uri="{0D108BD9-81ED-4DB2-BD59-A6C34878D82A}">
+                    <a16:rowId xmlns:a16="http://schemas.microsoft.com/office/drawing/2014/main" val="1119460409"/>
+                  </a:ext>
+                </a:extLst>
+              </a:tr>
+            </a:tbl>
+          </a:graphicData>
+        </a:graphic>
+      </p:graphicFrame>
+    </p:spTree>
+    <p:extLst>
+      <p:ext uri="{BB962C8B-B14F-4D97-AF65-F5344CB8AC3E}">
+        <p14:creationId xmlns:p14="http://schemas.microsoft.com/office/powerpoint/2010/main" val="4150506925"/>
+      </p:ext>
+    </p:extLst>
+  </p:cSld>
+  <p:clrMapOvr>
+    <a:masterClrMapping/>
+  </p:clrMapOvr>
+</p:sld>
+</file>
+
+<file path=ppt/slides/slide27.xml><?xml version="1.0" encoding="utf-8"?>
+<p:sld xmlns:a="http://schemas.openxmlformats.org/drawingml/2006/main" xmlns:r="http://schemas.openxmlformats.org/officeDocument/2006/relationships" xmlns:p="http://schemas.openxmlformats.org/presentationml/2006/main">
+  <p:cSld>
+    <p:spTree>
+      <p:nvGrpSpPr>
+        <p:cNvPr id="1" name=""/>
+        <p:cNvGrpSpPr/>
+        <p:nvPr/>
+      </p:nvGrpSpPr>
+      <p:grpSpPr>
+        <a:xfrm>
+          <a:off x="0" y="0"/>
+          <a:ext cx="0" cy="0"/>
+          <a:chOff x="0" y="0"/>
+          <a:chExt cx="0" cy="0"/>
+        </a:xfrm>
+      </p:grpSpPr>
+      <p:sp>
+        <p:nvSpPr>
+          <p:cNvPr id="2" name="Title 1">
+            <a:extLst>
+              <a:ext uri="{FF2B5EF4-FFF2-40B4-BE49-F238E27FC236}">
+                <a16:creationId xmlns:a16="http://schemas.microsoft.com/office/drawing/2014/main" id="{1DEFF95F-CF61-49C4-B9AA-440049470977}"/>
+              </a:ext>
+            </a:extLst>
+          </p:cNvPr>
+          <p:cNvSpPr>
+            <a:spLocks noGrp="1"/>
+          </p:cNvSpPr>
+          <p:nvPr>
+            <p:ph type="title"/>
+          </p:nvPr>
+        </p:nvSpPr>
+        <p:spPr/>
+        <p:txBody>
+          <a:bodyPr/>
+          <a:lstStyle/>
+          <a:p>
+            <a:r>
+              <a:rPr lang="nl-BE" dirty="0"/>
+              <a:t>Toepassing op de B&amp;O thema’s</a:t>
             </a:r>
           </a:p>
         </p:txBody>
@@ -7678,37 +8979,7 @@
           <a:p>
             <a:r>
               <a:rPr lang="nl-BE" dirty="0"/>
-              <a:t>Grondboring = Bemonstering</a:t>
-            </a:r>
-          </a:p>
-          <a:p>
-            <a:r>
-              <a:rPr lang="nl-BE" dirty="0" err="1"/>
-              <a:t>Grondboring.resultaat</a:t>
-            </a:r>
-            <a:r>
-              <a:rPr lang="nl-BE" dirty="0"/>
-              <a:t> = Boorgat</a:t>
-            </a:r>
-          </a:p>
-          <a:p>
-            <a:r>
-              <a:rPr lang="nl-BE" dirty="0" err="1"/>
-              <a:t>Grondboring.gebruikteProcedure</a:t>
-            </a:r>
-            <a:r>
-              <a:rPr lang="nl-BE" dirty="0"/>
-              <a:t> = Boormethode</a:t>
-            </a:r>
-          </a:p>
-          <a:p>
-            <a:r>
-              <a:rPr lang="nl-BE" dirty="0" err="1"/>
-              <a:t>Grondboring.uitgevoerdMet</a:t>
-            </a:r>
-            <a:r>
-              <a:rPr lang="nl-BE" dirty="0"/>
-              <a:t> = Boor</a:t>
+              <a:t>Thema’s die eigen specialisaties hebben kregen een eigen klassen diagram (=apart AP), voor de andere thema’s wordt volstaan met objectdiagrammen om het gebruik te illustreren</a:t>
             </a:r>
           </a:p>
         </p:txBody>
@@ -7716,7 +8987,542 @@
     </p:spTree>
     <p:extLst>
       <p:ext uri="{BB962C8B-B14F-4D97-AF65-F5344CB8AC3E}">
-        <p14:creationId xmlns:p14="http://schemas.microsoft.com/office/powerpoint/2010/main" val="2753443832"/>
+        <p14:creationId xmlns:p14="http://schemas.microsoft.com/office/powerpoint/2010/main" val="2556752451"/>
+      </p:ext>
+    </p:extLst>
+  </p:cSld>
+  <p:clrMapOvr>
+    <a:masterClrMapping/>
+  </p:clrMapOvr>
+</p:sld>
+</file>
+
+<file path=ppt/slides/slide28.xml><?xml version="1.0" encoding="utf-8"?>
+<p:sld xmlns:a="http://schemas.openxmlformats.org/drawingml/2006/main" xmlns:r="http://schemas.openxmlformats.org/officeDocument/2006/relationships" xmlns:p="http://schemas.openxmlformats.org/presentationml/2006/main">
+  <p:cSld>
+    <p:spTree>
+      <p:nvGrpSpPr>
+        <p:cNvPr id="1" name=""/>
+        <p:cNvGrpSpPr/>
+        <p:nvPr/>
+      </p:nvGrpSpPr>
+      <p:grpSpPr>
+        <a:xfrm>
+          <a:off x="0" y="0"/>
+          <a:ext cx="0" cy="0"/>
+          <a:chOff x="0" y="0"/>
+          <a:chExt cx="0" cy="0"/>
+        </a:xfrm>
+      </p:grpSpPr>
+      <p:sp>
+        <p:nvSpPr>
+          <p:cNvPr id="2" name="Title 1">
+            <a:extLst>
+              <a:ext uri="{FF2B5EF4-FFF2-40B4-BE49-F238E27FC236}">
+                <a16:creationId xmlns:a16="http://schemas.microsoft.com/office/drawing/2014/main" id="{1DEFF95F-CF61-49C4-B9AA-440049470977}"/>
+              </a:ext>
+            </a:extLst>
+          </p:cNvPr>
+          <p:cNvSpPr>
+            <a:spLocks noGrp="1"/>
+          </p:cNvSpPr>
+          <p:nvPr>
+            <p:ph type="title"/>
+          </p:nvPr>
+        </p:nvSpPr>
+        <p:spPr/>
+        <p:txBody>
+          <a:bodyPr/>
+          <a:lstStyle/>
+          <a:p>
+            <a:r>
+              <a:rPr lang="nl-BE" dirty="0"/>
+              <a:t>Toepassing op de B&amp;O thema’s</a:t>
+            </a:r>
+          </a:p>
+        </p:txBody>
+      </p:sp>
+      <p:graphicFrame>
+        <p:nvGraphicFramePr>
+          <p:cNvPr id="6" name="Table 6">
+            <a:extLst>
+              <a:ext uri="{FF2B5EF4-FFF2-40B4-BE49-F238E27FC236}">
+                <a16:creationId xmlns:a16="http://schemas.microsoft.com/office/drawing/2014/main" id="{A3BAFCED-BE41-4FDF-8EE9-79802527A5BE}"/>
+              </a:ext>
+            </a:extLst>
+          </p:cNvPr>
+          <p:cNvGraphicFramePr>
+            <a:graphicFrameLocks noGrp="1"/>
+          </p:cNvGraphicFramePr>
+          <p:nvPr>
+            <p:extLst>
+              <p:ext uri="{D42A27DB-BD31-4B8C-83A1-F6EECF244321}">
+                <p14:modId xmlns:p14="http://schemas.microsoft.com/office/powerpoint/2010/main" val="3397283607"/>
+              </p:ext>
+            </p:extLst>
+          </p:nvPr>
+        </p:nvGraphicFramePr>
+        <p:xfrm>
+          <a:off x="2032000" y="2279153"/>
+          <a:ext cx="8128000" cy="2961640"/>
+        </p:xfrm>
+        <a:graphic>
+          <a:graphicData uri="http://schemas.openxmlformats.org/drawingml/2006/table">
+            <a:tbl>
+              <a:tblPr firstRow="1" bandRow="1">
+                <a:tableStyleId>{5C22544A-7EE6-4342-B048-85BDC9FD1C3A}</a:tableStyleId>
+              </a:tblPr>
+              <a:tblGrid>
+                <a:gridCol w="4064000">
+                  <a:extLst>
+                    <a:ext uri="{9D8B030D-6E8A-4147-A177-3AD203B41FA5}">
+                      <a16:colId xmlns:a16="http://schemas.microsoft.com/office/drawing/2014/main" val="15992235"/>
+                    </a:ext>
+                  </a:extLst>
+                </a:gridCol>
+                <a:gridCol w="4064000">
+                  <a:extLst>
+                    <a:ext uri="{9D8B030D-6E8A-4147-A177-3AD203B41FA5}">
+                      <a16:colId xmlns:a16="http://schemas.microsoft.com/office/drawing/2014/main" val="1466549110"/>
+                    </a:ext>
+                  </a:extLst>
+                </a:gridCol>
+              </a:tblGrid>
+              <a:tr h="0">
+                <a:tc>
+                  <a:txBody>
+                    <a:bodyPr/>
+                    <a:lstStyle/>
+                    <a:p>
+                      <a:r>
+                        <a:rPr lang="nl-BE" dirty="0"/>
+                        <a:t>Thema</a:t>
+                      </a:r>
+                    </a:p>
+                  </a:txBody>
+                  <a:tcPr/>
+                </a:tc>
+                <a:tc>
+                  <a:txBody>
+                    <a:bodyPr/>
+                    <a:lstStyle/>
+                    <a:p>
+                      <a:r>
+                        <a:rPr lang="nl-BE" dirty="0"/>
+                        <a:t>Toepassing</a:t>
+                      </a:r>
+                    </a:p>
+                  </a:txBody>
+                  <a:tcPr/>
+                </a:tc>
+                <a:extLst>
+                  <a:ext uri="{0D108BD9-81ED-4DB2-BD59-A6C34878D82A}">
+                    <a16:rowId xmlns:a16="http://schemas.microsoft.com/office/drawing/2014/main" val="3692374198"/>
+                  </a:ext>
+                </a:extLst>
+              </a:tr>
+              <a:tr h="370840">
+                <a:tc>
+                  <a:txBody>
+                    <a:bodyPr/>
+                    <a:lstStyle/>
+                    <a:p>
+                      <a:r>
+                        <a:rPr lang="nl-BE" dirty="0"/>
+                        <a:t>Grondboringen</a:t>
+                      </a:r>
+                    </a:p>
+                  </a:txBody>
+                  <a:tcPr/>
+                </a:tc>
+                <a:tc>
+                  <a:txBody>
+                    <a:bodyPr/>
+                    <a:lstStyle/>
+                    <a:p>
+                      <a:r>
+                        <a:rPr lang="nl-BE" dirty="0"/>
+                        <a:t>Apart AP + objectdiagrammen</a:t>
+                      </a:r>
+                    </a:p>
+                  </a:txBody>
+                  <a:tcPr/>
+                </a:tc>
+                <a:extLst>
+                  <a:ext uri="{0D108BD9-81ED-4DB2-BD59-A6C34878D82A}">
+                    <a16:rowId xmlns:a16="http://schemas.microsoft.com/office/drawing/2014/main" val="83589901"/>
+                  </a:ext>
+                </a:extLst>
+              </a:tr>
+              <a:tr h="370840">
+                <a:tc>
+                  <a:txBody>
+                    <a:bodyPr/>
+                    <a:lstStyle/>
+                    <a:p>
+                      <a:r>
+                        <a:rPr lang="nl-BE" dirty="0"/>
+                        <a:t>Bodem</a:t>
+                      </a:r>
+                    </a:p>
+                  </a:txBody>
+                  <a:tcPr/>
+                </a:tc>
+                <a:tc>
+                  <a:txBody>
+                    <a:bodyPr/>
+                    <a:lstStyle/>
+                    <a:p>
+                      <a:pPr marL="0" marR="0" lvl="0" indent="0" algn="l" defTabSz="914400" rtl="0" eaLnBrk="1" fontAlgn="auto" latinLnBrk="0" hangingPunct="1">
+                        <a:lnSpc>
+                          <a:spcPct val="100000"/>
+                        </a:lnSpc>
+                        <a:spcBef>
+                          <a:spcPts val="0"/>
+                        </a:spcBef>
+                        <a:spcAft>
+                          <a:spcPts val="0"/>
+                        </a:spcAft>
+                        <a:buClrTx/>
+                        <a:buSzTx/>
+                        <a:buFontTx/>
+                        <a:buNone/>
+                        <a:tabLst/>
+                        <a:defRPr/>
+                      </a:pPr>
+                      <a:r>
+                        <a:rPr lang="nl-BE" dirty="0"/>
+                        <a:t>Apart AP + objectdiagrammen</a:t>
+                      </a:r>
+                    </a:p>
+                  </a:txBody>
+                  <a:tcPr/>
+                </a:tc>
+                <a:extLst>
+                  <a:ext uri="{0D108BD9-81ED-4DB2-BD59-A6C34878D82A}">
+                    <a16:rowId xmlns:a16="http://schemas.microsoft.com/office/drawing/2014/main" val="3708715736"/>
+                  </a:ext>
+                </a:extLst>
+              </a:tr>
+              <a:tr h="370840">
+                <a:tc>
+                  <a:txBody>
+                    <a:bodyPr/>
+                    <a:lstStyle/>
+                    <a:p>
+                      <a:r>
+                        <a:rPr lang="nl-BE" dirty="0"/>
+                        <a:t>Grondwatermeetnet</a:t>
+                      </a:r>
+                    </a:p>
+                  </a:txBody>
+                  <a:tcPr/>
+                </a:tc>
+                <a:tc>
+                  <a:txBody>
+                    <a:bodyPr/>
+                    <a:lstStyle/>
+                    <a:p>
+                      <a:pPr marL="0" marR="0" lvl="0" indent="0" algn="l" defTabSz="914400" rtl="0" eaLnBrk="1" fontAlgn="auto" latinLnBrk="0" hangingPunct="1">
+                        <a:lnSpc>
+                          <a:spcPct val="100000"/>
+                        </a:lnSpc>
+                        <a:spcBef>
+                          <a:spcPts val="0"/>
+                        </a:spcBef>
+                        <a:spcAft>
+                          <a:spcPts val="0"/>
+                        </a:spcAft>
+                        <a:buClrTx/>
+                        <a:buSzTx/>
+                        <a:buFontTx/>
+                        <a:buNone/>
+                        <a:tabLst/>
+                        <a:defRPr/>
+                      </a:pPr>
+                      <a:r>
+                        <a:rPr lang="nl-BE" dirty="0"/>
+                        <a:t>Apart AP + objectdiagrammen</a:t>
+                      </a:r>
+                    </a:p>
+                  </a:txBody>
+                  <a:tcPr/>
+                </a:tc>
+                <a:extLst>
+                  <a:ext uri="{0D108BD9-81ED-4DB2-BD59-A6C34878D82A}">
+                    <a16:rowId xmlns:a16="http://schemas.microsoft.com/office/drawing/2014/main" val="2613537018"/>
+                  </a:ext>
+                </a:extLst>
+              </a:tr>
+              <a:tr h="370840">
+                <a:tc>
+                  <a:txBody>
+                    <a:bodyPr/>
+                    <a:lstStyle/>
+                    <a:p>
+                      <a:r>
+                        <a:rPr lang="nl-BE" dirty="0"/>
+                        <a:t>Sonderingen</a:t>
+                      </a:r>
+                    </a:p>
+                  </a:txBody>
+                  <a:tcPr/>
+                </a:tc>
+                <a:tc>
+                  <a:txBody>
+                    <a:bodyPr/>
+                    <a:lstStyle/>
+                    <a:p>
+                      <a:pPr marL="0" marR="0" lvl="0" indent="0" algn="l" defTabSz="914400" rtl="0" eaLnBrk="1" fontAlgn="auto" latinLnBrk="0" hangingPunct="1">
+                        <a:lnSpc>
+                          <a:spcPct val="100000"/>
+                        </a:lnSpc>
+                        <a:spcBef>
+                          <a:spcPts val="0"/>
+                        </a:spcBef>
+                        <a:spcAft>
+                          <a:spcPts val="0"/>
+                        </a:spcAft>
+                        <a:buClrTx/>
+                        <a:buSzTx/>
+                        <a:buFontTx/>
+                        <a:buNone/>
+                        <a:tabLst/>
+                        <a:defRPr/>
+                      </a:pPr>
+                      <a:r>
+                        <a:rPr lang="nl-BE" dirty="0"/>
+                        <a:t>Apart AP + objectdiagrammen</a:t>
+                      </a:r>
+                    </a:p>
+                  </a:txBody>
+                  <a:tcPr/>
+                </a:tc>
+                <a:extLst>
+                  <a:ext uri="{0D108BD9-81ED-4DB2-BD59-A6C34878D82A}">
+                    <a16:rowId xmlns:a16="http://schemas.microsoft.com/office/drawing/2014/main" val="2926091656"/>
+                  </a:ext>
+                </a:extLst>
+              </a:tr>
+              <a:tr h="370840">
+                <a:tc>
+                  <a:txBody>
+                    <a:bodyPr/>
+                    <a:lstStyle/>
+                    <a:p>
+                      <a:r>
+                        <a:rPr lang="nl-BE" dirty="0"/>
+                        <a:t>Waterbodem</a:t>
+                      </a:r>
+                    </a:p>
+                  </a:txBody>
+                  <a:tcPr/>
+                </a:tc>
+                <a:tc>
+                  <a:txBody>
+                    <a:bodyPr/>
+                    <a:lstStyle/>
+                    <a:p>
+                      <a:r>
+                        <a:rPr lang="nl-BE" dirty="0"/>
+                        <a:t>Objectdiagrammen</a:t>
+                      </a:r>
+                    </a:p>
+                  </a:txBody>
+                  <a:tcPr/>
+                </a:tc>
+                <a:extLst>
+                  <a:ext uri="{0D108BD9-81ED-4DB2-BD59-A6C34878D82A}">
+                    <a16:rowId xmlns:a16="http://schemas.microsoft.com/office/drawing/2014/main" val="2502535639"/>
+                  </a:ext>
+                </a:extLst>
+              </a:tr>
+              <a:tr h="370840">
+                <a:tc>
+                  <a:txBody>
+                    <a:bodyPr/>
+                    <a:lstStyle/>
+                    <a:p>
+                      <a:r>
+                        <a:rPr lang="nl-BE" dirty="0"/>
+                        <a:t>Bodemverontreiniging</a:t>
+                      </a:r>
+                    </a:p>
+                  </a:txBody>
+                  <a:tcPr/>
+                </a:tc>
+                <a:tc>
+                  <a:txBody>
+                    <a:bodyPr/>
+                    <a:lstStyle/>
+                    <a:p>
+                      <a:r>
+                        <a:rPr lang="nl-BE" dirty="0"/>
+                        <a:t>Objectdiagrammen</a:t>
+                      </a:r>
+                    </a:p>
+                  </a:txBody>
+                  <a:tcPr/>
+                </a:tc>
+                <a:extLst>
+                  <a:ext uri="{0D108BD9-81ED-4DB2-BD59-A6C34878D82A}">
+                    <a16:rowId xmlns:a16="http://schemas.microsoft.com/office/drawing/2014/main" val="1749534144"/>
+                  </a:ext>
+                </a:extLst>
+              </a:tr>
+              <a:tr h="370840">
+                <a:tc>
+                  <a:txBody>
+                    <a:bodyPr/>
+                    <a:lstStyle/>
+                    <a:p>
+                      <a:r>
+                        <a:rPr lang="nl-BE" dirty="0"/>
+                        <a:t>Grondverzet</a:t>
+                      </a:r>
+                    </a:p>
+                  </a:txBody>
+                  <a:tcPr/>
+                </a:tc>
+                <a:tc>
+                  <a:txBody>
+                    <a:bodyPr/>
+                    <a:lstStyle/>
+                    <a:p>
+                      <a:r>
+                        <a:rPr lang="nl-BE" dirty="0"/>
+                        <a:t>Objectdiagrammen</a:t>
+                      </a:r>
+                    </a:p>
+                  </a:txBody>
+                  <a:tcPr/>
+                </a:tc>
+                <a:extLst>
+                  <a:ext uri="{0D108BD9-81ED-4DB2-BD59-A6C34878D82A}">
+                    <a16:rowId xmlns:a16="http://schemas.microsoft.com/office/drawing/2014/main" val="283924678"/>
+                  </a:ext>
+                </a:extLst>
+              </a:tr>
+            </a:tbl>
+          </a:graphicData>
+        </a:graphic>
+      </p:graphicFrame>
+    </p:spTree>
+    <p:extLst>
+      <p:ext uri="{BB962C8B-B14F-4D97-AF65-F5344CB8AC3E}">
+        <p14:creationId xmlns:p14="http://schemas.microsoft.com/office/powerpoint/2010/main" val="3822678185"/>
+      </p:ext>
+    </p:extLst>
+  </p:cSld>
+  <p:clrMapOvr>
+    <a:masterClrMapping/>
+  </p:clrMapOvr>
+</p:sld>
+</file>
+
+<file path=ppt/slides/slide29.xml><?xml version="1.0" encoding="utf-8"?>
+<p:sld xmlns:a="http://schemas.openxmlformats.org/drawingml/2006/main" xmlns:r="http://schemas.openxmlformats.org/officeDocument/2006/relationships" xmlns:p="http://schemas.openxmlformats.org/presentationml/2006/main">
+  <p:cSld>
+    <p:spTree>
+      <p:nvGrpSpPr>
+        <p:cNvPr id="1" name=""/>
+        <p:cNvGrpSpPr/>
+        <p:nvPr/>
+      </p:nvGrpSpPr>
+      <p:grpSpPr>
+        <a:xfrm>
+          <a:off x="0" y="0"/>
+          <a:ext cx="0" cy="0"/>
+          <a:chOff x="0" y="0"/>
+          <a:chExt cx="0" cy="0"/>
+        </a:xfrm>
+      </p:grpSpPr>
+      <p:sp>
+        <p:nvSpPr>
+          <p:cNvPr id="2" name="Title 1">
+            <a:extLst>
+              <a:ext uri="{FF2B5EF4-FFF2-40B4-BE49-F238E27FC236}">
+                <a16:creationId xmlns:a16="http://schemas.microsoft.com/office/drawing/2014/main" id="{1DEFF95F-CF61-49C4-B9AA-440049470977}"/>
+              </a:ext>
+            </a:extLst>
+          </p:cNvPr>
+          <p:cNvSpPr>
+            <a:spLocks noGrp="1"/>
+          </p:cNvSpPr>
+          <p:nvPr>
+            <p:ph type="title"/>
+          </p:nvPr>
+        </p:nvSpPr>
+        <p:spPr/>
+        <p:txBody>
+          <a:bodyPr/>
+          <a:lstStyle/>
+          <a:p>
+            <a:r>
+              <a:rPr lang="nl-BE" dirty="0"/>
+              <a:t>Grondboringen</a:t>
+            </a:r>
+          </a:p>
+        </p:txBody>
+      </p:sp>
+      <p:sp>
+        <p:nvSpPr>
+          <p:cNvPr id="4" name="Content Placeholder 2">
+            <a:extLst>
+              <a:ext uri="{FF2B5EF4-FFF2-40B4-BE49-F238E27FC236}">
+                <a16:creationId xmlns:a16="http://schemas.microsoft.com/office/drawing/2014/main" id="{FF7E094E-75A0-4231-99D8-58C625816F59}"/>
+              </a:ext>
+            </a:extLst>
+          </p:cNvPr>
+          <p:cNvSpPr>
+            <a:spLocks noGrp="1"/>
+          </p:cNvSpPr>
+          <p:nvPr>
+            <p:ph idx="1"/>
+          </p:nvPr>
+        </p:nvSpPr>
+        <p:spPr>
+          <a:xfrm>
+            <a:off x="838200" y="1825625"/>
+            <a:ext cx="10515600" cy="4351338"/>
+          </a:xfrm>
+        </p:spPr>
+        <p:txBody>
+          <a:bodyPr/>
+          <a:lstStyle/>
+          <a:p>
+            <a:r>
+              <a:rPr lang="nl-BE" dirty="0"/>
+              <a:t>Opgesplitst in:</a:t>
+            </a:r>
+          </a:p>
+          <a:p>
+            <a:pPr lvl="1"/>
+            <a:r>
+              <a:rPr lang="nl-BE" dirty="0"/>
+              <a:t>Grondboringen-Bemonstering</a:t>
+            </a:r>
+          </a:p>
+          <a:p>
+            <a:pPr lvl="1"/>
+            <a:r>
+              <a:rPr lang="nl-BE" dirty="0"/>
+              <a:t>Grondboringen-Observaties</a:t>
+            </a:r>
+          </a:p>
+          <a:p>
+            <a:pPr lvl="1"/>
+            <a:r>
+              <a:rPr lang="nl-BE" dirty="0"/>
+              <a:t>Grondboringen-Interpretaties</a:t>
+            </a:r>
+          </a:p>
+        </p:txBody>
+      </p:sp>
+    </p:spTree>
+    <p:extLst>
+      <p:ext uri="{BB962C8B-B14F-4D97-AF65-F5344CB8AC3E}">
+        <p14:creationId xmlns:p14="http://schemas.microsoft.com/office/powerpoint/2010/main" val="1753102071"/>
       </p:ext>
     </p:extLst>
   </p:cSld>
@@ -7812,6 +9618,706 @@
     <p:extLst>
       <p:ext uri="{BB962C8B-B14F-4D97-AF65-F5344CB8AC3E}">
         <p14:creationId xmlns:p14="http://schemas.microsoft.com/office/powerpoint/2010/main" val="2980106144"/>
+      </p:ext>
+    </p:extLst>
+  </p:cSld>
+  <p:clrMapOvr>
+    <a:masterClrMapping/>
+  </p:clrMapOvr>
+</p:sld>
+</file>
+
+<file path=ppt/slides/slide30.xml><?xml version="1.0" encoding="utf-8"?>
+<p:sld xmlns:a="http://schemas.openxmlformats.org/drawingml/2006/main" xmlns:r="http://schemas.openxmlformats.org/officeDocument/2006/relationships" xmlns:p="http://schemas.openxmlformats.org/presentationml/2006/main">
+  <p:cSld>
+    <p:spTree>
+      <p:nvGrpSpPr>
+        <p:cNvPr id="1" name=""/>
+        <p:cNvGrpSpPr/>
+        <p:nvPr/>
+      </p:nvGrpSpPr>
+      <p:grpSpPr>
+        <a:xfrm>
+          <a:off x="0" y="0"/>
+          <a:ext cx="0" cy="0"/>
+          <a:chOff x="0" y="0"/>
+          <a:chExt cx="0" cy="0"/>
+        </a:xfrm>
+      </p:grpSpPr>
+      <p:sp>
+        <p:nvSpPr>
+          <p:cNvPr id="2" name="Title 1">
+            <a:extLst>
+              <a:ext uri="{FF2B5EF4-FFF2-40B4-BE49-F238E27FC236}">
+                <a16:creationId xmlns:a16="http://schemas.microsoft.com/office/drawing/2014/main" id="{1DEFF95F-CF61-49C4-B9AA-440049470977}"/>
+              </a:ext>
+            </a:extLst>
+          </p:cNvPr>
+          <p:cNvSpPr>
+            <a:spLocks noGrp="1"/>
+          </p:cNvSpPr>
+          <p:nvPr>
+            <p:ph type="title"/>
+          </p:nvPr>
+        </p:nvSpPr>
+        <p:spPr/>
+        <p:txBody>
+          <a:bodyPr/>
+          <a:lstStyle/>
+          <a:p>
+            <a:r>
+              <a:rPr lang="nl-BE" dirty="0"/>
+              <a:t>Grondboringen-Bemonstering</a:t>
+            </a:r>
+          </a:p>
+        </p:txBody>
+      </p:sp>
+      <p:pic>
+        <p:nvPicPr>
+          <p:cNvPr id="7" name="Picture 6" descr="Diagram&#10;&#10;Description automatically generated">
+            <a:extLst>
+              <a:ext uri="{FF2B5EF4-FFF2-40B4-BE49-F238E27FC236}">
+                <a16:creationId xmlns:a16="http://schemas.microsoft.com/office/drawing/2014/main" id="{87880980-ED25-4C55-9B18-CD057AFBD581}"/>
+              </a:ext>
+            </a:extLst>
+          </p:cNvPr>
+          <p:cNvPicPr>
+            <a:picLocks noChangeAspect="1"/>
+          </p:cNvPicPr>
+          <p:nvPr/>
+        </p:nvPicPr>
+        <p:blipFill>
+          <a:blip r:embed="rId2">
+            <a:extLst>
+              <a:ext uri="{28A0092B-C50C-407E-A947-70E740481C1C}">
+                <a14:useLocalDpi xmlns:a14="http://schemas.microsoft.com/office/drawing/2010/main" val="0"/>
+              </a:ext>
+            </a:extLst>
+          </a:blip>
+          <a:stretch>
+            <a:fillRect/>
+          </a:stretch>
+        </p:blipFill>
+        <p:spPr>
+          <a:xfrm>
+            <a:off x="664877" y="1882219"/>
+            <a:ext cx="10862245" cy="3764820"/>
+          </a:xfrm>
+          <a:prstGeom prst="rect">
+            <a:avLst/>
+          </a:prstGeom>
+        </p:spPr>
+      </p:pic>
+    </p:spTree>
+    <p:extLst>
+      <p:ext uri="{BB962C8B-B14F-4D97-AF65-F5344CB8AC3E}">
+        <p14:creationId xmlns:p14="http://schemas.microsoft.com/office/powerpoint/2010/main" val="3601242841"/>
+      </p:ext>
+    </p:extLst>
+  </p:cSld>
+  <p:clrMapOvr>
+    <a:masterClrMapping/>
+  </p:clrMapOvr>
+</p:sld>
+</file>
+
+<file path=ppt/slides/slide31.xml><?xml version="1.0" encoding="utf-8"?>
+<p:sld xmlns:a="http://schemas.openxmlformats.org/drawingml/2006/main" xmlns:r="http://schemas.openxmlformats.org/officeDocument/2006/relationships" xmlns:p="http://schemas.openxmlformats.org/presentationml/2006/main">
+  <p:cSld>
+    <p:spTree>
+      <p:nvGrpSpPr>
+        <p:cNvPr id="1" name=""/>
+        <p:cNvGrpSpPr/>
+        <p:nvPr/>
+      </p:nvGrpSpPr>
+      <p:grpSpPr>
+        <a:xfrm>
+          <a:off x="0" y="0"/>
+          <a:ext cx="0" cy="0"/>
+          <a:chOff x="0" y="0"/>
+          <a:chExt cx="0" cy="0"/>
+        </a:xfrm>
+      </p:grpSpPr>
+      <p:sp>
+        <p:nvSpPr>
+          <p:cNvPr id="2" name="Title 1">
+            <a:extLst>
+              <a:ext uri="{FF2B5EF4-FFF2-40B4-BE49-F238E27FC236}">
+                <a16:creationId xmlns:a16="http://schemas.microsoft.com/office/drawing/2014/main" id="{1DEFF95F-CF61-49C4-B9AA-440049470977}"/>
+              </a:ext>
+            </a:extLst>
+          </p:cNvPr>
+          <p:cNvSpPr>
+            <a:spLocks noGrp="1"/>
+          </p:cNvSpPr>
+          <p:nvPr>
+            <p:ph type="title"/>
+          </p:nvPr>
+        </p:nvSpPr>
+        <p:spPr/>
+        <p:txBody>
+          <a:bodyPr/>
+          <a:lstStyle/>
+          <a:p>
+            <a:r>
+              <a:rPr lang="nl-BE" dirty="0"/>
+              <a:t>Grondboringen-Bemonstering</a:t>
+            </a:r>
+          </a:p>
+        </p:txBody>
+      </p:sp>
+      <p:pic>
+        <p:nvPicPr>
+          <p:cNvPr id="7" name="Picture 6" descr="Diagram&#10;&#10;Description automatically generated">
+            <a:extLst>
+              <a:ext uri="{FF2B5EF4-FFF2-40B4-BE49-F238E27FC236}">
+                <a16:creationId xmlns:a16="http://schemas.microsoft.com/office/drawing/2014/main" id="{87880980-ED25-4C55-9B18-CD057AFBD581}"/>
+              </a:ext>
+            </a:extLst>
+          </p:cNvPr>
+          <p:cNvPicPr>
+            <a:picLocks noChangeAspect="1"/>
+          </p:cNvPicPr>
+          <p:nvPr/>
+        </p:nvPicPr>
+        <p:blipFill>
+          <a:blip r:embed="rId2">
+            <a:extLst>
+              <a:ext uri="{28A0092B-C50C-407E-A947-70E740481C1C}">
+                <a14:useLocalDpi xmlns:a14="http://schemas.microsoft.com/office/drawing/2010/main" val="0"/>
+              </a:ext>
+            </a:extLst>
+          </a:blip>
+          <a:stretch>
+            <a:fillRect/>
+          </a:stretch>
+        </p:blipFill>
+        <p:spPr>
+          <a:xfrm>
+            <a:off x="702977" y="1882219"/>
+            <a:ext cx="10862245" cy="3764820"/>
+          </a:xfrm>
+          <a:prstGeom prst="rect">
+            <a:avLst/>
+          </a:prstGeom>
+        </p:spPr>
+      </p:pic>
+      <p:sp>
+        <p:nvSpPr>
+          <p:cNvPr id="4" name="Rectangle 3">
+            <a:extLst>
+              <a:ext uri="{FF2B5EF4-FFF2-40B4-BE49-F238E27FC236}">
+                <a16:creationId xmlns:a16="http://schemas.microsoft.com/office/drawing/2014/main" id="{74B2BFD1-400C-470B-B631-D98A60AD3E48}"/>
+              </a:ext>
+            </a:extLst>
+          </p:cNvPr>
+          <p:cNvSpPr/>
+          <p:nvPr/>
+        </p:nvSpPr>
+        <p:spPr>
+          <a:xfrm>
+            <a:off x="664877" y="3054766"/>
+            <a:ext cx="921036" cy="374234"/>
+          </a:xfrm>
+          <a:prstGeom prst="rect">
+            <a:avLst/>
+          </a:prstGeom>
+          <a:noFill/>
+          <a:ln w="28575">
+            <a:solidFill>
+              <a:srgbClr val="FF0000"/>
+            </a:solidFill>
+          </a:ln>
+        </p:spPr>
+        <p:style>
+          <a:lnRef idx="2">
+            <a:schemeClr val="accent1">
+              <a:shade val="50000"/>
+            </a:schemeClr>
+          </a:lnRef>
+          <a:fillRef idx="1">
+            <a:schemeClr val="accent1"/>
+          </a:fillRef>
+          <a:effectRef idx="0">
+            <a:schemeClr val="accent1"/>
+          </a:effectRef>
+          <a:fontRef idx="minor">
+            <a:schemeClr val="lt1"/>
+          </a:fontRef>
+        </p:style>
+        <p:txBody>
+          <a:bodyPr rtlCol="0" anchor="ctr"/>
+          <a:lstStyle/>
+          <a:p>
+            <a:pPr algn="ctr"/>
+            <a:endParaRPr lang="nl-BE"/>
+          </a:p>
+        </p:txBody>
+      </p:sp>
+      <p:sp>
+        <p:nvSpPr>
+          <p:cNvPr id="5" name="Rectangle 4">
+            <a:extLst>
+              <a:ext uri="{FF2B5EF4-FFF2-40B4-BE49-F238E27FC236}">
+                <a16:creationId xmlns:a16="http://schemas.microsoft.com/office/drawing/2014/main" id="{D74408F1-578C-49B7-AF9F-37CBDEC75662}"/>
+              </a:ext>
+            </a:extLst>
+          </p:cNvPr>
+          <p:cNvSpPr/>
+          <p:nvPr/>
+        </p:nvSpPr>
+        <p:spPr>
+          <a:xfrm>
+            <a:off x="1645952" y="3054766"/>
+            <a:ext cx="835311" cy="374234"/>
+          </a:xfrm>
+          <a:prstGeom prst="rect">
+            <a:avLst/>
+          </a:prstGeom>
+          <a:noFill/>
+          <a:ln w="28575">
+            <a:solidFill>
+              <a:srgbClr val="FF0000"/>
+            </a:solidFill>
+          </a:ln>
+        </p:spPr>
+        <p:style>
+          <a:lnRef idx="2">
+            <a:schemeClr val="accent1">
+              <a:shade val="50000"/>
+            </a:schemeClr>
+          </a:lnRef>
+          <a:fillRef idx="1">
+            <a:schemeClr val="accent1"/>
+          </a:fillRef>
+          <a:effectRef idx="0">
+            <a:schemeClr val="accent1"/>
+          </a:effectRef>
+          <a:fontRef idx="minor">
+            <a:schemeClr val="lt1"/>
+          </a:fontRef>
+        </p:style>
+        <p:txBody>
+          <a:bodyPr rtlCol="0" anchor="ctr"/>
+          <a:lstStyle/>
+          <a:p>
+            <a:pPr algn="ctr"/>
+            <a:endParaRPr lang="nl-BE"/>
+          </a:p>
+        </p:txBody>
+      </p:sp>
+      <p:sp>
+        <p:nvSpPr>
+          <p:cNvPr id="6" name="Rectangle 5">
+            <a:extLst>
+              <a:ext uri="{FF2B5EF4-FFF2-40B4-BE49-F238E27FC236}">
+                <a16:creationId xmlns:a16="http://schemas.microsoft.com/office/drawing/2014/main" id="{47BD98AC-B88B-4AD7-B1E9-81576F8E7D2C}"/>
+              </a:ext>
+            </a:extLst>
+          </p:cNvPr>
+          <p:cNvSpPr/>
+          <p:nvPr/>
+        </p:nvSpPr>
+        <p:spPr>
+          <a:xfrm>
+            <a:off x="2541302" y="3054765"/>
+            <a:ext cx="959136" cy="436147"/>
+          </a:xfrm>
+          <a:prstGeom prst="rect">
+            <a:avLst/>
+          </a:prstGeom>
+          <a:noFill/>
+          <a:ln w="28575">
+            <a:solidFill>
+              <a:srgbClr val="FF0000"/>
+            </a:solidFill>
+          </a:ln>
+        </p:spPr>
+        <p:style>
+          <a:lnRef idx="2">
+            <a:schemeClr val="accent1">
+              <a:shade val="50000"/>
+            </a:schemeClr>
+          </a:lnRef>
+          <a:fillRef idx="1">
+            <a:schemeClr val="accent1"/>
+          </a:fillRef>
+          <a:effectRef idx="0">
+            <a:schemeClr val="accent1"/>
+          </a:effectRef>
+          <a:fontRef idx="minor">
+            <a:schemeClr val="lt1"/>
+          </a:fontRef>
+        </p:style>
+        <p:txBody>
+          <a:bodyPr rtlCol="0" anchor="ctr"/>
+          <a:lstStyle/>
+          <a:p>
+            <a:pPr algn="ctr"/>
+            <a:endParaRPr lang="nl-BE"/>
+          </a:p>
+        </p:txBody>
+      </p:sp>
+      <p:sp>
+        <p:nvSpPr>
+          <p:cNvPr id="8" name="Rectangle 7">
+            <a:extLst>
+              <a:ext uri="{FF2B5EF4-FFF2-40B4-BE49-F238E27FC236}">
+                <a16:creationId xmlns:a16="http://schemas.microsoft.com/office/drawing/2014/main" id="{7C7DDFA2-84D9-4FF7-BC77-0BA4A38AAD9F}"/>
+              </a:ext>
+            </a:extLst>
+          </p:cNvPr>
+          <p:cNvSpPr/>
+          <p:nvPr/>
+        </p:nvSpPr>
+        <p:spPr>
+          <a:xfrm>
+            <a:off x="3817652" y="3054765"/>
+            <a:ext cx="916273" cy="398048"/>
+          </a:xfrm>
+          <a:prstGeom prst="rect">
+            <a:avLst/>
+          </a:prstGeom>
+          <a:noFill/>
+          <a:ln w="28575">
+            <a:solidFill>
+              <a:srgbClr val="FF0000"/>
+            </a:solidFill>
+          </a:ln>
+        </p:spPr>
+        <p:style>
+          <a:lnRef idx="2">
+            <a:schemeClr val="accent1">
+              <a:shade val="50000"/>
+            </a:schemeClr>
+          </a:lnRef>
+          <a:fillRef idx="1">
+            <a:schemeClr val="accent1"/>
+          </a:fillRef>
+          <a:effectRef idx="0">
+            <a:schemeClr val="accent1"/>
+          </a:effectRef>
+          <a:fontRef idx="minor">
+            <a:schemeClr val="lt1"/>
+          </a:fontRef>
+        </p:style>
+        <p:txBody>
+          <a:bodyPr rtlCol="0" anchor="ctr"/>
+          <a:lstStyle/>
+          <a:p>
+            <a:pPr algn="ctr"/>
+            <a:endParaRPr lang="nl-BE"/>
+          </a:p>
+        </p:txBody>
+      </p:sp>
+      <p:sp>
+        <p:nvSpPr>
+          <p:cNvPr id="9" name="Rectangle 8">
+            <a:extLst>
+              <a:ext uri="{FF2B5EF4-FFF2-40B4-BE49-F238E27FC236}">
+                <a16:creationId xmlns:a16="http://schemas.microsoft.com/office/drawing/2014/main" id="{0C6EE560-2091-4595-91EA-637655CA236F}"/>
+              </a:ext>
+            </a:extLst>
+          </p:cNvPr>
+          <p:cNvSpPr/>
+          <p:nvPr/>
+        </p:nvSpPr>
+        <p:spPr>
+          <a:xfrm>
+            <a:off x="5091620" y="3073814"/>
+            <a:ext cx="916273" cy="398048"/>
+          </a:xfrm>
+          <a:prstGeom prst="rect">
+            <a:avLst/>
+          </a:prstGeom>
+          <a:noFill/>
+          <a:ln w="28575">
+            <a:solidFill>
+              <a:srgbClr val="FF0000"/>
+            </a:solidFill>
+          </a:ln>
+        </p:spPr>
+        <p:style>
+          <a:lnRef idx="2">
+            <a:schemeClr val="accent1">
+              <a:shade val="50000"/>
+            </a:schemeClr>
+          </a:lnRef>
+          <a:fillRef idx="1">
+            <a:schemeClr val="accent1"/>
+          </a:fillRef>
+          <a:effectRef idx="0">
+            <a:schemeClr val="accent1"/>
+          </a:effectRef>
+          <a:fontRef idx="minor">
+            <a:schemeClr val="lt1"/>
+          </a:fontRef>
+        </p:style>
+        <p:txBody>
+          <a:bodyPr rtlCol="0" anchor="ctr"/>
+          <a:lstStyle/>
+          <a:p>
+            <a:pPr algn="ctr"/>
+            <a:endParaRPr lang="nl-BE"/>
+          </a:p>
+        </p:txBody>
+      </p:sp>
+      <p:sp>
+        <p:nvSpPr>
+          <p:cNvPr id="10" name="Rectangle 9">
+            <a:extLst>
+              <a:ext uri="{FF2B5EF4-FFF2-40B4-BE49-F238E27FC236}">
+                <a16:creationId xmlns:a16="http://schemas.microsoft.com/office/drawing/2014/main" id="{15601535-5DB4-45BA-BEF7-4EF0F0A7FA9B}"/>
+              </a:ext>
+            </a:extLst>
+          </p:cNvPr>
+          <p:cNvSpPr/>
+          <p:nvPr/>
+        </p:nvSpPr>
+        <p:spPr>
+          <a:xfrm>
+            <a:off x="4055269" y="1965563"/>
+            <a:ext cx="483394" cy="308531"/>
+          </a:xfrm>
+          <a:prstGeom prst="rect">
+            <a:avLst/>
+          </a:prstGeom>
+          <a:noFill/>
+          <a:ln w="28575">
+            <a:solidFill>
+              <a:srgbClr val="FF0000"/>
+            </a:solidFill>
+          </a:ln>
+        </p:spPr>
+        <p:style>
+          <a:lnRef idx="2">
+            <a:schemeClr val="accent1">
+              <a:shade val="50000"/>
+            </a:schemeClr>
+          </a:lnRef>
+          <a:fillRef idx="1">
+            <a:schemeClr val="accent1"/>
+          </a:fillRef>
+          <a:effectRef idx="0">
+            <a:schemeClr val="accent1"/>
+          </a:effectRef>
+          <a:fontRef idx="minor">
+            <a:schemeClr val="lt1"/>
+          </a:fontRef>
+        </p:style>
+        <p:txBody>
+          <a:bodyPr rtlCol="0" anchor="ctr"/>
+          <a:lstStyle/>
+          <a:p>
+            <a:pPr algn="ctr"/>
+            <a:endParaRPr lang="nl-BE"/>
+          </a:p>
+        </p:txBody>
+      </p:sp>
+    </p:spTree>
+    <p:extLst>
+      <p:ext uri="{BB962C8B-B14F-4D97-AF65-F5344CB8AC3E}">
+        <p14:creationId xmlns:p14="http://schemas.microsoft.com/office/powerpoint/2010/main" val="2536380236"/>
+      </p:ext>
+    </p:extLst>
+  </p:cSld>
+  <p:clrMapOvr>
+    <a:masterClrMapping/>
+  </p:clrMapOvr>
+</p:sld>
+</file>
+
+<file path=ppt/slides/slide32.xml><?xml version="1.0" encoding="utf-8"?>
+<p:sld xmlns:a="http://schemas.openxmlformats.org/drawingml/2006/main" xmlns:r="http://schemas.openxmlformats.org/officeDocument/2006/relationships" xmlns:p="http://schemas.openxmlformats.org/presentationml/2006/main">
+  <p:cSld>
+    <p:spTree>
+      <p:nvGrpSpPr>
+        <p:cNvPr id="1" name=""/>
+        <p:cNvGrpSpPr/>
+        <p:nvPr/>
+      </p:nvGrpSpPr>
+      <p:grpSpPr>
+        <a:xfrm>
+          <a:off x="0" y="0"/>
+          <a:ext cx="0" cy="0"/>
+          <a:chOff x="0" y="0"/>
+          <a:chExt cx="0" cy="0"/>
+        </a:xfrm>
+      </p:grpSpPr>
+      <p:sp>
+        <p:nvSpPr>
+          <p:cNvPr id="2" name="Title 1">
+            <a:extLst>
+              <a:ext uri="{FF2B5EF4-FFF2-40B4-BE49-F238E27FC236}">
+                <a16:creationId xmlns:a16="http://schemas.microsoft.com/office/drawing/2014/main" id="{1DEFF95F-CF61-49C4-B9AA-440049470977}"/>
+              </a:ext>
+            </a:extLst>
+          </p:cNvPr>
+          <p:cNvSpPr>
+            <a:spLocks noGrp="1"/>
+          </p:cNvSpPr>
+          <p:nvPr>
+            <p:ph type="title"/>
+          </p:nvPr>
+        </p:nvSpPr>
+        <p:spPr/>
+        <p:txBody>
+          <a:bodyPr/>
+          <a:lstStyle/>
+          <a:p>
+            <a:r>
+              <a:rPr lang="nl-BE" dirty="0"/>
+              <a:t>Grondboring met Grondmonster</a:t>
+            </a:r>
+          </a:p>
+        </p:txBody>
+      </p:sp>
+      <p:pic>
+        <p:nvPicPr>
+          <p:cNvPr id="12" name="Picture 11" descr="Diagram&#10;&#10;Description automatically generated">
+            <a:extLst>
+              <a:ext uri="{FF2B5EF4-FFF2-40B4-BE49-F238E27FC236}">
+                <a16:creationId xmlns:a16="http://schemas.microsoft.com/office/drawing/2014/main" id="{0FA33314-78B3-4E70-8C1C-5B7B07FB536D}"/>
+              </a:ext>
+            </a:extLst>
+          </p:cNvPr>
+          <p:cNvPicPr>
+            <a:picLocks noChangeAspect="1"/>
+          </p:cNvPicPr>
+          <p:nvPr/>
+        </p:nvPicPr>
+        <p:blipFill>
+          <a:blip r:embed="rId2">
+            <a:extLst>
+              <a:ext uri="{28A0092B-C50C-407E-A947-70E740481C1C}">
+                <a14:useLocalDpi xmlns:a14="http://schemas.microsoft.com/office/drawing/2010/main" val="0"/>
+              </a:ext>
+            </a:extLst>
+          </a:blip>
+          <a:stretch>
+            <a:fillRect/>
+          </a:stretch>
+        </p:blipFill>
+        <p:spPr>
+          <a:xfrm>
+            <a:off x="668394" y="1782699"/>
+            <a:ext cx="10855211" cy="3932301"/>
+          </a:xfrm>
+          <a:prstGeom prst="rect">
+            <a:avLst/>
+          </a:prstGeom>
+        </p:spPr>
+      </p:pic>
+    </p:spTree>
+    <p:extLst>
+      <p:ext uri="{BB962C8B-B14F-4D97-AF65-F5344CB8AC3E}">
+        <p14:creationId xmlns:p14="http://schemas.microsoft.com/office/powerpoint/2010/main" val="2211994134"/>
+      </p:ext>
+    </p:extLst>
+  </p:cSld>
+  <p:clrMapOvr>
+    <a:masterClrMapping/>
+  </p:clrMapOvr>
+</p:sld>
+</file>
+
+<file path=ppt/slides/slide33.xml><?xml version="1.0" encoding="utf-8"?>
+<p:sld xmlns:a="http://schemas.openxmlformats.org/drawingml/2006/main" xmlns:r="http://schemas.openxmlformats.org/officeDocument/2006/relationships" xmlns:p="http://schemas.openxmlformats.org/presentationml/2006/main">
+  <p:cSld>
+    <p:spTree>
+      <p:nvGrpSpPr>
+        <p:cNvPr id="1" name=""/>
+        <p:cNvGrpSpPr/>
+        <p:nvPr/>
+      </p:nvGrpSpPr>
+      <p:grpSpPr>
+        <a:xfrm>
+          <a:off x="0" y="0"/>
+          <a:ext cx="0" cy="0"/>
+          <a:chOff x="0" y="0"/>
+          <a:chExt cx="0" cy="0"/>
+        </a:xfrm>
+      </p:grpSpPr>
+      <p:sp>
+        <p:nvSpPr>
+          <p:cNvPr id="2" name="Title 1">
+            <a:extLst>
+              <a:ext uri="{FF2B5EF4-FFF2-40B4-BE49-F238E27FC236}">
+                <a16:creationId xmlns:a16="http://schemas.microsoft.com/office/drawing/2014/main" id="{1DEFF95F-CF61-49C4-B9AA-440049470977}"/>
+              </a:ext>
+            </a:extLst>
+          </p:cNvPr>
+          <p:cNvSpPr>
+            <a:spLocks noGrp="1"/>
+          </p:cNvSpPr>
+          <p:nvPr>
+            <p:ph type="title"/>
+          </p:nvPr>
+        </p:nvSpPr>
+        <p:spPr/>
+        <p:txBody>
+          <a:bodyPr/>
+          <a:lstStyle/>
+          <a:p>
+            <a:r>
+              <a:rPr lang="nl-BE" dirty="0" err="1"/>
+              <a:t>To</a:t>
+            </a:r>
+            <a:r>
+              <a:rPr lang="nl-BE" dirty="0"/>
+              <a:t> </a:t>
+            </a:r>
+            <a:r>
+              <a:rPr lang="nl-BE" dirty="0" err="1"/>
+              <a:t>be</a:t>
+            </a:r>
+            <a:r>
+              <a:rPr lang="nl-BE" dirty="0"/>
+              <a:t> </a:t>
+            </a:r>
+            <a:r>
+              <a:rPr lang="nl-BE" dirty="0" err="1"/>
+              <a:t>continued</a:t>
+            </a:r>
+            <a:r>
+              <a:rPr lang="nl-BE" dirty="0"/>
+              <a:t>…</a:t>
+            </a:r>
+          </a:p>
+        </p:txBody>
+      </p:sp>
+      <p:sp>
+        <p:nvSpPr>
+          <p:cNvPr id="3" name="Content Placeholder 2">
+            <a:extLst>
+              <a:ext uri="{FF2B5EF4-FFF2-40B4-BE49-F238E27FC236}">
+                <a16:creationId xmlns:a16="http://schemas.microsoft.com/office/drawing/2014/main" id="{B91FEBC3-BC36-44B4-98C0-7B7A5DAF600B}"/>
+              </a:ext>
+            </a:extLst>
+          </p:cNvPr>
+          <p:cNvSpPr>
+            <a:spLocks noGrp="1"/>
+          </p:cNvSpPr>
+          <p:nvPr>
+            <p:ph idx="1"/>
+          </p:nvPr>
+        </p:nvSpPr>
+        <p:spPr/>
+        <p:txBody>
+          <a:bodyPr/>
+          <a:lstStyle/>
+          <a:p>
+            <a:r>
+              <a:rPr lang="nl-BE" dirty="0"/>
+              <a:t>()</a:t>
+            </a:r>
+          </a:p>
+        </p:txBody>
+      </p:sp>
+    </p:spTree>
+    <p:extLst>
+      <p:ext uri="{BB962C8B-B14F-4D97-AF65-F5344CB8AC3E}">
+        <p14:creationId xmlns:p14="http://schemas.microsoft.com/office/powerpoint/2010/main" val="77997021"/>
       </p:ext>
     </p:extLst>
   </p:cSld>

--- a/resources/consolidatie/WerkgroepConsolidatie20210531.pptx
+++ b/resources/consolidatie/WerkgroepConsolidatie20210531.pptx
@@ -22,22 +22,29 @@
     <p:sldId id="279" r:id="rId16"/>
     <p:sldId id="277" r:id="rId17"/>
     <p:sldId id="278" r:id="rId18"/>
-    <p:sldId id="283" r:id="rId19"/>
-    <p:sldId id="282" r:id="rId20"/>
-    <p:sldId id="284" r:id="rId21"/>
-    <p:sldId id="285" r:id="rId22"/>
-    <p:sldId id="286" r:id="rId23"/>
-    <p:sldId id="287" r:id="rId24"/>
-    <p:sldId id="288" r:id="rId25"/>
-    <p:sldId id="290" r:id="rId26"/>
-    <p:sldId id="289" r:id="rId27"/>
-    <p:sldId id="291" r:id="rId28"/>
-    <p:sldId id="292" r:id="rId29"/>
-    <p:sldId id="293" r:id="rId30"/>
-    <p:sldId id="294" r:id="rId31"/>
+    <p:sldId id="305" r:id="rId19"/>
+    <p:sldId id="283" r:id="rId20"/>
+    <p:sldId id="282" r:id="rId21"/>
+    <p:sldId id="284" r:id="rId22"/>
+    <p:sldId id="285" r:id="rId23"/>
+    <p:sldId id="286" r:id="rId24"/>
+    <p:sldId id="287" r:id="rId25"/>
+    <p:sldId id="288" r:id="rId26"/>
+    <p:sldId id="290" r:id="rId27"/>
+    <p:sldId id="289" r:id="rId28"/>
+    <p:sldId id="291" r:id="rId29"/>
+    <p:sldId id="292" r:id="rId30"/>
+    <p:sldId id="293" r:id="rId31"/>
     <p:sldId id="296" r:id="rId32"/>
-    <p:sldId id="295" r:id="rId33"/>
-    <p:sldId id="297" r:id="rId34"/>
+    <p:sldId id="303" r:id="rId33"/>
+    <p:sldId id="295" r:id="rId34"/>
+    <p:sldId id="298" r:id="rId35"/>
+    <p:sldId id="294" r:id="rId36"/>
+    <p:sldId id="304" r:id="rId37"/>
+    <p:sldId id="300" r:id="rId38"/>
+    <p:sldId id="302" r:id="rId39"/>
+    <p:sldId id="301" r:id="rId40"/>
+    <p:sldId id="297" r:id="rId41"/>
   </p:sldIdLst>
   <p:sldSz cx="12192000" cy="6858000"/>
   <p:notesSz cx="6858000" cy="9144000"/>
@@ -144,6 +151,1306 @@
 </p:presentation>
 </file>
 
+<file path=ppt/revisionInfo.xml><?xml version="1.0" encoding="utf-8"?>
+<p1510:revInfo xmlns:a="http://schemas.openxmlformats.org/drawingml/2006/main" xmlns:r="http://schemas.openxmlformats.org/officeDocument/2006/relationships" xmlns:p1510="http://schemas.microsoft.com/office/powerpoint/2015/10/main">
+  <p1510:revLst>
+    <p1510:client id="{4AF0FB94-D319-4C38-84EE-D0B79CC3DEE0}" v="60" dt="2021-05-27T13:53:52.838"/>
+  </p1510:revLst>
+</p1510:revInfo>
+</file>
+
+<file path=ppt/changesInfos/changesInfo1.xml><?xml version="1.0" encoding="utf-8"?>
+<pc:chgInfo xmlns:a="http://schemas.openxmlformats.org/drawingml/2006/main" xmlns:r="http://schemas.openxmlformats.org/officeDocument/2006/relationships" xmlns:ac="http://schemas.microsoft.com/office/drawing/2013/main/command" xmlns:pc="http://schemas.microsoft.com/office/powerpoint/2013/main/command">
+  <pc:docChgLst>
+    <pc:chgData name="Thijs Geert" userId="71bbdf76-1f78-436b-8a82-e502e1f22064" providerId="ADAL" clId="{4AF0FB94-D319-4C38-84EE-D0B79CC3DEE0}"/>
+    <pc:docChg chg="undo custSel addSld delSld modSld sldOrd">
+      <pc:chgData name="Thijs Geert" userId="71bbdf76-1f78-436b-8a82-e502e1f22064" providerId="ADAL" clId="{4AF0FB94-D319-4C38-84EE-D0B79CC3DEE0}" dt="2021-05-27T13:53:57.354" v="2807" actId="20577"/>
+      <pc:docMkLst>
+        <pc:docMk/>
+      </pc:docMkLst>
+      <pc:sldChg chg="modSp mod">
+        <pc:chgData name="Thijs Geert" userId="71bbdf76-1f78-436b-8a82-e502e1f22064" providerId="ADAL" clId="{4AF0FB94-D319-4C38-84EE-D0B79CC3DEE0}" dt="2021-05-26T15:25:34.920" v="92" actId="20577"/>
+        <pc:sldMkLst>
+          <pc:docMk/>
+          <pc:sldMk cId="2493186312" sldId="259"/>
+        </pc:sldMkLst>
+        <pc:spChg chg="mod">
+          <ac:chgData name="Thijs Geert" userId="71bbdf76-1f78-436b-8a82-e502e1f22064" providerId="ADAL" clId="{4AF0FB94-D319-4C38-84EE-D0B79CC3DEE0}" dt="2021-05-26T15:25:34.920" v="92" actId="20577"/>
+          <ac:spMkLst>
+            <pc:docMk/>
+            <pc:sldMk cId="2493186312" sldId="259"/>
+            <ac:spMk id="3" creationId="{B91FEBC3-BC36-44B4-98C0-7B7A5DAF600B}"/>
+          </ac:spMkLst>
+        </pc:spChg>
+      </pc:sldChg>
+      <pc:sldChg chg="addSp delSp modSp mod">
+        <pc:chgData name="Thijs Geert" userId="71bbdf76-1f78-436b-8a82-e502e1f22064" providerId="ADAL" clId="{4AF0FB94-D319-4C38-84EE-D0B79CC3DEE0}" dt="2021-05-27T09:37:44.352" v="1849" actId="478"/>
+        <pc:sldMkLst>
+          <pc:docMk/>
+          <pc:sldMk cId="3268978525" sldId="272"/>
+        </pc:sldMkLst>
+        <pc:picChg chg="add del mod ord">
+          <ac:chgData name="Thijs Geert" userId="71bbdf76-1f78-436b-8a82-e502e1f22064" providerId="ADAL" clId="{4AF0FB94-D319-4C38-84EE-D0B79CC3DEE0}" dt="2021-05-27T09:37:44.352" v="1849" actId="478"/>
+          <ac:picMkLst>
+            <pc:docMk/>
+            <pc:sldMk cId="3268978525" sldId="272"/>
+            <ac:picMk id="4" creationId="{5860FBAF-2285-4044-A741-847FF3BF1B53}"/>
+          </ac:picMkLst>
+        </pc:picChg>
+        <pc:picChg chg="add mod ord">
+          <ac:chgData name="Thijs Geert" userId="71bbdf76-1f78-436b-8a82-e502e1f22064" providerId="ADAL" clId="{4AF0FB94-D319-4C38-84EE-D0B79CC3DEE0}" dt="2021-05-27T09:37:41.906" v="1848" actId="167"/>
+          <ac:picMkLst>
+            <pc:docMk/>
+            <pc:sldMk cId="3268978525" sldId="272"/>
+            <ac:picMk id="6" creationId="{9B50C6DF-C33E-469C-BF78-7A534F8C72D5}"/>
+          </ac:picMkLst>
+        </pc:picChg>
+        <pc:picChg chg="del">
+          <ac:chgData name="Thijs Geert" userId="71bbdf76-1f78-436b-8a82-e502e1f22064" providerId="ADAL" clId="{4AF0FB94-D319-4C38-84EE-D0B79CC3DEE0}" dt="2021-05-26T15:10:29.980" v="9" actId="478"/>
+          <ac:picMkLst>
+            <pc:docMk/>
+            <pc:sldMk cId="3268978525" sldId="272"/>
+            <ac:picMk id="9" creationId="{36A2E2EA-46D0-427B-BADF-FF3634ADA4D1}"/>
+          </ac:picMkLst>
+        </pc:picChg>
+      </pc:sldChg>
+      <pc:sldChg chg="addSp delSp modSp mod">
+        <pc:chgData name="Thijs Geert" userId="71bbdf76-1f78-436b-8a82-e502e1f22064" providerId="ADAL" clId="{4AF0FB94-D319-4C38-84EE-D0B79CC3DEE0}" dt="2021-05-27T09:37:57.842" v="1852" actId="167"/>
+        <pc:sldMkLst>
+          <pc:docMk/>
+          <pc:sldMk cId="4047673775" sldId="273"/>
+        </pc:sldMkLst>
+        <pc:spChg chg="mod">
+          <ac:chgData name="Thijs Geert" userId="71bbdf76-1f78-436b-8a82-e502e1f22064" providerId="ADAL" clId="{4AF0FB94-D319-4C38-84EE-D0B79CC3DEE0}" dt="2021-05-26T15:23:26.455" v="58" actId="1036"/>
+          <ac:spMkLst>
+            <pc:docMk/>
+            <pc:sldMk cId="4047673775" sldId="273"/>
+            <ac:spMk id="3" creationId="{1A3745C4-B378-4C11-9767-C33D6E14D0C5}"/>
+          </ac:spMkLst>
+        </pc:spChg>
+        <pc:spChg chg="mod">
+          <ac:chgData name="Thijs Geert" userId="71bbdf76-1f78-436b-8a82-e502e1f22064" providerId="ADAL" clId="{4AF0FB94-D319-4C38-84EE-D0B79CC3DEE0}" dt="2021-05-26T15:23:26.455" v="58" actId="1036"/>
+          <ac:spMkLst>
+            <pc:docMk/>
+            <pc:sldMk cId="4047673775" sldId="273"/>
+            <ac:spMk id="5" creationId="{5AEE17C0-B9E8-4F41-AFEE-6CBA3285CFAC}"/>
+          </ac:spMkLst>
+        </pc:spChg>
+        <pc:spChg chg="mod">
+          <ac:chgData name="Thijs Geert" userId="71bbdf76-1f78-436b-8a82-e502e1f22064" providerId="ADAL" clId="{4AF0FB94-D319-4C38-84EE-D0B79CC3DEE0}" dt="2021-05-26T15:23:26.455" v="58" actId="1036"/>
+          <ac:spMkLst>
+            <pc:docMk/>
+            <pc:sldMk cId="4047673775" sldId="273"/>
+            <ac:spMk id="8" creationId="{D820A837-AB4A-47EF-964E-E0ECEFB3E7AC}"/>
+          </ac:spMkLst>
+        </pc:spChg>
+        <pc:spChg chg="mod">
+          <ac:chgData name="Thijs Geert" userId="71bbdf76-1f78-436b-8a82-e502e1f22064" providerId="ADAL" clId="{4AF0FB94-D319-4C38-84EE-D0B79CC3DEE0}" dt="2021-05-26T15:13:04.605" v="39" actId="1076"/>
+          <ac:spMkLst>
+            <pc:docMk/>
+            <pc:sldMk cId="4047673775" sldId="273"/>
+            <ac:spMk id="9" creationId="{7DB62C93-825C-43CE-862C-68473BC5FDAC}"/>
+          </ac:spMkLst>
+        </pc:spChg>
+        <pc:spChg chg="add mod">
+          <ac:chgData name="Thijs Geert" userId="71bbdf76-1f78-436b-8a82-e502e1f22064" providerId="ADAL" clId="{4AF0FB94-D319-4C38-84EE-D0B79CC3DEE0}" dt="2021-05-26T15:12:48.435" v="35" actId="571"/>
+          <ac:spMkLst>
+            <pc:docMk/>
+            <pc:sldMk cId="4047673775" sldId="273"/>
+            <ac:spMk id="14" creationId="{CB9E064B-260B-4FEB-940F-EDD8C8789F78}"/>
+          </ac:spMkLst>
+        </pc:spChg>
+        <pc:spChg chg="add mod">
+          <ac:chgData name="Thijs Geert" userId="71bbdf76-1f78-436b-8a82-e502e1f22064" providerId="ADAL" clId="{4AF0FB94-D319-4C38-84EE-D0B79CC3DEE0}" dt="2021-05-26T15:12:59.599" v="37" actId="571"/>
+          <ac:spMkLst>
+            <pc:docMk/>
+            <pc:sldMk cId="4047673775" sldId="273"/>
+            <ac:spMk id="15" creationId="{F2BDB350-1F71-4903-8044-08106DA7B6E4}"/>
+          </ac:spMkLst>
+        </pc:spChg>
+        <pc:spChg chg="add del mod">
+          <ac:chgData name="Thijs Geert" userId="71bbdf76-1f78-436b-8a82-e502e1f22064" providerId="ADAL" clId="{4AF0FB94-D319-4C38-84EE-D0B79CC3DEE0}" dt="2021-05-26T15:23:12.529" v="52" actId="478"/>
+          <ac:spMkLst>
+            <pc:docMk/>
+            <pc:sldMk cId="4047673775" sldId="273"/>
+            <ac:spMk id="16" creationId="{9F6F5EA0-A8F9-4CC2-B176-B064EB309A15}"/>
+          </ac:spMkLst>
+        </pc:spChg>
+        <pc:spChg chg="add del mod">
+          <ac:chgData name="Thijs Geert" userId="71bbdf76-1f78-436b-8a82-e502e1f22064" providerId="ADAL" clId="{4AF0FB94-D319-4C38-84EE-D0B79CC3DEE0}" dt="2021-05-26T15:13:29.970" v="45" actId="478"/>
+          <ac:spMkLst>
+            <pc:docMk/>
+            <pc:sldMk cId="4047673775" sldId="273"/>
+            <ac:spMk id="17" creationId="{554B66BD-B598-46B6-9CAE-49CE328823FD}"/>
+          </ac:spMkLst>
+        </pc:spChg>
+        <pc:spChg chg="add mod">
+          <ac:chgData name="Thijs Geert" userId="71bbdf76-1f78-436b-8a82-e502e1f22064" providerId="ADAL" clId="{4AF0FB94-D319-4C38-84EE-D0B79CC3DEE0}" dt="2021-05-26T15:24:36.353" v="75" actId="1076"/>
+          <ac:spMkLst>
+            <pc:docMk/>
+            <pc:sldMk cId="4047673775" sldId="273"/>
+            <ac:spMk id="18" creationId="{8901359B-B205-4189-B130-1E6835CBAB5E}"/>
+          </ac:spMkLst>
+        </pc:spChg>
+        <pc:spChg chg="add mod">
+          <ac:chgData name="Thijs Geert" userId="71bbdf76-1f78-436b-8a82-e502e1f22064" providerId="ADAL" clId="{4AF0FB94-D319-4C38-84EE-D0B79CC3DEE0}" dt="2021-05-26T15:24:43.577" v="76" actId="571"/>
+          <ac:spMkLst>
+            <pc:docMk/>
+            <pc:sldMk cId="4047673775" sldId="273"/>
+            <ac:spMk id="19" creationId="{AB76E570-B6F3-4100-9EA5-523476BF7A36}"/>
+          </ac:spMkLst>
+        </pc:spChg>
+        <pc:spChg chg="add del mod">
+          <ac:chgData name="Thijs Geert" userId="71bbdf76-1f78-436b-8a82-e502e1f22064" providerId="ADAL" clId="{4AF0FB94-D319-4C38-84EE-D0B79CC3DEE0}" dt="2021-05-26T15:24:55.552" v="78" actId="478"/>
+          <ac:spMkLst>
+            <pc:docMk/>
+            <pc:sldMk cId="4047673775" sldId="273"/>
+            <ac:spMk id="20" creationId="{22475280-5A8F-4D13-A0C8-63DB9EB132A5}"/>
+          </ac:spMkLst>
+        </pc:spChg>
+        <pc:spChg chg="add del mod">
+          <ac:chgData name="Thijs Geert" userId="71bbdf76-1f78-436b-8a82-e502e1f22064" providerId="ADAL" clId="{4AF0FB94-D319-4C38-84EE-D0B79CC3DEE0}" dt="2021-05-26T15:24:55.552" v="78" actId="478"/>
+          <ac:spMkLst>
+            <pc:docMk/>
+            <pc:sldMk cId="4047673775" sldId="273"/>
+            <ac:spMk id="21" creationId="{D0DACF96-F295-49CD-9BBF-6E793D018EAE}"/>
+          </ac:spMkLst>
+        </pc:spChg>
+        <pc:picChg chg="del">
+          <ac:chgData name="Thijs Geert" userId="71bbdf76-1f78-436b-8a82-e502e1f22064" providerId="ADAL" clId="{4AF0FB94-D319-4C38-84EE-D0B79CC3DEE0}" dt="2021-05-26T15:10:44.106" v="10" actId="478"/>
+          <ac:picMkLst>
+            <pc:docMk/>
+            <pc:sldMk cId="4047673775" sldId="273"/>
+            <ac:picMk id="7" creationId="{F9E32980-C649-4571-973B-243BA1A89E2E}"/>
+          </ac:picMkLst>
+        </pc:picChg>
+        <pc:picChg chg="del mod">
+          <ac:chgData name="Thijs Geert" userId="71bbdf76-1f78-436b-8a82-e502e1f22064" providerId="ADAL" clId="{4AF0FB94-D319-4C38-84EE-D0B79CC3DEE0}" dt="2021-05-26T15:11:07.224" v="16" actId="478"/>
+          <ac:picMkLst>
+            <pc:docMk/>
+            <pc:sldMk cId="4047673775" sldId="273"/>
+            <ac:picMk id="12" creationId="{09E0C648-D235-4491-9D4C-F0773FCEBBEB}"/>
+          </ac:picMkLst>
+        </pc:picChg>
+        <pc:picChg chg="add del mod ord">
+          <ac:chgData name="Thijs Geert" userId="71bbdf76-1f78-436b-8a82-e502e1f22064" providerId="ADAL" clId="{4AF0FB94-D319-4C38-84EE-D0B79CC3DEE0}" dt="2021-05-27T09:37:51.393" v="1850" actId="478"/>
+          <ac:picMkLst>
+            <pc:docMk/>
+            <pc:sldMk cId="4047673775" sldId="273"/>
+            <ac:picMk id="13" creationId="{246E546A-82A8-4DD3-BAF4-73B346ACEFDF}"/>
+          </ac:picMkLst>
+        </pc:picChg>
+        <pc:picChg chg="add mod ord">
+          <ac:chgData name="Thijs Geert" userId="71bbdf76-1f78-436b-8a82-e502e1f22064" providerId="ADAL" clId="{4AF0FB94-D319-4C38-84EE-D0B79CC3DEE0}" dt="2021-05-27T09:37:57.842" v="1852" actId="167"/>
+          <ac:picMkLst>
+            <pc:docMk/>
+            <pc:sldMk cId="4047673775" sldId="273"/>
+            <ac:picMk id="22" creationId="{3D0D0E42-6DBC-46B0-B7ED-0B41DFD4BDEA}"/>
+          </ac:picMkLst>
+        </pc:picChg>
+      </pc:sldChg>
+      <pc:sldChg chg="addSp delSp modSp mod">
+        <pc:chgData name="Thijs Geert" userId="71bbdf76-1f78-436b-8a82-e502e1f22064" providerId="ADAL" clId="{4AF0FB94-D319-4C38-84EE-D0B79CC3DEE0}" dt="2021-05-27T09:38:15.628" v="1855" actId="167"/>
+        <pc:sldMkLst>
+          <pc:docMk/>
+          <pc:sldMk cId="3963406624" sldId="274"/>
+        </pc:sldMkLst>
+        <pc:picChg chg="add del mod ord">
+          <ac:chgData name="Thijs Geert" userId="71bbdf76-1f78-436b-8a82-e502e1f22064" providerId="ADAL" clId="{4AF0FB94-D319-4C38-84EE-D0B79CC3DEE0}" dt="2021-05-27T09:38:11.179" v="1853" actId="478"/>
+          <ac:picMkLst>
+            <pc:docMk/>
+            <pc:sldMk cId="3963406624" sldId="274"/>
+            <ac:picMk id="6" creationId="{42813797-8989-49EE-913C-FD211FE6133F}"/>
+          </ac:picMkLst>
+        </pc:picChg>
+        <pc:picChg chg="add mod ord">
+          <ac:chgData name="Thijs Geert" userId="71bbdf76-1f78-436b-8a82-e502e1f22064" providerId="ADAL" clId="{4AF0FB94-D319-4C38-84EE-D0B79CC3DEE0}" dt="2021-05-27T09:38:15.628" v="1855" actId="167"/>
+          <ac:picMkLst>
+            <pc:docMk/>
+            <pc:sldMk cId="3963406624" sldId="274"/>
+            <ac:picMk id="7" creationId="{029EF42C-3E98-4DA7-B667-051DD1FFEF95}"/>
+          </ac:picMkLst>
+        </pc:picChg>
+        <pc:picChg chg="del">
+          <ac:chgData name="Thijs Geert" userId="71bbdf76-1f78-436b-8a82-e502e1f22064" providerId="ADAL" clId="{4AF0FB94-D319-4C38-84EE-D0B79CC3DEE0}" dt="2021-05-26T15:11:19.398" v="19" actId="478"/>
+          <ac:picMkLst>
+            <pc:docMk/>
+            <pc:sldMk cId="3963406624" sldId="274"/>
+            <ac:picMk id="12" creationId="{895A28DF-64B7-44FE-BB48-81BCEF497CC7}"/>
+          </ac:picMkLst>
+        </pc:picChg>
+      </pc:sldChg>
+      <pc:sldChg chg="addSp delSp modSp mod">
+        <pc:chgData name="Thijs Geert" userId="71bbdf76-1f78-436b-8a82-e502e1f22064" providerId="ADAL" clId="{4AF0FB94-D319-4C38-84EE-D0B79CC3DEE0}" dt="2021-05-27T09:38:24.786" v="1858" actId="167"/>
+        <pc:sldMkLst>
+          <pc:docMk/>
+          <pc:sldMk cId="3726584187" sldId="275"/>
+        </pc:sldMkLst>
+        <pc:spChg chg="mod">
+          <ac:chgData name="Thijs Geert" userId="71bbdf76-1f78-436b-8a82-e502e1f22064" providerId="ADAL" clId="{4AF0FB94-D319-4C38-84EE-D0B79CC3DEE0}" dt="2021-05-26T15:23:39.023" v="61" actId="1038"/>
+          <ac:spMkLst>
+            <pc:docMk/>
+            <pc:sldMk cId="3726584187" sldId="275"/>
+            <ac:spMk id="5" creationId="{5AEE17C0-B9E8-4F41-AFEE-6CBA3285CFAC}"/>
+          </ac:spMkLst>
+        </pc:spChg>
+        <pc:picChg chg="del">
+          <ac:chgData name="Thijs Geert" userId="71bbdf76-1f78-436b-8a82-e502e1f22064" providerId="ADAL" clId="{4AF0FB94-D319-4C38-84EE-D0B79CC3DEE0}" dt="2021-05-26T15:11:26.411" v="20" actId="478"/>
+          <ac:picMkLst>
+            <pc:docMk/>
+            <pc:sldMk cId="3726584187" sldId="275"/>
+            <ac:picMk id="6" creationId="{47058EF3-939C-48A3-82C1-7259C5E62F12}"/>
+          </ac:picMkLst>
+        </pc:picChg>
+        <pc:picChg chg="add del mod ord">
+          <ac:chgData name="Thijs Geert" userId="71bbdf76-1f78-436b-8a82-e502e1f22064" providerId="ADAL" clId="{4AF0FB94-D319-4C38-84EE-D0B79CC3DEE0}" dt="2021-05-27T09:38:20.861" v="1856" actId="478"/>
+          <ac:picMkLst>
+            <pc:docMk/>
+            <pc:sldMk cId="3726584187" sldId="275"/>
+            <ac:picMk id="7" creationId="{DC608FD2-110F-44FB-A008-162C298DC20A}"/>
+          </ac:picMkLst>
+        </pc:picChg>
+        <pc:picChg chg="add mod ord">
+          <ac:chgData name="Thijs Geert" userId="71bbdf76-1f78-436b-8a82-e502e1f22064" providerId="ADAL" clId="{4AF0FB94-D319-4C38-84EE-D0B79CC3DEE0}" dt="2021-05-27T09:38:24.786" v="1858" actId="167"/>
+          <ac:picMkLst>
+            <pc:docMk/>
+            <pc:sldMk cId="3726584187" sldId="275"/>
+            <ac:picMk id="8" creationId="{344F4230-55A2-44DB-B1CA-7A548594C937}"/>
+          </ac:picMkLst>
+        </pc:picChg>
+      </pc:sldChg>
+      <pc:sldChg chg="addSp delSp modSp mod">
+        <pc:chgData name="Thijs Geert" userId="71bbdf76-1f78-436b-8a82-e502e1f22064" providerId="ADAL" clId="{4AF0FB94-D319-4C38-84EE-D0B79CC3DEE0}" dt="2021-05-27T09:38:33.005" v="1861" actId="167"/>
+        <pc:sldMkLst>
+          <pc:docMk/>
+          <pc:sldMk cId="3143991073" sldId="276"/>
+        </pc:sldMkLst>
+        <pc:picChg chg="del">
+          <ac:chgData name="Thijs Geert" userId="71bbdf76-1f78-436b-8a82-e502e1f22064" providerId="ADAL" clId="{4AF0FB94-D319-4C38-84EE-D0B79CC3DEE0}" dt="2021-05-26T15:11:38.784" v="23" actId="478"/>
+          <ac:picMkLst>
+            <pc:docMk/>
+            <pc:sldMk cId="3143991073" sldId="276"/>
+            <ac:picMk id="6" creationId="{0A4FA489-20DB-4298-B0D1-B45A96C1A1E1}"/>
+          </ac:picMkLst>
+        </pc:picChg>
+        <pc:picChg chg="add del mod ord">
+          <ac:chgData name="Thijs Geert" userId="71bbdf76-1f78-436b-8a82-e502e1f22064" providerId="ADAL" clId="{4AF0FB94-D319-4C38-84EE-D0B79CC3DEE0}" dt="2021-05-27T09:38:28.940" v="1859" actId="478"/>
+          <ac:picMkLst>
+            <pc:docMk/>
+            <pc:sldMk cId="3143991073" sldId="276"/>
+            <ac:picMk id="7" creationId="{E2170976-1C7E-4294-A99D-E9863C8F63D8}"/>
+          </ac:picMkLst>
+        </pc:picChg>
+        <pc:picChg chg="add mod ord">
+          <ac:chgData name="Thijs Geert" userId="71bbdf76-1f78-436b-8a82-e502e1f22064" providerId="ADAL" clId="{4AF0FB94-D319-4C38-84EE-D0B79CC3DEE0}" dt="2021-05-27T09:38:33.005" v="1861" actId="167"/>
+          <ac:picMkLst>
+            <pc:docMk/>
+            <pc:sldMk cId="3143991073" sldId="276"/>
+            <ac:picMk id="8" creationId="{987CEE2F-BDCE-422E-98AB-947D552BCAFA}"/>
+          </ac:picMkLst>
+        </pc:picChg>
+      </pc:sldChg>
+      <pc:sldChg chg="addSp delSp modSp mod">
+        <pc:chgData name="Thijs Geert" userId="71bbdf76-1f78-436b-8a82-e502e1f22064" providerId="ADAL" clId="{4AF0FB94-D319-4C38-84EE-D0B79CC3DEE0}" dt="2021-05-27T09:38:40.426" v="1864" actId="167"/>
+        <pc:sldMkLst>
+          <pc:docMk/>
+          <pc:sldMk cId="3880575567" sldId="277"/>
+        </pc:sldMkLst>
+        <pc:picChg chg="add del mod ord">
+          <ac:chgData name="Thijs Geert" userId="71bbdf76-1f78-436b-8a82-e502e1f22064" providerId="ADAL" clId="{4AF0FB94-D319-4C38-84EE-D0B79CC3DEE0}" dt="2021-05-27T09:38:36.715" v="1862" actId="478"/>
+          <ac:picMkLst>
+            <pc:docMk/>
+            <pc:sldMk cId="3880575567" sldId="277"/>
+            <ac:picMk id="5" creationId="{6BA29FA7-245F-4966-83E1-EAFBE290C53D}"/>
+          </ac:picMkLst>
+        </pc:picChg>
+        <pc:picChg chg="add mod ord">
+          <ac:chgData name="Thijs Geert" userId="71bbdf76-1f78-436b-8a82-e502e1f22064" providerId="ADAL" clId="{4AF0FB94-D319-4C38-84EE-D0B79CC3DEE0}" dt="2021-05-27T09:38:40.426" v="1864" actId="167"/>
+          <ac:picMkLst>
+            <pc:docMk/>
+            <pc:sldMk cId="3880575567" sldId="277"/>
+            <ac:picMk id="6" creationId="{95C6D70A-2098-4347-BCD6-CC0EFBCEEAF7}"/>
+          </ac:picMkLst>
+        </pc:picChg>
+        <pc:picChg chg="del">
+          <ac:chgData name="Thijs Geert" userId="71bbdf76-1f78-436b-8a82-e502e1f22064" providerId="ADAL" clId="{4AF0FB94-D319-4C38-84EE-D0B79CC3DEE0}" dt="2021-05-26T15:11:45.824" v="26" actId="478"/>
+          <ac:picMkLst>
+            <pc:docMk/>
+            <pc:sldMk cId="3880575567" sldId="277"/>
+            <ac:picMk id="16" creationId="{C6A05CC5-1D96-4800-AD96-C99E71A00ADC}"/>
+          </ac:picMkLst>
+        </pc:picChg>
+      </pc:sldChg>
+      <pc:sldChg chg="addSp delSp modSp mod">
+        <pc:chgData name="Thijs Geert" userId="71bbdf76-1f78-436b-8a82-e502e1f22064" providerId="ADAL" clId="{4AF0FB94-D319-4C38-84EE-D0B79CC3DEE0}" dt="2021-05-27T09:38:49.735" v="1867" actId="167"/>
+        <pc:sldMkLst>
+          <pc:docMk/>
+          <pc:sldMk cId="1551430542" sldId="278"/>
+        </pc:sldMkLst>
+        <pc:spChg chg="add mod">
+          <ac:chgData name="Thijs Geert" userId="71bbdf76-1f78-436b-8a82-e502e1f22064" providerId="ADAL" clId="{4AF0FB94-D319-4C38-84EE-D0B79CC3DEE0}" dt="2021-05-27T07:27:05.953" v="733" actId="1076"/>
+          <ac:spMkLst>
+            <pc:docMk/>
+            <pc:sldMk cId="1551430542" sldId="278"/>
+            <ac:spMk id="3" creationId="{3472D5EB-C242-4E33-AEBB-8E41CFA257AE}"/>
+          </ac:spMkLst>
+        </pc:spChg>
+        <pc:spChg chg="mod">
+          <ac:chgData name="Thijs Geert" userId="71bbdf76-1f78-436b-8a82-e502e1f22064" providerId="ADAL" clId="{4AF0FB94-D319-4C38-84EE-D0B79CC3DEE0}" dt="2021-05-26T15:30:18.854" v="98" actId="1076"/>
+          <ac:spMkLst>
+            <pc:docMk/>
+            <pc:sldMk cId="1551430542" sldId="278"/>
+            <ac:spMk id="10" creationId="{933321EE-EACC-44E5-AF8F-1C29D9F7C039}"/>
+          </ac:spMkLst>
+        </pc:spChg>
+        <pc:spChg chg="mod">
+          <ac:chgData name="Thijs Geert" userId="71bbdf76-1f78-436b-8a82-e502e1f22064" providerId="ADAL" clId="{4AF0FB94-D319-4C38-84EE-D0B79CC3DEE0}" dt="2021-05-26T15:30:16.213" v="97" actId="1076"/>
+          <ac:spMkLst>
+            <pc:docMk/>
+            <pc:sldMk cId="1551430542" sldId="278"/>
+            <ac:spMk id="11" creationId="{72FD505F-E182-4F78-AF7A-842015A0C0B3}"/>
+          </ac:spMkLst>
+        </pc:spChg>
+        <pc:spChg chg="mod">
+          <ac:chgData name="Thijs Geert" userId="71bbdf76-1f78-436b-8a82-e502e1f22064" providerId="ADAL" clId="{4AF0FB94-D319-4C38-84EE-D0B79CC3DEE0}" dt="2021-05-26T15:30:04.277" v="93" actId="1076"/>
+          <ac:spMkLst>
+            <pc:docMk/>
+            <pc:sldMk cId="1551430542" sldId="278"/>
+            <ac:spMk id="12" creationId="{89EE01A9-E2E8-4E6C-BE10-C75F335BCCE6}"/>
+          </ac:spMkLst>
+        </pc:spChg>
+        <pc:spChg chg="mod">
+          <ac:chgData name="Thijs Geert" userId="71bbdf76-1f78-436b-8a82-e502e1f22064" providerId="ADAL" clId="{4AF0FB94-D319-4C38-84EE-D0B79CC3DEE0}" dt="2021-05-26T15:30:12.121" v="96" actId="1076"/>
+          <ac:spMkLst>
+            <pc:docMk/>
+            <pc:sldMk cId="1551430542" sldId="278"/>
+            <ac:spMk id="13" creationId="{17DE45C1-9322-40F6-A8EE-4C1A02EDFDC8}"/>
+          </ac:spMkLst>
+        </pc:spChg>
+        <pc:spChg chg="mod">
+          <ac:chgData name="Thijs Geert" userId="71bbdf76-1f78-436b-8a82-e502e1f22064" providerId="ADAL" clId="{4AF0FB94-D319-4C38-84EE-D0B79CC3DEE0}" dt="2021-05-26T15:23:55.429" v="67" actId="1036"/>
+          <ac:spMkLst>
+            <pc:docMk/>
+            <pc:sldMk cId="1551430542" sldId="278"/>
+            <ac:spMk id="14" creationId="{89A7CD25-6158-4ED4-A6E2-F66122A5DFE4}"/>
+          </ac:spMkLst>
+        </pc:spChg>
+        <pc:spChg chg="mod">
+          <ac:chgData name="Thijs Geert" userId="71bbdf76-1f78-436b-8a82-e502e1f22064" providerId="ADAL" clId="{4AF0FB94-D319-4C38-84EE-D0B79CC3DEE0}" dt="2021-05-26T15:23:55.429" v="67" actId="1036"/>
+          <ac:spMkLst>
+            <pc:docMk/>
+            <pc:sldMk cId="1551430542" sldId="278"/>
+            <ac:spMk id="15" creationId="{77D487D0-3B91-4D0E-809F-AC167E0FE2A6}"/>
+          </ac:spMkLst>
+        </pc:spChg>
+        <pc:spChg chg="mod">
+          <ac:chgData name="Thijs Geert" userId="71bbdf76-1f78-436b-8a82-e502e1f22064" providerId="ADAL" clId="{4AF0FB94-D319-4C38-84EE-D0B79CC3DEE0}" dt="2021-05-26T15:23:55.429" v="67" actId="1036"/>
+          <ac:spMkLst>
+            <pc:docMk/>
+            <pc:sldMk cId="1551430542" sldId="278"/>
+            <ac:spMk id="17" creationId="{FC878268-B549-43DF-B076-DC5DC56D9254}"/>
+          </ac:spMkLst>
+        </pc:spChg>
+        <pc:spChg chg="mod">
+          <ac:chgData name="Thijs Geert" userId="71bbdf76-1f78-436b-8a82-e502e1f22064" providerId="ADAL" clId="{4AF0FB94-D319-4C38-84EE-D0B79CC3DEE0}" dt="2021-05-26T15:24:00.350" v="70" actId="1038"/>
+          <ac:spMkLst>
+            <pc:docMk/>
+            <pc:sldMk cId="1551430542" sldId="278"/>
+            <ac:spMk id="21" creationId="{DF1A83EF-BE05-49C2-9D0E-D956F76EAAA7}"/>
+          </ac:spMkLst>
+        </pc:spChg>
+        <pc:spChg chg="mod">
+          <ac:chgData name="Thijs Geert" userId="71bbdf76-1f78-436b-8a82-e502e1f22064" providerId="ADAL" clId="{4AF0FB94-D319-4C38-84EE-D0B79CC3DEE0}" dt="2021-05-26T15:23:55.429" v="67" actId="1036"/>
+          <ac:spMkLst>
+            <pc:docMk/>
+            <pc:sldMk cId="1551430542" sldId="278"/>
+            <ac:spMk id="22" creationId="{CA48B5EB-9151-419D-96E1-50C445CD7294}"/>
+          </ac:spMkLst>
+        </pc:spChg>
+        <pc:spChg chg="add mod">
+          <ac:chgData name="Thijs Geert" userId="71bbdf76-1f78-436b-8a82-e502e1f22064" providerId="ADAL" clId="{4AF0FB94-D319-4C38-84EE-D0B79CC3DEE0}" dt="2021-05-26T15:25:07.349" v="79"/>
+          <ac:spMkLst>
+            <pc:docMk/>
+            <pc:sldMk cId="1551430542" sldId="278"/>
+            <ac:spMk id="28" creationId="{918A2795-BC8D-482F-872E-A2D337D36C8A}"/>
+          </ac:spMkLst>
+        </pc:spChg>
+        <pc:spChg chg="add mod">
+          <ac:chgData name="Thijs Geert" userId="71bbdf76-1f78-436b-8a82-e502e1f22064" providerId="ADAL" clId="{4AF0FB94-D319-4C38-84EE-D0B79CC3DEE0}" dt="2021-05-26T15:25:07.349" v="79"/>
+          <ac:spMkLst>
+            <pc:docMk/>
+            <pc:sldMk cId="1551430542" sldId="278"/>
+            <ac:spMk id="29" creationId="{9F36D261-2A25-4A3A-8A28-CC7BAA4A2A8E}"/>
+          </ac:spMkLst>
+        </pc:spChg>
+        <pc:spChg chg="add mod">
+          <ac:chgData name="Thijs Geert" userId="71bbdf76-1f78-436b-8a82-e502e1f22064" providerId="ADAL" clId="{4AF0FB94-D319-4C38-84EE-D0B79CC3DEE0}" dt="2021-05-27T07:26:30.622" v="698" actId="1076"/>
+          <ac:spMkLst>
+            <pc:docMk/>
+            <pc:sldMk cId="1551430542" sldId="278"/>
+            <ac:spMk id="30" creationId="{7D80A9F3-5B2B-4F62-AC2D-2204E4FBC9A8}"/>
+          </ac:spMkLst>
+        </pc:spChg>
+        <pc:spChg chg="add mod">
+          <ac:chgData name="Thijs Geert" userId="71bbdf76-1f78-436b-8a82-e502e1f22064" providerId="ADAL" clId="{4AF0FB94-D319-4C38-84EE-D0B79CC3DEE0}" dt="2021-05-27T07:27:34.354" v="743" actId="208"/>
+          <ac:spMkLst>
+            <pc:docMk/>
+            <pc:sldMk cId="1551430542" sldId="278"/>
+            <ac:spMk id="31" creationId="{DBA767B7-90AA-475C-87A5-3FBF0DBE3161}"/>
+          </ac:spMkLst>
+        </pc:spChg>
+        <pc:spChg chg="add mod">
+          <ac:chgData name="Thijs Geert" userId="71bbdf76-1f78-436b-8a82-e502e1f22064" providerId="ADAL" clId="{4AF0FB94-D319-4C38-84EE-D0B79CC3DEE0}" dt="2021-05-27T07:27:21.770" v="742" actId="20577"/>
+          <ac:spMkLst>
+            <pc:docMk/>
+            <pc:sldMk cId="1551430542" sldId="278"/>
+            <ac:spMk id="32" creationId="{4394FEE1-08E7-4285-A1F1-77E58FEA9AED}"/>
+          </ac:spMkLst>
+        </pc:spChg>
+        <pc:picChg chg="del">
+          <ac:chgData name="Thijs Geert" userId="71bbdf76-1f78-436b-8a82-e502e1f22064" providerId="ADAL" clId="{4AF0FB94-D319-4C38-84EE-D0B79CC3DEE0}" dt="2021-05-26T15:11:59.339" v="29" actId="478"/>
+          <ac:picMkLst>
+            <pc:docMk/>
+            <pc:sldMk cId="1551430542" sldId="278"/>
+            <ac:picMk id="26" creationId="{348496BC-0D07-43F8-8A9B-B10A3BC51B27}"/>
+          </ac:picMkLst>
+        </pc:picChg>
+        <pc:picChg chg="add del mod ord">
+          <ac:chgData name="Thijs Geert" userId="71bbdf76-1f78-436b-8a82-e502e1f22064" providerId="ADAL" clId="{4AF0FB94-D319-4C38-84EE-D0B79CC3DEE0}" dt="2021-05-27T09:38:45.274" v="1865" actId="478"/>
+          <ac:picMkLst>
+            <pc:docMk/>
+            <pc:sldMk cId="1551430542" sldId="278"/>
+            <ac:picMk id="27" creationId="{B09865F0-EA71-47D1-BB07-A4693BEF41CD}"/>
+          </ac:picMkLst>
+        </pc:picChg>
+        <pc:picChg chg="add mod ord">
+          <ac:chgData name="Thijs Geert" userId="71bbdf76-1f78-436b-8a82-e502e1f22064" providerId="ADAL" clId="{4AF0FB94-D319-4C38-84EE-D0B79CC3DEE0}" dt="2021-05-27T09:38:49.735" v="1867" actId="167"/>
+          <ac:picMkLst>
+            <pc:docMk/>
+            <pc:sldMk cId="1551430542" sldId="278"/>
+            <ac:picMk id="33" creationId="{735BFFB3-78F3-4DC3-B1BB-C963F4043215}"/>
+          </ac:picMkLst>
+        </pc:picChg>
+      </pc:sldChg>
+      <pc:sldChg chg="modSp mod">
+        <pc:chgData name="Thijs Geert" userId="71bbdf76-1f78-436b-8a82-e502e1f22064" providerId="ADAL" clId="{4AF0FB94-D319-4C38-84EE-D0B79CC3DEE0}" dt="2021-05-27T08:56:15.049" v="1729" actId="20577"/>
+        <pc:sldMkLst>
+          <pc:docMk/>
+          <pc:sldMk cId="3308026861" sldId="280"/>
+        </pc:sldMkLst>
+        <pc:spChg chg="mod">
+          <ac:chgData name="Thijs Geert" userId="71bbdf76-1f78-436b-8a82-e502e1f22064" providerId="ADAL" clId="{4AF0FB94-D319-4C38-84EE-D0B79CC3DEE0}" dt="2021-05-27T08:56:15.049" v="1729" actId="20577"/>
+          <ac:spMkLst>
+            <pc:docMk/>
+            <pc:sldMk cId="3308026861" sldId="280"/>
+            <ac:spMk id="3" creationId="{B91FEBC3-BC36-44B4-98C0-7B7A5DAF600B}"/>
+          </ac:spMkLst>
+        </pc:spChg>
+      </pc:sldChg>
+      <pc:sldChg chg="modSp mod">
+        <pc:chgData name="Thijs Geert" userId="71bbdf76-1f78-436b-8a82-e502e1f22064" providerId="ADAL" clId="{4AF0FB94-D319-4C38-84EE-D0B79CC3DEE0}" dt="2021-05-27T13:53:57.354" v="2807" actId="20577"/>
+        <pc:sldMkLst>
+          <pc:docMk/>
+          <pc:sldMk cId="2649756330" sldId="283"/>
+        </pc:sldMkLst>
+        <pc:spChg chg="mod">
+          <ac:chgData name="Thijs Geert" userId="71bbdf76-1f78-436b-8a82-e502e1f22064" providerId="ADAL" clId="{4AF0FB94-D319-4C38-84EE-D0B79CC3DEE0}" dt="2021-05-27T13:53:57.354" v="2807" actId="20577"/>
+          <ac:spMkLst>
+            <pc:docMk/>
+            <pc:sldMk cId="2649756330" sldId="283"/>
+            <ac:spMk id="2" creationId="{1DEFF95F-CF61-49C4-B9AA-440049470977}"/>
+          </ac:spMkLst>
+        </pc:spChg>
+      </pc:sldChg>
+      <pc:sldChg chg="modSp mod">
+        <pc:chgData name="Thijs Geert" userId="71bbdf76-1f78-436b-8a82-e502e1f22064" providerId="ADAL" clId="{4AF0FB94-D319-4C38-84EE-D0B79CC3DEE0}" dt="2021-05-27T07:36:13.868" v="867" actId="20577"/>
+        <pc:sldMkLst>
+          <pc:docMk/>
+          <pc:sldMk cId="2695381399" sldId="284"/>
+        </pc:sldMkLst>
+        <pc:graphicFrameChg chg="modGraphic">
+          <ac:chgData name="Thijs Geert" userId="71bbdf76-1f78-436b-8a82-e502e1f22064" providerId="ADAL" clId="{4AF0FB94-D319-4C38-84EE-D0B79CC3DEE0}" dt="2021-05-27T07:36:13.868" v="867" actId="20577"/>
+          <ac:graphicFrameMkLst>
+            <pc:docMk/>
+            <pc:sldMk cId="2695381399" sldId="284"/>
+            <ac:graphicFrameMk id="6" creationId="{71931EB5-C37A-418F-99BC-F8B25BD8F6BB}"/>
+          </ac:graphicFrameMkLst>
+        </pc:graphicFrameChg>
+      </pc:sldChg>
+      <pc:sldChg chg="modSp mod">
+        <pc:chgData name="Thijs Geert" userId="71bbdf76-1f78-436b-8a82-e502e1f22064" providerId="ADAL" clId="{4AF0FB94-D319-4C38-84EE-D0B79CC3DEE0}" dt="2021-05-27T07:33:52.469" v="833" actId="20577"/>
+        <pc:sldMkLst>
+          <pc:docMk/>
+          <pc:sldMk cId="2748777361" sldId="285"/>
+        </pc:sldMkLst>
+        <pc:graphicFrameChg chg="modGraphic">
+          <ac:chgData name="Thijs Geert" userId="71bbdf76-1f78-436b-8a82-e502e1f22064" providerId="ADAL" clId="{4AF0FB94-D319-4C38-84EE-D0B79CC3DEE0}" dt="2021-05-27T07:33:52.469" v="833" actId="20577"/>
+          <ac:graphicFrameMkLst>
+            <pc:docMk/>
+            <pc:sldMk cId="2748777361" sldId="285"/>
+            <ac:graphicFrameMk id="6" creationId="{71931EB5-C37A-418F-99BC-F8B25BD8F6BB}"/>
+          </ac:graphicFrameMkLst>
+        </pc:graphicFrameChg>
+      </pc:sldChg>
+      <pc:sldChg chg="modSp mod">
+        <pc:chgData name="Thijs Geert" userId="71bbdf76-1f78-436b-8a82-e502e1f22064" providerId="ADAL" clId="{4AF0FB94-D319-4C38-84EE-D0B79CC3DEE0}" dt="2021-05-27T07:36:53.416" v="888" actId="20577"/>
+        <pc:sldMkLst>
+          <pc:docMk/>
+          <pc:sldMk cId="1396246287" sldId="286"/>
+        </pc:sldMkLst>
+        <pc:graphicFrameChg chg="modGraphic">
+          <ac:chgData name="Thijs Geert" userId="71bbdf76-1f78-436b-8a82-e502e1f22064" providerId="ADAL" clId="{4AF0FB94-D319-4C38-84EE-D0B79CC3DEE0}" dt="2021-05-27T07:36:53.416" v="888" actId="20577"/>
+          <ac:graphicFrameMkLst>
+            <pc:docMk/>
+            <pc:sldMk cId="1396246287" sldId="286"/>
+            <ac:graphicFrameMk id="6" creationId="{71931EB5-C37A-418F-99BC-F8B25BD8F6BB}"/>
+          </ac:graphicFrameMkLst>
+        </pc:graphicFrameChg>
+      </pc:sldChg>
+      <pc:sldChg chg="modSp mod">
+        <pc:chgData name="Thijs Geert" userId="71bbdf76-1f78-436b-8a82-e502e1f22064" providerId="ADAL" clId="{4AF0FB94-D319-4C38-84EE-D0B79CC3DEE0}" dt="2021-05-27T07:41:15.764" v="1088" actId="20577"/>
+        <pc:sldMkLst>
+          <pc:docMk/>
+          <pc:sldMk cId="1109731147" sldId="287"/>
+        </pc:sldMkLst>
+        <pc:graphicFrameChg chg="modGraphic">
+          <ac:chgData name="Thijs Geert" userId="71bbdf76-1f78-436b-8a82-e502e1f22064" providerId="ADAL" clId="{4AF0FB94-D319-4C38-84EE-D0B79CC3DEE0}" dt="2021-05-27T07:41:15.764" v="1088" actId="20577"/>
+          <ac:graphicFrameMkLst>
+            <pc:docMk/>
+            <pc:sldMk cId="1109731147" sldId="287"/>
+            <ac:graphicFrameMk id="6" creationId="{71931EB5-C37A-418F-99BC-F8B25BD8F6BB}"/>
+          </ac:graphicFrameMkLst>
+        </pc:graphicFrameChg>
+      </pc:sldChg>
+      <pc:sldChg chg="modSp mod">
+        <pc:chgData name="Thijs Geert" userId="71bbdf76-1f78-436b-8a82-e502e1f22064" providerId="ADAL" clId="{4AF0FB94-D319-4C38-84EE-D0B79CC3DEE0}" dt="2021-05-27T07:41:58.728" v="1117" actId="20577"/>
+        <pc:sldMkLst>
+          <pc:docMk/>
+          <pc:sldMk cId="4150506925" sldId="289"/>
+        </pc:sldMkLst>
+        <pc:graphicFrameChg chg="modGraphic">
+          <ac:chgData name="Thijs Geert" userId="71bbdf76-1f78-436b-8a82-e502e1f22064" providerId="ADAL" clId="{4AF0FB94-D319-4C38-84EE-D0B79CC3DEE0}" dt="2021-05-27T07:41:58.728" v="1117" actId="20577"/>
+          <ac:graphicFrameMkLst>
+            <pc:docMk/>
+            <pc:sldMk cId="4150506925" sldId="289"/>
+            <ac:graphicFrameMk id="6" creationId="{71931EB5-C37A-418F-99BC-F8B25BD8F6BB}"/>
+          </ac:graphicFrameMkLst>
+        </pc:graphicFrameChg>
+      </pc:sldChg>
+      <pc:sldChg chg="addSp delSp modSp mod ord">
+        <pc:chgData name="Thijs Geert" userId="71bbdf76-1f78-436b-8a82-e502e1f22064" providerId="ADAL" clId="{4AF0FB94-D319-4C38-84EE-D0B79CC3DEE0}" dt="2021-05-27T09:31:45.597" v="1842" actId="1076"/>
+        <pc:sldMkLst>
+          <pc:docMk/>
+          <pc:sldMk cId="3601242841" sldId="294"/>
+        </pc:sldMkLst>
+        <pc:spChg chg="mod">
+          <ac:chgData name="Thijs Geert" userId="71bbdf76-1f78-436b-8a82-e502e1f22064" providerId="ADAL" clId="{4AF0FB94-D319-4C38-84EE-D0B79CC3DEE0}" dt="2021-05-26T20:21:10.311" v="390" actId="20577"/>
+          <ac:spMkLst>
+            <pc:docMk/>
+            <pc:sldMk cId="3601242841" sldId="294"/>
+            <ac:spMk id="2" creationId="{1DEFF95F-CF61-49C4-B9AA-440049470977}"/>
+          </ac:spMkLst>
+        </pc:spChg>
+        <pc:spChg chg="add mod">
+          <ac:chgData name="Thijs Geert" userId="71bbdf76-1f78-436b-8a82-e502e1f22064" providerId="ADAL" clId="{4AF0FB94-D319-4C38-84EE-D0B79CC3DEE0}" dt="2021-05-27T07:24:26.566" v="693" actId="1038"/>
+          <ac:spMkLst>
+            <pc:docMk/>
+            <pc:sldMk cId="3601242841" sldId="294"/>
+            <ac:spMk id="6" creationId="{14A6D231-543C-4A81-942D-26935CD53DC9}"/>
+          </ac:spMkLst>
+        </pc:spChg>
+        <pc:spChg chg="add mod">
+          <ac:chgData name="Thijs Geert" userId="71bbdf76-1f78-436b-8a82-e502e1f22064" providerId="ADAL" clId="{4AF0FB94-D319-4C38-84EE-D0B79CC3DEE0}" dt="2021-05-27T07:24:26.566" v="693" actId="1038"/>
+          <ac:spMkLst>
+            <pc:docMk/>
+            <pc:sldMk cId="3601242841" sldId="294"/>
+            <ac:spMk id="8" creationId="{98AA9203-8F6A-4ECF-8E12-F871AB8CBDF0}"/>
+          </ac:spMkLst>
+        </pc:spChg>
+        <pc:spChg chg="add mod">
+          <ac:chgData name="Thijs Geert" userId="71bbdf76-1f78-436b-8a82-e502e1f22064" providerId="ADAL" clId="{4AF0FB94-D319-4C38-84EE-D0B79CC3DEE0}" dt="2021-05-27T07:24:26.566" v="693" actId="1038"/>
+          <ac:spMkLst>
+            <pc:docMk/>
+            <pc:sldMk cId="3601242841" sldId="294"/>
+            <ac:spMk id="9" creationId="{3A065827-EF58-442A-AA86-3F8AF50AE3B0}"/>
+          </ac:spMkLst>
+        </pc:spChg>
+        <pc:spChg chg="add mod">
+          <ac:chgData name="Thijs Geert" userId="71bbdf76-1f78-436b-8a82-e502e1f22064" providerId="ADAL" clId="{4AF0FB94-D319-4C38-84EE-D0B79CC3DEE0}" dt="2021-05-27T07:24:26.566" v="693" actId="1038"/>
+          <ac:spMkLst>
+            <pc:docMk/>
+            <pc:sldMk cId="3601242841" sldId="294"/>
+            <ac:spMk id="10" creationId="{B3A311A9-8218-4E9C-9BCA-8CEE53DB5A51}"/>
+          </ac:spMkLst>
+        </pc:spChg>
+        <pc:spChg chg="add mod">
+          <ac:chgData name="Thijs Geert" userId="71bbdf76-1f78-436b-8a82-e502e1f22064" providerId="ADAL" clId="{4AF0FB94-D319-4C38-84EE-D0B79CC3DEE0}" dt="2021-05-27T09:31:45.597" v="1842" actId="1076"/>
+          <ac:spMkLst>
+            <pc:docMk/>
+            <pc:sldMk cId="3601242841" sldId="294"/>
+            <ac:spMk id="11" creationId="{7C28A9BF-7931-405A-A535-E7490C0468F8}"/>
+          </ac:spMkLst>
+        </pc:spChg>
+        <pc:spChg chg="add mod">
+          <ac:chgData name="Thijs Geert" userId="71bbdf76-1f78-436b-8a82-e502e1f22064" providerId="ADAL" clId="{4AF0FB94-D319-4C38-84EE-D0B79CC3DEE0}" dt="2021-05-27T07:24:26.566" v="693" actId="1038"/>
+          <ac:spMkLst>
+            <pc:docMk/>
+            <pc:sldMk cId="3601242841" sldId="294"/>
+            <ac:spMk id="12" creationId="{9E5232C7-48BC-4A67-AB0F-BE4BA3EED74B}"/>
+          </ac:spMkLst>
+        </pc:spChg>
+        <pc:spChg chg="add mod">
+          <ac:chgData name="Thijs Geert" userId="71bbdf76-1f78-436b-8a82-e502e1f22064" providerId="ADAL" clId="{4AF0FB94-D319-4C38-84EE-D0B79CC3DEE0}" dt="2021-05-27T07:24:26.566" v="693" actId="1038"/>
+          <ac:spMkLst>
+            <pc:docMk/>
+            <pc:sldMk cId="3601242841" sldId="294"/>
+            <ac:spMk id="13" creationId="{D8787962-594C-4E21-986E-857500B3750F}"/>
+          </ac:spMkLst>
+        </pc:spChg>
+        <pc:spChg chg="add mod">
+          <ac:chgData name="Thijs Geert" userId="71bbdf76-1f78-436b-8a82-e502e1f22064" providerId="ADAL" clId="{4AF0FB94-D319-4C38-84EE-D0B79CC3DEE0}" dt="2021-05-27T07:24:26.566" v="693" actId="1038"/>
+          <ac:spMkLst>
+            <pc:docMk/>
+            <pc:sldMk cId="3601242841" sldId="294"/>
+            <ac:spMk id="14" creationId="{F10AB812-47F1-4E25-A036-793DCE3CADDB}"/>
+          </ac:spMkLst>
+        </pc:spChg>
+        <pc:spChg chg="add del mod">
+          <ac:chgData name="Thijs Geert" userId="71bbdf76-1f78-436b-8a82-e502e1f22064" providerId="ADAL" clId="{4AF0FB94-D319-4C38-84EE-D0B79CC3DEE0}" dt="2021-05-27T07:24:34.478" v="694" actId="478"/>
+          <ac:spMkLst>
+            <pc:docMk/>
+            <pc:sldMk cId="3601242841" sldId="294"/>
+            <ac:spMk id="16" creationId="{77C99116-BF8B-4298-9B76-396942B1951C}"/>
+          </ac:spMkLst>
+        </pc:spChg>
+        <pc:picChg chg="add del mod">
+          <ac:chgData name="Thijs Geert" userId="71bbdf76-1f78-436b-8a82-e502e1f22064" providerId="ADAL" clId="{4AF0FB94-D319-4C38-84EE-D0B79CC3DEE0}" dt="2021-05-26T20:29:19.533" v="526" actId="478"/>
+          <ac:picMkLst>
+            <pc:docMk/>
+            <pc:sldMk cId="3601242841" sldId="294"/>
+            <ac:picMk id="4" creationId="{A3528999-D0C3-4C06-8B46-D0CD06D047A0}"/>
+          </ac:picMkLst>
+        </pc:picChg>
+        <pc:picChg chg="del mod">
+          <ac:chgData name="Thijs Geert" userId="71bbdf76-1f78-436b-8a82-e502e1f22064" providerId="ADAL" clId="{4AF0FB94-D319-4C38-84EE-D0B79CC3DEE0}" dt="2021-05-26T20:21:13.017" v="391" actId="478"/>
+          <ac:picMkLst>
+            <pc:docMk/>
+            <pc:sldMk cId="3601242841" sldId="294"/>
+            <ac:picMk id="7" creationId="{87880980-ED25-4C55-9B18-CD057AFBD581}"/>
+          </ac:picMkLst>
+        </pc:picChg>
+        <pc:picChg chg="add mod">
+          <ac:chgData name="Thijs Geert" userId="71bbdf76-1f78-436b-8a82-e502e1f22064" providerId="ADAL" clId="{4AF0FB94-D319-4C38-84EE-D0B79CC3DEE0}" dt="2021-05-26T20:23:23.350" v="418" actId="571"/>
+          <ac:picMkLst>
+            <pc:docMk/>
+            <pc:sldMk cId="3601242841" sldId="294"/>
+            <ac:picMk id="15" creationId="{56AEC4A4-589D-4B2B-BB5A-4C89A4AB15B7}"/>
+          </ac:picMkLst>
+        </pc:picChg>
+        <pc:picChg chg="add del mod ord">
+          <ac:chgData name="Thijs Geert" userId="71bbdf76-1f78-436b-8a82-e502e1f22064" providerId="ADAL" clId="{4AF0FB94-D319-4C38-84EE-D0B79CC3DEE0}" dt="2021-05-27T07:24:00.460" v="647" actId="478"/>
+          <ac:picMkLst>
+            <pc:docMk/>
+            <pc:sldMk cId="3601242841" sldId="294"/>
+            <ac:picMk id="17" creationId="{3616191B-7B56-4E1B-9AE1-FF7DD158ABB2}"/>
+          </ac:picMkLst>
+        </pc:picChg>
+        <pc:picChg chg="add mod ord">
+          <ac:chgData name="Thijs Geert" userId="71bbdf76-1f78-436b-8a82-e502e1f22064" providerId="ADAL" clId="{4AF0FB94-D319-4C38-84EE-D0B79CC3DEE0}" dt="2021-05-27T07:24:05.759" v="648" actId="167"/>
+          <ac:picMkLst>
+            <pc:docMk/>
+            <pc:sldMk cId="3601242841" sldId="294"/>
+            <ac:picMk id="18" creationId="{4A760CF7-59AD-4057-81BE-C7562D489E73}"/>
+          </ac:picMkLst>
+        </pc:picChg>
+      </pc:sldChg>
+      <pc:sldChg chg="modSp mod">
+        <pc:chgData name="Thijs Geert" userId="71bbdf76-1f78-436b-8a82-e502e1f22064" providerId="ADAL" clId="{4AF0FB94-D319-4C38-84EE-D0B79CC3DEE0}" dt="2021-05-26T20:26:11.010" v="489" actId="20577"/>
+        <pc:sldMkLst>
+          <pc:docMk/>
+          <pc:sldMk cId="2211994134" sldId="295"/>
+        </pc:sldMkLst>
+        <pc:spChg chg="mod">
+          <ac:chgData name="Thijs Geert" userId="71bbdf76-1f78-436b-8a82-e502e1f22064" providerId="ADAL" clId="{4AF0FB94-D319-4C38-84EE-D0B79CC3DEE0}" dt="2021-05-26T20:26:11.010" v="489" actId="20577"/>
+          <ac:spMkLst>
+            <pc:docMk/>
+            <pc:sldMk cId="2211994134" sldId="295"/>
+            <ac:spMk id="2" creationId="{1DEFF95F-CF61-49C4-B9AA-440049470977}"/>
+          </ac:spMkLst>
+        </pc:spChg>
+      </pc:sldChg>
+      <pc:sldChg chg="modSp mod">
+        <pc:chgData name="Thijs Geert" userId="71bbdf76-1f78-436b-8a82-e502e1f22064" providerId="ADAL" clId="{4AF0FB94-D319-4C38-84EE-D0B79CC3DEE0}" dt="2021-05-26T19:50:38.805" v="377" actId="20577"/>
+        <pc:sldMkLst>
+          <pc:docMk/>
+          <pc:sldMk cId="77997021" sldId="297"/>
+        </pc:sldMkLst>
+        <pc:spChg chg="mod">
+          <ac:chgData name="Thijs Geert" userId="71bbdf76-1f78-436b-8a82-e502e1f22064" providerId="ADAL" clId="{4AF0FB94-D319-4C38-84EE-D0B79CC3DEE0}" dt="2021-05-26T19:50:38.805" v="377" actId="20577"/>
+          <ac:spMkLst>
+            <pc:docMk/>
+            <pc:sldMk cId="77997021" sldId="297"/>
+            <ac:spMk id="2" creationId="{1DEFF95F-CF61-49C4-B9AA-440049470977}"/>
+          </ac:spMkLst>
+        </pc:spChg>
+        <pc:spChg chg="mod">
+          <ac:chgData name="Thijs Geert" userId="71bbdf76-1f78-436b-8a82-e502e1f22064" providerId="ADAL" clId="{4AF0FB94-D319-4C38-84EE-D0B79CC3DEE0}" dt="2021-05-26T19:49:55.046" v="357" actId="20577"/>
+          <ac:spMkLst>
+            <pc:docMk/>
+            <pc:sldMk cId="77997021" sldId="297"/>
+            <ac:spMk id="3" creationId="{B91FEBC3-BC36-44B4-98C0-7B7A5DAF600B}"/>
+          </ac:spMkLst>
+        </pc:spChg>
+      </pc:sldChg>
+      <pc:sldChg chg="add">
+        <pc:chgData name="Thijs Geert" userId="71bbdf76-1f78-436b-8a82-e502e1f22064" providerId="ADAL" clId="{4AF0FB94-D319-4C38-84EE-D0B79CC3DEE0}" dt="2021-05-26T19:49:21.979" v="322"/>
+        <pc:sldMkLst>
+          <pc:docMk/>
+          <pc:sldMk cId="2153600045" sldId="298"/>
+        </pc:sldMkLst>
+      </pc:sldChg>
+      <pc:sldChg chg="addSp delSp modSp add del mod">
+        <pc:chgData name="Thijs Geert" userId="71bbdf76-1f78-436b-8a82-e502e1f22064" providerId="ADAL" clId="{4AF0FB94-D319-4C38-84EE-D0B79CC3DEE0}" dt="2021-05-27T07:28:17.912" v="744" actId="47"/>
+        <pc:sldMkLst>
+          <pc:docMk/>
+          <pc:sldMk cId="3468512136" sldId="299"/>
+        </pc:sldMkLst>
+        <pc:picChg chg="del">
+          <ac:chgData name="Thijs Geert" userId="71bbdf76-1f78-436b-8a82-e502e1f22064" providerId="ADAL" clId="{4AF0FB94-D319-4C38-84EE-D0B79CC3DEE0}" dt="2021-05-26T20:29:08.961" v="525" actId="478"/>
+          <ac:picMkLst>
+            <pc:docMk/>
+            <pc:sldMk cId="3468512136" sldId="299"/>
+            <ac:picMk id="4" creationId="{A3528999-D0C3-4C06-8B46-D0CD06D047A0}"/>
+          </ac:picMkLst>
+        </pc:picChg>
+        <pc:picChg chg="add del mod ord">
+          <ac:chgData name="Thijs Geert" userId="71bbdf76-1f78-436b-8a82-e502e1f22064" providerId="ADAL" clId="{4AF0FB94-D319-4C38-84EE-D0B79CC3DEE0}" dt="2021-05-27T07:23:47.375" v="644" actId="478"/>
+          <ac:picMkLst>
+            <pc:docMk/>
+            <pc:sldMk cId="3468512136" sldId="299"/>
+            <ac:picMk id="5" creationId="{B9DF46E4-EAA5-4A6E-8453-41D0F0EA60F1}"/>
+          </ac:picMkLst>
+        </pc:picChg>
+        <pc:picChg chg="add del mod">
+          <ac:chgData name="Thijs Geert" userId="71bbdf76-1f78-436b-8a82-e502e1f22064" providerId="ADAL" clId="{4AF0FB94-D319-4C38-84EE-D0B79CC3DEE0}" dt="2021-05-27T07:23:17.016" v="635" actId="478"/>
+          <ac:picMkLst>
+            <pc:docMk/>
+            <pc:sldMk cId="3468512136" sldId="299"/>
+            <ac:picMk id="7" creationId="{FB25C03E-C7C6-4939-81A4-A0AEF6E9CEDD}"/>
+          </ac:picMkLst>
+        </pc:picChg>
+        <pc:picChg chg="add mod">
+          <ac:chgData name="Thijs Geert" userId="71bbdf76-1f78-436b-8a82-e502e1f22064" providerId="ADAL" clId="{4AF0FB94-D319-4C38-84EE-D0B79CC3DEE0}" dt="2021-05-27T07:23:51.173" v="645" actId="1076"/>
+          <ac:picMkLst>
+            <pc:docMk/>
+            <pc:sldMk cId="3468512136" sldId="299"/>
+            <ac:picMk id="9" creationId="{87205320-584C-46CF-817D-632E3558939B}"/>
+          </ac:picMkLst>
+        </pc:picChg>
+      </pc:sldChg>
+      <pc:sldChg chg="addSp delSp modSp add mod">
+        <pc:chgData name="Thijs Geert" userId="71bbdf76-1f78-436b-8a82-e502e1f22064" providerId="ADAL" clId="{4AF0FB94-D319-4C38-84EE-D0B79CC3DEE0}" dt="2021-05-27T11:51:10.134" v="1874" actId="1076"/>
+        <pc:sldMkLst>
+          <pc:docMk/>
+          <pc:sldMk cId="1862427937" sldId="300"/>
+        </pc:sldMkLst>
+        <pc:spChg chg="mod">
+          <ac:chgData name="Thijs Geert" userId="71bbdf76-1f78-436b-8a82-e502e1f22064" providerId="ADAL" clId="{4AF0FB94-D319-4C38-84EE-D0B79CC3DEE0}" dt="2021-05-26T20:47:41.221" v="629" actId="255"/>
+          <ac:spMkLst>
+            <pc:docMk/>
+            <pc:sldMk cId="1862427937" sldId="300"/>
+            <ac:spMk id="2" creationId="{1DEFF95F-CF61-49C4-B9AA-440049470977}"/>
+          </ac:spMkLst>
+        </pc:spChg>
+        <pc:spChg chg="del">
+          <ac:chgData name="Thijs Geert" userId="71bbdf76-1f78-436b-8a82-e502e1f22064" providerId="ADAL" clId="{4AF0FB94-D319-4C38-84EE-D0B79CC3DEE0}" dt="2021-05-26T20:25:18.190" v="455" actId="478"/>
+          <ac:spMkLst>
+            <pc:docMk/>
+            <pc:sldMk cId="1862427937" sldId="300"/>
+            <ac:spMk id="6" creationId="{14A6D231-543C-4A81-942D-26935CD53DC9}"/>
+          </ac:spMkLst>
+        </pc:spChg>
+        <pc:spChg chg="del">
+          <ac:chgData name="Thijs Geert" userId="71bbdf76-1f78-436b-8a82-e502e1f22064" providerId="ADAL" clId="{4AF0FB94-D319-4C38-84EE-D0B79CC3DEE0}" dt="2021-05-26T20:25:18.190" v="455" actId="478"/>
+          <ac:spMkLst>
+            <pc:docMk/>
+            <pc:sldMk cId="1862427937" sldId="300"/>
+            <ac:spMk id="8" creationId="{98AA9203-8F6A-4ECF-8E12-F871AB8CBDF0}"/>
+          </ac:spMkLst>
+        </pc:spChg>
+        <pc:spChg chg="del">
+          <ac:chgData name="Thijs Geert" userId="71bbdf76-1f78-436b-8a82-e502e1f22064" providerId="ADAL" clId="{4AF0FB94-D319-4C38-84EE-D0B79CC3DEE0}" dt="2021-05-26T20:25:18.190" v="455" actId="478"/>
+          <ac:spMkLst>
+            <pc:docMk/>
+            <pc:sldMk cId="1862427937" sldId="300"/>
+            <ac:spMk id="9" creationId="{3A065827-EF58-442A-AA86-3F8AF50AE3B0}"/>
+          </ac:spMkLst>
+        </pc:spChg>
+        <pc:spChg chg="del">
+          <ac:chgData name="Thijs Geert" userId="71bbdf76-1f78-436b-8a82-e502e1f22064" providerId="ADAL" clId="{4AF0FB94-D319-4C38-84EE-D0B79CC3DEE0}" dt="2021-05-26T20:25:18.190" v="455" actId="478"/>
+          <ac:spMkLst>
+            <pc:docMk/>
+            <pc:sldMk cId="1862427937" sldId="300"/>
+            <ac:spMk id="10" creationId="{B3A311A9-8218-4E9C-9BCA-8CEE53DB5A51}"/>
+          </ac:spMkLst>
+        </pc:spChg>
+        <pc:spChg chg="del">
+          <ac:chgData name="Thijs Geert" userId="71bbdf76-1f78-436b-8a82-e502e1f22064" providerId="ADAL" clId="{4AF0FB94-D319-4C38-84EE-D0B79CC3DEE0}" dt="2021-05-26T20:25:18.190" v="455" actId="478"/>
+          <ac:spMkLst>
+            <pc:docMk/>
+            <pc:sldMk cId="1862427937" sldId="300"/>
+            <ac:spMk id="11" creationId="{7C28A9BF-7931-405A-A535-E7490C0468F8}"/>
+          </ac:spMkLst>
+        </pc:spChg>
+        <pc:spChg chg="del">
+          <ac:chgData name="Thijs Geert" userId="71bbdf76-1f78-436b-8a82-e502e1f22064" providerId="ADAL" clId="{4AF0FB94-D319-4C38-84EE-D0B79CC3DEE0}" dt="2021-05-26T20:25:18.190" v="455" actId="478"/>
+          <ac:spMkLst>
+            <pc:docMk/>
+            <pc:sldMk cId="1862427937" sldId="300"/>
+            <ac:spMk id="12" creationId="{9E5232C7-48BC-4A67-AB0F-BE4BA3EED74B}"/>
+          </ac:spMkLst>
+        </pc:spChg>
+        <pc:spChg chg="del">
+          <ac:chgData name="Thijs Geert" userId="71bbdf76-1f78-436b-8a82-e502e1f22064" providerId="ADAL" clId="{4AF0FB94-D319-4C38-84EE-D0B79CC3DEE0}" dt="2021-05-26T20:25:18.190" v="455" actId="478"/>
+          <ac:spMkLst>
+            <pc:docMk/>
+            <pc:sldMk cId="1862427937" sldId="300"/>
+            <ac:spMk id="13" creationId="{D8787962-594C-4E21-986E-857500B3750F}"/>
+          </ac:spMkLst>
+        </pc:spChg>
+        <pc:spChg chg="del">
+          <ac:chgData name="Thijs Geert" userId="71bbdf76-1f78-436b-8a82-e502e1f22064" providerId="ADAL" clId="{4AF0FB94-D319-4C38-84EE-D0B79CC3DEE0}" dt="2021-05-26T20:25:18.190" v="455" actId="478"/>
+          <ac:spMkLst>
+            <pc:docMk/>
+            <pc:sldMk cId="1862427937" sldId="300"/>
+            <ac:spMk id="14" creationId="{F10AB812-47F1-4E25-A036-793DCE3CADDB}"/>
+          </ac:spMkLst>
+        </pc:spChg>
+        <pc:spChg chg="del">
+          <ac:chgData name="Thijs Geert" userId="71bbdf76-1f78-436b-8a82-e502e1f22064" providerId="ADAL" clId="{4AF0FB94-D319-4C38-84EE-D0B79CC3DEE0}" dt="2021-05-26T20:25:18.190" v="455" actId="478"/>
+          <ac:spMkLst>
+            <pc:docMk/>
+            <pc:sldMk cId="1862427937" sldId="300"/>
+            <ac:spMk id="16" creationId="{77C99116-BF8B-4298-9B76-396942B1951C}"/>
+          </ac:spMkLst>
+        </pc:spChg>
+        <pc:picChg chg="del">
+          <ac:chgData name="Thijs Geert" userId="71bbdf76-1f78-436b-8a82-e502e1f22064" providerId="ADAL" clId="{4AF0FB94-D319-4C38-84EE-D0B79CC3DEE0}" dt="2021-05-26T20:25:18.190" v="455" actId="478"/>
+          <ac:picMkLst>
+            <pc:docMk/>
+            <pc:sldMk cId="1862427937" sldId="300"/>
+            <ac:picMk id="4" creationId="{A3528999-D0C3-4C06-8B46-D0CD06D047A0}"/>
+          </ac:picMkLst>
+        </pc:picChg>
+        <pc:picChg chg="add mod">
+          <ac:chgData name="Thijs Geert" userId="71bbdf76-1f78-436b-8a82-e502e1f22064" providerId="ADAL" clId="{4AF0FB94-D319-4C38-84EE-D0B79CC3DEE0}" dt="2021-05-27T11:51:10.134" v="1874" actId="1076"/>
+          <ac:picMkLst>
+            <pc:docMk/>
+            <pc:sldMk cId="1862427937" sldId="300"/>
+            <ac:picMk id="5" creationId="{98F9A0C7-F5D8-46C9-BF59-96619F6CD7C0}"/>
+          </ac:picMkLst>
+        </pc:picChg>
+      </pc:sldChg>
+      <pc:sldChg chg="addSp modSp add mod">
+        <pc:chgData name="Thijs Geert" userId="71bbdf76-1f78-436b-8a82-e502e1f22064" providerId="ADAL" clId="{4AF0FB94-D319-4C38-84EE-D0B79CC3DEE0}" dt="2021-05-27T12:28:32.688" v="2783" actId="20577"/>
+        <pc:sldMkLst>
+          <pc:docMk/>
+          <pc:sldMk cId="1548277589" sldId="301"/>
+        </pc:sldMkLst>
+        <pc:spChg chg="mod">
+          <ac:chgData name="Thijs Geert" userId="71bbdf76-1f78-436b-8a82-e502e1f22064" providerId="ADAL" clId="{4AF0FB94-D319-4C38-84EE-D0B79CC3DEE0}" dt="2021-05-26T20:34:14.227" v="536" actId="20577"/>
+          <ac:spMkLst>
+            <pc:docMk/>
+            <pc:sldMk cId="1548277589" sldId="301"/>
+            <ac:spMk id="2" creationId="{1DEFF95F-CF61-49C4-B9AA-440049470977}"/>
+          </ac:spMkLst>
+        </pc:spChg>
+        <pc:spChg chg="add mod">
+          <ac:chgData name="Thijs Geert" userId="71bbdf76-1f78-436b-8a82-e502e1f22064" providerId="ADAL" clId="{4AF0FB94-D319-4C38-84EE-D0B79CC3DEE0}" dt="2021-05-27T12:28:32.688" v="2783" actId="20577"/>
+          <ac:spMkLst>
+            <pc:docMk/>
+            <pc:sldMk cId="1548277589" sldId="301"/>
+            <ac:spMk id="3" creationId="{45B1F829-37C1-4254-98E6-62510F72313C}"/>
+          </ac:spMkLst>
+        </pc:spChg>
+      </pc:sldChg>
+      <pc:sldChg chg="addSp modSp add mod">
+        <pc:chgData name="Thijs Geert" userId="71bbdf76-1f78-436b-8a82-e502e1f22064" providerId="ADAL" clId="{4AF0FB94-D319-4C38-84EE-D0B79CC3DEE0}" dt="2021-05-27T12:58:38.982" v="2792" actId="1076"/>
+        <pc:sldMkLst>
+          <pc:docMk/>
+          <pc:sldMk cId="3860943190" sldId="302"/>
+        </pc:sldMkLst>
+        <pc:spChg chg="mod">
+          <ac:chgData name="Thijs Geert" userId="71bbdf76-1f78-436b-8a82-e502e1f22064" providerId="ADAL" clId="{4AF0FB94-D319-4C38-84EE-D0B79CC3DEE0}" dt="2021-05-26T20:47:10.407" v="625" actId="255"/>
+          <ac:spMkLst>
+            <pc:docMk/>
+            <pc:sldMk cId="3860943190" sldId="302"/>
+            <ac:spMk id="2" creationId="{1DEFF95F-CF61-49C4-B9AA-440049470977}"/>
+          </ac:spMkLst>
+        </pc:spChg>
+        <pc:picChg chg="add mod">
+          <ac:chgData name="Thijs Geert" userId="71bbdf76-1f78-436b-8a82-e502e1f22064" providerId="ADAL" clId="{4AF0FB94-D319-4C38-84EE-D0B79CC3DEE0}" dt="2021-05-27T12:58:38.982" v="2792" actId="1076"/>
+          <ac:picMkLst>
+            <pc:docMk/>
+            <pc:sldMk cId="3860943190" sldId="302"/>
+            <ac:picMk id="4" creationId="{DE8F29B8-6A6D-4CA0-8C20-B7AFFBAD985A}"/>
+          </ac:picMkLst>
+        </pc:picChg>
+      </pc:sldChg>
+      <pc:sldChg chg="addSp delSp modSp add mod">
+        <pc:chgData name="Thijs Geert" userId="71bbdf76-1f78-436b-8a82-e502e1f22064" providerId="ADAL" clId="{4AF0FB94-D319-4C38-84EE-D0B79CC3DEE0}" dt="2021-05-27T08:05:01.722" v="1540" actId="20577"/>
+        <pc:sldMkLst>
+          <pc:docMk/>
+          <pc:sldMk cId="3271572501" sldId="303"/>
+        </pc:sldMkLst>
+        <pc:spChg chg="mod">
+          <ac:chgData name="Thijs Geert" userId="71bbdf76-1f78-436b-8a82-e502e1f22064" providerId="ADAL" clId="{4AF0FB94-D319-4C38-84EE-D0B79CC3DEE0}" dt="2021-05-27T07:56:37.327" v="1131" actId="20577"/>
+          <ac:spMkLst>
+            <pc:docMk/>
+            <pc:sldMk cId="3271572501" sldId="303"/>
+            <ac:spMk id="2" creationId="{1DEFF95F-CF61-49C4-B9AA-440049470977}"/>
+          </ac:spMkLst>
+        </pc:spChg>
+        <pc:spChg chg="del">
+          <ac:chgData name="Thijs Geert" userId="71bbdf76-1f78-436b-8a82-e502e1f22064" providerId="ADAL" clId="{4AF0FB94-D319-4C38-84EE-D0B79CC3DEE0}" dt="2021-05-27T07:56:43.125" v="1133" actId="478"/>
+          <ac:spMkLst>
+            <pc:docMk/>
+            <pc:sldMk cId="3271572501" sldId="303"/>
+            <ac:spMk id="4" creationId="{74B2BFD1-400C-470B-B631-D98A60AD3E48}"/>
+          </ac:spMkLst>
+        </pc:spChg>
+        <pc:spChg chg="del">
+          <ac:chgData name="Thijs Geert" userId="71bbdf76-1f78-436b-8a82-e502e1f22064" providerId="ADAL" clId="{4AF0FB94-D319-4C38-84EE-D0B79CC3DEE0}" dt="2021-05-27T07:56:43.125" v="1133" actId="478"/>
+          <ac:spMkLst>
+            <pc:docMk/>
+            <pc:sldMk cId="3271572501" sldId="303"/>
+            <ac:spMk id="5" creationId="{D74408F1-578C-49B7-AF9F-37CBDEC75662}"/>
+          </ac:spMkLst>
+        </pc:spChg>
+        <pc:spChg chg="del">
+          <ac:chgData name="Thijs Geert" userId="71bbdf76-1f78-436b-8a82-e502e1f22064" providerId="ADAL" clId="{4AF0FB94-D319-4C38-84EE-D0B79CC3DEE0}" dt="2021-05-27T07:56:43.125" v="1133" actId="478"/>
+          <ac:spMkLst>
+            <pc:docMk/>
+            <pc:sldMk cId="3271572501" sldId="303"/>
+            <ac:spMk id="6" creationId="{47BD98AC-B88B-4AD7-B1E9-81576F8E7D2C}"/>
+          </ac:spMkLst>
+        </pc:spChg>
+        <pc:spChg chg="del">
+          <ac:chgData name="Thijs Geert" userId="71bbdf76-1f78-436b-8a82-e502e1f22064" providerId="ADAL" clId="{4AF0FB94-D319-4C38-84EE-D0B79CC3DEE0}" dt="2021-05-27T07:56:43.125" v="1133" actId="478"/>
+          <ac:spMkLst>
+            <pc:docMk/>
+            <pc:sldMk cId="3271572501" sldId="303"/>
+            <ac:spMk id="8" creationId="{7C7DDFA2-84D9-4FF7-BC77-0BA4A38AAD9F}"/>
+          </ac:spMkLst>
+        </pc:spChg>
+        <pc:spChg chg="del">
+          <ac:chgData name="Thijs Geert" userId="71bbdf76-1f78-436b-8a82-e502e1f22064" providerId="ADAL" clId="{4AF0FB94-D319-4C38-84EE-D0B79CC3DEE0}" dt="2021-05-27T07:56:43.125" v="1133" actId="478"/>
+          <ac:spMkLst>
+            <pc:docMk/>
+            <pc:sldMk cId="3271572501" sldId="303"/>
+            <ac:spMk id="9" creationId="{0C6EE560-2091-4595-91EA-637655CA236F}"/>
+          </ac:spMkLst>
+        </pc:spChg>
+        <pc:spChg chg="del">
+          <ac:chgData name="Thijs Geert" userId="71bbdf76-1f78-436b-8a82-e502e1f22064" providerId="ADAL" clId="{4AF0FB94-D319-4C38-84EE-D0B79CC3DEE0}" dt="2021-05-27T07:56:43.125" v="1133" actId="478"/>
+          <ac:spMkLst>
+            <pc:docMk/>
+            <pc:sldMk cId="3271572501" sldId="303"/>
+            <ac:spMk id="10" creationId="{15601535-5DB4-45BA-BEF7-4EF0F0A7FA9B}"/>
+          </ac:spMkLst>
+        </pc:spChg>
+        <pc:spChg chg="add mod">
+          <ac:chgData name="Thijs Geert" userId="71bbdf76-1f78-436b-8a82-e502e1f22064" providerId="ADAL" clId="{4AF0FB94-D319-4C38-84EE-D0B79CC3DEE0}" dt="2021-05-27T08:05:01.722" v="1540" actId="20577"/>
+          <ac:spMkLst>
+            <pc:docMk/>
+            <pc:sldMk cId="3271572501" sldId="303"/>
+            <ac:spMk id="11" creationId="{1718E123-33D6-43EC-BA17-C253A71D1E1E}"/>
+          </ac:spMkLst>
+        </pc:spChg>
+        <pc:picChg chg="del">
+          <ac:chgData name="Thijs Geert" userId="71bbdf76-1f78-436b-8a82-e502e1f22064" providerId="ADAL" clId="{4AF0FB94-D319-4C38-84EE-D0B79CC3DEE0}" dt="2021-05-27T07:56:39.973" v="1132" actId="478"/>
+          <ac:picMkLst>
+            <pc:docMk/>
+            <pc:sldMk cId="3271572501" sldId="303"/>
+            <ac:picMk id="7" creationId="{87880980-ED25-4C55-9B18-CD057AFBD581}"/>
+          </ac:picMkLst>
+        </pc:picChg>
+      </pc:sldChg>
+      <pc:sldChg chg="modSp add mod">
+        <pc:chgData name="Thijs Geert" userId="71bbdf76-1f78-436b-8a82-e502e1f22064" providerId="ADAL" clId="{4AF0FB94-D319-4C38-84EE-D0B79CC3DEE0}" dt="2021-05-27T08:17:28.849" v="1713" actId="20577"/>
+        <pc:sldMkLst>
+          <pc:docMk/>
+          <pc:sldMk cId="388173885" sldId="304"/>
+        </pc:sldMkLst>
+        <pc:spChg chg="mod">
+          <ac:chgData name="Thijs Geert" userId="71bbdf76-1f78-436b-8a82-e502e1f22064" providerId="ADAL" clId="{4AF0FB94-D319-4C38-84EE-D0B79CC3DEE0}" dt="2021-05-27T08:06:05.225" v="1563" actId="20577"/>
+          <ac:spMkLst>
+            <pc:docMk/>
+            <pc:sldMk cId="388173885" sldId="304"/>
+            <ac:spMk id="2" creationId="{1DEFF95F-CF61-49C4-B9AA-440049470977}"/>
+          </ac:spMkLst>
+        </pc:spChg>
+        <pc:spChg chg="mod">
+          <ac:chgData name="Thijs Geert" userId="71bbdf76-1f78-436b-8a82-e502e1f22064" providerId="ADAL" clId="{4AF0FB94-D319-4C38-84EE-D0B79CC3DEE0}" dt="2021-05-27T08:17:28.849" v="1713" actId="20577"/>
+          <ac:spMkLst>
+            <pc:docMk/>
+            <pc:sldMk cId="388173885" sldId="304"/>
+            <ac:spMk id="3" creationId="{B91FEBC3-BC36-44B4-98C0-7B7A5DAF600B}"/>
+          </ac:spMkLst>
+        </pc:spChg>
+      </pc:sldChg>
+      <pc:sldChg chg="addSp delSp modSp add mod">
+        <pc:chgData name="Thijs Geert" userId="71bbdf76-1f78-436b-8a82-e502e1f22064" providerId="ADAL" clId="{4AF0FB94-D319-4C38-84EE-D0B79CC3DEE0}" dt="2021-05-27T09:04:19.652" v="1841" actId="20577"/>
+        <pc:sldMkLst>
+          <pc:docMk/>
+          <pc:sldMk cId="1661472317" sldId="305"/>
+        </pc:sldMkLst>
+        <pc:spChg chg="mod">
+          <ac:chgData name="Thijs Geert" userId="71bbdf76-1f78-436b-8a82-e502e1f22064" providerId="ADAL" clId="{4AF0FB94-D319-4C38-84EE-D0B79CC3DEE0}" dt="2021-05-27T09:03:07.011" v="1745" actId="404"/>
+          <ac:spMkLst>
+            <pc:docMk/>
+            <pc:sldMk cId="1661472317" sldId="305"/>
+            <ac:spMk id="2" creationId="{1DEFF95F-CF61-49C4-B9AA-440049470977}"/>
+          </ac:spMkLst>
+        </pc:spChg>
+        <pc:spChg chg="del">
+          <ac:chgData name="Thijs Geert" userId="71bbdf76-1f78-436b-8a82-e502e1f22064" providerId="ADAL" clId="{4AF0FB94-D319-4C38-84EE-D0B79CC3DEE0}" dt="2021-05-27T09:03:14.477" v="1746" actId="478"/>
+          <ac:spMkLst>
+            <pc:docMk/>
+            <pc:sldMk cId="1661472317" sldId="305"/>
+            <ac:spMk id="3" creationId="{3472D5EB-C242-4E33-AEBB-8E41CFA257AE}"/>
+          </ac:spMkLst>
+        </pc:spChg>
+        <pc:spChg chg="del">
+          <ac:chgData name="Thijs Geert" userId="71bbdf76-1f78-436b-8a82-e502e1f22064" providerId="ADAL" clId="{4AF0FB94-D319-4C38-84EE-D0B79CC3DEE0}" dt="2021-05-27T09:03:14.477" v="1746" actId="478"/>
+          <ac:spMkLst>
+            <pc:docMk/>
+            <pc:sldMk cId="1661472317" sldId="305"/>
+            <ac:spMk id="4" creationId="{9A816BD0-8182-4606-850F-48E643452D9D}"/>
+          </ac:spMkLst>
+        </pc:spChg>
+        <pc:spChg chg="del">
+          <ac:chgData name="Thijs Geert" userId="71bbdf76-1f78-436b-8a82-e502e1f22064" providerId="ADAL" clId="{4AF0FB94-D319-4C38-84EE-D0B79CC3DEE0}" dt="2021-05-27T09:03:14.477" v="1746" actId="478"/>
+          <ac:spMkLst>
+            <pc:docMk/>
+            <pc:sldMk cId="1661472317" sldId="305"/>
+            <ac:spMk id="5" creationId="{D7491EB0-1E8B-498D-B265-A618EFECFE27}"/>
+          </ac:spMkLst>
+        </pc:spChg>
+        <pc:spChg chg="del">
+          <ac:chgData name="Thijs Geert" userId="71bbdf76-1f78-436b-8a82-e502e1f22064" providerId="ADAL" clId="{4AF0FB94-D319-4C38-84EE-D0B79CC3DEE0}" dt="2021-05-27T09:03:14.477" v="1746" actId="478"/>
+          <ac:spMkLst>
+            <pc:docMk/>
+            <pc:sldMk cId="1661472317" sldId="305"/>
+            <ac:spMk id="6" creationId="{353DE42F-C0E3-43E2-8AF3-1238A857D1DA}"/>
+          </ac:spMkLst>
+        </pc:spChg>
+        <pc:spChg chg="del">
+          <ac:chgData name="Thijs Geert" userId="71bbdf76-1f78-436b-8a82-e502e1f22064" providerId="ADAL" clId="{4AF0FB94-D319-4C38-84EE-D0B79CC3DEE0}" dt="2021-05-27T09:03:14.477" v="1746" actId="478"/>
+          <ac:spMkLst>
+            <pc:docMk/>
+            <pc:sldMk cId="1661472317" sldId="305"/>
+            <ac:spMk id="8" creationId="{277F7876-C452-46CB-BC49-40CAF7E0E79B}"/>
+          </ac:spMkLst>
+        </pc:spChg>
+        <pc:spChg chg="del">
+          <ac:chgData name="Thijs Geert" userId="71bbdf76-1f78-436b-8a82-e502e1f22064" providerId="ADAL" clId="{4AF0FB94-D319-4C38-84EE-D0B79CC3DEE0}" dt="2021-05-27T09:03:14.477" v="1746" actId="478"/>
+          <ac:spMkLst>
+            <pc:docMk/>
+            <pc:sldMk cId="1661472317" sldId="305"/>
+            <ac:spMk id="9" creationId="{24C391B4-55CC-49AB-B6FE-C1EC6FCA0622}"/>
+          </ac:spMkLst>
+        </pc:spChg>
+        <pc:spChg chg="del">
+          <ac:chgData name="Thijs Geert" userId="71bbdf76-1f78-436b-8a82-e502e1f22064" providerId="ADAL" clId="{4AF0FB94-D319-4C38-84EE-D0B79CC3DEE0}" dt="2021-05-27T09:03:14.477" v="1746" actId="478"/>
+          <ac:spMkLst>
+            <pc:docMk/>
+            <pc:sldMk cId="1661472317" sldId="305"/>
+            <ac:spMk id="10" creationId="{933321EE-EACC-44E5-AF8F-1C29D9F7C039}"/>
+          </ac:spMkLst>
+        </pc:spChg>
+        <pc:spChg chg="del">
+          <ac:chgData name="Thijs Geert" userId="71bbdf76-1f78-436b-8a82-e502e1f22064" providerId="ADAL" clId="{4AF0FB94-D319-4C38-84EE-D0B79CC3DEE0}" dt="2021-05-27T09:03:14.477" v="1746" actId="478"/>
+          <ac:spMkLst>
+            <pc:docMk/>
+            <pc:sldMk cId="1661472317" sldId="305"/>
+            <ac:spMk id="11" creationId="{72FD505F-E182-4F78-AF7A-842015A0C0B3}"/>
+          </ac:spMkLst>
+        </pc:spChg>
+        <pc:spChg chg="del">
+          <ac:chgData name="Thijs Geert" userId="71bbdf76-1f78-436b-8a82-e502e1f22064" providerId="ADAL" clId="{4AF0FB94-D319-4C38-84EE-D0B79CC3DEE0}" dt="2021-05-27T09:03:14.477" v="1746" actId="478"/>
+          <ac:spMkLst>
+            <pc:docMk/>
+            <pc:sldMk cId="1661472317" sldId="305"/>
+            <ac:spMk id="12" creationId="{89EE01A9-E2E8-4E6C-BE10-C75F335BCCE6}"/>
+          </ac:spMkLst>
+        </pc:spChg>
+        <pc:spChg chg="del">
+          <ac:chgData name="Thijs Geert" userId="71bbdf76-1f78-436b-8a82-e502e1f22064" providerId="ADAL" clId="{4AF0FB94-D319-4C38-84EE-D0B79CC3DEE0}" dt="2021-05-27T09:03:14.477" v="1746" actId="478"/>
+          <ac:spMkLst>
+            <pc:docMk/>
+            <pc:sldMk cId="1661472317" sldId="305"/>
+            <ac:spMk id="13" creationId="{17DE45C1-9322-40F6-A8EE-4C1A02EDFDC8}"/>
+          </ac:spMkLst>
+        </pc:spChg>
+        <pc:spChg chg="del">
+          <ac:chgData name="Thijs Geert" userId="71bbdf76-1f78-436b-8a82-e502e1f22064" providerId="ADAL" clId="{4AF0FB94-D319-4C38-84EE-D0B79CC3DEE0}" dt="2021-05-27T09:03:14.477" v="1746" actId="478"/>
+          <ac:spMkLst>
+            <pc:docMk/>
+            <pc:sldMk cId="1661472317" sldId="305"/>
+            <ac:spMk id="14" creationId="{89A7CD25-6158-4ED4-A6E2-F66122A5DFE4}"/>
+          </ac:spMkLst>
+        </pc:spChg>
+        <pc:spChg chg="del">
+          <ac:chgData name="Thijs Geert" userId="71bbdf76-1f78-436b-8a82-e502e1f22064" providerId="ADAL" clId="{4AF0FB94-D319-4C38-84EE-D0B79CC3DEE0}" dt="2021-05-27T09:03:14.477" v="1746" actId="478"/>
+          <ac:spMkLst>
+            <pc:docMk/>
+            <pc:sldMk cId="1661472317" sldId="305"/>
+            <ac:spMk id="15" creationId="{77D487D0-3B91-4D0E-809F-AC167E0FE2A6}"/>
+          </ac:spMkLst>
+        </pc:spChg>
+        <pc:spChg chg="del">
+          <ac:chgData name="Thijs Geert" userId="71bbdf76-1f78-436b-8a82-e502e1f22064" providerId="ADAL" clId="{4AF0FB94-D319-4C38-84EE-D0B79CC3DEE0}" dt="2021-05-27T09:03:14.477" v="1746" actId="478"/>
+          <ac:spMkLst>
+            <pc:docMk/>
+            <pc:sldMk cId="1661472317" sldId="305"/>
+            <ac:spMk id="16" creationId="{2A057E81-3EB2-442A-8D61-2B707D2104D7}"/>
+          </ac:spMkLst>
+        </pc:spChg>
+        <pc:spChg chg="del">
+          <ac:chgData name="Thijs Geert" userId="71bbdf76-1f78-436b-8a82-e502e1f22064" providerId="ADAL" clId="{4AF0FB94-D319-4C38-84EE-D0B79CC3DEE0}" dt="2021-05-27T09:03:14.477" v="1746" actId="478"/>
+          <ac:spMkLst>
+            <pc:docMk/>
+            <pc:sldMk cId="1661472317" sldId="305"/>
+            <ac:spMk id="17" creationId="{FC878268-B549-43DF-B076-DC5DC56D9254}"/>
+          </ac:spMkLst>
+        </pc:spChg>
+        <pc:spChg chg="del">
+          <ac:chgData name="Thijs Geert" userId="71bbdf76-1f78-436b-8a82-e502e1f22064" providerId="ADAL" clId="{4AF0FB94-D319-4C38-84EE-D0B79CC3DEE0}" dt="2021-05-27T09:03:14.477" v="1746" actId="478"/>
+          <ac:spMkLst>
+            <pc:docMk/>
+            <pc:sldMk cId="1661472317" sldId="305"/>
+            <ac:spMk id="18" creationId="{5D74C653-9D40-41F1-8221-ED6AC99363A3}"/>
+          </ac:spMkLst>
+        </pc:spChg>
+        <pc:spChg chg="del">
+          <ac:chgData name="Thijs Geert" userId="71bbdf76-1f78-436b-8a82-e502e1f22064" providerId="ADAL" clId="{4AF0FB94-D319-4C38-84EE-D0B79CC3DEE0}" dt="2021-05-27T09:03:14.477" v="1746" actId="478"/>
+          <ac:spMkLst>
+            <pc:docMk/>
+            <pc:sldMk cId="1661472317" sldId="305"/>
+            <ac:spMk id="19" creationId="{EA7E111F-3C09-4F17-A17E-FDB94C236D96}"/>
+          </ac:spMkLst>
+        </pc:spChg>
+        <pc:spChg chg="del">
+          <ac:chgData name="Thijs Geert" userId="71bbdf76-1f78-436b-8a82-e502e1f22064" providerId="ADAL" clId="{4AF0FB94-D319-4C38-84EE-D0B79CC3DEE0}" dt="2021-05-27T09:03:14.477" v="1746" actId="478"/>
+          <ac:spMkLst>
+            <pc:docMk/>
+            <pc:sldMk cId="1661472317" sldId="305"/>
+            <ac:spMk id="20" creationId="{0554A1AF-BE8D-4ACC-B9FB-DD4F382B518B}"/>
+          </ac:spMkLst>
+        </pc:spChg>
+        <pc:spChg chg="del">
+          <ac:chgData name="Thijs Geert" userId="71bbdf76-1f78-436b-8a82-e502e1f22064" providerId="ADAL" clId="{4AF0FB94-D319-4C38-84EE-D0B79CC3DEE0}" dt="2021-05-27T09:03:14.477" v="1746" actId="478"/>
+          <ac:spMkLst>
+            <pc:docMk/>
+            <pc:sldMk cId="1661472317" sldId="305"/>
+            <ac:spMk id="21" creationId="{DF1A83EF-BE05-49C2-9D0E-D956F76EAAA7}"/>
+          </ac:spMkLst>
+        </pc:spChg>
+        <pc:spChg chg="del">
+          <ac:chgData name="Thijs Geert" userId="71bbdf76-1f78-436b-8a82-e502e1f22064" providerId="ADAL" clId="{4AF0FB94-D319-4C38-84EE-D0B79CC3DEE0}" dt="2021-05-27T09:03:14.477" v="1746" actId="478"/>
+          <ac:spMkLst>
+            <pc:docMk/>
+            <pc:sldMk cId="1661472317" sldId="305"/>
+            <ac:spMk id="22" creationId="{CA48B5EB-9151-419D-96E1-50C445CD7294}"/>
+          </ac:spMkLst>
+        </pc:spChg>
+        <pc:spChg chg="del">
+          <ac:chgData name="Thijs Geert" userId="71bbdf76-1f78-436b-8a82-e502e1f22064" providerId="ADAL" clId="{4AF0FB94-D319-4C38-84EE-D0B79CC3DEE0}" dt="2021-05-27T09:03:14.477" v="1746" actId="478"/>
+          <ac:spMkLst>
+            <pc:docMk/>
+            <pc:sldMk cId="1661472317" sldId="305"/>
+            <ac:spMk id="23" creationId="{B08DF374-DC09-4FD9-A689-4E9B69E9BC75}"/>
+          </ac:spMkLst>
+        </pc:spChg>
+        <pc:spChg chg="del">
+          <ac:chgData name="Thijs Geert" userId="71bbdf76-1f78-436b-8a82-e502e1f22064" providerId="ADAL" clId="{4AF0FB94-D319-4C38-84EE-D0B79CC3DEE0}" dt="2021-05-27T09:03:14.477" v="1746" actId="478"/>
+          <ac:spMkLst>
+            <pc:docMk/>
+            <pc:sldMk cId="1661472317" sldId="305"/>
+            <ac:spMk id="24" creationId="{280AFAD6-D4A3-427A-BAD6-461B6381DCDB}"/>
+          </ac:spMkLst>
+        </pc:spChg>
+        <pc:spChg chg="del">
+          <ac:chgData name="Thijs Geert" userId="71bbdf76-1f78-436b-8a82-e502e1f22064" providerId="ADAL" clId="{4AF0FB94-D319-4C38-84EE-D0B79CC3DEE0}" dt="2021-05-27T09:03:14.477" v="1746" actId="478"/>
+          <ac:spMkLst>
+            <pc:docMk/>
+            <pc:sldMk cId="1661472317" sldId="305"/>
+            <ac:spMk id="25" creationId="{BFC788DB-A4B4-462C-8FC4-9A9ED9C59376}"/>
+          </ac:spMkLst>
+        </pc:spChg>
+        <pc:spChg chg="del">
+          <ac:chgData name="Thijs Geert" userId="71bbdf76-1f78-436b-8a82-e502e1f22064" providerId="ADAL" clId="{4AF0FB94-D319-4C38-84EE-D0B79CC3DEE0}" dt="2021-05-27T09:03:14.477" v="1746" actId="478"/>
+          <ac:spMkLst>
+            <pc:docMk/>
+            <pc:sldMk cId="1661472317" sldId="305"/>
+            <ac:spMk id="28" creationId="{918A2795-BC8D-482F-872E-A2D337D36C8A}"/>
+          </ac:spMkLst>
+        </pc:spChg>
+        <pc:spChg chg="del">
+          <ac:chgData name="Thijs Geert" userId="71bbdf76-1f78-436b-8a82-e502e1f22064" providerId="ADAL" clId="{4AF0FB94-D319-4C38-84EE-D0B79CC3DEE0}" dt="2021-05-27T09:03:14.477" v="1746" actId="478"/>
+          <ac:spMkLst>
+            <pc:docMk/>
+            <pc:sldMk cId="1661472317" sldId="305"/>
+            <ac:spMk id="29" creationId="{9F36D261-2A25-4A3A-8A28-CC7BAA4A2A8E}"/>
+          </ac:spMkLst>
+        </pc:spChg>
+        <pc:spChg chg="del">
+          <ac:chgData name="Thijs Geert" userId="71bbdf76-1f78-436b-8a82-e502e1f22064" providerId="ADAL" clId="{4AF0FB94-D319-4C38-84EE-D0B79CC3DEE0}" dt="2021-05-27T09:03:14.477" v="1746" actId="478"/>
+          <ac:spMkLst>
+            <pc:docMk/>
+            <pc:sldMk cId="1661472317" sldId="305"/>
+            <ac:spMk id="30" creationId="{7D80A9F3-5B2B-4F62-AC2D-2204E4FBC9A8}"/>
+          </ac:spMkLst>
+        </pc:spChg>
+        <pc:spChg chg="del">
+          <ac:chgData name="Thijs Geert" userId="71bbdf76-1f78-436b-8a82-e502e1f22064" providerId="ADAL" clId="{4AF0FB94-D319-4C38-84EE-D0B79CC3DEE0}" dt="2021-05-27T09:03:14.477" v="1746" actId="478"/>
+          <ac:spMkLst>
+            <pc:docMk/>
+            <pc:sldMk cId="1661472317" sldId="305"/>
+            <ac:spMk id="31" creationId="{DBA767B7-90AA-475C-87A5-3FBF0DBE3161}"/>
+          </ac:spMkLst>
+        </pc:spChg>
+        <pc:spChg chg="del">
+          <ac:chgData name="Thijs Geert" userId="71bbdf76-1f78-436b-8a82-e502e1f22064" providerId="ADAL" clId="{4AF0FB94-D319-4C38-84EE-D0B79CC3DEE0}" dt="2021-05-27T09:03:14.477" v="1746" actId="478"/>
+          <ac:spMkLst>
+            <pc:docMk/>
+            <pc:sldMk cId="1661472317" sldId="305"/>
+            <ac:spMk id="32" creationId="{4394FEE1-08E7-4285-A1F1-77E58FEA9AED}"/>
+          </ac:spMkLst>
+        </pc:spChg>
+        <pc:spChg chg="add mod">
+          <ac:chgData name="Thijs Geert" userId="71bbdf76-1f78-436b-8a82-e502e1f22064" providerId="ADAL" clId="{4AF0FB94-D319-4C38-84EE-D0B79CC3DEE0}" dt="2021-05-27T09:04:19.652" v="1841" actId="20577"/>
+          <ac:spMkLst>
+            <pc:docMk/>
+            <pc:sldMk cId="1661472317" sldId="305"/>
+            <ac:spMk id="33" creationId="{DFB04483-FF91-4730-B886-7E2F7507174E}"/>
+          </ac:spMkLst>
+        </pc:spChg>
+        <pc:picChg chg="del">
+          <ac:chgData name="Thijs Geert" userId="71bbdf76-1f78-436b-8a82-e502e1f22064" providerId="ADAL" clId="{4AF0FB94-D319-4C38-84EE-D0B79CC3DEE0}" dt="2021-05-27T09:03:14.477" v="1746" actId="478"/>
+          <ac:picMkLst>
+            <pc:docMk/>
+            <pc:sldMk cId="1661472317" sldId="305"/>
+            <ac:picMk id="27" creationId="{B09865F0-EA71-47D1-BB07-A4693BEF41CD}"/>
+          </ac:picMkLst>
+        </pc:picChg>
+      </pc:sldChg>
+    </pc:docChg>
+  </pc:docChgLst>
+</pc:chgInfo>
+</file>
+
 <file path=ppt/slideLayouts/slideLayout1.xml><?xml version="1.0" encoding="utf-8"?>
 <p:sldLayout xmlns:a="http://schemas.openxmlformats.org/drawingml/2006/main" xmlns:r="http://schemas.openxmlformats.org/officeDocument/2006/relationships" xmlns:p="http://schemas.openxmlformats.org/presentationml/2006/main" type="title" preserve="1">
   <p:cSld name="Title Slide">
@@ -293,7 +1600,7 @@
           <a:p>
             <a:fld id="{39F4D874-1312-4A59-A9D3-4C46B62B3F8C}" type="datetimeFigureOut">
               <a:rPr lang="nl-BE" smtClean="0"/>
-              <a:t>21/05/2021</a:t>
+              <a:t>25/05/2021</a:t>
             </a:fld>
             <a:endParaRPr lang="nl-BE"/>
           </a:p>
@@ -493,7 +1800,7 @@
           <a:p>
             <a:fld id="{39F4D874-1312-4A59-A9D3-4C46B62B3F8C}" type="datetimeFigureOut">
               <a:rPr lang="nl-BE" smtClean="0"/>
-              <a:t>21/05/2021</a:t>
+              <a:t>25/05/2021</a:t>
             </a:fld>
             <a:endParaRPr lang="nl-BE"/>
           </a:p>
@@ -703,7 +2010,7 @@
           <a:p>
             <a:fld id="{39F4D874-1312-4A59-A9D3-4C46B62B3F8C}" type="datetimeFigureOut">
               <a:rPr lang="nl-BE" smtClean="0"/>
-              <a:t>21/05/2021</a:t>
+              <a:t>25/05/2021</a:t>
             </a:fld>
             <a:endParaRPr lang="nl-BE"/>
           </a:p>
@@ -903,7 +2210,7 @@
           <a:p>
             <a:fld id="{39F4D874-1312-4A59-A9D3-4C46B62B3F8C}" type="datetimeFigureOut">
               <a:rPr lang="nl-BE" smtClean="0"/>
-              <a:t>21/05/2021</a:t>
+              <a:t>25/05/2021</a:t>
             </a:fld>
             <a:endParaRPr lang="nl-BE"/>
           </a:p>
@@ -1179,7 +2486,7 @@
           <a:p>
             <a:fld id="{39F4D874-1312-4A59-A9D3-4C46B62B3F8C}" type="datetimeFigureOut">
               <a:rPr lang="nl-BE" smtClean="0"/>
-              <a:t>21/05/2021</a:t>
+              <a:t>25/05/2021</a:t>
             </a:fld>
             <a:endParaRPr lang="nl-BE"/>
           </a:p>
@@ -1447,7 +2754,7 @@
           <a:p>
             <a:fld id="{39F4D874-1312-4A59-A9D3-4C46B62B3F8C}" type="datetimeFigureOut">
               <a:rPr lang="nl-BE" smtClean="0"/>
-              <a:t>21/05/2021</a:t>
+              <a:t>25/05/2021</a:t>
             </a:fld>
             <a:endParaRPr lang="nl-BE"/>
           </a:p>
@@ -1862,7 +3169,7 @@
           <a:p>
             <a:fld id="{39F4D874-1312-4A59-A9D3-4C46B62B3F8C}" type="datetimeFigureOut">
               <a:rPr lang="nl-BE" smtClean="0"/>
-              <a:t>21/05/2021</a:t>
+              <a:t>25/05/2021</a:t>
             </a:fld>
             <a:endParaRPr lang="nl-BE"/>
           </a:p>
@@ -2004,7 +3311,7 @@
           <a:p>
             <a:fld id="{39F4D874-1312-4A59-A9D3-4C46B62B3F8C}" type="datetimeFigureOut">
               <a:rPr lang="nl-BE" smtClean="0"/>
-              <a:t>21/05/2021</a:t>
+              <a:t>25/05/2021</a:t>
             </a:fld>
             <a:endParaRPr lang="nl-BE"/>
           </a:p>
@@ -2117,7 +3424,7 @@
           <a:p>
             <a:fld id="{39F4D874-1312-4A59-A9D3-4C46B62B3F8C}" type="datetimeFigureOut">
               <a:rPr lang="nl-BE" smtClean="0"/>
-              <a:t>21/05/2021</a:t>
+              <a:t>25/05/2021</a:t>
             </a:fld>
             <a:endParaRPr lang="nl-BE"/>
           </a:p>
@@ -2430,7 +3737,7 @@
           <a:p>
             <a:fld id="{39F4D874-1312-4A59-A9D3-4C46B62B3F8C}" type="datetimeFigureOut">
               <a:rPr lang="nl-BE" smtClean="0"/>
-              <a:t>21/05/2021</a:t>
+              <a:t>25/05/2021</a:t>
             </a:fld>
             <a:endParaRPr lang="nl-BE"/>
           </a:p>
@@ -2719,7 +4026,7 @@
           <a:p>
             <a:fld id="{39F4D874-1312-4A59-A9D3-4C46B62B3F8C}" type="datetimeFigureOut">
               <a:rPr lang="nl-BE" smtClean="0"/>
-              <a:t>21/05/2021</a:t>
+              <a:t>25/05/2021</a:t>
             </a:fld>
             <a:endParaRPr lang="nl-BE"/>
           </a:p>
@@ -2962,7 +4269,7 @@
           <a:p>
             <a:fld id="{39F4D874-1312-4A59-A9D3-4C46B62B3F8C}" type="datetimeFigureOut">
               <a:rPr lang="nl-BE" smtClean="0"/>
-              <a:t>21/05/2021</a:t>
+              <a:t>25/05/2021</a:t>
             </a:fld>
             <a:endParaRPr lang="nl-BE"/>
           </a:p>
@@ -3464,10 +4771,10 @@
       </p:grpSpPr>
       <p:pic>
         <p:nvPicPr>
-          <p:cNvPr id="12" name="Picture 11" descr="Diagram&#10;&#10;Description automatically generated">
-            <a:extLst>
-              <a:ext uri="{FF2B5EF4-FFF2-40B4-BE49-F238E27FC236}">
-                <a16:creationId xmlns:a16="http://schemas.microsoft.com/office/drawing/2014/main" id="{895A28DF-64B7-44FE-BB48-81BCEF497CC7}"/>
+          <p:cNvPr id="7" name="Picture 6" descr="Diagram, schematic&#10;&#10;Description automatically generated">
+            <a:extLst>
+              <a:ext uri="{FF2B5EF4-FFF2-40B4-BE49-F238E27FC236}">
+                <a16:creationId xmlns:a16="http://schemas.microsoft.com/office/drawing/2014/main" id="{029EF42C-3E98-4DA7-B667-051DD1FFEF95}"/>
               </a:ext>
             </a:extLst>
           </p:cNvPr>
@@ -3491,7 +4798,7 @@
         <p:spPr>
           <a:xfrm>
             <a:off x="585786" y="1861340"/>
-            <a:ext cx="11020425" cy="4022176"/>
+            <a:ext cx="11020425" cy="4045449"/>
           </a:xfrm>
           <a:prstGeom prst="rect">
             <a:avLst/>
@@ -3708,10 +5015,10 @@
       </p:grpSpPr>
       <p:pic>
         <p:nvPicPr>
-          <p:cNvPr id="6" name="Picture 5" descr="Diagram&#10;&#10;Description automatically generated">
-            <a:extLst>
-              <a:ext uri="{FF2B5EF4-FFF2-40B4-BE49-F238E27FC236}">
-                <a16:creationId xmlns:a16="http://schemas.microsoft.com/office/drawing/2014/main" id="{47058EF3-939C-48A3-82C1-7259C5E62F12}"/>
+          <p:cNvPr id="8" name="Picture 7" descr="Diagram, schematic&#10;&#10;Description automatically generated">
+            <a:extLst>
+              <a:ext uri="{FF2B5EF4-FFF2-40B4-BE49-F238E27FC236}">
+                <a16:creationId xmlns:a16="http://schemas.microsoft.com/office/drawing/2014/main" id="{344F4230-55A2-44DB-B1CA-7A548594C937}"/>
               </a:ext>
             </a:extLst>
           </p:cNvPr>
@@ -3735,7 +5042,7 @@
         <p:spPr>
           <a:xfrm>
             <a:off x="585786" y="1861340"/>
-            <a:ext cx="11020425" cy="4022176"/>
+            <a:ext cx="11020425" cy="4045449"/>
           </a:xfrm>
           <a:prstGeom prst="rect">
             <a:avLst/>
@@ -3784,7 +5091,7 @@
         </p:nvSpPr>
         <p:spPr>
           <a:xfrm>
-            <a:off x="7794207" y="2984182"/>
+            <a:off x="7821102" y="2984182"/>
             <a:ext cx="900614" cy="633313"/>
           </a:xfrm>
           <a:prstGeom prst="rect">
@@ -3952,10 +5259,10 @@
       </p:grpSpPr>
       <p:pic>
         <p:nvPicPr>
-          <p:cNvPr id="6" name="Picture 5" descr="Diagram&#10;&#10;Description automatically generated">
-            <a:extLst>
-              <a:ext uri="{FF2B5EF4-FFF2-40B4-BE49-F238E27FC236}">
-                <a16:creationId xmlns:a16="http://schemas.microsoft.com/office/drawing/2014/main" id="{0A4FA489-20DB-4298-B0D1-B45A96C1A1E1}"/>
+          <p:cNvPr id="8" name="Picture 7" descr="Diagram, schematic&#10;&#10;Description automatically generated">
+            <a:extLst>
+              <a:ext uri="{FF2B5EF4-FFF2-40B4-BE49-F238E27FC236}">
+                <a16:creationId xmlns:a16="http://schemas.microsoft.com/office/drawing/2014/main" id="{987CEE2F-BDCE-422E-98AB-947D552BCAFA}"/>
               </a:ext>
             </a:extLst>
           </p:cNvPr>
@@ -3979,7 +5286,7 @@
         <p:spPr>
           <a:xfrm>
             <a:off x="585786" y="1861340"/>
-            <a:ext cx="11020425" cy="4022176"/>
+            <a:ext cx="11020425" cy="4045449"/>
           </a:xfrm>
           <a:prstGeom prst="rect">
             <a:avLst/>
@@ -4201,10 +5508,10 @@
       </p:grpSpPr>
       <p:pic>
         <p:nvPicPr>
-          <p:cNvPr id="16" name="Picture 15" descr="Diagram&#10;&#10;Description automatically generated">
-            <a:extLst>
-              <a:ext uri="{FF2B5EF4-FFF2-40B4-BE49-F238E27FC236}">
-                <a16:creationId xmlns:a16="http://schemas.microsoft.com/office/drawing/2014/main" id="{C6A05CC5-1D96-4800-AD96-C99E71A00ADC}"/>
+          <p:cNvPr id="6" name="Picture 5" descr="Diagram, schematic&#10;&#10;Description automatically generated">
+            <a:extLst>
+              <a:ext uri="{FF2B5EF4-FFF2-40B4-BE49-F238E27FC236}">
+                <a16:creationId xmlns:a16="http://schemas.microsoft.com/office/drawing/2014/main" id="{95C6D70A-2098-4347-BCD6-CC0EFBCEEAF7}"/>
               </a:ext>
             </a:extLst>
           </p:cNvPr>
@@ -4228,7 +5535,7 @@
         <p:spPr>
           <a:xfrm>
             <a:off x="585786" y="1861340"/>
-            <a:ext cx="11020425" cy="4022176"/>
+            <a:ext cx="11020425" cy="4045449"/>
           </a:xfrm>
           <a:prstGeom prst="rect">
             <a:avLst/>
@@ -4352,10 +5659,10 @@
       </p:grpSpPr>
       <p:pic>
         <p:nvPicPr>
-          <p:cNvPr id="26" name="Picture 25" descr="Diagram&#10;&#10;Description automatically generated">
-            <a:extLst>
-              <a:ext uri="{FF2B5EF4-FFF2-40B4-BE49-F238E27FC236}">
-                <a16:creationId xmlns:a16="http://schemas.microsoft.com/office/drawing/2014/main" id="{348496BC-0D07-43F8-8A9B-B10A3BC51B27}"/>
+          <p:cNvPr id="33" name="Picture 32" descr="Diagram, schematic&#10;&#10;Description automatically generated">
+            <a:extLst>
+              <a:ext uri="{FF2B5EF4-FFF2-40B4-BE49-F238E27FC236}">
+                <a16:creationId xmlns:a16="http://schemas.microsoft.com/office/drawing/2014/main" id="{735BFFB3-78F3-4DC3-B1BB-C963F4043215}"/>
               </a:ext>
             </a:extLst>
           </p:cNvPr>
@@ -4379,7 +5686,7 @@
         <p:spPr>
           <a:xfrm>
             <a:off x="585786" y="1861340"/>
-            <a:ext cx="11020425" cy="4022176"/>
+            <a:ext cx="11020425" cy="4045449"/>
           </a:xfrm>
           <a:prstGeom prst="rect">
             <a:avLst/>
@@ -4693,7 +6000,7 @@
         </p:nvSpPr>
         <p:spPr>
           <a:xfrm>
-            <a:off x="4463254" y="2501900"/>
+            <a:off x="4485479" y="2505075"/>
             <a:ext cx="562771" cy="279400"/>
           </a:xfrm>
           <a:prstGeom prst="rect">
@@ -4745,7 +6052,7 @@
         </p:nvSpPr>
         <p:spPr>
           <a:xfrm>
-            <a:off x="5641180" y="2508250"/>
+            <a:off x="5679280" y="2514600"/>
             <a:ext cx="432596" cy="279400"/>
           </a:xfrm>
           <a:prstGeom prst="rect">
@@ -4797,7 +6104,7 @@
         </p:nvSpPr>
         <p:spPr>
           <a:xfrm>
-            <a:off x="5593554" y="3063875"/>
+            <a:off x="5622129" y="3079750"/>
             <a:ext cx="553641" cy="463550"/>
           </a:xfrm>
           <a:prstGeom prst="rect">
@@ -4849,7 +6156,7 @@
         </p:nvSpPr>
         <p:spPr>
           <a:xfrm>
-            <a:off x="5685629" y="3902075"/>
+            <a:off x="5714204" y="3917950"/>
             <a:ext cx="356396" cy="276225"/>
           </a:xfrm>
           <a:prstGeom prst="rect">
@@ -4901,7 +6208,7 @@
         </p:nvSpPr>
         <p:spPr>
           <a:xfrm>
-            <a:off x="6843714" y="2478505"/>
+            <a:off x="6870609" y="2505400"/>
             <a:ext cx="461962" cy="374233"/>
           </a:xfrm>
           <a:prstGeom prst="rect">
@@ -4953,7 +6260,7 @@
         </p:nvSpPr>
         <p:spPr>
           <a:xfrm>
-            <a:off x="6767513" y="3082796"/>
+            <a:off x="6794408" y="3109691"/>
             <a:ext cx="620379" cy="412880"/>
           </a:xfrm>
           <a:prstGeom prst="rect">
@@ -5057,7 +6364,7 @@
         </p:nvSpPr>
         <p:spPr>
           <a:xfrm>
-            <a:off x="6743701" y="1842290"/>
+            <a:off x="6770596" y="1869185"/>
             <a:ext cx="676275" cy="481263"/>
           </a:xfrm>
           <a:prstGeom prst="rect">
@@ -5265,7 +6572,7 @@
         </p:nvSpPr>
         <p:spPr>
           <a:xfrm>
-            <a:off x="7794207" y="2984182"/>
+            <a:off x="7821102" y="2984182"/>
             <a:ext cx="900614" cy="633313"/>
           </a:xfrm>
           <a:prstGeom prst="rect">
@@ -5317,7 +6624,7 @@
         </p:nvSpPr>
         <p:spPr>
           <a:xfrm>
-            <a:off x="6730178" y="3690763"/>
+            <a:off x="6757073" y="3717658"/>
             <a:ext cx="693087" cy="723295"/>
           </a:xfrm>
           <a:prstGeom prst="rect">
@@ -5511,6 +6818,284 @@
           </a:p>
         </p:txBody>
       </p:sp>
+      <p:sp>
+        <p:nvSpPr>
+          <p:cNvPr id="28" name="Rectangle 27">
+            <a:extLst>
+              <a:ext uri="{FF2B5EF4-FFF2-40B4-BE49-F238E27FC236}">
+                <a16:creationId xmlns:a16="http://schemas.microsoft.com/office/drawing/2014/main" id="{918A2795-BC8D-482F-872E-A2D337D36C8A}"/>
+              </a:ext>
+            </a:extLst>
+          </p:cNvPr>
+          <p:cNvSpPr/>
+          <p:nvPr/>
+        </p:nvSpPr>
+        <p:spPr>
+          <a:xfrm>
+            <a:off x="6517771" y="4603937"/>
+            <a:ext cx="406627" cy="299756"/>
+          </a:xfrm>
+          <a:prstGeom prst="rect">
+            <a:avLst/>
+          </a:prstGeom>
+          <a:noFill/>
+          <a:ln w="28575">
+            <a:solidFill>
+              <a:srgbClr val="FF0000"/>
+            </a:solidFill>
+          </a:ln>
+        </p:spPr>
+        <p:style>
+          <a:lnRef idx="2">
+            <a:schemeClr val="accent1">
+              <a:shade val="50000"/>
+            </a:schemeClr>
+          </a:lnRef>
+          <a:fillRef idx="1">
+            <a:schemeClr val="accent1"/>
+          </a:fillRef>
+          <a:effectRef idx="0">
+            <a:schemeClr val="accent1"/>
+          </a:effectRef>
+          <a:fontRef idx="minor">
+            <a:schemeClr val="lt1"/>
+          </a:fontRef>
+        </p:style>
+        <p:txBody>
+          <a:bodyPr rtlCol="0" anchor="ctr"/>
+          <a:lstStyle/>
+          <a:p>
+            <a:pPr algn="ctr"/>
+            <a:endParaRPr lang="nl-BE"/>
+          </a:p>
+        </p:txBody>
+      </p:sp>
+      <p:sp>
+        <p:nvSpPr>
+          <p:cNvPr id="29" name="Rectangle 28">
+            <a:extLst>
+              <a:ext uri="{FF2B5EF4-FFF2-40B4-BE49-F238E27FC236}">
+                <a16:creationId xmlns:a16="http://schemas.microsoft.com/office/drawing/2014/main" id="{9F36D261-2A25-4A3A-8A28-CC7BAA4A2A8E}"/>
+              </a:ext>
+            </a:extLst>
+          </p:cNvPr>
+          <p:cNvSpPr/>
+          <p:nvPr/>
+        </p:nvSpPr>
+        <p:spPr>
+          <a:xfrm>
+            <a:off x="7217018" y="4594972"/>
+            <a:ext cx="406627" cy="299756"/>
+          </a:xfrm>
+          <a:prstGeom prst="rect">
+            <a:avLst/>
+          </a:prstGeom>
+          <a:noFill/>
+          <a:ln w="28575">
+            <a:solidFill>
+              <a:srgbClr val="FF0000"/>
+            </a:solidFill>
+          </a:ln>
+        </p:spPr>
+        <p:style>
+          <a:lnRef idx="2">
+            <a:schemeClr val="accent1">
+              <a:shade val="50000"/>
+            </a:schemeClr>
+          </a:lnRef>
+          <a:fillRef idx="1">
+            <a:schemeClr val="accent1"/>
+          </a:fillRef>
+          <a:effectRef idx="0">
+            <a:schemeClr val="accent1"/>
+          </a:effectRef>
+          <a:fontRef idx="minor">
+            <a:schemeClr val="lt1"/>
+          </a:fontRef>
+        </p:style>
+        <p:txBody>
+          <a:bodyPr rtlCol="0" anchor="ctr"/>
+          <a:lstStyle/>
+          <a:p>
+            <a:pPr algn="ctr"/>
+            <a:endParaRPr lang="nl-BE"/>
+          </a:p>
+        </p:txBody>
+      </p:sp>
+      <p:sp>
+        <p:nvSpPr>
+          <p:cNvPr id="30" name="Rectangle 29">
+            <a:extLst>
+              <a:ext uri="{FF2B5EF4-FFF2-40B4-BE49-F238E27FC236}">
+                <a16:creationId xmlns:a16="http://schemas.microsoft.com/office/drawing/2014/main" id="{7D80A9F3-5B2B-4F62-AC2D-2204E4FBC9A8}"/>
+              </a:ext>
+            </a:extLst>
+          </p:cNvPr>
+          <p:cNvSpPr/>
+          <p:nvPr/>
+        </p:nvSpPr>
+        <p:spPr>
+          <a:xfrm>
+            <a:off x="688181" y="6165692"/>
+            <a:ext cx="252411" cy="236420"/>
+          </a:xfrm>
+          <a:prstGeom prst="rect">
+            <a:avLst/>
+          </a:prstGeom>
+          <a:noFill/>
+          <a:ln w="28575">
+            <a:solidFill>
+              <a:srgbClr val="0070C0"/>
+            </a:solidFill>
+          </a:ln>
+        </p:spPr>
+        <p:style>
+          <a:lnRef idx="2">
+            <a:schemeClr val="accent1">
+              <a:shade val="50000"/>
+            </a:schemeClr>
+          </a:lnRef>
+          <a:fillRef idx="1">
+            <a:schemeClr val="accent1"/>
+          </a:fillRef>
+          <a:effectRef idx="0">
+            <a:schemeClr val="accent1"/>
+          </a:effectRef>
+          <a:fontRef idx="minor">
+            <a:schemeClr val="lt1"/>
+          </a:fontRef>
+        </p:style>
+        <p:txBody>
+          <a:bodyPr rtlCol="0" anchor="ctr"/>
+          <a:lstStyle/>
+          <a:p>
+            <a:pPr algn="ctr"/>
+            <a:endParaRPr lang="nl-BE"/>
+          </a:p>
+        </p:txBody>
+      </p:sp>
+      <p:sp>
+        <p:nvSpPr>
+          <p:cNvPr id="3" name="TextBox 2">
+            <a:extLst>
+              <a:ext uri="{FF2B5EF4-FFF2-40B4-BE49-F238E27FC236}">
+                <a16:creationId xmlns:a16="http://schemas.microsoft.com/office/drawing/2014/main" id="{3472D5EB-C242-4E33-AEBB-8E41CFA257AE}"/>
+              </a:ext>
+            </a:extLst>
+          </p:cNvPr>
+          <p:cNvSpPr txBox="1"/>
+          <p:nvPr/>
+        </p:nvSpPr>
+        <p:spPr>
+          <a:xfrm>
+            <a:off x="950829" y="6113918"/>
+            <a:ext cx="2459648" cy="369332"/>
+          </a:xfrm>
+          <a:prstGeom prst="rect">
+            <a:avLst/>
+          </a:prstGeom>
+          <a:noFill/>
+        </p:spPr>
+        <p:txBody>
+          <a:bodyPr wrap="none" rtlCol="0">
+            <a:spAutoFit/>
+          </a:bodyPr>
+          <a:lstStyle/>
+          <a:p>
+            <a:r>
+              <a:rPr lang="nl-BE" dirty="0"/>
+              <a:t>Observaties &amp; Metingen</a:t>
+            </a:r>
+          </a:p>
+        </p:txBody>
+      </p:sp>
+      <p:sp>
+        <p:nvSpPr>
+          <p:cNvPr id="31" name="Rectangle 30">
+            <a:extLst>
+              <a:ext uri="{FF2B5EF4-FFF2-40B4-BE49-F238E27FC236}">
+                <a16:creationId xmlns:a16="http://schemas.microsoft.com/office/drawing/2014/main" id="{DBA767B7-90AA-475C-87A5-3FBF0DBE3161}"/>
+              </a:ext>
+            </a:extLst>
+          </p:cNvPr>
+          <p:cNvSpPr/>
+          <p:nvPr/>
+        </p:nvSpPr>
+        <p:spPr>
+          <a:xfrm>
+            <a:off x="4004552" y="6165692"/>
+            <a:ext cx="252411" cy="236420"/>
+          </a:xfrm>
+          <a:prstGeom prst="rect">
+            <a:avLst/>
+          </a:prstGeom>
+          <a:noFill/>
+          <a:ln w="28575">
+            <a:solidFill>
+              <a:srgbClr val="FF0000"/>
+            </a:solidFill>
+          </a:ln>
+        </p:spPr>
+        <p:style>
+          <a:lnRef idx="2">
+            <a:schemeClr val="accent1">
+              <a:shade val="50000"/>
+            </a:schemeClr>
+          </a:lnRef>
+          <a:fillRef idx="1">
+            <a:schemeClr val="accent1"/>
+          </a:fillRef>
+          <a:effectRef idx="0">
+            <a:schemeClr val="accent1"/>
+          </a:effectRef>
+          <a:fontRef idx="minor">
+            <a:schemeClr val="lt1"/>
+          </a:fontRef>
+        </p:style>
+        <p:txBody>
+          <a:bodyPr rtlCol="0" anchor="ctr"/>
+          <a:lstStyle/>
+          <a:p>
+            <a:pPr algn="ctr"/>
+            <a:endParaRPr lang="nl-BE"/>
+          </a:p>
+        </p:txBody>
+      </p:sp>
+      <p:sp>
+        <p:nvSpPr>
+          <p:cNvPr id="32" name="TextBox 31">
+            <a:extLst>
+              <a:ext uri="{FF2B5EF4-FFF2-40B4-BE49-F238E27FC236}">
+                <a16:creationId xmlns:a16="http://schemas.microsoft.com/office/drawing/2014/main" id="{4394FEE1-08E7-4285-A1F1-77E58FEA9AED}"/>
+              </a:ext>
+            </a:extLst>
+          </p:cNvPr>
+          <p:cNvSpPr txBox="1"/>
+          <p:nvPr/>
+        </p:nvSpPr>
+        <p:spPr>
+          <a:xfrm>
+            <a:off x="4267200" y="6113918"/>
+            <a:ext cx="1130374" cy="369332"/>
+          </a:xfrm>
+          <a:prstGeom prst="rect">
+            <a:avLst/>
+          </a:prstGeom>
+          <a:noFill/>
+        </p:spPr>
+        <p:txBody>
+          <a:bodyPr wrap="none" rtlCol="0">
+            <a:spAutoFit/>
+          </a:bodyPr>
+          <a:lstStyle/>
+          <a:p>
+            <a:r>
+              <a:rPr lang="nl-BE" dirty="0"/>
+              <a:t>SSN/SOSA</a:t>
+            </a:r>
+          </a:p>
+        </p:txBody>
+      </p:sp>
     </p:spTree>
     <p:extLst>
       <p:ext uri="{BB962C8B-B14F-4D97-AF65-F5344CB8AC3E}">
@@ -5559,56 +7144,74 @@
         </p:nvSpPr>
         <p:spPr/>
         <p:txBody>
-          <a:bodyPr/>
-          <a:lstStyle/>
-          <a:p>
-            <a:r>
-              <a:rPr lang="nl-BE" dirty="0"/>
-              <a:t>pH-analyse op bodemmonster</a:t>
-            </a:r>
-          </a:p>
-        </p:txBody>
-      </p:sp>
-      <p:pic>
-        <p:nvPicPr>
-          <p:cNvPr id="8" name="Picture 7" descr="Diagram&#10;&#10;Description automatically generated">
-            <a:extLst>
-              <a:ext uri="{FF2B5EF4-FFF2-40B4-BE49-F238E27FC236}">
-                <a16:creationId xmlns:a16="http://schemas.microsoft.com/office/drawing/2014/main" id="{AE909FC5-093C-40A0-8F4E-9529D3C9B75C}"/>
-              </a:ext>
-            </a:extLst>
-          </p:cNvPr>
-          <p:cNvPicPr>
-            <a:picLocks noChangeAspect="1"/>
-          </p:cNvPicPr>
-          <p:nvPr/>
-        </p:nvPicPr>
-        <p:blipFill>
-          <a:blip r:embed="rId2">
-            <a:extLst>
-              <a:ext uri="{28A0092B-C50C-407E-A947-70E740481C1C}">
-                <a14:useLocalDpi xmlns:a14="http://schemas.microsoft.com/office/drawing/2010/main" val="0"/>
-              </a:ext>
-            </a:extLst>
-          </a:blip>
-          <a:stretch>
-            <a:fillRect/>
-          </a:stretch>
-        </p:blipFill>
+          <a:bodyPr>
+            <a:normAutofit/>
+          </a:bodyPr>
+          <a:lstStyle/>
+          <a:p>
+            <a:r>
+              <a:rPr lang="nl-BE" sz="3600" dirty="0"/>
+              <a:t>=&gt; Nieuw AP </a:t>
+            </a:r>
+            <a:r>
+              <a:rPr lang="nl-BE" sz="3600" dirty="0" err="1"/>
+              <a:t>SensorenEnBemonstering</a:t>
+            </a:r>
+            <a:r>
+              <a:rPr lang="nl-BE" sz="3600" dirty="0"/>
+              <a:t>: opmerkingen</a:t>
+            </a:r>
+          </a:p>
+        </p:txBody>
+      </p:sp>
+      <p:sp>
+        <p:nvSpPr>
+          <p:cNvPr id="33" name="Content Placeholder 2">
+            <a:extLst>
+              <a:ext uri="{FF2B5EF4-FFF2-40B4-BE49-F238E27FC236}">
+                <a16:creationId xmlns:a16="http://schemas.microsoft.com/office/drawing/2014/main" id="{DFB04483-FF91-4730-B886-7E2F7507174E}"/>
+              </a:ext>
+            </a:extLst>
+          </p:cNvPr>
+          <p:cNvSpPr>
+            <a:spLocks noGrp="1"/>
+          </p:cNvSpPr>
+          <p:nvPr>
+            <p:ph idx="1"/>
+          </p:nvPr>
+        </p:nvSpPr>
         <p:spPr>
           <a:xfrm>
-            <a:off x="701984" y="2108514"/>
-            <a:ext cx="10788032" cy="3167820"/>
+            <a:off x="838200" y="1825625"/>
+            <a:ext cx="10515600" cy="4351338"/>
           </a:xfrm>
-          <a:prstGeom prst="rect">
-            <a:avLst/>
-          </a:prstGeom>
         </p:spPr>
-      </p:pic>
+        <p:txBody>
+          <a:bodyPr/>
+          <a:lstStyle/>
+          <a:p>
+            <a:r>
+              <a:rPr lang="nl-BE" dirty="0"/>
+              <a:t>Toegevoegd</a:t>
+            </a:r>
+          </a:p>
+          <a:p>
+            <a:pPr lvl="1"/>
+            <a:r>
+              <a:rPr lang="nl-BE" dirty="0" err="1"/>
+              <a:t>Observatie.uitgevoerdDoor</a:t>
+            </a:r>
+            <a:r>
+              <a:rPr lang="nl-BE" dirty="0"/>
+              <a:t> (omdat een Observatie, net als een Bemonstering, een Activiteit is).</a:t>
+            </a:r>
+          </a:p>
+        </p:txBody>
+      </p:sp>
     </p:spTree>
     <p:extLst>
       <p:ext uri="{BB962C8B-B14F-4D97-AF65-F5344CB8AC3E}">
-        <p14:creationId xmlns:p14="http://schemas.microsoft.com/office/powerpoint/2010/main" val="2649756330"/>
+        <p14:creationId xmlns:p14="http://schemas.microsoft.com/office/powerpoint/2010/main" val="1661472317"/>
       </p:ext>
     </p:extLst>
   </p:cSld>
@@ -5658,86 +7261,64 @@
           <a:p>
             <a:r>
               <a:rPr lang="nl-BE" dirty="0"/>
-              <a:t>Specialisaties voor B&amp;O</a:t>
-            </a:r>
-          </a:p>
-        </p:txBody>
-      </p:sp>
-      <p:sp>
-        <p:nvSpPr>
-          <p:cNvPr id="3" name="Content Placeholder 2">
-            <a:extLst>
-              <a:ext uri="{FF2B5EF4-FFF2-40B4-BE49-F238E27FC236}">
-                <a16:creationId xmlns:a16="http://schemas.microsoft.com/office/drawing/2014/main" id="{B91FEBC3-BC36-44B4-98C0-7B7A5DAF600B}"/>
-              </a:ext>
-            </a:extLst>
-          </p:cNvPr>
-          <p:cNvSpPr>
-            <a:spLocks noGrp="1"/>
-          </p:cNvSpPr>
-          <p:nvPr>
-            <p:ph idx="1"/>
-          </p:nvPr>
-        </p:nvSpPr>
-        <p:spPr/>
-        <p:txBody>
-          <a:bodyPr/>
-          <a:lstStyle/>
-          <a:p>
+              <a:t>=&gt; Nieuw AP </a:t>
+            </a:r>
+            <a:r>
+              <a:rPr lang="nl-BE" dirty="0" err="1"/>
+              <a:t>SensorenEnBemonstering</a:t>
+            </a:r>
             <a:r>
               <a:rPr lang="nl-BE" dirty="0"/>
-              <a:t>Van</a:t>
-            </a:r>
-          </a:p>
-          <a:p>
-            <a:pPr lvl="1"/>
-            <a:r>
-              <a:rPr lang="nl-BE" dirty="0"/>
-              <a:t>Bemonstering</a:t>
-            </a:r>
-          </a:p>
-          <a:p>
-            <a:pPr lvl="1"/>
+              <a:t>: </a:t>
+            </a:r>
             <a:r>
               <a:rPr lang="nl-BE" dirty="0" err="1"/>
-              <a:t>RuimtelijkBemonsteringsobject</a:t>
+              <a:t>vb</a:t>
             </a:r>
             <a:endParaRPr lang="nl-BE" dirty="0"/>
           </a:p>
-          <a:p>
-            <a:pPr lvl="1"/>
-            <a:r>
-              <a:rPr lang="nl-BE" dirty="0"/>
-              <a:t>Monster</a:t>
-            </a:r>
-          </a:p>
-          <a:p>
-            <a:pPr lvl="1"/>
-            <a:r>
-              <a:rPr lang="nl-BE" dirty="0"/>
-              <a:t>Observatie</a:t>
-            </a:r>
-          </a:p>
-          <a:p>
-            <a:pPr lvl="1"/>
-            <a:r>
-              <a:rPr lang="nl-BE" dirty="0"/>
-              <a:t>Sensor</a:t>
-            </a:r>
-          </a:p>
-          <a:p>
-            <a:pPr lvl="1"/>
-            <a:r>
-              <a:rPr lang="nl-BE" dirty="0"/>
-              <a:t>Domeinobject</a:t>
-            </a:r>
-          </a:p>
-        </p:txBody>
-      </p:sp>
+        </p:txBody>
+      </p:sp>
+      <p:pic>
+        <p:nvPicPr>
+          <p:cNvPr id="8" name="Picture 7" descr="Diagram&#10;&#10;Description automatically generated">
+            <a:extLst>
+              <a:ext uri="{FF2B5EF4-FFF2-40B4-BE49-F238E27FC236}">
+                <a16:creationId xmlns:a16="http://schemas.microsoft.com/office/drawing/2014/main" id="{AE909FC5-093C-40A0-8F4E-9529D3C9B75C}"/>
+              </a:ext>
+            </a:extLst>
+          </p:cNvPr>
+          <p:cNvPicPr>
+            <a:picLocks noChangeAspect="1"/>
+          </p:cNvPicPr>
+          <p:nvPr/>
+        </p:nvPicPr>
+        <p:blipFill>
+          <a:blip r:embed="rId2">
+            <a:extLst>
+              <a:ext uri="{28A0092B-C50C-407E-A947-70E740481C1C}">
+                <a14:useLocalDpi xmlns:a14="http://schemas.microsoft.com/office/drawing/2010/main" val="0"/>
+              </a:ext>
+            </a:extLst>
+          </a:blip>
+          <a:stretch>
+            <a:fillRect/>
+          </a:stretch>
+        </p:blipFill>
+        <p:spPr>
+          <a:xfrm>
+            <a:off x="701984" y="2108514"/>
+            <a:ext cx="10788032" cy="3167820"/>
+          </a:xfrm>
+          <a:prstGeom prst="rect">
+            <a:avLst/>
+          </a:prstGeom>
+        </p:spPr>
+      </p:pic>
     </p:spTree>
     <p:extLst>
       <p:ext uri="{BB962C8B-B14F-4D97-AF65-F5344CB8AC3E}">
-        <p14:creationId xmlns:p14="http://schemas.microsoft.com/office/powerpoint/2010/main" val="2626063440"/>
+        <p14:creationId xmlns:p14="http://schemas.microsoft.com/office/powerpoint/2010/main" val="2649756330"/>
       </p:ext>
     </p:extLst>
   </p:cSld>
@@ -5908,6 +7489,135 @@
           <a:p>
             <a:r>
               <a:rPr lang="nl-BE" dirty="0"/>
+              <a:t>Specialisaties voor B&amp;O</a:t>
+            </a:r>
+          </a:p>
+        </p:txBody>
+      </p:sp>
+      <p:sp>
+        <p:nvSpPr>
+          <p:cNvPr id="3" name="Content Placeholder 2">
+            <a:extLst>
+              <a:ext uri="{FF2B5EF4-FFF2-40B4-BE49-F238E27FC236}">
+                <a16:creationId xmlns:a16="http://schemas.microsoft.com/office/drawing/2014/main" id="{B91FEBC3-BC36-44B4-98C0-7B7A5DAF600B}"/>
+              </a:ext>
+            </a:extLst>
+          </p:cNvPr>
+          <p:cNvSpPr>
+            <a:spLocks noGrp="1"/>
+          </p:cNvSpPr>
+          <p:nvPr>
+            <p:ph idx="1"/>
+          </p:nvPr>
+        </p:nvSpPr>
+        <p:spPr/>
+        <p:txBody>
+          <a:bodyPr/>
+          <a:lstStyle/>
+          <a:p>
+            <a:r>
+              <a:rPr lang="nl-BE" dirty="0"/>
+              <a:t>Van</a:t>
+            </a:r>
+          </a:p>
+          <a:p>
+            <a:pPr lvl="1"/>
+            <a:r>
+              <a:rPr lang="nl-BE" dirty="0"/>
+              <a:t>Bemonstering</a:t>
+            </a:r>
+          </a:p>
+          <a:p>
+            <a:pPr lvl="1"/>
+            <a:r>
+              <a:rPr lang="nl-BE" dirty="0" err="1"/>
+              <a:t>RuimtelijkBemonsteringsobject</a:t>
+            </a:r>
+            <a:endParaRPr lang="nl-BE" dirty="0"/>
+          </a:p>
+          <a:p>
+            <a:pPr lvl="1"/>
+            <a:r>
+              <a:rPr lang="nl-BE" dirty="0"/>
+              <a:t>Monster</a:t>
+            </a:r>
+          </a:p>
+          <a:p>
+            <a:pPr lvl="1"/>
+            <a:r>
+              <a:rPr lang="nl-BE" dirty="0"/>
+              <a:t>Observatie</a:t>
+            </a:r>
+          </a:p>
+          <a:p>
+            <a:pPr lvl="1"/>
+            <a:r>
+              <a:rPr lang="nl-BE" dirty="0"/>
+              <a:t>Sensor</a:t>
+            </a:r>
+          </a:p>
+          <a:p>
+            <a:pPr lvl="1"/>
+            <a:r>
+              <a:rPr lang="nl-BE" dirty="0"/>
+              <a:t>Domeinobject</a:t>
+            </a:r>
+          </a:p>
+        </p:txBody>
+      </p:sp>
+    </p:spTree>
+    <p:extLst>
+      <p:ext uri="{BB962C8B-B14F-4D97-AF65-F5344CB8AC3E}">
+        <p14:creationId xmlns:p14="http://schemas.microsoft.com/office/powerpoint/2010/main" val="2626063440"/>
+      </p:ext>
+    </p:extLst>
+  </p:cSld>
+  <p:clrMapOvr>
+    <a:masterClrMapping/>
+  </p:clrMapOvr>
+</p:sld>
+</file>
+
+<file path=ppt/slides/slide21.xml><?xml version="1.0" encoding="utf-8"?>
+<p:sld xmlns:a="http://schemas.openxmlformats.org/drawingml/2006/main" xmlns:r="http://schemas.openxmlformats.org/officeDocument/2006/relationships" xmlns:p="http://schemas.openxmlformats.org/presentationml/2006/main">
+  <p:cSld>
+    <p:spTree>
+      <p:nvGrpSpPr>
+        <p:cNvPr id="1" name=""/>
+        <p:cNvGrpSpPr/>
+        <p:nvPr/>
+      </p:nvGrpSpPr>
+      <p:grpSpPr>
+        <a:xfrm>
+          <a:off x="0" y="0"/>
+          <a:ext cx="0" cy="0"/>
+          <a:chOff x="0" y="0"/>
+          <a:chExt cx="0" cy="0"/>
+        </a:xfrm>
+      </p:grpSpPr>
+      <p:sp>
+        <p:nvSpPr>
+          <p:cNvPr id="2" name="Title 1">
+            <a:extLst>
+              <a:ext uri="{FF2B5EF4-FFF2-40B4-BE49-F238E27FC236}">
+                <a16:creationId xmlns:a16="http://schemas.microsoft.com/office/drawing/2014/main" id="{1DEFF95F-CF61-49C4-B9AA-440049470977}"/>
+              </a:ext>
+            </a:extLst>
+          </p:cNvPr>
+          <p:cNvSpPr>
+            <a:spLocks noGrp="1"/>
+          </p:cNvSpPr>
+          <p:nvPr>
+            <p:ph type="title"/>
+          </p:nvPr>
+        </p:nvSpPr>
+        <p:spPr/>
+        <p:txBody>
+          <a:bodyPr/>
+          <a:lstStyle/>
+          <a:p>
+            <a:r>
+              <a:rPr lang="nl-BE" dirty="0"/>
               <a:t>Specialisaties voor B&amp;O: Bemonstering</a:t>
             </a:r>
           </a:p>
@@ -5928,14 +7638,14 @@
           <p:nvPr>
             <p:extLst>
               <p:ext uri="{D42A27DB-BD31-4B8C-83A1-F6EECF244321}">
-                <p14:modId xmlns:p14="http://schemas.microsoft.com/office/powerpoint/2010/main" val="2015113728"/>
+                <p14:modId xmlns:p14="http://schemas.microsoft.com/office/powerpoint/2010/main" val="2240607709"/>
               </p:ext>
             </p:extLst>
           </p:nvPr>
         </p:nvGraphicFramePr>
         <p:xfrm>
           <a:off x="735497" y="1945612"/>
-          <a:ext cx="10618305" cy="3484880"/>
+          <a:ext cx="10618305" cy="3632200"/>
         </p:xfrm>
         <a:graphic>
           <a:graphicData uri="http://schemas.openxmlformats.org/drawingml/2006/table">
@@ -6277,6 +7987,16 @@
                         <a:t>referentielocatie</a:t>
                       </a:r>
                     </a:p>
+                    <a:p>
+                      <a:pPr marL="285750" indent="-285750">
+                        <a:buFont typeface="Arial" panose="020B0604020202020204" pitchFamily="34" charset="0"/>
+                        <a:buChar char="•"/>
+                      </a:pPr>
+                      <a:r>
+                        <a:rPr lang="nl-BE" sz="1400" dirty="0"/>
+                        <a:t>TODO</a:t>
+                      </a:r>
+                    </a:p>
                   </a:txBody>
                   <a:tcPr/>
                 </a:tc>
@@ -6303,7 +8023,7 @@
 </p:sld>
 </file>
 
-<file path=ppt/slides/slide21.xml><?xml version="1.0" encoding="utf-8"?>
+<file path=ppt/slides/slide22.xml><?xml version="1.0" encoding="utf-8"?>
 <p:sld xmlns:a="http://schemas.openxmlformats.org/drawingml/2006/main" xmlns:r="http://schemas.openxmlformats.org/officeDocument/2006/relationships" xmlns:p="http://schemas.openxmlformats.org/presentationml/2006/main">
   <p:cSld>
     <p:spTree>
@@ -6368,14 +8088,14 @@
           <p:nvPr>
             <p:extLst>
               <p:ext uri="{D42A27DB-BD31-4B8C-83A1-F6EECF244321}">
-                <p14:modId xmlns:p14="http://schemas.microsoft.com/office/powerpoint/2010/main" val="3328957930"/>
+                <p14:modId xmlns:p14="http://schemas.microsoft.com/office/powerpoint/2010/main" val="1114193354"/>
               </p:ext>
             </p:extLst>
           </p:nvPr>
         </p:nvGraphicFramePr>
         <p:xfrm>
           <a:off x="838199" y="2126606"/>
-          <a:ext cx="10515600" cy="4013200"/>
+          <a:ext cx="10515600" cy="4160520"/>
         </p:xfrm>
         <a:graphic>
           <a:graphicData uri="http://schemas.openxmlformats.org/drawingml/2006/table">
@@ -6485,6 +8205,28 @@
                     <a:bodyPr/>
                     <a:lstStyle/>
                     <a:p>
+                      <a:pPr marL="285750" indent="-285750">
+                        <a:buFont typeface="Arial" panose="020B0604020202020204" pitchFamily="34" charset="0"/>
+                        <a:buChar char="•"/>
+                      </a:pPr>
+                      <a:r>
+                        <a:rPr lang="nl-BE" sz="1400" dirty="0" err="1"/>
+                        <a:t>resultaatVan</a:t>
+                      </a:r>
+                      <a:r>
+                        <a:rPr lang="nl-BE" sz="1400" dirty="0"/>
+                        <a:t>(Grondboring)</a:t>
+                      </a:r>
+                    </a:p>
+                    <a:p>
+                      <a:pPr marL="285750" indent="-285750">
+                        <a:buFont typeface="Arial" panose="020B0604020202020204" pitchFamily="34" charset="0"/>
+                        <a:buChar char="•"/>
+                      </a:pPr>
+                      <a:r>
+                        <a:rPr lang="nl-BE" sz="1400" dirty="0" err="1"/>
+                        <a:t>aangenomenGrondwaterstand</a:t>
+                      </a:r>
                       <a:endParaRPr lang="nl-BE" sz="1400" dirty="0"/>
                     </a:p>
                   </a:txBody>
@@ -7063,7 +8805,7 @@
 </p:sld>
 </file>
 
-<file path=ppt/slides/slide22.xml><?xml version="1.0" encoding="utf-8"?>
+<file path=ppt/slides/slide23.xml><?xml version="1.0" encoding="utf-8"?>
 <p:sld xmlns:a="http://schemas.openxmlformats.org/drawingml/2006/main" xmlns:r="http://schemas.openxmlformats.org/officeDocument/2006/relationships" xmlns:p="http://schemas.openxmlformats.org/presentationml/2006/main">
   <p:cSld>
     <p:spTree>
@@ -7123,7 +8865,7 @@
           <p:nvPr>
             <p:extLst>
               <p:ext uri="{D42A27DB-BD31-4B8C-83A1-F6EECF244321}">
-                <p14:modId xmlns:p14="http://schemas.microsoft.com/office/powerpoint/2010/main" val="1173319449"/>
+                <p14:modId xmlns:p14="http://schemas.microsoft.com/office/powerpoint/2010/main" val="2143072720"/>
               </p:ext>
             </p:extLst>
           </p:nvPr>
@@ -7239,7 +8981,18 @@
                     <a:bodyPr/>
                     <a:lstStyle/>
                     <a:p>
-                      <a:endParaRPr lang="nl-BE" sz="1400" dirty="0"/>
+                      <a:pPr marL="285750" indent="-285750">
+                        <a:buFont typeface="Arial" panose="020B0604020202020204" pitchFamily="34" charset="0"/>
+                        <a:buChar char="•"/>
+                      </a:pPr>
+                      <a:r>
+                        <a:rPr lang="nl-BE" sz="1400" dirty="0" err="1"/>
+                        <a:t>spec</a:t>
+                      </a:r>
+                      <a:r>
+                        <a:rPr lang="nl-BE" sz="1400" dirty="0"/>
+                        <a:t>. monstertype</a:t>
+                      </a:r>
                     </a:p>
                   </a:txBody>
                   <a:tcPr/>
@@ -7387,7 +9140,7 @@
 </p:sld>
 </file>
 
-<file path=ppt/slides/slide23.xml><?xml version="1.0" encoding="utf-8"?>
+<file path=ppt/slides/slide24.xml><?xml version="1.0" encoding="utf-8"?>
 <p:sld xmlns:a="http://schemas.openxmlformats.org/drawingml/2006/main" xmlns:r="http://schemas.openxmlformats.org/officeDocument/2006/relationships" xmlns:p="http://schemas.openxmlformats.org/presentationml/2006/main">
   <p:cSld>
     <p:spTree>
@@ -7447,14 +9200,14 @@
           <p:nvPr>
             <p:extLst>
               <p:ext uri="{D42A27DB-BD31-4B8C-83A1-F6EECF244321}">
-                <p14:modId xmlns:p14="http://schemas.microsoft.com/office/powerpoint/2010/main" val="247459590"/>
+                <p14:modId xmlns:p14="http://schemas.microsoft.com/office/powerpoint/2010/main" val="3972550243"/>
               </p:ext>
             </p:extLst>
           </p:nvPr>
         </p:nvGraphicFramePr>
         <p:xfrm>
           <a:off x="838200" y="2011680"/>
-          <a:ext cx="10515600" cy="2900680"/>
+          <a:ext cx="10515600" cy="3901440"/>
         </p:xfrm>
         <a:graphic>
           <a:graphicData uri="http://schemas.openxmlformats.org/drawingml/2006/table">
@@ -7563,7 +9316,88 @@
                     <a:bodyPr/>
                     <a:lstStyle/>
                     <a:p>
-                      <a:endParaRPr lang="nl-BE" sz="1400" dirty="0"/>
+                      <a:pPr marL="285750" indent="-285750">
+                        <a:buFont typeface="Arial" panose="020B0604020202020204" pitchFamily="34" charset="0"/>
+                        <a:buChar char="•"/>
+                      </a:pPr>
+                      <a:r>
+                        <a:rPr lang="nl-BE" sz="1400" dirty="0"/>
+                        <a:t>Fractiemeting</a:t>
+                      </a:r>
+                    </a:p>
+                    <a:p>
+                      <a:pPr marL="285750" indent="-285750">
+                        <a:buFont typeface="Arial" panose="020B0604020202020204" pitchFamily="34" charset="0"/>
+                        <a:buChar char="•"/>
+                      </a:pPr>
+                      <a:r>
+                        <a:rPr lang="nl-BE" sz="1400" dirty="0" err="1"/>
+                        <a:t>spec</a:t>
+                      </a:r>
+                      <a:r>
+                        <a:rPr lang="nl-BE" sz="1400" dirty="0"/>
+                        <a:t>. </a:t>
+                      </a:r>
+                      <a:r>
+                        <a:rPr lang="nl-BE" sz="1400" dirty="0" err="1"/>
+                        <a:t>geobserveerdObject</a:t>
+                      </a:r>
+                      <a:r>
+                        <a:rPr lang="nl-BE" sz="1400" dirty="0"/>
+                        <a:t> (Grondmonster)</a:t>
+                      </a:r>
+                    </a:p>
+                    <a:p>
+                      <a:pPr marL="285750" indent="-285750">
+                        <a:buFont typeface="Arial" panose="020B0604020202020204" pitchFamily="34" charset="0"/>
+                        <a:buChar char="•"/>
+                      </a:pPr>
+                      <a:r>
+                        <a:rPr lang="nl-BE" sz="1400" dirty="0" err="1"/>
+                        <a:t>spec</a:t>
+                      </a:r>
+                      <a:r>
+                        <a:rPr lang="nl-BE" sz="1400" dirty="0"/>
+                        <a:t>. resultaat</a:t>
+                      </a:r>
+                    </a:p>
+                    <a:p>
+                      <a:pPr marL="285750" indent="-285750">
+                        <a:buFont typeface="Arial" panose="020B0604020202020204" pitchFamily="34" charset="0"/>
+                        <a:buChar char="•"/>
+                      </a:pPr>
+                      <a:r>
+                        <a:rPr lang="nl-BE" sz="1400" dirty="0" err="1"/>
+                        <a:t>spec</a:t>
+                      </a:r>
+                      <a:r>
+                        <a:rPr lang="nl-BE" sz="1400" dirty="0"/>
+                        <a:t>. Parameters (</a:t>
+                      </a:r>
+                      <a:r>
+                        <a:rPr lang="nl-BE" sz="1400" dirty="0" err="1"/>
+                        <a:t>humusKalkVerwijderd</a:t>
+                      </a:r>
+                      <a:r>
+                        <a:rPr lang="nl-BE" sz="1400" dirty="0"/>
+                        <a:t>, </a:t>
+                      </a:r>
+                      <a:r>
+                        <a:rPr lang="nl-BE" sz="1400" dirty="0" err="1"/>
+                        <a:t>onderbrekingVan</a:t>
+                      </a:r>
+                      <a:r>
+                        <a:rPr lang="nl-BE" sz="1400" dirty="0"/>
+                        <a:t>, </a:t>
+                      </a:r>
+                      <a:r>
+                        <a:rPr lang="nl-BE" sz="1400" dirty="0" err="1"/>
+                        <a:t>OnderbrekingTot</a:t>
+                      </a:r>
+                      <a:r>
+                        <a:rPr lang="nl-BE" sz="1400" dirty="0"/>
+                        <a:t>)</a:t>
+                      </a:r>
                     </a:p>
                   </a:txBody>
                   <a:tcPr/>
@@ -7952,7 +9786,7 @@
 </p:sld>
 </file>
 
-<file path=ppt/slides/slide24.xml><?xml version="1.0" encoding="utf-8"?>
+<file path=ppt/slides/slide25.xml><?xml version="1.0" encoding="utf-8"?>
 <p:sld xmlns:a="http://schemas.openxmlformats.org/drawingml/2006/main" xmlns:r="http://schemas.openxmlformats.org/officeDocument/2006/relationships" xmlns:p="http://schemas.openxmlformats.org/presentationml/2006/main">
   <p:cSld>
     <p:spTree>
@@ -8374,7 +10208,7 @@
 </p:sld>
 </file>
 
-<file path=ppt/slides/slide25.xml><?xml version="1.0" encoding="utf-8"?>
+<file path=ppt/slides/slide26.xml><?xml version="1.0" encoding="utf-8"?>
 <p:sld xmlns:a="http://schemas.openxmlformats.org/drawingml/2006/main" xmlns:r="http://schemas.openxmlformats.org/officeDocument/2006/relationships" xmlns:p="http://schemas.openxmlformats.org/presentationml/2006/main">
   <p:cSld>
     <p:spTree>
@@ -8621,7 +10455,7 @@
 </p:sld>
 </file>
 
-<file path=ppt/slides/slide26.xml><?xml version="1.0" encoding="utf-8"?>
+<file path=ppt/slides/slide27.xml><?xml version="1.0" encoding="utf-8"?>
 <p:sld xmlns:a="http://schemas.openxmlformats.org/drawingml/2006/main" xmlns:r="http://schemas.openxmlformats.org/officeDocument/2006/relationships" xmlns:p="http://schemas.openxmlformats.org/presentationml/2006/main">
   <p:cSld>
     <p:spTree>
@@ -8681,7 +10515,7 @@
           <p:nvPr>
             <p:extLst>
               <p:ext uri="{D42A27DB-BD31-4B8C-83A1-F6EECF244321}">
-                <p14:modId xmlns:p14="http://schemas.microsoft.com/office/powerpoint/2010/main" val="1314826912"/>
+                <p14:modId xmlns:p14="http://schemas.microsoft.com/office/powerpoint/2010/main" val="2515219717"/>
               </p:ext>
             </p:extLst>
           </p:nvPr>
@@ -8797,7 +10631,14 @@
                     <a:bodyPr/>
                     <a:lstStyle/>
                     <a:p>
-                      <a:endParaRPr lang="nl-BE" sz="1400" dirty="0"/>
+                      <a:pPr marL="285750" indent="-285750">
+                        <a:buFont typeface="Arial" panose="020B0604020202020204" pitchFamily="34" charset="0"/>
+                        <a:buChar char="•"/>
+                      </a:pPr>
+                      <a:r>
+                        <a:rPr lang="nl-BE" sz="1400" dirty="0"/>
+                        <a:t>Domeinobject is abstract</a:t>
+                      </a:r>
                     </a:p>
                   </a:txBody>
                   <a:tcPr/>
@@ -8911,7 +10752,7 @@
 </p:sld>
 </file>
 
-<file path=ppt/slides/slide27.xml><?xml version="1.0" encoding="utf-8"?>
+<file path=ppt/slides/slide28.xml><?xml version="1.0" encoding="utf-8"?>
 <p:sld xmlns:a="http://schemas.openxmlformats.org/drawingml/2006/main" xmlns:r="http://schemas.openxmlformats.org/officeDocument/2006/relationships" xmlns:p="http://schemas.openxmlformats.org/presentationml/2006/main">
   <p:cSld>
     <p:spTree>
@@ -8997,7 +10838,7 @@
 </p:sld>
 </file>
 
-<file path=ppt/slides/slide28.xml><?xml version="1.0" encoding="utf-8"?>
+<file path=ppt/slides/slide29.xml><?xml version="1.0" encoding="utf-8"?>
 <p:sld xmlns:a="http://schemas.openxmlformats.org/drawingml/2006/main" xmlns:r="http://schemas.openxmlformats.org/officeDocument/2006/relationships" xmlns:p="http://schemas.openxmlformats.org/presentationml/2006/main">
   <p:cSld>
     <p:spTree>
@@ -9411,118 +11252,6 @@
     <p:extLst>
       <p:ext uri="{BB962C8B-B14F-4D97-AF65-F5344CB8AC3E}">
         <p14:creationId xmlns:p14="http://schemas.microsoft.com/office/powerpoint/2010/main" val="3822678185"/>
-      </p:ext>
-    </p:extLst>
-  </p:cSld>
-  <p:clrMapOvr>
-    <a:masterClrMapping/>
-  </p:clrMapOvr>
-</p:sld>
-</file>
-
-<file path=ppt/slides/slide29.xml><?xml version="1.0" encoding="utf-8"?>
-<p:sld xmlns:a="http://schemas.openxmlformats.org/drawingml/2006/main" xmlns:r="http://schemas.openxmlformats.org/officeDocument/2006/relationships" xmlns:p="http://schemas.openxmlformats.org/presentationml/2006/main">
-  <p:cSld>
-    <p:spTree>
-      <p:nvGrpSpPr>
-        <p:cNvPr id="1" name=""/>
-        <p:cNvGrpSpPr/>
-        <p:nvPr/>
-      </p:nvGrpSpPr>
-      <p:grpSpPr>
-        <a:xfrm>
-          <a:off x="0" y="0"/>
-          <a:ext cx="0" cy="0"/>
-          <a:chOff x="0" y="0"/>
-          <a:chExt cx="0" cy="0"/>
-        </a:xfrm>
-      </p:grpSpPr>
-      <p:sp>
-        <p:nvSpPr>
-          <p:cNvPr id="2" name="Title 1">
-            <a:extLst>
-              <a:ext uri="{FF2B5EF4-FFF2-40B4-BE49-F238E27FC236}">
-                <a16:creationId xmlns:a16="http://schemas.microsoft.com/office/drawing/2014/main" id="{1DEFF95F-CF61-49C4-B9AA-440049470977}"/>
-              </a:ext>
-            </a:extLst>
-          </p:cNvPr>
-          <p:cNvSpPr>
-            <a:spLocks noGrp="1"/>
-          </p:cNvSpPr>
-          <p:nvPr>
-            <p:ph type="title"/>
-          </p:nvPr>
-        </p:nvSpPr>
-        <p:spPr/>
-        <p:txBody>
-          <a:bodyPr/>
-          <a:lstStyle/>
-          <a:p>
-            <a:r>
-              <a:rPr lang="nl-BE" dirty="0"/>
-              <a:t>Grondboringen</a:t>
-            </a:r>
-          </a:p>
-        </p:txBody>
-      </p:sp>
-      <p:sp>
-        <p:nvSpPr>
-          <p:cNvPr id="4" name="Content Placeholder 2">
-            <a:extLst>
-              <a:ext uri="{FF2B5EF4-FFF2-40B4-BE49-F238E27FC236}">
-                <a16:creationId xmlns:a16="http://schemas.microsoft.com/office/drawing/2014/main" id="{FF7E094E-75A0-4231-99D8-58C625816F59}"/>
-              </a:ext>
-            </a:extLst>
-          </p:cNvPr>
-          <p:cNvSpPr>
-            <a:spLocks noGrp="1"/>
-          </p:cNvSpPr>
-          <p:nvPr>
-            <p:ph idx="1"/>
-          </p:nvPr>
-        </p:nvSpPr>
-        <p:spPr>
-          <a:xfrm>
-            <a:off x="838200" y="1825625"/>
-            <a:ext cx="10515600" cy="4351338"/>
-          </a:xfrm>
-        </p:spPr>
-        <p:txBody>
-          <a:bodyPr/>
-          <a:lstStyle/>
-          <a:p>
-            <a:r>
-              <a:rPr lang="nl-BE" dirty="0"/>
-              <a:t>Opgesplitst in:</a:t>
-            </a:r>
-          </a:p>
-          <a:p>
-            <a:pPr lvl="1"/>
-            <a:r>
-              <a:rPr lang="nl-BE" dirty="0"/>
-              <a:t>Grondboringen-Bemonstering</a:t>
-            </a:r>
-          </a:p>
-          <a:p>
-            <a:pPr lvl="1"/>
-            <a:r>
-              <a:rPr lang="nl-BE" dirty="0"/>
-              <a:t>Grondboringen-Observaties</a:t>
-            </a:r>
-          </a:p>
-          <a:p>
-            <a:pPr lvl="1"/>
-            <a:r>
-              <a:rPr lang="nl-BE" dirty="0"/>
-              <a:t>Grondboringen-Interpretaties</a:t>
-            </a:r>
-          </a:p>
-        </p:txBody>
-      </p:sp>
-    </p:spTree>
-    <p:extLst>
-      <p:ext uri="{BB962C8B-B14F-4D97-AF65-F5344CB8AC3E}">
-        <p14:creationId xmlns:p14="http://schemas.microsoft.com/office/powerpoint/2010/main" val="1753102071"/>
       </p:ext>
     </p:extLst>
   </p:cSld>
@@ -9667,51 +11396,69 @@
           <a:p>
             <a:r>
               <a:rPr lang="nl-BE" dirty="0"/>
-              <a:t>Grondboringen-Bemonstering</a:t>
-            </a:r>
-          </a:p>
-        </p:txBody>
-      </p:sp>
-      <p:pic>
-        <p:nvPicPr>
-          <p:cNvPr id="7" name="Picture 6" descr="Diagram&#10;&#10;Description automatically generated">
-            <a:extLst>
-              <a:ext uri="{FF2B5EF4-FFF2-40B4-BE49-F238E27FC236}">
-                <a16:creationId xmlns:a16="http://schemas.microsoft.com/office/drawing/2014/main" id="{87880980-ED25-4C55-9B18-CD057AFBD581}"/>
-              </a:ext>
-            </a:extLst>
-          </p:cNvPr>
-          <p:cNvPicPr>
-            <a:picLocks noChangeAspect="1"/>
-          </p:cNvPicPr>
-          <p:nvPr/>
-        </p:nvPicPr>
-        <p:blipFill>
-          <a:blip r:embed="rId2">
-            <a:extLst>
-              <a:ext uri="{28A0092B-C50C-407E-A947-70E740481C1C}">
-                <a14:useLocalDpi xmlns:a14="http://schemas.microsoft.com/office/drawing/2010/main" val="0"/>
-              </a:ext>
-            </a:extLst>
-          </a:blip>
-          <a:stretch>
-            <a:fillRect/>
-          </a:stretch>
-        </p:blipFill>
+              <a:t>Grondboringen</a:t>
+            </a:r>
+          </a:p>
+        </p:txBody>
+      </p:sp>
+      <p:sp>
+        <p:nvSpPr>
+          <p:cNvPr id="4" name="Content Placeholder 2">
+            <a:extLst>
+              <a:ext uri="{FF2B5EF4-FFF2-40B4-BE49-F238E27FC236}">
+                <a16:creationId xmlns:a16="http://schemas.microsoft.com/office/drawing/2014/main" id="{FF7E094E-75A0-4231-99D8-58C625816F59}"/>
+              </a:ext>
+            </a:extLst>
+          </p:cNvPr>
+          <p:cNvSpPr>
+            <a:spLocks noGrp="1"/>
+          </p:cNvSpPr>
+          <p:nvPr>
+            <p:ph idx="1"/>
+          </p:nvPr>
+        </p:nvSpPr>
         <p:spPr>
           <a:xfrm>
-            <a:off x="664877" y="1882219"/>
-            <a:ext cx="10862245" cy="3764820"/>
+            <a:off x="838200" y="1825625"/>
+            <a:ext cx="10515600" cy="4351338"/>
           </a:xfrm>
-          <a:prstGeom prst="rect">
-            <a:avLst/>
-          </a:prstGeom>
         </p:spPr>
-      </p:pic>
+        <p:txBody>
+          <a:bodyPr/>
+          <a:lstStyle/>
+          <a:p>
+            <a:r>
+              <a:rPr lang="nl-BE" dirty="0"/>
+              <a:t>Opgesplitst in:</a:t>
+            </a:r>
+          </a:p>
+          <a:p>
+            <a:pPr lvl="1"/>
+            <a:r>
+              <a:rPr lang="nl-BE" dirty="0"/>
+              <a:t>Grondboringen-Bemonstering</a:t>
+            </a:r>
+          </a:p>
+          <a:p>
+            <a:pPr lvl="1"/>
+            <a:r>
+              <a:rPr lang="nl-BE" dirty="0"/>
+              <a:t>Grondboringen-Observaties</a:t>
+            </a:r>
+          </a:p>
+          <a:p>
+            <a:pPr lvl="1"/>
+            <a:r>
+              <a:rPr lang="nl-BE" dirty="0"/>
+              <a:t>Grondboringen-Interpretaties</a:t>
+            </a:r>
+          </a:p>
+        </p:txBody>
+      </p:sp>
     </p:spTree>
     <p:extLst>
       <p:ext uri="{BB962C8B-B14F-4D97-AF65-F5344CB8AC3E}">
-        <p14:creationId xmlns:p14="http://schemas.microsoft.com/office/powerpoint/2010/main" val="3601242841"/>
+        <p14:creationId xmlns:p14="http://schemas.microsoft.com/office/powerpoint/2010/main" val="1753102071"/>
       </p:ext>
     </p:extLst>
   </p:cSld>
@@ -10167,8 +11914,162 @@
           <a:p>
             <a:r>
               <a:rPr lang="nl-BE" dirty="0"/>
-              <a:t>Grondboring met Grondmonster</a:t>
-            </a:r>
+              <a:t>Grondboringen-Bemonstering: opmerkingen</a:t>
+            </a:r>
+          </a:p>
+        </p:txBody>
+      </p:sp>
+      <p:sp>
+        <p:nvSpPr>
+          <p:cNvPr id="11" name="Content Placeholder 2">
+            <a:extLst>
+              <a:ext uri="{FF2B5EF4-FFF2-40B4-BE49-F238E27FC236}">
+                <a16:creationId xmlns:a16="http://schemas.microsoft.com/office/drawing/2014/main" id="{1718E123-33D6-43EC-BA17-C253A71D1E1E}"/>
+              </a:ext>
+            </a:extLst>
+          </p:cNvPr>
+          <p:cNvSpPr>
+            <a:spLocks noGrp="1"/>
+          </p:cNvSpPr>
+          <p:nvPr>
+            <p:ph idx="1"/>
+          </p:nvPr>
+        </p:nvSpPr>
+        <p:spPr>
+          <a:xfrm>
+            <a:off x="838200" y="1825625"/>
+            <a:ext cx="10515600" cy="4351338"/>
+          </a:xfrm>
+        </p:spPr>
+        <p:txBody>
+          <a:bodyPr/>
+          <a:lstStyle/>
+          <a:p>
+            <a:r>
+              <a:rPr lang="nl-BE" dirty="0"/>
+              <a:t>Vroegere Boordetails:</a:t>
+            </a:r>
+          </a:p>
+          <a:p>
+            <a:pPr lvl="1"/>
+            <a:r>
+              <a:rPr lang="nl-BE" dirty="0"/>
+              <a:t>weggelaten </a:t>
+            </a:r>
+          </a:p>
+          <a:p>
+            <a:r>
+              <a:rPr lang="nl-BE" dirty="0"/>
+              <a:t>Oorsprongspositie:</a:t>
+            </a:r>
+          </a:p>
+          <a:p>
+            <a:pPr lvl="1"/>
+            <a:r>
+              <a:rPr lang="nl-BE" dirty="0"/>
+              <a:t>Datatype, herbruikbaar voor andere thema’s</a:t>
+            </a:r>
+          </a:p>
+          <a:p>
+            <a:r>
+              <a:rPr lang="nl-BE" dirty="0"/>
+              <a:t>Vroegere Boordetails uitgesplitst:</a:t>
+            </a:r>
+          </a:p>
+          <a:p>
+            <a:pPr lvl="1"/>
+            <a:r>
+              <a:rPr lang="nl-BE" dirty="0"/>
+              <a:t>Kleur, Consistentie, Vochtgehalte, Grondwaterstand -&gt; naar Observaties</a:t>
+            </a:r>
+          </a:p>
+          <a:p>
+            <a:pPr lvl="1"/>
+            <a:r>
+              <a:rPr lang="nl-BE" dirty="0"/>
+              <a:t>Bekisting, Boorgatdiameter -&gt; naar Boorgat</a:t>
+            </a:r>
+          </a:p>
+          <a:p>
+            <a:pPr lvl="1"/>
+            <a:r>
+              <a:rPr lang="nl-BE" dirty="0"/>
+              <a:t>Boormethode -&gt; </a:t>
+            </a:r>
+            <a:r>
+              <a:rPr lang="nl-BE" dirty="0" err="1"/>
+              <a:t>spec</a:t>
+            </a:r>
+            <a:r>
+              <a:rPr lang="nl-BE" dirty="0"/>
+              <a:t>. van Bemonsteringsprocedure</a:t>
+            </a:r>
+          </a:p>
+          <a:p>
+            <a:endParaRPr lang="nl-BE" dirty="0"/>
+          </a:p>
+        </p:txBody>
+      </p:sp>
+    </p:spTree>
+    <p:extLst>
+      <p:ext uri="{BB962C8B-B14F-4D97-AF65-F5344CB8AC3E}">
+        <p14:creationId xmlns:p14="http://schemas.microsoft.com/office/powerpoint/2010/main" val="3271572501"/>
+      </p:ext>
+    </p:extLst>
+  </p:cSld>
+  <p:clrMapOvr>
+    <a:masterClrMapping/>
+  </p:clrMapOvr>
+</p:sld>
+</file>
+
+<file path=ppt/slides/slide33.xml><?xml version="1.0" encoding="utf-8"?>
+<p:sld xmlns:a="http://schemas.openxmlformats.org/drawingml/2006/main" xmlns:r="http://schemas.openxmlformats.org/officeDocument/2006/relationships" xmlns:p="http://schemas.openxmlformats.org/presentationml/2006/main">
+  <p:cSld>
+    <p:spTree>
+      <p:nvGrpSpPr>
+        <p:cNvPr id="1" name=""/>
+        <p:cNvGrpSpPr/>
+        <p:nvPr/>
+      </p:nvGrpSpPr>
+      <p:grpSpPr>
+        <a:xfrm>
+          <a:off x="0" y="0"/>
+          <a:ext cx="0" cy="0"/>
+          <a:chOff x="0" y="0"/>
+          <a:chExt cx="0" cy="0"/>
+        </a:xfrm>
+      </p:grpSpPr>
+      <p:sp>
+        <p:nvSpPr>
+          <p:cNvPr id="2" name="Title 1">
+            <a:extLst>
+              <a:ext uri="{FF2B5EF4-FFF2-40B4-BE49-F238E27FC236}">
+                <a16:creationId xmlns:a16="http://schemas.microsoft.com/office/drawing/2014/main" id="{1DEFF95F-CF61-49C4-B9AA-440049470977}"/>
+              </a:ext>
+            </a:extLst>
+          </p:cNvPr>
+          <p:cNvSpPr>
+            <a:spLocks noGrp="1"/>
+          </p:cNvSpPr>
+          <p:nvPr>
+            <p:ph type="title"/>
+          </p:nvPr>
+        </p:nvSpPr>
+        <p:spPr/>
+        <p:txBody>
+          <a:bodyPr/>
+          <a:lstStyle/>
+          <a:p>
+            <a:r>
+              <a:rPr lang="nl-BE" dirty="0"/>
+              <a:t>Grondboringen-Bemonstering: </a:t>
+            </a:r>
+            <a:r>
+              <a:rPr lang="nl-BE" dirty="0" err="1"/>
+              <a:t>vb</a:t>
+            </a:r>
+            <a:endParaRPr lang="nl-BE" dirty="0"/>
           </a:p>
         </p:txBody>
       </p:sp>
@@ -10221,7 +12122,7 @@
 </p:sld>
 </file>
 
-<file path=ppt/slides/slide33.xml><?xml version="1.0" encoding="utf-8"?>
+<file path=ppt/slides/slide34.xml><?xml version="1.0" encoding="utf-8"?>
 <p:sld xmlns:a="http://schemas.openxmlformats.org/drawingml/2006/main" xmlns:r="http://schemas.openxmlformats.org/officeDocument/2006/relationships" xmlns:p="http://schemas.openxmlformats.org/presentationml/2006/main">
   <p:cSld>
     <p:spTree>
@@ -10260,28 +12161,8 @@
           <a:lstStyle/>
           <a:p>
             <a:r>
-              <a:rPr lang="nl-BE" dirty="0" err="1"/>
-              <a:t>To</a:t>
-            </a:r>
-            <a:r>
               <a:rPr lang="nl-BE" dirty="0"/>
-              <a:t> </a:t>
-            </a:r>
-            <a:r>
-              <a:rPr lang="nl-BE" dirty="0" err="1"/>
-              <a:t>be</a:t>
-            </a:r>
-            <a:r>
-              <a:rPr lang="nl-BE" dirty="0"/>
-              <a:t> </a:t>
-            </a:r>
-            <a:r>
-              <a:rPr lang="nl-BE" dirty="0" err="1"/>
-              <a:t>continued</a:t>
-            </a:r>
-            <a:r>
-              <a:rPr lang="nl-BE" dirty="0"/>
-              <a:t>…</a:t>
+              <a:t>Grondboring-Bemonstering: issues</a:t>
             </a:r>
           </a:p>
         </p:txBody>
@@ -10309,7 +12190,34 @@
           <a:p>
             <a:r>
               <a:rPr lang="nl-BE" dirty="0"/>
-              <a:t>()</a:t>
+              <a:t>Associatie Boorgat-Grondmonster:</a:t>
+            </a:r>
+          </a:p>
+          <a:p>
+            <a:pPr lvl="1"/>
+            <a:r>
+              <a:rPr lang="nl-BE" dirty="0" err="1"/>
+              <a:t>Grondmonster.grondboring</a:t>
+            </a:r>
+            <a:r>
+              <a:rPr lang="nl-BE" dirty="0"/>
+              <a:t> heeft </a:t>
+            </a:r>
+            <a:r>
+              <a:rPr lang="nl-BE" dirty="0" err="1"/>
+              <a:t>kardinaliteit</a:t>
+            </a:r>
+            <a:r>
+              <a:rPr lang="nl-BE" dirty="0"/>
+              <a:t> 1, moet dat niet 0..1 zijn? Niet elk Grondmonster wordt verkregen </a:t>
+            </a:r>
+            <a:r>
+              <a:rPr lang="nl-BE" dirty="0" err="1"/>
+              <a:t>dmv</a:t>
+            </a:r>
+            <a:r>
+              <a:rPr lang="nl-BE" dirty="0"/>
+              <a:t> een Grondboring.</a:t>
             </a:r>
           </a:p>
         </p:txBody>
@@ -10317,7 +12225,1015 @@
     </p:spTree>
     <p:extLst>
       <p:ext uri="{BB962C8B-B14F-4D97-AF65-F5344CB8AC3E}">
-        <p14:creationId xmlns:p14="http://schemas.microsoft.com/office/powerpoint/2010/main" val="77997021"/>
+        <p14:creationId xmlns:p14="http://schemas.microsoft.com/office/powerpoint/2010/main" val="2153600045"/>
+      </p:ext>
+    </p:extLst>
+  </p:cSld>
+  <p:clrMapOvr>
+    <a:masterClrMapping/>
+  </p:clrMapOvr>
+</p:sld>
+</file>
+
+<file path=ppt/slides/slide35.xml><?xml version="1.0" encoding="utf-8"?>
+<p:sld xmlns:a="http://schemas.openxmlformats.org/drawingml/2006/main" xmlns:r="http://schemas.openxmlformats.org/officeDocument/2006/relationships" xmlns:p="http://schemas.openxmlformats.org/presentationml/2006/main">
+  <p:cSld>
+    <p:spTree>
+      <p:nvGrpSpPr>
+        <p:cNvPr id="1" name=""/>
+        <p:cNvGrpSpPr/>
+        <p:nvPr/>
+      </p:nvGrpSpPr>
+      <p:grpSpPr>
+        <a:xfrm>
+          <a:off x="0" y="0"/>
+          <a:ext cx="0" cy="0"/>
+          <a:chOff x="0" y="0"/>
+          <a:chExt cx="0" cy="0"/>
+        </a:xfrm>
+      </p:grpSpPr>
+      <p:pic>
+        <p:nvPicPr>
+          <p:cNvPr id="18" name="Picture 17" descr="Graphical user interface&#10;&#10;Description automatically generated">
+            <a:extLst>
+              <a:ext uri="{FF2B5EF4-FFF2-40B4-BE49-F238E27FC236}">
+                <a16:creationId xmlns:a16="http://schemas.microsoft.com/office/drawing/2014/main" id="{4A760CF7-59AD-4057-81BE-C7562D489E73}"/>
+              </a:ext>
+            </a:extLst>
+          </p:cNvPr>
+          <p:cNvPicPr>
+            <a:picLocks noChangeAspect="1"/>
+          </p:cNvPicPr>
+          <p:nvPr/>
+        </p:nvPicPr>
+        <p:blipFill>
+          <a:blip r:embed="rId2">
+            <a:extLst>
+              <a:ext uri="{28A0092B-C50C-407E-A947-70E740481C1C}">
+                <a14:useLocalDpi xmlns:a14="http://schemas.microsoft.com/office/drawing/2010/main" val="0"/>
+              </a:ext>
+            </a:extLst>
+          </a:blip>
+          <a:stretch>
+            <a:fillRect/>
+          </a:stretch>
+        </p:blipFill>
+        <p:spPr>
+          <a:xfrm>
+            <a:off x="1064793" y="1690688"/>
+            <a:ext cx="10062414" cy="4408142"/>
+          </a:xfrm>
+          <a:prstGeom prst="rect">
+            <a:avLst/>
+          </a:prstGeom>
+        </p:spPr>
+      </p:pic>
+      <p:sp>
+        <p:nvSpPr>
+          <p:cNvPr id="2" name="Title 1">
+            <a:extLst>
+              <a:ext uri="{FF2B5EF4-FFF2-40B4-BE49-F238E27FC236}">
+                <a16:creationId xmlns:a16="http://schemas.microsoft.com/office/drawing/2014/main" id="{1DEFF95F-CF61-49C4-B9AA-440049470977}"/>
+              </a:ext>
+            </a:extLst>
+          </p:cNvPr>
+          <p:cNvSpPr>
+            <a:spLocks noGrp="1"/>
+          </p:cNvSpPr>
+          <p:nvPr>
+            <p:ph type="title"/>
+          </p:nvPr>
+        </p:nvSpPr>
+        <p:spPr/>
+        <p:txBody>
+          <a:bodyPr/>
+          <a:lstStyle/>
+          <a:p>
+            <a:r>
+              <a:rPr lang="nl-BE" dirty="0"/>
+              <a:t>Grondboringen-Observaties</a:t>
+            </a:r>
+          </a:p>
+        </p:txBody>
+      </p:sp>
+      <p:sp>
+        <p:nvSpPr>
+          <p:cNvPr id="6" name="Rectangle 5">
+            <a:extLst>
+              <a:ext uri="{FF2B5EF4-FFF2-40B4-BE49-F238E27FC236}">
+                <a16:creationId xmlns:a16="http://schemas.microsoft.com/office/drawing/2014/main" id="{14A6D231-543C-4A81-942D-26935CD53DC9}"/>
+              </a:ext>
+            </a:extLst>
+          </p:cNvPr>
+          <p:cNvSpPr/>
+          <p:nvPr/>
+        </p:nvSpPr>
+        <p:spPr>
+          <a:xfrm>
+            <a:off x="1997367" y="2552742"/>
+            <a:ext cx="1026651" cy="463509"/>
+          </a:xfrm>
+          <a:prstGeom prst="rect">
+            <a:avLst/>
+          </a:prstGeom>
+          <a:noFill/>
+          <a:ln w="28575">
+            <a:solidFill>
+              <a:srgbClr val="FF0000"/>
+            </a:solidFill>
+          </a:ln>
+        </p:spPr>
+        <p:style>
+          <a:lnRef idx="2">
+            <a:schemeClr val="accent1">
+              <a:shade val="50000"/>
+            </a:schemeClr>
+          </a:lnRef>
+          <a:fillRef idx="1">
+            <a:schemeClr val="accent1"/>
+          </a:fillRef>
+          <a:effectRef idx="0">
+            <a:schemeClr val="accent1"/>
+          </a:effectRef>
+          <a:fontRef idx="minor">
+            <a:schemeClr val="lt1"/>
+          </a:fontRef>
+        </p:style>
+        <p:txBody>
+          <a:bodyPr rtlCol="0" anchor="ctr"/>
+          <a:lstStyle/>
+          <a:p>
+            <a:pPr algn="ctr"/>
+            <a:endParaRPr lang="nl-BE"/>
+          </a:p>
+        </p:txBody>
+      </p:sp>
+      <p:sp>
+        <p:nvSpPr>
+          <p:cNvPr id="8" name="Rectangle 7">
+            <a:extLst>
+              <a:ext uri="{FF2B5EF4-FFF2-40B4-BE49-F238E27FC236}">
+                <a16:creationId xmlns:a16="http://schemas.microsoft.com/office/drawing/2014/main" id="{98AA9203-8F6A-4ECF-8E12-F871AB8CBDF0}"/>
+              </a:ext>
+            </a:extLst>
+          </p:cNvPr>
+          <p:cNvSpPr/>
+          <p:nvPr/>
+        </p:nvSpPr>
+        <p:spPr>
+          <a:xfrm>
+            <a:off x="2006332" y="3090624"/>
+            <a:ext cx="1026651" cy="463509"/>
+          </a:xfrm>
+          <a:prstGeom prst="rect">
+            <a:avLst/>
+          </a:prstGeom>
+          <a:noFill/>
+          <a:ln w="28575">
+            <a:solidFill>
+              <a:srgbClr val="FF0000"/>
+            </a:solidFill>
+          </a:ln>
+        </p:spPr>
+        <p:style>
+          <a:lnRef idx="2">
+            <a:schemeClr val="accent1">
+              <a:shade val="50000"/>
+            </a:schemeClr>
+          </a:lnRef>
+          <a:fillRef idx="1">
+            <a:schemeClr val="accent1"/>
+          </a:fillRef>
+          <a:effectRef idx="0">
+            <a:schemeClr val="accent1"/>
+          </a:effectRef>
+          <a:fontRef idx="minor">
+            <a:schemeClr val="lt1"/>
+          </a:fontRef>
+        </p:style>
+        <p:txBody>
+          <a:bodyPr rtlCol="0" anchor="ctr"/>
+          <a:lstStyle/>
+          <a:p>
+            <a:pPr algn="ctr"/>
+            <a:endParaRPr lang="nl-BE"/>
+          </a:p>
+        </p:txBody>
+      </p:sp>
+      <p:sp>
+        <p:nvSpPr>
+          <p:cNvPr id="9" name="Rectangle 8">
+            <a:extLst>
+              <a:ext uri="{FF2B5EF4-FFF2-40B4-BE49-F238E27FC236}">
+                <a16:creationId xmlns:a16="http://schemas.microsoft.com/office/drawing/2014/main" id="{3A065827-EF58-442A-AA86-3F8AF50AE3B0}"/>
+              </a:ext>
+            </a:extLst>
+          </p:cNvPr>
+          <p:cNvSpPr/>
+          <p:nvPr/>
+        </p:nvSpPr>
+        <p:spPr>
+          <a:xfrm>
+            <a:off x="2006332" y="3628506"/>
+            <a:ext cx="1026651" cy="463509"/>
+          </a:xfrm>
+          <a:prstGeom prst="rect">
+            <a:avLst/>
+          </a:prstGeom>
+          <a:noFill/>
+          <a:ln w="28575">
+            <a:solidFill>
+              <a:srgbClr val="FF0000"/>
+            </a:solidFill>
+          </a:ln>
+        </p:spPr>
+        <p:style>
+          <a:lnRef idx="2">
+            <a:schemeClr val="accent1">
+              <a:shade val="50000"/>
+            </a:schemeClr>
+          </a:lnRef>
+          <a:fillRef idx="1">
+            <a:schemeClr val="accent1"/>
+          </a:fillRef>
+          <a:effectRef idx="0">
+            <a:schemeClr val="accent1"/>
+          </a:effectRef>
+          <a:fontRef idx="minor">
+            <a:schemeClr val="lt1"/>
+          </a:fontRef>
+        </p:style>
+        <p:txBody>
+          <a:bodyPr rtlCol="0" anchor="ctr"/>
+          <a:lstStyle/>
+          <a:p>
+            <a:pPr algn="ctr"/>
+            <a:endParaRPr lang="nl-BE"/>
+          </a:p>
+        </p:txBody>
+      </p:sp>
+      <p:sp>
+        <p:nvSpPr>
+          <p:cNvPr id="10" name="Rectangle 9">
+            <a:extLst>
+              <a:ext uri="{FF2B5EF4-FFF2-40B4-BE49-F238E27FC236}">
+                <a16:creationId xmlns:a16="http://schemas.microsoft.com/office/drawing/2014/main" id="{B3A311A9-8218-4E9C-9BCA-8CEE53DB5A51}"/>
+              </a:ext>
+            </a:extLst>
+          </p:cNvPr>
+          <p:cNvSpPr/>
+          <p:nvPr/>
+        </p:nvSpPr>
+        <p:spPr>
+          <a:xfrm>
+            <a:off x="2015297" y="4166389"/>
+            <a:ext cx="1026651" cy="463509"/>
+          </a:xfrm>
+          <a:prstGeom prst="rect">
+            <a:avLst/>
+          </a:prstGeom>
+          <a:noFill/>
+          <a:ln w="28575">
+            <a:solidFill>
+              <a:srgbClr val="FF0000"/>
+            </a:solidFill>
+          </a:ln>
+        </p:spPr>
+        <p:style>
+          <a:lnRef idx="2">
+            <a:schemeClr val="accent1">
+              <a:shade val="50000"/>
+            </a:schemeClr>
+          </a:lnRef>
+          <a:fillRef idx="1">
+            <a:schemeClr val="accent1"/>
+          </a:fillRef>
+          <a:effectRef idx="0">
+            <a:schemeClr val="accent1"/>
+          </a:effectRef>
+          <a:fontRef idx="minor">
+            <a:schemeClr val="lt1"/>
+          </a:fontRef>
+        </p:style>
+        <p:txBody>
+          <a:bodyPr rtlCol="0" anchor="ctr"/>
+          <a:lstStyle/>
+          <a:p>
+            <a:pPr algn="ctr"/>
+            <a:endParaRPr lang="nl-BE"/>
+          </a:p>
+        </p:txBody>
+      </p:sp>
+      <p:sp>
+        <p:nvSpPr>
+          <p:cNvPr id="11" name="Rectangle 10">
+            <a:extLst>
+              <a:ext uri="{FF2B5EF4-FFF2-40B4-BE49-F238E27FC236}">
+                <a16:creationId xmlns:a16="http://schemas.microsoft.com/office/drawing/2014/main" id="{7C28A9BF-7931-405A-A535-E7490C0468F8}"/>
+              </a:ext>
+            </a:extLst>
+          </p:cNvPr>
+          <p:cNvSpPr/>
+          <p:nvPr/>
+        </p:nvSpPr>
+        <p:spPr>
+          <a:xfrm>
+            <a:off x="3830648" y="2552741"/>
+            <a:ext cx="1214911" cy="463509"/>
+          </a:xfrm>
+          <a:prstGeom prst="rect">
+            <a:avLst/>
+          </a:prstGeom>
+          <a:noFill/>
+          <a:ln w="28575">
+            <a:solidFill>
+              <a:srgbClr val="FF0000"/>
+            </a:solidFill>
+          </a:ln>
+        </p:spPr>
+        <p:style>
+          <a:lnRef idx="2">
+            <a:schemeClr val="accent1">
+              <a:shade val="50000"/>
+            </a:schemeClr>
+          </a:lnRef>
+          <a:fillRef idx="1">
+            <a:schemeClr val="accent1"/>
+          </a:fillRef>
+          <a:effectRef idx="0">
+            <a:schemeClr val="accent1"/>
+          </a:effectRef>
+          <a:fontRef idx="minor">
+            <a:schemeClr val="lt1"/>
+          </a:fontRef>
+        </p:style>
+        <p:txBody>
+          <a:bodyPr rtlCol="0" anchor="ctr"/>
+          <a:lstStyle/>
+          <a:p>
+            <a:pPr algn="ctr"/>
+            <a:endParaRPr lang="nl-BE"/>
+          </a:p>
+        </p:txBody>
+      </p:sp>
+      <p:sp>
+        <p:nvSpPr>
+          <p:cNvPr id="12" name="Rectangle 11">
+            <a:extLst>
+              <a:ext uri="{FF2B5EF4-FFF2-40B4-BE49-F238E27FC236}">
+                <a16:creationId xmlns:a16="http://schemas.microsoft.com/office/drawing/2014/main" id="{9E5232C7-48BC-4A67-AB0F-BE4BA3EED74B}"/>
+              </a:ext>
+            </a:extLst>
+          </p:cNvPr>
+          <p:cNvSpPr/>
+          <p:nvPr/>
+        </p:nvSpPr>
+        <p:spPr>
+          <a:xfrm>
+            <a:off x="3754449" y="3126482"/>
+            <a:ext cx="1403170" cy="463509"/>
+          </a:xfrm>
+          <a:prstGeom prst="rect">
+            <a:avLst/>
+          </a:prstGeom>
+          <a:noFill/>
+          <a:ln w="28575">
+            <a:solidFill>
+              <a:srgbClr val="FF0000"/>
+            </a:solidFill>
+          </a:ln>
+        </p:spPr>
+        <p:style>
+          <a:lnRef idx="2">
+            <a:schemeClr val="accent1">
+              <a:shade val="50000"/>
+            </a:schemeClr>
+          </a:lnRef>
+          <a:fillRef idx="1">
+            <a:schemeClr val="accent1"/>
+          </a:fillRef>
+          <a:effectRef idx="0">
+            <a:schemeClr val="accent1"/>
+          </a:effectRef>
+          <a:fontRef idx="minor">
+            <a:schemeClr val="lt1"/>
+          </a:fontRef>
+        </p:style>
+        <p:txBody>
+          <a:bodyPr rtlCol="0" anchor="ctr"/>
+          <a:lstStyle/>
+          <a:p>
+            <a:pPr algn="ctr"/>
+            <a:endParaRPr lang="nl-BE"/>
+          </a:p>
+        </p:txBody>
+      </p:sp>
+      <p:sp>
+        <p:nvSpPr>
+          <p:cNvPr id="13" name="Rectangle 12">
+            <a:extLst>
+              <a:ext uri="{FF2B5EF4-FFF2-40B4-BE49-F238E27FC236}">
+                <a16:creationId xmlns:a16="http://schemas.microsoft.com/office/drawing/2014/main" id="{D8787962-594C-4E21-986E-857500B3750F}"/>
+              </a:ext>
+            </a:extLst>
+          </p:cNvPr>
+          <p:cNvSpPr/>
+          <p:nvPr/>
+        </p:nvSpPr>
+        <p:spPr>
+          <a:xfrm>
+            <a:off x="3862025" y="3664364"/>
+            <a:ext cx="1152158" cy="463509"/>
+          </a:xfrm>
+          <a:prstGeom prst="rect">
+            <a:avLst/>
+          </a:prstGeom>
+          <a:noFill/>
+          <a:ln w="28575">
+            <a:solidFill>
+              <a:srgbClr val="FF0000"/>
+            </a:solidFill>
+          </a:ln>
+        </p:spPr>
+        <p:style>
+          <a:lnRef idx="2">
+            <a:schemeClr val="accent1">
+              <a:shade val="50000"/>
+            </a:schemeClr>
+          </a:lnRef>
+          <a:fillRef idx="1">
+            <a:schemeClr val="accent1"/>
+          </a:fillRef>
+          <a:effectRef idx="0">
+            <a:schemeClr val="accent1"/>
+          </a:effectRef>
+          <a:fontRef idx="minor">
+            <a:schemeClr val="lt1"/>
+          </a:fontRef>
+        </p:style>
+        <p:txBody>
+          <a:bodyPr rtlCol="0" anchor="ctr"/>
+          <a:lstStyle/>
+          <a:p>
+            <a:pPr algn="ctr"/>
+            <a:endParaRPr lang="nl-BE"/>
+          </a:p>
+        </p:txBody>
+      </p:sp>
+      <p:sp>
+        <p:nvSpPr>
+          <p:cNvPr id="14" name="Rectangle 13">
+            <a:extLst>
+              <a:ext uri="{FF2B5EF4-FFF2-40B4-BE49-F238E27FC236}">
+                <a16:creationId xmlns:a16="http://schemas.microsoft.com/office/drawing/2014/main" id="{F10AB812-47F1-4E25-A036-793DCE3CADDB}"/>
+              </a:ext>
+            </a:extLst>
+          </p:cNvPr>
+          <p:cNvSpPr/>
+          <p:nvPr/>
+        </p:nvSpPr>
+        <p:spPr>
+          <a:xfrm>
+            <a:off x="4028066" y="4229255"/>
+            <a:ext cx="941293" cy="400644"/>
+          </a:xfrm>
+          <a:prstGeom prst="rect">
+            <a:avLst/>
+          </a:prstGeom>
+          <a:noFill/>
+          <a:ln w="28575">
+            <a:solidFill>
+              <a:srgbClr val="FF0000"/>
+            </a:solidFill>
+          </a:ln>
+        </p:spPr>
+        <p:style>
+          <a:lnRef idx="2">
+            <a:schemeClr val="accent1">
+              <a:shade val="50000"/>
+            </a:schemeClr>
+          </a:lnRef>
+          <a:fillRef idx="1">
+            <a:schemeClr val="accent1"/>
+          </a:fillRef>
+          <a:effectRef idx="0">
+            <a:schemeClr val="accent1"/>
+          </a:effectRef>
+          <a:fontRef idx="minor">
+            <a:schemeClr val="lt1"/>
+          </a:fontRef>
+        </p:style>
+        <p:txBody>
+          <a:bodyPr rtlCol="0" anchor="ctr"/>
+          <a:lstStyle/>
+          <a:p>
+            <a:pPr algn="ctr"/>
+            <a:endParaRPr lang="nl-BE"/>
+          </a:p>
+        </p:txBody>
+      </p:sp>
+    </p:spTree>
+    <p:extLst>
+      <p:ext uri="{BB962C8B-B14F-4D97-AF65-F5344CB8AC3E}">
+        <p14:creationId xmlns:p14="http://schemas.microsoft.com/office/powerpoint/2010/main" val="3601242841"/>
+      </p:ext>
+    </p:extLst>
+  </p:cSld>
+  <p:clrMapOvr>
+    <a:masterClrMapping/>
+  </p:clrMapOvr>
+</p:sld>
+</file>
+
+<file path=ppt/slides/slide36.xml><?xml version="1.0" encoding="utf-8"?>
+<p:sld xmlns:a="http://schemas.openxmlformats.org/drawingml/2006/main" xmlns:r="http://schemas.openxmlformats.org/officeDocument/2006/relationships" xmlns:p="http://schemas.openxmlformats.org/presentationml/2006/main">
+  <p:cSld>
+    <p:spTree>
+      <p:nvGrpSpPr>
+        <p:cNvPr id="1" name=""/>
+        <p:cNvGrpSpPr/>
+        <p:nvPr/>
+      </p:nvGrpSpPr>
+      <p:grpSpPr>
+        <a:xfrm>
+          <a:off x="0" y="0"/>
+          <a:ext cx="0" cy="0"/>
+          <a:chOff x="0" y="0"/>
+          <a:chExt cx="0" cy="0"/>
+        </a:xfrm>
+      </p:grpSpPr>
+      <p:sp>
+        <p:nvSpPr>
+          <p:cNvPr id="2" name="Title 1">
+            <a:extLst>
+              <a:ext uri="{FF2B5EF4-FFF2-40B4-BE49-F238E27FC236}">
+                <a16:creationId xmlns:a16="http://schemas.microsoft.com/office/drawing/2014/main" id="{1DEFF95F-CF61-49C4-B9AA-440049470977}"/>
+              </a:ext>
+            </a:extLst>
+          </p:cNvPr>
+          <p:cNvSpPr>
+            <a:spLocks noGrp="1"/>
+          </p:cNvSpPr>
+          <p:nvPr>
+            <p:ph type="title"/>
+          </p:nvPr>
+        </p:nvSpPr>
+        <p:spPr/>
+        <p:txBody>
+          <a:bodyPr/>
+          <a:lstStyle/>
+          <a:p>
+            <a:r>
+              <a:rPr lang="nl-BE" dirty="0"/>
+              <a:t>Grondboring-Observaties: opmerkingen</a:t>
+            </a:r>
+          </a:p>
+        </p:txBody>
+      </p:sp>
+      <p:sp>
+        <p:nvSpPr>
+          <p:cNvPr id="3" name="Content Placeholder 2">
+            <a:extLst>
+              <a:ext uri="{FF2B5EF4-FFF2-40B4-BE49-F238E27FC236}">
+                <a16:creationId xmlns:a16="http://schemas.microsoft.com/office/drawing/2014/main" id="{B91FEBC3-BC36-44B4-98C0-7B7A5DAF600B}"/>
+              </a:ext>
+            </a:extLst>
+          </p:cNvPr>
+          <p:cNvSpPr>
+            <a:spLocks noGrp="1"/>
+          </p:cNvSpPr>
+          <p:nvPr>
+            <p:ph idx="1"/>
+          </p:nvPr>
+        </p:nvSpPr>
+        <p:spPr/>
+        <p:txBody>
+          <a:bodyPr/>
+          <a:lstStyle/>
+          <a:p>
+            <a:r>
+              <a:rPr lang="nl-BE" dirty="0" err="1"/>
+              <a:t>Korrelverdelingwaarde</a:t>
+            </a:r>
+            <a:r>
+              <a:rPr lang="nl-BE" dirty="0"/>
+              <a:t>:</a:t>
+            </a:r>
+          </a:p>
+          <a:p>
+            <a:pPr lvl="1"/>
+            <a:r>
+              <a:rPr lang="nl-BE" dirty="0"/>
+              <a:t>Nu opgesplitst in</a:t>
+            </a:r>
+          </a:p>
+          <a:p>
+            <a:pPr lvl="2"/>
+            <a:r>
+              <a:rPr lang="nl-BE" dirty="0" err="1"/>
+              <a:t>IntervalKorrelverdelingwaarde</a:t>
+            </a:r>
+            <a:endParaRPr lang="nl-BE" dirty="0"/>
+          </a:p>
+          <a:p>
+            <a:pPr lvl="2"/>
+            <a:r>
+              <a:rPr lang="nl-BE" dirty="0" err="1"/>
+              <a:t>CumulatieveKorrelverdelingwaarde</a:t>
+            </a:r>
+            <a:endParaRPr lang="nl-BE" dirty="0"/>
+          </a:p>
+        </p:txBody>
+      </p:sp>
+    </p:spTree>
+    <p:extLst>
+      <p:ext uri="{BB962C8B-B14F-4D97-AF65-F5344CB8AC3E}">
+        <p14:creationId xmlns:p14="http://schemas.microsoft.com/office/powerpoint/2010/main" val="388173885"/>
+      </p:ext>
+    </p:extLst>
+  </p:cSld>
+  <p:clrMapOvr>
+    <a:masterClrMapping/>
+  </p:clrMapOvr>
+</p:sld>
+</file>
+
+<file path=ppt/slides/slide37.xml><?xml version="1.0" encoding="utf-8"?>
+<p:sld xmlns:a="http://schemas.openxmlformats.org/drawingml/2006/main" xmlns:r="http://schemas.openxmlformats.org/officeDocument/2006/relationships" xmlns:p="http://schemas.openxmlformats.org/presentationml/2006/main">
+  <p:cSld>
+    <p:spTree>
+      <p:nvGrpSpPr>
+        <p:cNvPr id="1" name=""/>
+        <p:cNvGrpSpPr/>
+        <p:nvPr/>
+      </p:nvGrpSpPr>
+      <p:grpSpPr>
+        <a:xfrm>
+          <a:off x="0" y="0"/>
+          <a:ext cx="0" cy="0"/>
+          <a:chOff x="0" y="0"/>
+          <a:chExt cx="0" cy="0"/>
+        </a:xfrm>
+      </p:grpSpPr>
+      <p:sp>
+        <p:nvSpPr>
+          <p:cNvPr id="2" name="Title 1">
+            <a:extLst>
+              <a:ext uri="{FF2B5EF4-FFF2-40B4-BE49-F238E27FC236}">
+                <a16:creationId xmlns:a16="http://schemas.microsoft.com/office/drawing/2014/main" id="{1DEFF95F-CF61-49C4-B9AA-440049470977}"/>
+              </a:ext>
+            </a:extLst>
+          </p:cNvPr>
+          <p:cNvSpPr>
+            <a:spLocks noGrp="1"/>
+          </p:cNvSpPr>
+          <p:nvPr>
+            <p:ph type="title"/>
+          </p:nvPr>
+        </p:nvSpPr>
+        <p:spPr/>
+        <p:txBody>
+          <a:bodyPr>
+            <a:normAutofit/>
+          </a:bodyPr>
+          <a:lstStyle/>
+          <a:p>
+            <a:r>
+              <a:rPr lang="nl-BE" sz="3300" dirty="0"/>
+              <a:t>Grondboringen-Observaties: </a:t>
+            </a:r>
+            <a:r>
+              <a:rPr lang="nl-BE" sz="3300" dirty="0" err="1"/>
+              <a:t>vb</a:t>
+            </a:r>
+            <a:r>
+              <a:rPr lang="nl-BE" sz="3300" dirty="0"/>
+              <a:t> gespecialiseerde Observatie</a:t>
+            </a:r>
+          </a:p>
+        </p:txBody>
+      </p:sp>
+      <p:pic>
+        <p:nvPicPr>
+          <p:cNvPr id="5" name="Picture 4" descr="Diagram&#10;&#10;Description automatically generated">
+            <a:extLst>
+              <a:ext uri="{FF2B5EF4-FFF2-40B4-BE49-F238E27FC236}">
+                <a16:creationId xmlns:a16="http://schemas.microsoft.com/office/drawing/2014/main" id="{98F9A0C7-F5D8-46C9-BF59-96619F6CD7C0}"/>
+              </a:ext>
+            </a:extLst>
+          </p:cNvPr>
+          <p:cNvPicPr>
+            <a:picLocks noChangeAspect="1"/>
+          </p:cNvPicPr>
+          <p:nvPr/>
+        </p:nvPicPr>
+        <p:blipFill>
+          <a:blip r:embed="rId2">
+            <a:extLst>
+              <a:ext uri="{28A0092B-C50C-407E-A947-70E740481C1C}">
+                <a14:useLocalDpi xmlns:a14="http://schemas.microsoft.com/office/drawing/2010/main" val="0"/>
+              </a:ext>
+            </a:extLst>
+          </a:blip>
+          <a:stretch>
+            <a:fillRect/>
+          </a:stretch>
+        </p:blipFill>
+        <p:spPr>
+          <a:xfrm>
+            <a:off x="3254275" y="1447800"/>
+            <a:ext cx="5683450" cy="5133287"/>
+          </a:xfrm>
+          <a:prstGeom prst="rect">
+            <a:avLst/>
+          </a:prstGeom>
+        </p:spPr>
+      </p:pic>
+    </p:spTree>
+    <p:extLst>
+      <p:ext uri="{BB962C8B-B14F-4D97-AF65-F5344CB8AC3E}">
+        <p14:creationId xmlns:p14="http://schemas.microsoft.com/office/powerpoint/2010/main" val="1862427937"/>
+      </p:ext>
+    </p:extLst>
+  </p:cSld>
+  <p:clrMapOvr>
+    <a:masterClrMapping/>
+  </p:clrMapOvr>
+</p:sld>
+</file>
+
+<file path=ppt/slides/slide38.xml><?xml version="1.0" encoding="utf-8"?>
+<p:sld xmlns:a="http://schemas.openxmlformats.org/drawingml/2006/main" xmlns:r="http://schemas.openxmlformats.org/officeDocument/2006/relationships" xmlns:p="http://schemas.openxmlformats.org/presentationml/2006/main">
+  <p:cSld>
+    <p:spTree>
+      <p:nvGrpSpPr>
+        <p:cNvPr id="1" name=""/>
+        <p:cNvGrpSpPr/>
+        <p:nvPr/>
+      </p:nvGrpSpPr>
+      <p:grpSpPr>
+        <a:xfrm>
+          <a:off x="0" y="0"/>
+          <a:ext cx="0" cy="0"/>
+          <a:chOff x="0" y="0"/>
+          <a:chExt cx="0" cy="0"/>
+        </a:xfrm>
+      </p:grpSpPr>
+      <p:sp>
+        <p:nvSpPr>
+          <p:cNvPr id="2" name="Title 1">
+            <a:extLst>
+              <a:ext uri="{FF2B5EF4-FFF2-40B4-BE49-F238E27FC236}">
+                <a16:creationId xmlns:a16="http://schemas.microsoft.com/office/drawing/2014/main" id="{1DEFF95F-CF61-49C4-B9AA-440049470977}"/>
+              </a:ext>
+            </a:extLst>
+          </p:cNvPr>
+          <p:cNvSpPr>
+            <a:spLocks noGrp="1"/>
+          </p:cNvSpPr>
+          <p:nvPr>
+            <p:ph type="title"/>
+          </p:nvPr>
+        </p:nvSpPr>
+        <p:spPr/>
+        <p:txBody>
+          <a:bodyPr>
+            <a:normAutofit/>
+          </a:bodyPr>
+          <a:lstStyle/>
+          <a:p>
+            <a:r>
+              <a:rPr lang="nl-BE" sz="3600" dirty="0"/>
+              <a:t>Grondboringen-Observaties: </a:t>
+            </a:r>
+            <a:r>
+              <a:rPr lang="nl-BE" sz="3600" dirty="0" err="1"/>
+              <a:t>vb</a:t>
+            </a:r>
+            <a:r>
+              <a:rPr lang="nl-BE" sz="3600" dirty="0"/>
+              <a:t> generieke Observatie</a:t>
+            </a:r>
+          </a:p>
+        </p:txBody>
+      </p:sp>
+      <p:pic>
+        <p:nvPicPr>
+          <p:cNvPr id="4" name="Picture 3" descr="Diagram&#10;&#10;Description automatically generated">
+            <a:extLst>
+              <a:ext uri="{FF2B5EF4-FFF2-40B4-BE49-F238E27FC236}">
+                <a16:creationId xmlns:a16="http://schemas.microsoft.com/office/drawing/2014/main" id="{DE8F29B8-6A6D-4CA0-8C20-B7AFFBAD985A}"/>
+              </a:ext>
+            </a:extLst>
+          </p:cNvPr>
+          <p:cNvPicPr>
+            <a:picLocks noChangeAspect="1"/>
+          </p:cNvPicPr>
+          <p:nvPr/>
+        </p:nvPicPr>
+        <p:blipFill>
+          <a:blip r:embed="rId2">
+            <a:extLst>
+              <a:ext uri="{28A0092B-C50C-407E-A947-70E740481C1C}">
+                <a14:useLocalDpi xmlns:a14="http://schemas.microsoft.com/office/drawing/2010/main" val="0"/>
+              </a:ext>
+            </a:extLst>
+          </a:blip>
+          <a:stretch>
+            <a:fillRect/>
+          </a:stretch>
+        </p:blipFill>
+        <p:spPr>
+          <a:xfrm>
+            <a:off x="1081087" y="1690688"/>
+            <a:ext cx="10029825" cy="4469009"/>
+          </a:xfrm>
+          <a:prstGeom prst="rect">
+            <a:avLst/>
+          </a:prstGeom>
+        </p:spPr>
+      </p:pic>
+    </p:spTree>
+    <p:extLst>
+      <p:ext uri="{BB962C8B-B14F-4D97-AF65-F5344CB8AC3E}">
+        <p14:creationId xmlns:p14="http://schemas.microsoft.com/office/powerpoint/2010/main" val="3860943190"/>
+      </p:ext>
+    </p:extLst>
+  </p:cSld>
+  <p:clrMapOvr>
+    <a:masterClrMapping/>
+  </p:clrMapOvr>
+</p:sld>
+</file>
+
+<file path=ppt/slides/slide39.xml><?xml version="1.0" encoding="utf-8"?>
+<p:sld xmlns:a="http://schemas.openxmlformats.org/drawingml/2006/main" xmlns:r="http://schemas.openxmlformats.org/officeDocument/2006/relationships" xmlns:p="http://schemas.openxmlformats.org/presentationml/2006/main">
+  <p:cSld>
+    <p:spTree>
+      <p:nvGrpSpPr>
+        <p:cNvPr id="1" name=""/>
+        <p:cNvGrpSpPr/>
+        <p:nvPr/>
+      </p:nvGrpSpPr>
+      <p:grpSpPr>
+        <a:xfrm>
+          <a:off x="0" y="0"/>
+          <a:ext cx="0" cy="0"/>
+          <a:chOff x="0" y="0"/>
+          <a:chExt cx="0" cy="0"/>
+        </a:xfrm>
+      </p:grpSpPr>
+      <p:sp>
+        <p:nvSpPr>
+          <p:cNvPr id="2" name="Title 1">
+            <a:extLst>
+              <a:ext uri="{FF2B5EF4-FFF2-40B4-BE49-F238E27FC236}">
+                <a16:creationId xmlns:a16="http://schemas.microsoft.com/office/drawing/2014/main" id="{1DEFF95F-CF61-49C4-B9AA-440049470977}"/>
+              </a:ext>
+            </a:extLst>
+          </p:cNvPr>
+          <p:cNvSpPr>
+            <a:spLocks noGrp="1"/>
+          </p:cNvSpPr>
+          <p:nvPr>
+            <p:ph type="title"/>
+          </p:nvPr>
+        </p:nvSpPr>
+        <p:spPr/>
+        <p:txBody>
+          <a:bodyPr/>
+          <a:lstStyle/>
+          <a:p>
+            <a:r>
+              <a:rPr lang="nl-BE" dirty="0"/>
+              <a:t>Grondboringen-Observaties: issues</a:t>
+            </a:r>
+          </a:p>
+        </p:txBody>
+      </p:sp>
+      <p:sp>
+        <p:nvSpPr>
+          <p:cNvPr id="3" name="Content Placeholder 2">
+            <a:extLst>
+              <a:ext uri="{FF2B5EF4-FFF2-40B4-BE49-F238E27FC236}">
+                <a16:creationId xmlns:a16="http://schemas.microsoft.com/office/drawing/2014/main" id="{45B1F829-37C1-4254-98E6-62510F72313C}"/>
+              </a:ext>
+            </a:extLst>
+          </p:cNvPr>
+          <p:cNvSpPr>
+            <a:spLocks noGrp="1"/>
+          </p:cNvSpPr>
+          <p:nvPr>
+            <p:ph idx="1"/>
+          </p:nvPr>
+        </p:nvSpPr>
+        <p:spPr>
+          <a:xfrm>
+            <a:off x="838200" y="1825625"/>
+            <a:ext cx="10515600" cy="4351338"/>
+          </a:xfrm>
+        </p:spPr>
+        <p:txBody>
+          <a:bodyPr>
+            <a:normAutofit lnSpcReduction="10000"/>
+          </a:bodyPr>
+          <a:lstStyle/>
+          <a:p>
+            <a:r>
+              <a:rPr lang="nl-BE" sz="2400" dirty="0"/>
+              <a:t>Korrelverdeling:</a:t>
+            </a:r>
+          </a:p>
+          <a:p>
+            <a:pPr lvl="1"/>
+            <a:r>
+              <a:rPr lang="nl-BE" sz="2000" dirty="0" err="1"/>
+              <a:t>Korrelverdeling.geobserveerdObject</a:t>
+            </a:r>
+            <a:r>
+              <a:rPr lang="nl-BE" sz="2000" dirty="0"/>
+              <a:t> is </a:t>
+            </a:r>
+            <a:r>
+              <a:rPr lang="nl-BE" sz="2000" dirty="0" err="1"/>
+              <a:t>redefine</a:t>
+            </a:r>
+            <a:r>
+              <a:rPr lang="nl-BE" sz="2000" dirty="0"/>
+              <a:t> van </a:t>
+            </a:r>
+            <a:r>
+              <a:rPr lang="nl-BE" sz="2000" dirty="0" err="1"/>
+              <a:t>Observatie.geobserveerdObject</a:t>
+            </a:r>
+            <a:r>
+              <a:rPr lang="nl-BE" sz="2000" dirty="0"/>
+              <a:t> met Grondmonster als datatype. Beter geen </a:t>
+            </a:r>
+            <a:r>
+              <a:rPr lang="nl-BE" sz="2000" dirty="0" err="1"/>
+              <a:t>redefine</a:t>
+            </a:r>
+            <a:r>
+              <a:rPr lang="nl-BE" sz="2000" dirty="0"/>
+              <a:t>? Want ook van vloeistof (en zelfs lucht) is Korrelverdeling te bepalen te bepalen. Korrelverdeling is dan voor andere thema’s ook bruikbaar.</a:t>
+            </a:r>
+          </a:p>
+          <a:p>
+            <a:r>
+              <a:rPr lang="nl-BE" sz="2400" dirty="0"/>
+              <a:t>Doorlatendheid:</a:t>
+            </a:r>
+          </a:p>
+          <a:p>
+            <a:pPr lvl="1"/>
+            <a:r>
+              <a:rPr lang="nl-BE" sz="2000" dirty="0"/>
+              <a:t>Teveel gericht op 1 soort Doorlatendheidsproef? Er zijn nl veel methodes om doorlatendheid te bepalen (zie bv </a:t>
+            </a:r>
+            <a:r>
+              <a:rPr lang="nl-BE" sz="2000" dirty="0">
+                <a:hlinkClick r:id="rId2"/>
+              </a:rPr>
+              <a:t>link</a:t>
+            </a:r>
+            <a:r>
+              <a:rPr lang="nl-BE" sz="2000" dirty="0"/>
+              <a:t> p37). Niet elke Doorlatendheidsproef is overigens een Meetreeks (met specifiek p als meetpuntparameter).</a:t>
+            </a:r>
+          </a:p>
+          <a:p>
+            <a:r>
+              <a:rPr lang="nl-BE" sz="2400" dirty="0"/>
+              <a:t>Schuifweerstand, Samendrukbaarheid:</a:t>
+            </a:r>
+          </a:p>
+          <a:p>
+            <a:pPr lvl="1"/>
+            <a:r>
+              <a:rPr lang="nl-BE" sz="2000" dirty="0"/>
+              <a:t>Gelijkaardige opmerking.</a:t>
+            </a:r>
+          </a:p>
+          <a:p>
+            <a:r>
+              <a:rPr lang="nl-BE" sz="2400" dirty="0"/>
+              <a:t>Schuifweerstand:</a:t>
+            </a:r>
+          </a:p>
+          <a:p>
+            <a:pPr lvl="1"/>
+            <a:r>
+              <a:rPr lang="nl-BE" sz="2000" dirty="0"/>
+              <a:t>Correct gemodelleerd?</a:t>
+            </a:r>
+          </a:p>
+        </p:txBody>
+      </p:sp>
+    </p:spTree>
+    <p:extLst>
+      <p:ext uri="{BB962C8B-B14F-4D97-AF65-F5344CB8AC3E}">
+        <p14:creationId xmlns:p14="http://schemas.microsoft.com/office/powerpoint/2010/main" val="1548277589"/>
       </p:ext>
     </p:extLst>
   </p:cSld>
@@ -10466,6 +13382,112 @@
     <p:extLst>
       <p:ext uri="{BB962C8B-B14F-4D97-AF65-F5344CB8AC3E}">
         <p14:creationId xmlns:p14="http://schemas.microsoft.com/office/powerpoint/2010/main" val="3567293136"/>
+      </p:ext>
+    </p:extLst>
+  </p:cSld>
+  <p:clrMapOvr>
+    <a:masterClrMapping/>
+  </p:clrMapOvr>
+</p:sld>
+</file>
+
+<file path=ppt/slides/slide40.xml><?xml version="1.0" encoding="utf-8"?>
+<p:sld xmlns:a="http://schemas.openxmlformats.org/drawingml/2006/main" xmlns:r="http://schemas.openxmlformats.org/officeDocument/2006/relationships" xmlns:p="http://schemas.openxmlformats.org/presentationml/2006/main">
+  <p:cSld>
+    <p:spTree>
+      <p:nvGrpSpPr>
+        <p:cNvPr id="1" name=""/>
+        <p:cNvGrpSpPr/>
+        <p:nvPr/>
+      </p:nvGrpSpPr>
+      <p:grpSpPr>
+        <a:xfrm>
+          <a:off x="0" y="0"/>
+          <a:ext cx="0" cy="0"/>
+          <a:chOff x="0" y="0"/>
+          <a:chExt cx="0" cy="0"/>
+        </a:xfrm>
+      </p:grpSpPr>
+      <p:sp>
+        <p:nvSpPr>
+          <p:cNvPr id="2" name="Title 1">
+            <a:extLst>
+              <a:ext uri="{FF2B5EF4-FFF2-40B4-BE49-F238E27FC236}">
+                <a16:creationId xmlns:a16="http://schemas.microsoft.com/office/drawing/2014/main" id="{1DEFF95F-CF61-49C4-B9AA-440049470977}"/>
+              </a:ext>
+            </a:extLst>
+          </p:cNvPr>
+          <p:cNvSpPr>
+            <a:spLocks noGrp="1"/>
+          </p:cNvSpPr>
+          <p:nvPr>
+            <p:ph type="title"/>
+          </p:nvPr>
+        </p:nvSpPr>
+        <p:spPr/>
+        <p:txBody>
+          <a:bodyPr/>
+          <a:lstStyle/>
+          <a:p>
+            <a:r>
+              <a:rPr lang="nl-BE" dirty="0" err="1"/>
+              <a:t>To</a:t>
+            </a:r>
+            <a:r>
+              <a:rPr lang="nl-BE" dirty="0"/>
+              <a:t> </a:t>
+            </a:r>
+            <a:r>
+              <a:rPr lang="nl-BE" dirty="0" err="1"/>
+              <a:t>be</a:t>
+            </a:r>
+            <a:r>
+              <a:rPr lang="nl-BE" dirty="0"/>
+              <a:t> </a:t>
+            </a:r>
+            <a:r>
+              <a:rPr lang="nl-BE" dirty="0" err="1"/>
+              <a:t>continued</a:t>
+            </a:r>
+            <a:r>
+              <a:rPr lang="nl-BE" dirty="0"/>
+              <a:t>…</a:t>
+            </a:r>
+          </a:p>
+        </p:txBody>
+      </p:sp>
+      <p:sp>
+        <p:nvSpPr>
+          <p:cNvPr id="3" name="Content Placeholder 2">
+            <a:extLst>
+              <a:ext uri="{FF2B5EF4-FFF2-40B4-BE49-F238E27FC236}">
+                <a16:creationId xmlns:a16="http://schemas.microsoft.com/office/drawing/2014/main" id="{B91FEBC3-BC36-44B4-98C0-7B7A5DAF600B}"/>
+              </a:ext>
+            </a:extLst>
+          </p:cNvPr>
+          <p:cNvSpPr>
+            <a:spLocks noGrp="1"/>
+          </p:cNvSpPr>
+          <p:nvPr>
+            <p:ph idx="1"/>
+          </p:nvPr>
+        </p:nvSpPr>
+        <p:spPr/>
+        <p:txBody>
+          <a:bodyPr/>
+          <a:lstStyle/>
+          <a:p>
+            <a:r>
+              <a:rPr lang="nl-BE" dirty="0"/>
+              <a:t>()</a:t>
+            </a:r>
+          </a:p>
+        </p:txBody>
+      </p:sp>
+    </p:spTree>
+    <p:extLst>
+      <p:ext uri="{BB962C8B-B14F-4D97-AF65-F5344CB8AC3E}">
+        <p14:creationId xmlns:p14="http://schemas.microsoft.com/office/powerpoint/2010/main" val="77997021"/>
       </p:ext>
     </p:extLst>
   </p:cSld>
@@ -10494,10 +13516,10 @@
       </p:grpSpPr>
       <p:pic>
         <p:nvPicPr>
-          <p:cNvPr id="9" name="Picture 8" descr="Diagram&#10;&#10;Description automatically generated">
-            <a:extLst>
-              <a:ext uri="{FF2B5EF4-FFF2-40B4-BE49-F238E27FC236}">
-                <a16:creationId xmlns:a16="http://schemas.microsoft.com/office/drawing/2014/main" id="{36A2E2EA-46D0-427B-BADF-FF3634ADA4D1}"/>
+          <p:cNvPr id="6" name="Picture 5" descr="Diagram, schematic&#10;&#10;Description automatically generated">
+            <a:extLst>
+              <a:ext uri="{FF2B5EF4-FFF2-40B4-BE49-F238E27FC236}">
+                <a16:creationId xmlns:a16="http://schemas.microsoft.com/office/drawing/2014/main" id="{9B50C6DF-C33E-469C-BF78-7A534F8C72D5}"/>
               </a:ext>
             </a:extLst>
           </p:cNvPr>
@@ -10521,7 +13543,7 @@
         <p:spPr>
           <a:xfrm>
             <a:off x="585786" y="1861340"/>
-            <a:ext cx="11020425" cy="4022176"/>
+            <a:ext cx="11020425" cy="4045449"/>
           </a:xfrm>
           <a:prstGeom prst="rect">
             <a:avLst/>
@@ -10822,6 +13844,20 @@
             <a:r>
               <a:rPr lang="nl-BE" dirty="0"/>
               <a:t>Bemonsteringsprocedure</a:t>
+            </a:r>
+          </a:p>
+          <a:p>
+            <a:pPr lvl="1"/>
+            <a:r>
+              <a:rPr lang="nl-BE" dirty="0"/>
+              <a:t>Input</a:t>
+            </a:r>
+          </a:p>
+          <a:p>
+            <a:pPr lvl="1"/>
+            <a:r>
+              <a:rPr lang="nl-BE" dirty="0"/>
+              <a:t>Output</a:t>
             </a:r>
           </a:p>
         </p:txBody>
@@ -10858,10 +13894,10 @@
       </p:grpSpPr>
       <p:pic>
         <p:nvPicPr>
-          <p:cNvPr id="12" name="Picture 11" descr="Diagram&#10;&#10;Description automatically generated">
-            <a:extLst>
-              <a:ext uri="{FF2B5EF4-FFF2-40B4-BE49-F238E27FC236}">
-                <a16:creationId xmlns:a16="http://schemas.microsoft.com/office/drawing/2014/main" id="{09E0C648-D235-4491-9D4C-F0773FCEBBEB}"/>
+          <p:cNvPr id="22" name="Picture 21" descr="Diagram, schematic&#10;&#10;Description automatically generated">
+            <a:extLst>
+              <a:ext uri="{FF2B5EF4-FFF2-40B4-BE49-F238E27FC236}">
+                <a16:creationId xmlns:a16="http://schemas.microsoft.com/office/drawing/2014/main" id="{3D0D0E42-6DBC-46B0-B7ED-0B41DFD4BDEA}"/>
               </a:ext>
             </a:extLst>
           </p:cNvPr>
@@ -10885,7 +13921,7 @@
         <p:spPr>
           <a:xfrm>
             <a:off x="585786" y="1861340"/>
-            <a:ext cx="11020425" cy="4022176"/>
+            <a:ext cx="11020425" cy="4045449"/>
           </a:xfrm>
           <a:prstGeom prst="rect">
             <a:avLst/>
@@ -10920,57 +13956,21 @@
           </a:p>
         </p:txBody>
       </p:sp>
-      <p:pic>
-        <p:nvPicPr>
-          <p:cNvPr id="7" name="Picture 6" descr="Diagram&#10;&#10;Description automatically generated">
-            <a:extLst>
-              <a:ext uri="{FF2B5EF4-FFF2-40B4-BE49-F238E27FC236}">
-                <a16:creationId xmlns:a16="http://schemas.microsoft.com/office/drawing/2014/main" id="{F9E32980-C649-4571-973B-243BA1A89E2E}"/>
-              </a:ext>
-            </a:extLst>
-          </p:cNvPr>
-          <p:cNvPicPr>
-            <a:picLocks noChangeAspect="1"/>
-          </p:cNvPicPr>
+      <p:sp>
+        <p:nvSpPr>
+          <p:cNvPr id="3" name="Rectangle 2">
+            <a:extLst>
+              <a:ext uri="{FF2B5EF4-FFF2-40B4-BE49-F238E27FC236}">
+                <a16:creationId xmlns:a16="http://schemas.microsoft.com/office/drawing/2014/main" id="{1A3745C4-B378-4C11-9767-C33D6E14D0C5}"/>
+              </a:ext>
+            </a:extLst>
+          </p:cNvPr>
+          <p:cNvSpPr/>
           <p:nvPr/>
-        </p:nvPicPr>
-        <p:blipFill>
-          <a:blip r:embed="rId3">
-            <a:extLst>
-              <a:ext uri="{28A0092B-C50C-407E-A947-70E740481C1C}">
-                <a14:useLocalDpi xmlns:a14="http://schemas.microsoft.com/office/drawing/2010/main" val="0"/>
-              </a:ext>
-            </a:extLst>
-          </a:blip>
-          <a:stretch>
-            <a:fillRect/>
-          </a:stretch>
-        </p:blipFill>
+        </p:nvSpPr>
         <p:spPr>
           <a:xfrm>
-            <a:off x="585787" y="1861340"/>
-            <a:ext cx="11020425" cy="4022176"/>
-          </a:xfrm>
-          <a:prstGeom prst="rect">
-            <a:avLst/>
-          </a:prstGeom>
-        </p:spPr>
-      </p:pic>
-      <p:sp>
-        <p:nvSpPr>
-          <p:cNvPr id="3" name="Rectangle 2">
-            <a:extLst>
-              <a:ext uri="{FF2B5EF4-FFF2-40B4-BE49-F238E27FC236}">
-                <a16:creationId xmlns:a16="http://schemas.microsoft.com/office/drawing/2014/main" id="{1A3745C4-B378-4C11-9767-C33D6E14D0C5}"/>
-              </a:ext>
-            </a:extLst>
-          </p:cNvPr>
-          <p:cNvSpPr/>
-          <p:nvPr/>
-        </p:nvSpPr>
-        <p:spPr>
-          <a:xfrm>
-            <a:off x="6843714" y="2478505"/>
+            <a:off x="6870609" y="2505400"/>
             <a:ext cx="461962" cy="374233"/>
           </a:xfrm>
           <a:prstGeom prst="rect">
@@ -11022,7 +14022,7 @@
         </p:nvSpPr>
         <p:spPr>
           <a:xfrm>
-            <a:off x="6767513" y="3082796"/>
+            <a:off x="6794408" y="3109691"/>
             <a:ext cx="620379" cy="412880"/>
           </a:xfrm>
           <a:prstGeom prst="rect">
@@ -11126,7 +14126,7 @@
         </p:nvSpPr>
         <p:spPr>
           <a:xfrm>
-            <a:off x="6743701" y="1842290"/>
+            <a:off x="6770596" y="1869185"/>
             <a:ext cx="676275" cy="481263"/>
           </a:xfrm>
           <a:prstGeom prst="rect">
@@ -11284,6 +14284,110 @@
           <a:xfrm>
             <a:off x="627458" y="3102118"/>
             <a:ext cx="626269" cy="374234"/>
+          </a:xfrm>
+          <a:prstGeom prst="rect">
+            <a:avLst/>
+          </a:prstGeom>
+          <a:noFill/>
+          <a:ln w="28575">
+            <a:solidFill>
+              <a:srgbClr val="FF0000"/>
+            </a:solidFill>
+          </a:ln>
+        </p:spPr>
+        <p:style>
+          <a:lnRef idx="2">
+            <a:schemeClr val="accent1">
+              <a:shade val="50000"/>
+            </a:schemeClr>
+          </a:lnRef>
+          <a:fillRef idx="1">
+            <a:schemeClr val="accent1"/>
+          </a:fillRef>
+          <a:effectRef idx="0">
+            <a:schemeClr val="accent1"/>
+          </a:effectRef>
+          <a:fontRef idx="minor">
+            <a:schemeClr val="lt1"/>
+          </a:fontRef>
+        </p:style>
+        <p:txBody>
+          <a:bodyPr rtlCol="0" anchor="ctr"/>
+          <a:lstStyle/>
+          <a:p>
+            <a:pPr algn="ctr"/>
+            <a:endParaRPr lang="nl-BE"/>
+          </a:p>
+        </p:txBody>
+      </p:sp>
+      <p:sp>
+        <p:nvSpPr>
+          <p:cNvPr id="18" name="Rectangle 17">
+            <a:extLst>
+              <a:ext uri="{FF2B5EF4-FFF2-40B4-BE49-F238E27FC236}">
+                <a16:creationId xmlns:a16="http://schemas.microsoft.com/office/drawing/2014/main" id="{8901359B-B205-4189-B130-1E6835CBAB5E}"/>
+              </a:ext>
+            </a:extLst>
+          </p:cNvPr>
+          <p:cNvSpPr/>
+          <p:nvPr/>
+        </p:nvSpPr>
+        <p:spPr>
+          <a:xfrm>
+            <a:off x="6517771" y="4603937"/>
+            <a:ext cx="406627" cy="299756"/>
+          </a:xfrm>
+          <a:prstGeom prst="rect">
+            <a:avLst/>
+          </a:prstGeom>
+          <a:noFill/>
+          <a:ln w="28575">
+            <a:solidFill>
+              <a:srgbClr val="FF0000"/>
+            </a:solidFill>
+          </a:ln>
+        </p:spPr>
+        <p:style>
+          <a:lnRef idx="2">
+            <a:schemeClr val="accent1">
+              <a:shade val="50000"/>
+            </a:schemeClr>
+          </a:lnRef>
+          <a:fillRef idx="1">
+            <a:schemeClr val="accent1"/>
+          </a:fillRef>
+          <a:effectRef idx="0">
+            <a:schemeClr val="accent1"/>
+          </a:effectRef>
+          <a:fontRef idx="minor">
+            <a:schemeClr val="lt1"/>
+          </a:fontRef>
+        </p:style>
+        <p:txBody>
+          <a:bodyPr rtlCol="0" anchor="ctr"/>
+          <a:lstStyle/>
+          <a:p>
+            <a:pPr algn="ctr"/>
+            <a:endParaRPr lang="nl-BE"/>
+          </a:p>
+        </p:txBody>
+      </p:sp>
+      <p:sp>
+        <p:nvSpPr>
+          <p:cNvPr id="19" name="Rectangle 18">
+            <a:extLst>
+              <a:ext uri="{FF2B5EF4-FFF2-40B4-BE49-F238E27FC236}">
+                <a16:creationId xmlns:a16="http://schemas.microsoft.com/office/drawing/2014/main" id="{AB76E570-B6F3-4100-9EA5-523476BF7A36}"/>
+              </a:ext>
+            </a:extLst>
+          </p:cNvPr>
+          <p:cNvSpPr/>
+          <p:nvPr/>
+        </p:nvSpPr>
+        <p:spPr>
+          <a:xfrm>
+            <a:off x="7217018" y="4594972"/>
+            <a:ext cx="406627" cy="299756"/>
           </a:xfrm>
           <a:prstGeom prst="rect">
             <a:avLst/>
